--- a/IHearISay/I_HEAR_I_SAY_Points_Techniques.pptx
+++ b/IHearISay/I_HEAR_I_SAY_Points_Techniques.pptx
@@ -6297,8 +6297,8 @@
     </dgm:pt>
   </dgm:ptLst>
   <dgm:cxnLst>
+    <dgm:cxn modelId="{1C8E920F-3E67-4106-8FE2-1E5D1954B351}" type="presOf" srcId="{0259D84A-4796-4366-BA60-D7065EA96C71}" destId="{DF757741-D2C4-47CD-B81F-0494B81FB4EA}" srcOrd="0" destOrd="0" presId="urn:microsoft.com/office/officeart/2005/8/layout/chevron1"/>
     <dgm:cxn modelId="{6C3F1AC4-298B-4D68-A3B6-46A3E4B5E6DC}" srcId="{2A76A016-75FB-4EB8-A025-6ACD7A3F5B7D}" destId="{0259D84A-4796-4366-BA60-D7065EA96C71}" srcOrd="2" destOrd="0" parTransId="{2844B534-BEBF-43CF-B484-5CFCA8900E85}" sibTransId="{CA49B43B-3BCA-497E-B500-5523E9DB4D6C}"/>
-    <dgm:cxn modelId="{1C8E920F-3E67-4106-8FE2-1E5D1954B351}" type="presOf" srcId="{0259D84A-4796-4366-BA60-D7065EA96C71}" destId="{DF757741-D2C4-47CD-B81F-0494B81FB4EA}" srcOrd="0" destOrd="0" presId="urn:microsoft.com/office/officeart/2005/8/layout/chevron1"/>
     <dgm:cxn modelId="{A663C2AA-C216-4373-A6FB-09EE1CB7DF99}" type="presOf" srcId="{6C099256-A3F1-42A6-931A-474918379EC3}" destId="{1F6056EB-C534-4970-B58E-AD722CC6900E}" srcOrd="0" destOrd="0" presId="urn:microsoft.com/office/officeart/2005/8/layout/chevron1"/>
     <dgm:cxn modelId="{F172F72A-C297-494D-AD24-0ACCF2DF1F3F}" type="presOf" srcId="{2A76A016-75FB-4EB8-A025-6ACD7A3F5B7D}" destId="{2DFC64A5-769C-4372-9615-1FA4B1491470}" srcOrd="0" destOrd="0" presId="urn:microsoft.com/office/officeart/2005/8/layout/chevron1"/>
     <dgm:cxn modelId="{54CD1257-05B7-4992-90E1-19728B5A48CD}" srcId="{2A76A016-75FB-4EB8-A025-6ACD7A3F5B7D}" destId="{68E789BA-346D-43BD-9465-734B217059F0}" srcOrd="1" destOrd="0" parTransId="{BFCF06E6-B9DC-4E18-9537-7296BC3BCBA2}" sibTransId="{C9B12BE5-522A-43A8-A491-AC2795BA9602}"/>
@@ -6959,8 +6959,8 @@
   <dgm:cxnLst>
     <dgm:cxn modelId="{6C3F1AC4-298B-4D68-A3B6-46A3E4B5E6DC}" srcId="{2A76A016-75FB-4EB8-A025-6ACD7A3F5B7D}" destId="{0259D84A-4796-4366-BA60-D7065EA96C71}" srcOrd="2" destOrd="0" parTransId="{2844B534-BEBF-43CF-B484-5CFCA8900E85}" sibTransId="{CA49B43B-3BCA-497E-B500-5523E9DB4D6C}"/>
     <dgm:cxn modelId="{54CD1257-05B7-4992-90E1-19728B5A48CD}" srcId="{2A76A016-75FB-4EB8-A025-6ACD7A3F5B7D}" destId="{68E789BA-346D-43BD-9465-734B217059F0}" srcOrd="1" destOrd="0" parTransId="{BFCF06E6-B9DC-4E18-9537-7296BC3BCBA2}" sibTransId="{C9B12BE5-522A-43A8-A491-AC2795BA9602}"/>
+    <dgm:cxn modelId="{C8954DA0-1728-4792-9DD7-47321D34CA6B}" type="presOf" srcId="{0259D84A-4796-4366-BA60-D7065EA96C71}" destId="{DF757741-D2C4-47CD-B81F-0494B81FB4EA}" srcOrd="0" destOrd="0" presId="urn:microsoft.com/office/officeart/2005/8/layout/chevron1"/>
     <dgm:cxn modelId="{469C87CF-F5DF-49FE-99F1-2B80000E8C7F}" srcId="{2A76A016-75FB-4EB8-A025-6ACD7A3F5B7D}" destId="{6C099256-A3F1-42A6-931A-474918379EC3}" srcOrd="0" destOrd="0" parTransId="{7AC3B3FF-A9FA-4238-87B0-F8A658AD7018}" sibTransId="{148C0DA2-0218-4FFE-8809-25F2D2ED809C}"/>
-    <dgm:cxn modelId="{C8954DA0-1728-4792-9DD7-47321D34CA6B}" type="presOf" srcId="{0259D84A-4796-4366-BA60-D7065EA96C71}" destId="{DF757741-D2C4-47CD-B81F-0494B81FB4EA}" srcOrd="0" destOrd="0" presId="urn:microsoft.com/office/officeart/2005/8/layout/chevron1"/>
     <dgm:cxn modelId="{A56F3C85-C253-43B6-9463-6B378B1D16DB}" type="presOf" srcId="{68E789BA-346D-43BD-9465-734B217059F0}" destId="{1AA5F17D-B47A-4297-B5BB-8C6B99E6C5DA}" srcOrd="0" destOrd="0" presId="urn:microsoft.com/office/officeart/2005/8/layout/chevron1"/>
     <dgm:cxn modelId="{4E3FA3C5-E077-416F-BA9C-C0777BCC3338}" type="presOf" srcId="{2A76A016-75FB-4EB8-A025-6ACD7A3F5B7D}" destId="{2DFC64A5-769C-4372-9615-1FA4B1491470}" srcOrd="0" destOrd="0" presId="urn:microsoft.com/office/officeart/2005/8/layout/chevron1"/>
     <dgm:cxn modelId="{87C87ABA-AEA8-4809-971D-562E3C0DF47B}" type="presOf" srcId="{6C099256-A3F1-42A6-931A-474918379EC3}" destId="{1F6056EB-C534-4970-B58E-AD722CC6900E}" srcOrd="0" destOrd="0" presId="urn:microsoft.com/office/officeart/2005/8/layout/chevron1"/>
@@ -7179,8 +7179,8 @@
   <dgm:cxnLst>
     <dgm:cxn modelId="{D99D8AC0-C31E-444D-BFA2-80BF53B9BE7A}" type="presOf" srcId="{2A76A016-75FB-4EB8-A025-6ACD7A3F5B7D}" destId="{2DFC64A5-769C-4372-9615-1FA4B1491470}" srcOrd="0" destOrd="0" presId="urn:microsoft.com/office/officeart/2005/8/layout/chevron1"/>
     <dgm:cxn modelId="{6C3F1AC4-298B-4D68-A3B6-46A3E4B5E6DC}" srcId="{2A76A016-75FB-4EB8-A025-6ACD7A3F5B7D}" destId="{0259D84A-4796-4366-BA60-D7065EA96C71}" srcOrd="2" destOrd="0" parTransId="{2844B534-BEBF-43CF-B484-5CFCA8900E85}" sibTransId="{CA49B43B-3BCA-497E-B500-5523E9DB4D6C}"/>
+    <dgm:cxn modelId="{54CD1257-05B7-4992-90E1-19728B5A48CD}" srcId="{2A76A016-75FB-4EB8-A025-6ACD7A3F5B7D}" destId="{68E789BA-346D-43BD-9465-734B217059F0}" srcOrd="1" destOrd="0" parTransId="{BFCF06E6-B9DC-4E18-9537-7296BC3BCBA2}" sibTransId="{C9B12BE5-522A-43A8-A491-AC2795BA9602}"/>
     <dgm:cxn modelId="{469C87CF-F5DF-49FE-99F1-2B80000E8C7F}" srcId="{2A76A016-75FB-4EB8-A025-6ACD7A3F5B7D}" destId="{6C099256-A3F1-42A6-931A-474918379EC3}" srcOrd="0" destOrd="0" parTransId="{7AC3B3FF-A9FA-4238-87B0-F8A658AD7018}" sibTransId="{148C0DA2-0218-4FFE-8809-25F2D2ED809C}"/>
-    <dgm:cxn modelId="{54CD1257-05B7-4992-90E1-19728B5A48CD}" srcId="{2A76A016-75FB-4EB8-A025-6ACD7A3F5B7D}" destId="{68E789BA-346D-43BD-9465-734B217059F0}" srcOrd="1" destOrd="0" parTransId="{BFCF06E6-B9DC-4E18-9537-7296BC3BCBA2}" sibTransId="{C9B12BE5-522A-43A8-A491-AC2795BA9602}"/>
     <dgm:cxn modelId="{EF8B8C3D-3B3D-420B-BB63-E46BFF2D529F}" type="presOf" srcId="{6C099256-A3F1-42A6-931A-474918379EC3}" destId="{1F6056EB-C534-4970-B58E-AD722CC6900E}" srcOrd="0" destOrd="0" presId="urn:microsoft.com/office/officeart/2005/8/layout/chevron1"/>
     <dgm:cxn modelId="{E4BBE322-DB19-4A72-BAFA-2442333F56D2}" type="presOf" srcId="{0259D84A-4796-4366-BA60-D7065EA96C71}" destId="{DF757741-D2C4-47CD-B81F-0494B81FB4EA}" srcOrd="0" destOrd="0" presId="urn:microsoft.com/office/officeart/2005/8/layout/chevron1"/>
     <dgm:cxn modelId="{FCCB12D5-1E18-400D-9C71-93FB647D6474}" type="presOf" srcId="{68E789BA-346D-43BD-9465-734B217059F0}" destId="{1AA5F17D-B47A-4297-B5BB-8C6B99E6C5DA}" srcOrd="0" destOrd="0" presId="urn:microsoft.com/office/officeart/2005/8/layout/chevron1"/>
@@ -7868,227 +7868,6 @@
       <dsp:cNvGrpSpPr/>
     </dsp:nvGrpSpPr>
     <dsp:grpSpPr/>
-    <dsp:sp modelId="{1F6056EB-C534-4970-B58E-AD722CC6900E}">
-      <dsp:nvSpPr>
-        <dsp:cNvPr id="0" name=""/>
-        <dsp:cNvSpPr/>
-      </dsp:nvSpPr>
-      <dsp:spPr>
-        <a:xfrm>
-          <a:off x="1673" y="0"/>
-          <a:ext cx="2039194" cy="410198"/>
-        </a:xfrm>
-        <a:prstGeom prst="chevron">
-          <a:avLst/>
-        </a:prstGeom>
-        <a:solidFill>
-          <a:schemeClr val="accent1"/>
-        </a:solidFill>
-        <a:ln w="15875" cap="rnd" cmpd="sng" algn="ctr">
-          <a:solidFill>
-            <a:schemeClr val="lt1">
-              <a:hueOff val="0"/>
-              <a:satOff val="0"/>
-              <a:lumOff val="0"/>
-              <a:alphaOff val="0"/>
-            </a:schemeClr>
-          </a:solidFill>
-          <a:prstDash val="solid"/>
-        </a:ln>
-        <a:effectLst/>
-      </dsp:spPr>
-      <dsp:style>
-        <a:lnRef idx="2">
-          <a:scrgbClr r="0" g="0" b="0"/>
-        </a:lnRef>
-        <a:fillRef idx="1">
-          <a:scrgbClr r="0" g="0" b="0"/>
-        </a:fillRef>
-        <a:effectRef idx="0">
-          <a:scrgbClr r="0" g="0" b="0"/>
-        </a:effectRef>
-        <a:fontRef idx="minor">
-          <a:schemeClr val="lt1"/>
-        </a:fontRef>
-      </dsp:style>
-      <dsp:txBody>
-        <a:bodyPr spcFirstLastPara="0" vert="horz" wrap="square" lIns="80010" tIns="26670" rIns="26670" bIns="26670" numCol="1" spcCol="1270" anchor="ctr" anchorCtr="0">
-          <a:noAutofit/>
-        </a:bodyPr>
-        <a:lstStyle/>
-        <a:p>
-          <a:pPr lvl="0" algn="ctr" defTabSz="889000">
-            <a:lnSpc>
-              <a:spcPct val="90000"/>
-            </a:lnSpc>
-            <a:spcBef>
-              <a:spcPct val="0"/>
-            </a:spcBef>
-            <a:spcAft>
-              <a:spcPct val="35000"/>
-            </a:spcAft>
-          </a:pPr>
-          <a:r>
-            <a:rPr lang="fr-FR" sz="2000" kern="1200" dirty="0" smtClean="0"/>
-            <a:t>Introduction</a:t>
-          </a:r>
-          <a:endParaRPr lang="fr-FR" sz="2000" kern="1200" dirty="0"/>
-        </a:p>
-      </dsp:txBody>
-      <dsp:txXfrm>
-        <a:off x="206772" y="0"/>
-        <a:ext cx="1628996" cy="410198"/>
-      </dsp:txXfrm>
-    </dsp:sp>
-    <dsp:sp modelId="{1AA5F17D-B47A-4297-B5BB-8C6B99E6C5DA}">
-      <dsp:nvSpPr>
-        <dsp:cNvPr id="0" name=""/>
-        <dsp:cNvSpPr/>
-      </dsp:nvSpPr>
-      <dsp:spPr>
-        <a:xfrm>
-          <a:off x="1836948" y="0"/>
-          <a:ext cx="2039194" cy="410198"/>
-        </a:xfrm>
-        <a:prstGeom prst="chevron">
-          <a:avLst/>
-        </a:prstGeom>
-        <a:solidFill>
-          <a:srgbClr val="FF0000"/>
-        </a:solidFill>
-        <a:ln w="15875" cap="rnd" cmpd="sng" algn="ctr">
-          <a:solidFill>
-            <a:schemeClr val="lt1">
-              <a:hueOff val="0"/>
-              <a:satOff val="0"/>
-              <a:lumOff val="0"/>
-              <a:alphaOff val="0"/>
-            </a:schemeClr>
-          </a:solidFill>
-          <a:prstDash val="solid"/>
-        </a:ln>
-        <a:effectLst/>
-      </dsp:spPr>
-      <dsp:style>
-        <a:lnRef idx="2">
-          <a:scrgbClr r="0" g="0" b="0"/>
-        </a:lnRef>
-        <a:fillRef idx="1">
-          <a:scrgbClr r="0" g="0" b="0"/>
-        </a:fillRef>
-        <a:effectRef idx="0">
-          <a:scrgbClr r="0" g="0" b="0"/>
-        </a:effectRef>
-        <a:fontRef idx="minor">
-          <a:schemeClr val="lt1"/>
-        </a:fontRef>
-      </dsp:style>
-      <dsp:txBody>
-        <a:bodyPr spcFirstLastPara="0" vert="horz" wrap="square" lIns="80010" tIns="26670" rIns="26670" bIns="26670" numCol="1" spcCol="1270" anchor="ctr" anchorCtr="0">
-          <a:noAutofit/>
-        </a:bodyPr>
-        <a:lstStyle/>
-        <a:p>
-          <a:pPr lvl="0" algn="ctr" defTabSz="889000">
-            <a:lnSpc>
-              <a:spcPct val="90000"/>
-            </a:lnSpc>
-            <a:spcBef>
-              <a:spcPct val="0"/>
-            </a:spcBef>
-            <a:spcAft>
-              <a:spcPct val="35000"/>
-            </a:spcAft>
-          </a:pPr>
-          <a:r>
-            <a:rPr lang="fr-FR" sz="2000" kern="1200" dirty="0" smtClean="0"/>
-            <a:t>Technique</a:t>
-          </a:r>
-          <a:endParaRPr lang="fr-FR" sz="2000" kern="1200" dirty="0"/>
-        </a:p>
-      </dsp:txBody>
-      <dsp:txXfrm>
-        <a:off x="2042047" y="0"/>
-        <a:ext cx="1628996" cy="410198"/>
-      </dsp:txXfrm>
-    </dsp:sp>
-    <dsp:sp modelId="{DF757741-D2C4-47CD-B81F-0494B81FB4EA}">
-      <dsp:nvSpPr>
-        <dsp:cNvPr id="0" name=""/>
-        <dsp:cNvSpPr/>
-      </dsp:nvSpPr>
-      <dsp:spPr>
-        <a:xfrm>
-          <a:off x="3672223" y="0"/>
-          <a:ext cx="2039194" cy="410198"/>
-        </a:xfrm>
-        <a:prstGeom prst="chevron">
-          <a:avLst/>
-        </a:prstGeom>
-        <a:solidFill>
-          <a:schemeClr val="accent1">
-            <a:hueOff val="0"/>
-            <a:satOff val="0"/>
-            <a:lumOff val="0"/>
-            <a:alphaOff val="0"/>
-          </a:schemeClr>
-        </a:solidFill>
-        <a:ln w="15875" cap="rnd" cmpd="sng" algn="ctr">
-          <a:solidFill>
-            <a:schemeClr val="lt1">
-              <a:hueOff val="0"/>
-              <a:satOff val="0"/>
-              <a:lumOff val="0"/>
-              <a:alphaOff val="0"/>
-            </a:schemeClr>
-          </a:solidFill>
-          <a:prstDash val="solid"/>
-        </a:ln>
-        <a:effectLst/>
-      </dsp:spPr>
-      <dsp:style>
-        <a:lnRef idx="2">
-          <a:scrgbClr r="0" g="0" b="0"/>
-        </a:lnRef>
-        <a:fillRef idx="1">
-          <a:scrgbClr r="0" g="0" b="0"/>
-        </a:fillRef>
-        <a:effectRef idx="0">
-          <a:scrgbClr r="0" g="0" b="0"/>
-        </a:effectRef>
-        <a:fontRef idx="minor">
-          <a:schemeClr val="lt1"/>
-        </a:fontRef>
-      </dsp:style>
-      <dsp:txBody>
-        <a:bodyPr spcFirstLastPara="0" vert="horz" wrap="square" lIns="80010" tIns="26670" rIns="26670" bIns="26670" numCol="1" spcCol="1270" anchor="ctr" anchorCtr="0">
-          <a:noAutofit/>
-        </a:bodyPr>
-        <a:lstStyle/>
-        <a:p>
-          <a:pPr lvl="0" algn="ctr" defTabSz="889000">
-            <a:lnSpc>
-              <a:spcPct val="90000"/>
-            </a:lnSpc>
-            <a:spcBef>
-              <a:spcPct val="0"/>
-            </a:spcBef>
-            <a:spcAft>
-              <a:spcPct val="35000"/>
-            </a:spcAft>
-          </a:pPr>
-          <a:r>
-            <a:rPr lang="fr-FR" sz="2000" kern="1200" dirty="0" smtClean="0"/>
-            <a:t>Bilan</a:t>
-          </a:r>
-          <a:endParaRPr lang="fr-FR" sz="2000" kern="1200" dirty="0"/>
-        </a:p>
-      </dsp:txBody>
-      <dsp:txXfrm>
-        <a:off x="3877322" y="0"/>
-        <a:ext cx="1628996" cy="410198"/>
-      </dsp:txXfrm>
-    </dsp:sp>
   </dsp:spTree>
 </dsp:drawing>
 </file>
@@ -8101,227 +7880,6 @@
       <dsp:cNvGrpSpPr/>
     </dsp:nvGrpSpPr>
     <dsp:grpSpPr/>
-    <dsp:sp modelId="{1F6056EB-C534-4970-B58E-AD722CC6900E}">
-      <dsp:nvSpPr>
-        <dsp:cNvPr id="0" name=""/>
-        <dsp:cNvSpPr/>
-      </dsp:nvSpPr>
-      <dsp:spPr>
-        <a:xfrm>
-          <a:off x="1673" y="0"/>
-          <a:ext cx="2039194" cy="410198"/>
-        </a:xfrm>
-        <a:prstGeom prst="chevron">
-          <a:avLst/>
-        </a:prstGeom>
-        <a:solidFill>
-          <a:schemeClr val="accent1"/>
-        </a:solidFill>
-        <a:ln w="15875" cap="rnd" cmpd="sng" algn="ctr">
-          <a:solidFill>
-            <a:schemeClr val="lt1">
-              <a:hueOff val="0"/>
-              <a:satOff val="0"/>
-              <a:lumOff val="0"/>
-              <a:alphaOff val="0"/>
-            </a:schemeClr>
-          </a:solidFill>
-          <a:prstDash val="solid"/>
-        </a:ln>
-        <a:effectLst/>
-      </dsp:spPr>
-      <dsp:style>
-        <a:lnRef idx="2">
-          <a:scrgbClr r="0" g="0" b="0"/>
-        </a:lnRef>
-        <a:fillRef idx="1">
-          <a:scrgbClr r="0" g="0" b="0"/>
-        </a:fillRef>
-        <a:effectRef idx="0">
-          <a:scrgbClr r="0" g="0" b="0"/>
-        </a:effectRef>
-        <a:fontRef idx="minor">
-          <a:schemeClr val="lt1"/>
-        </a:fontRef>
-      </dsp:style>
-      <dsp:txBody>
-        <a:bodyPr spcFirstLastPara="0" vert="horz" wrap="square" lIns="80010" tIns="26670" rIns="26670" bIns="26670" numCol="1" spcCol="1270" anchor="ctr" anchorCtr="0">
-          <a:noAutofit/>
-        </a:bodyPr>
-        <a:lstStyle/>
-        <a:p>
-          <a:pPr lvl="0" algn="ctr" defTabSz="889000">
-            <a:lnSpc>
-              <a:spcPct val="90000"/>
-            </a:lnSpc>
-            <a:spcBef>
-              <a:spcPct val="0"/>
-            </a:spcBef>
-            <a:spcAft>
-              <a:spcPct val="35000"/>
-            </a:spcAft>
-          </a:pPr>
-          <a:r>
-            <a:rPr lang="fr-FR" sz="2000" kern="1200" dirty="0" smtClean="0"/>
-            <a:t>Introduction</a:t>
-          </a:r>
-          <a:endParaRPr lang="fr-FR" sz="2000" kern="1200" dirty="0"/>
-        </a:p>
-      </dsp:txBody>
-      <dsp:txXfrm>
-        <a:off x="206772" y="0"/>
-        <a:ext cx="1628996" cy="410198"/>
-      </dsp:txXfrm>
-    </dsp:sp>
-    <dsp:sp modelId="{1AA5F17D-B47A-4297-B5BB-8C6B99E6C5DA}">
-      <dsp:nvSpPr>
-        <dsp:cNvPr id="0" name=""/>
-        <dsp:cNvSpPr/>
-      </dsp:nvSpPr>
-      <dsp:spPr>
-        <a:xfrm>
-          <a:off x="1836948" y="0"/>
-          <a:ext cx="2039194" cy="410198"/>
-        </a:xfrm>
-        <a:prstGeom prst="chevron">
-          <a:avLst/>
-        </a:prstGeom>
-        <a:solidFill>
-          <a:srgbClr val="FF0000"/>
-        </a:solidFill>
-        <a:ln w="15875" cap="rnd" cmpd="sng" algn="ctr">
-          <a:solidFill>
-            <a:schemeClr val="lt1">
-              <a:hueOff val="0"/>
-              <a:satOff val="0"/>
-              <a:lumOff val="0"/>
-              <a:alphaOff val="0"/>
-            </a:schemeClr>
-          </a:solidFill>
-          <a:prstDash val="solid"/>
-        </a:ln>
-        <a:effectLst/>
-      </dsp:spPr>
-      <dsp:style>
-        <a:lnRef idx="2">
-          <a:scrgbClr r="0" g="0" b="0"/>
-        </a:lnRef>
-        <a:fillRef idx="1">
-          <a:scrgbClr r="0" g="0" b="0"/>
-        </a:fillRef>
-        <a:effectRef idx="0">
-          <a:scrgbClr r="0" g="0" b="0"/>
-        </a:effectRef>
-        <a:fontRef idx="minor">
-          <a:schemeClr val="lt1"/>
-        </a:fontRef>
-      </dsp:style>
-      <dsp:txBody>
-        <a:bodyPr spcFirstLastPara="0" vert="horz" wrap="square" lIns="80010" tIns="26670" rIns="26670" bIns="26670" numCol="1" spcCol="1270" anchor="ctr" anchorCtr="0">
-          <a:noAutofit/>
-        </a:bodyPr>
-        <a:lstStyle/>
-        <a:p>
-          <a:pPr lvl="0" algn="ctr" defTabSz="889000">
-            <a:lnSpc>
-              <a:spcPct val="90000"/>
-            </a:lnSpc>
-            <a:spcBef>
-              <a:spcPct val="0"/>
-            </a:spcBef>
-            <a:spcAft>
-              <a:spcPct val="35000"/>
-            </a:spcAft>
-          </a:pPr>
-          <a:r>
-            <a:rPr lang="fr-FR" sz="2000" kern="1200" dirty="0" smtClean="0"/>
-            <a:t>Technique</a:t>
-          </a:r>
-          <a:endParaRPr lang="fr-FR" sz="2000" kern="1200" dirty="0"/>
-        </a:p>
-      </dsp:txBody>
-      <dsp:txXfrm>
-        <a:off x="2042047" y="0"/>
-        <a:ext cx="1628996" cy="410198"/>
-      </dsp:txXfrm>
-    </dsp:sp>
-    <dsp:sp modelId="{DF757741-D2C4-47CD-B81F-0494B81FB4EA}">
-      <dsp:nvSpPr>
-        <dsp:cNvPr id="0" name=""/>
-        <dsp:cNvSpPr/>
-      </dsp:nvSpPr>
-      <dsp:spPr>
-        <a:xfrm>
-          <a:off x="3672223" y="0"/>
-          <a:ext cx="2039194" cy="410198"/>
-        </a:xfrm>
-        <a:prstGeom prst="chevron">
-          <a:avLst/>
-        </a:prstGeom>
-        <a:solidFill>
-          <a:schemeClr val="accent1">
-            <a:hueOff val="0"/>
-            <a:satOff val="0"/>
-            <a:lumOff val="0"/>
-            <a:alphaOff val="0"/>
-          </a:schemeClr>
-        </a:solidFill>
-        <a:ln w="15875" cap="rnd" cmpd="sng" algn="ctr">
-          <a:solidFill>
-            <a:schemeClr val="lt1">
-              <a:hueOff val="0"/>
-              <a:satOff val="0"/>
-              <a:lumOff val="0"/>
-              <a:alphaOff val="0"/>
-            </a:schemeClr>
-          </a:solidFill>
-          <a:prstDash val="solid"/>
-        </a:ln>
-        <a:effectLst/>
-      </dsp:spPr>
-      <dsp:style>
-        <a:lnRef idx="2">
-          <a:scrgbClr r="0" g="0" b="0"/>
-        </a:lnRef>
-        <a:fillRef idx="1">
-          <a:scrgbClr r="0" g="0" b="0"/>
-        </a:fillRef>
-        <a:effectRef idx="0">
-          <a:scrgbClr r="0" g="0" b="0"/>
-        </a:effectRef>
-        <a:fontRef idx="minor">
-          <a:schemeClr val="lt1"/>
-        </a:fontRef>
-      </dsp:style>
-      <dsp:txBody>
-        <a:bodyPr spcFirstLastPara="0" vert="horz" wrap="square" lIns="80010" tIns="26670" rIns="26670" bIns="26670" numCol="1" spcCol="1270" anchor="ctr" anchorCtr="0">
-          <a:noAutofit/>
-        </a:bodyPr>
-        <a:lstStyle/>
-        <a:p>
-          <a:pPr lvl="0" algn="ctr" defTabSz="889000">
-            <a:lnSpc>
-              <a:spcPct val="90000"/>
-            </a:lnSpc>
-            <a:spcBef>
-              <a:spcPct val="0"/>
-            </a:spcBef>
-            <a:spcAft>
-              <a:spcPct val="35000"/>
-            </a:spcAft>
-          </a:pPr>
-          <a:r>
-            <a:rPr lang="fr-FR" sz="2000" kern="1200" dirty="0" smtClean="0"/>
-            <a:t>Bilan</a:t>
-          </a:r>
-          <a:endParaRPr lang="fr-FR" sz="2000" kern="1200" dirty="0"/>
-        </a:p>
-      </dsp:txBody>
-      <dsp:txXfrm>
-        <a:off x="3877322" y="0"/>
-        <a:ext cx="1628996" cy="410198"/>
-      </dsp:txXfrm>
-    </dsp:sp>
   </dsp:spTree>
 </dsp:drawing>
 </file>
@@ -8334,227 +7892,6 @@
       <dsp:cNvGrpSpPr/>
     </dsp:nvGrpSpPr>
     <dsp:grpSpPr/>
-    <dsp:sp modelId="{1F6056EB-C534-4970-B58E-AD722CC6900E}">
-      <dsp:nvSpPr>
-        <dsp:cNvPr id="0" name=""/>
-        <dsp:cNvSpPr/>
-      </dsp:nvSpPr>
-      <dsp:spPr>
-        <a:xfrm>
-          <a:off x="1673" y="0"/>
-          <a:ext cx="2039194" cy="410198"/>
-        </a:xfrm>
-        <a:prstGeom prst="chevron">
-          <a:avLst/>
-        </a:prstGeom>
-        <a:solidFill>
-          <a:schemeClr val="accent1"/>
-        </a:solidFill>
-        <a:ln w="15875" cap="rnd" cmpd="sng" algn="ctr">
-          <a:solidFill>
-            <a:schemeClr val="lt1">
-              <a:hueOff val="0"/>
-              <a:satOff val="0"/>
-              <a:lumOff val="0"/>
-              <a:alphaOff val="0"/>
-            </a:schemeClr>
-          </a:solidFill>
-          <a:prstDash val="solid"/>
-        </a:ln>
-        <a:effectLst/>
-      </dsp:spPr>
-      <dsp:style>
-        <a:lnRef idx="2">
-          <a:scrgbClr r="0" g="0" b="0"/>
-        </a:lnRef>
-        <a:fillRef idx="1">
-          <a:scrgbClr r="0" g="0" b="0"/>
-        </a:fillRef>
-        <a:effectRef idx="0">
-          <a:scrgbClr r="0" g="0" b="0"/>
-        </a:effectRef>
-        <a:fontRef idx="minor">
-          <a:schemeClr val="lt1"/>
-        </a:fontRef>
-      </dsp:style>
-      <dsp:txBody>
-        <a:bodyPr spcFirstLastPara="0" vert="horz" wrap="square" lIns="80010" tIns="26670" rIns="26670" bIns="26670" numCol="1" spcCol="1270" anchor="ctr" anchorCtr="0">
-          <a:noAutofit/>
-        </a:bodyPr>
-        <a:lstStyle/>
-        <a:p>
-          <a:pPr lvl="0" algn="ctr" defTabSz="889000">
-            <a:lnSpc>
-              <a:spcPct val="90000"/>
-            </a:lnSpc>
-            <a:spcBef>
-              <a:spcPct val="0"/>
-            </a:spcBef>
-            <a:spcAft>
-              <a:spcPct val="35000"/>
-            </a:spcAft>
-          </a:pPr>
-          <a:r>
-            <a:rPr lang="fr-FR" sz="2000" kern="1200" dirty="0" smtClean="0"/>
-            <a:t>Introduction</a:t>
-          </a:r>
-          <a:endParaRPr lang="fr-FR" sz="2000" kern="1200" dirty="0"/>
-        </a:p>
-      </dsp:txBody>
-      <dsp:txXfrm>
-        <a:off x="206772" y="0"/>
-        <a:ext cx="1628996" cy="410198"/>
-      </dsp:txXfrm>
-    </dsp:sp>
-    <dsp:sp modelId="{1AA5F17D-B47A-4297-B5BB-8C6B99E6C5DA}">
-      <dsp:nvSpPr>
-        <dsp:cNvPr id="0" name=""/>
-        <dsp:cNvSpPr/>
-      </dsp:nvSpPr>
-      <dsp:spPr>
-        <a:xfrm>
-          <a:off x="1836948" y="0"/>
-          <a:ext cx="2039194" cy="410198"/>
-        </a:xfrm>
-        <a:prstGeom prst="chevron">
-          <a:avLst/>
-        </a:prstGeom>
-        <a:solidFill>
-          <a:srgbClr val="FF0000"/>
-        </a:solidFill>
-        <a:ln w="15875" cap="rnd" cmpd="sng" algn="ctr">
-          <a:solidFill>
-            <a:schemeClr val="lt1">
-              <a:hueOff val="0"/>
-              <a:satOff val="0"/>
-              <a:lumOff val="0"/>
-              <a:alphaOff val="0"/>
-            </a:schemeClr>
-          </a:solidFill>
-          <a:prstDash val="solid"/>
-        </a:ln>
-        <a:effectLst/>
-      </dsp:spPr>
-      <dsp:style>
-        <a:lnRef idx="2">
-          <a:scrgbClr r="0" g="0" b="0"/>
-        </a:lnRef>
-        <a:fillRef idx="1">
-          <a:scrgbClr r="0" g="0" b="0"/>
-        </a:fillRef>
-        <a:effectRef idx="0">
-          <a:scrgbClr r="0" g="0" b="0"/>
-        </a:effectRef>
-        <a:fontRef idx="minor">
-          <a:schemeClr val="lt1"/>
-        </a:fontRef>
-      </dsp:style>
-      <dsp:txBody>
-        <a:bodyPr spcFirstLastPara="0" vert="horz" wrap="square" lIns="80010" tIns="26670" rIns="26670" bIns="26670" numCol="1" spcCol="1270" anchor="ctr" anchorCtr="0">
-          <a:noAutofit/>
-        </a:bodyPr>
-        <a:lstStyle/>
-        <a:p>
-          <a:pPr lvl="0" algn="ctr" defTabSz="889000">
-            <a:lnSpc>
-              <a:spcPct val="90000"/>
-            </a:lnSpc>
-            <a:spcBef>
-              <a:spcPct val="0"/>
-            </a:spcBef>
-            <a:spcAft>
-              <a:spcPct val="35000"/>
-            </a:spcAft>
-          </a:pPr>
-          <a:r>
-            <a:rPr lang="fr-FR" sz="2000" kern="1200" dirty="0" smtClean="0"/>
-            <a:t>Technique</a:t>
-          </a:r>
-          <a:endParaRPr lang="fr-FR" sz="2000" kern="1200" dirty="0"/>
-        </a:p>
-      </dsp:txBody>
-      <dsp:txXfrm>
-        <a:off x="2042047" y="0"/>
-        <a:ext cx="1628996" cy="410198"/>
-      </dsp:txXfrm>
-    </dsp:sp>
-    <dsp:sp modelId="{DF757741-D2C4-47CD-B81F-0494B81FB4EA}">
-      <dsp:nvSpPr>
-        <dsp:cNvPr id="0" name=""/>
-        <dsp:cNvSpPr/>
-      </dsp:nvSpPr>
-      <dsp:spPr>
-        <a:xfrm>
-          <a:off x="3672223" y="0"/>
-          <a:ext cx="2039194" cy="410198"/>
-        </a:xfrm>
-        <a:prstGeom prst="chevron">
-          <a:avLst/>
-        </a:prstGeom>
-        <a:solidFill>
-          <a:schemeClr val="accent1">
-            <a:hueOff val="0"/>
-            <a:satOff val="0"/>
-            <a:lumOff val="0"/>
-            <a:alphaOff val="0"/>
-          </a:schemeClr>
-        </a:solidFill>
-        <a:ln w="15875" cap="rnd" cmpd="sng" algn="ctr">
-          <a:solidFill>
-            <a:schemeClr val="lt1">
-              <a:hueOff val="0"/>
-              <a:satOff val="0"/>
-              <a:lumOff val="0"/>
-              <a:alphaOff val="0"/>
-            </a:schemeClr>
-          </a:solidFill>
-          <a:prstDash val="solid"/>
-        </a:ln>
-        <a:effectLst/>
-      </dsp:spPr>
-      <dsp:style>
-        <a:lnRef idx="2">
-          <a:scrgbClr r="0" g="0" b="0"/>
-        </a:lnRef>
-        <a:fillRef idx="1">
-          <a:scrgbClr r="0" g="0" b="0"/>
-        </a:fillRef>
-        <a:effectRef idx="0">
-          <a:scrgbClr r="0" g="0" b="0"/>
-        </a:effectRef>
-        <a:fontRef idx="minor">
-          <a:schemeClr val="lt1"/>
-        </a:fontRef>
-      </dsp:style>
-      <dsp:txBody>
-        <a:bodyPr spcFirstLastPara="0" vert="horz" wrap="square" lIns="80010" tIns="26670" rIns="26670" bIns="26670" numCol="1" spcCol="1270" anchor="ctr" anchorCtr="0">
-          <a:noAutofit/>
-        </a:bodyPr>
-        <a:lstStyle/>
-        <a:p>
-          <a:pPr lvl="0" algn="ctr" defTabSz="889000">
-            <a:lnSpc>
-              <a:spcPct val="90000"/>
-            </a:lnSpc>
-            <a:spcBef>
-              <a:spcPct val="0"/>
-            </a:spcBef>
-            <a:spcAft>
-              <a:spcPct val="35000"/>
-            </a:spcAft>
-          </a:pPr>
-          <a:r>
-            <a:rPr lang="fr-FR" sz="2000" kern="1200" dirty="0" smtClean="0"/>
-            <a:t>Bilan</a:t>
-          </a:r>
-          <a:endParaRPr lang="fr-FR" sz="2000" kern="1200" dirty="0"/>
-        </a:p>
-      </dsp:txBody>
-      <dsp:txXfrm>
-        <a:off x="3877322" y="0"/>
-        <a:ext cx="1628996" cy="410198"/>
-      </dsp:txXfrm>
-    </dsp:sp>
   </dsp:spTree>
 </dsp:drawing>
 </file>
@@ -8567,227 +7904,6 @@
       <dsp:cNvGrpSpPr/>
     </dsp:nvGrpSpPr>
     <dsp:grpSpPr/>
-    <dsp:sp modelId="{1F6056EB-C534-4970-B58E-AD722CC6900E}">
-      <dsp:nvSpPr>
-        <dsp:cNvPr id="0" name=""/>
-        <dsp:cNvSpPr/>
-      </dsp:nvSpPr>
-      <dsp:spPr>
-        <a:xfrm>
-          <a:off x="1673" y="0"/>
-          <a:ext cx="2039194" cy="410198"/>
-        </a:xfrm>
-        <a:prstGeom prst="chevron">
-          <a:avLst/>
-        </a:prstGeom>
-        <a:solidFill>
-          <a:schemeClr val="accent1"/>
-        </a:solidFill>
-        <a:ln w="15875" cap="rnd" cmpd="sng" algn="ctr">
-          <a:solidFill>
-            <a:schemeClr val="lt1">
-              <a:hueOff val="0"/>
-              <a:satOff val="0"/>
-              <a:lumOff val="0"/>
-              <a:alphaOff val="0"/>
-            </a:schemeClr>
-          </a:solidFill>
-          <a:prstDash val="solid"/>
-        </a:ln>
-        <a:effectLst/>
-      </dsp:spPr>
-      <dsp:style>
-        <a:lnRef idx="2">
-          <a:scrgbClr r="0" g="0" b="0"/>
-        </a:lnRef>
-        <a:fillRef idx="1">
-          <a:scrgbClr r="0" g="0" b="0"/>
-        </a:fillRef>
-        <a:effectRef idx="0">
-          <a:scrgbClr r="0" g="0" b="0"/>
-        </a:effectRef>
-        <a:fontRef idx="minor">
-          <a:schemeClr val="lt1"/>
-        </a:fontRef>
-      </dsp:style>
-      <dsp:txBody>
-        <a:bodyPr spcFirstLastPara="0" vert="horz" wrap="square" lIns="80010" tIns="26670" rIns="26670" bIns="26670" numCol="1" spcCol="1270" anchor="ctr" anchorCtr="0">
-          <a:noAutofit/>
-        </a:bodyPr>
-        <a:lstStyle/>
-        <a:p>
-          <a:pPr lvl="0" algn="ctr" defTabSz="889000">
-            <a:lnSpc>
-              <a:spcPct val="90000"/>
-            </a:lnSpc>
-            <a:spcBef>
-              <a:spcPct val="0"/>
-            </a:spcBef>
-            <a:spcAft>
-              <a:spcPct val="35000"/>
-            </a:spcAft>
-          </a:pPr>
-          <a:r>
-            <a:rPr lang="fr-FR" sz="2000" kern="1200" dirty="0" smtClean="0"/>
-            <a:t>Introduction</a:t>
-          </a:r>
-          <a:endParaRPr lang="fr-FR" sz="2000" kern="1200" dirty="0"/>
-        </a:p>
-      </dsp:txBody>
-      <dsp:txXfrm>
-        <a:off x="206772" y="0"/>
-        <a:ext cx="1628996" cy="410198"/>
-      </dsp:txXfrm>
-    </dsp:sp>
-    <dsp:sp modelId="{1AA5F17D-B47A-4297-B5BB-8C6B99E6C5DA}">
-      <dsp:nvSpPr>
-        <dsp:cNvPr id="0" name=""/>
-        <dsp:cNvSpPr/>
-      </dsp:nvSpPr>
-      <dsp:spPr>
-        <a:xfrm>
-          <a:off x="1836948" y="0"/>
-          <a:ext cx="2039194" cy="410198"/>
-        </a:xfrm>
-        <a:prstGeom prst="chevron">
-          <a:avLst/>
-        </a:prstGeom>
-        <a:solidFill>
-          <a:srgbClr val="FF0000"/>
-        </a:solidFill>
-        <a:ln w="15875" cap="rnd" cmpd="sng" algn="ctr">
-          <a:solidFill>
-            <a:schemeClr val="lt1">
-              <a:hueOff val="0"/>
-              <a:satOff val="0"/>
-              <a:lumOff val="0"/>
-              <a:alphaOff val="0"/>
-            </a:schemeClr>
-          </a:solidFill>
-          <a:prstDash val="solid"/>
-        </a:ln>
-        <a:effectLst/>
-      </dsp:spPr>
-      <dsp:style>
-        <a:lnRef idx="2">
-          <a:scrgbClr r="0" g="0" b="0"/>
-        </a:lnRef>
-        <a:fillRef idx="1">
-          <a:scrgbClr r="0" g="0" b="0"/>
-        </a:fillRef>
-        <a:effectRef idx="0">
-          <a:scrgbClr r="0" g="0" b="0"/>
-        </a:effectRef>
-        <a:fontRef idx="minor">
-          <a:schemeClr val="lt1"/>
-        </a:fontRef>
-      </dsp:style>
-      <dsp:txBody>
-        <a:bodyPr spcFirstLastPara="0" vert="horz" wrap="square" lIns="80010" tIns="26670" rIns="26670" bIns="26670" numCol="1" spcCol="1270" anchor="ctr" anchorCtr="0">
-          <a:noAutofit/>
-        </a:bodyPr>
-        <a:lstStyle/>
-        <a:p>
-          <a:pPr lvl="0" algn="ctr" defTabSz="889000">
-            <a:lnSpc>
-              <a:spcPct val="90000"/>
-            </a:lnSpc>
-            <a:spcBef>
-              <a:spcPct val="0"/>
-            </a:spcBef>
-            <a:spcAft>
-              <a:spcPct val="35000"/>
-            </a:spcAft>
-          </a:pPr>
-          <a:r>
-            <a:rPr lang="fr-FR" sz="2000" kern="1200" dirty="0" smtClean="0"/>
-            <a:t>Technique</a:t>
-          </a:r>
-          <a:endParaRPr lang="fr-FR" sz="2000" kern="1200" dirty="0"/>
-        </a:p>
-      </dsp:txBody>
-      <dsp:txXfrm>
-        <a:off x="2042047" y="0"/>
-        <a:ext cx="1628996" cy="410198"/>
-      </dsp:txXfrm>
-    </dsp:sp>
-    <dsp:sp modelId="{DF757741-D2C4-47CD-B81F-0494B81FB4EA}">
-      <dsp:nvSpPr>
-        <dsp:cNvPr id="0" name=""/>
-        <dsp:cNvSpPr/>
-      </dsp:nvSpPr>
-      <dsp:spPr>
-        <a:xfrm>
-          <a:off x="3672223" y="0"/>
-          <a:ext cx="2039194" cy="410198"/>
-        </a:xfrm>
-        <a:prstGeom prst="chevron">
-          <a:avLst/>
-        </a:prstGeom>
-        <a:solidFill>
-          <a:schemeClr val="accent1">
-            <a:hueOff val="0"/>
-            <a:satOff val="0"/>
-            <a:lumOff val="0"/>
-            <a:alphaOff val="0"/>
-          </a:schemeClr>
-        </a:solidFill>
-        <a:ln w="15875" cap="rnd" cmpd="sng" algn="ctr">
-          <a:solidFill>
-            <a:schemeClr val="lt1">
-              <a:hueOff val="0"/>
-              <a:satOff val="0"/>
-              <a:lumOff val="0"/>
-              <a:alphaOff val="0"/>
-            </a:schemeClr>
-          </a:solidFill>
-          <a:prstDash val="solid"/>
-        </a:ln>
-        <a:effectLst/>
-      </dsp:spPr>
-      <dsp:style>
-        <a:lnRef idx="2">
-          <a:scrgbClr r="0" g="0" b="0"/>
-        </a:lnRef>
-        <a:fillRef idx="1">
-          <a:scrgbClr r="0" g="0" b="0"/>
-        </a:fillRef>
-        <a:effectRef idx="0">
-          <a:scrgbClr r="0" g="0" b="0"/>
-        </a:effectRef>
-        <a:fontRef idx="minor">
-          <a:schemeClr val="lt1"/>
-        </a:fontRef>
-      </dsp:style>
-      <dsp:txBody>
-        <a:bodyPr spcFirstLastPara="0" vert="horz" wrap="square" lIns="80010" tIns="26670" rIns="26670" bIns="26670" numCol="1" spcCol="1270" anchor="ctr" anchorCtr="0">
-          <a:noAutofit/>
-        </a:bodyPr>
-        <a:lstStyle/>
-        <a:p>
-          <a:pPr lvl="0" algn="ctr" defTabSz="889000">
-            <a:lnSpc>
-              <a:spcPct val="90000"/>
-            </a:lnSpc>
-            <a:spcBef>
-              <a:spcPct val="0"/>
-            </a:spcBef>
-            <a:spcAft>
-              <a:spcPct val="35000"/>
-            </a:spcAft>
-          </a:pPr>
-          <a:r>
-            <a:rPr lang="fr-FR" sz="2000" kern="1200" dirty="0" smtClean="0"/>
-            <a:t>Bilan</a:t>
-          </a:r>
-          <a:endParaRPr lang="fr-FR" sz="2000" kern="1200" dirty="0"/>
-        </a:p>
-      </dsp:txBody>
-      <dsp:txXfrm>
-        <a:off x="3877322" y="0"/>
-        <a:ext cx="1628996" cy="410198"/>
-      </dsp:txXfrm>
-    </dsp:sp>
   </dsp:spTree>
 </dsp:drawing>
 </file>
@@ -8800,227 +7916,6 @@
       <dsp:cNvGrpSpPr/>
     </dsp:nvGrpSpPr>
     <dsp:grpSpPr/>
-    <dsp:sp modelId="{1F6056EB-C534-4970-B58E-AD722CC6900E}">
-      <dsp:nvSpPr>
-        <dsp:cNvPr id="0" name=""/>
-        <dsp:cNvSpPr/>
-      </dsp:nvSpPr>
-      <dsp:spPr>
-        <a:xfrm>
-          <a:off x="1673" y="0"/>
-          <a:ext cx="2039194" cy="410198"/>
-        </a:xfrm>
-        <a:prstGeom prst="chevron">
-          <a:avLst/>
-        </a:prstGeom>
-        <a:solidFill>
-          <a:schemeClr val="accent1"/>
-        </a:solidFill>
-        <a:ln w="15875" cap="rnd" cmpd="sng" algn="ctr">
-          <a:solidFill>
-            <a:schemeClr val="lt1">
-              <a:hueOff val="0"/>
-              <a:satOff val="0"/>
-              <a:lumOff val="0"/>
-              <a:alphaOff val="0"/>
-            </a:schemeClr>
-          </a:solidFill>
-          <a:prstDash val="solid"/>
-        </a:ln>
-        <a:effectLst/>
-      </dsp:spPr>
-      <dsp:style>
-        <a:lnRef idx="2">
-          <a:scrgbClr r="0" g="0" b="0"/>
-        </a:lnRef>
-        <a:fillRef idx="1">
-          <a:scrgbClr r="0" g="0" b="0"/>
-        </a:fillRef>
-        <a:effectRef idx="0">
-          <a:scrgbClr r="0" g="0" b="0"/>
-        </a:effectRef>
-        <a:fontRef idx="minor">
-          <a:schemeClr val="lt1"/>
-        </a:fontRef>
-      </dsp:style>
-      <dsp:txBody>
-        <a:bodyPr spcFirstLastPara="0" vert="horz" wrap="square" lIns="80010" tIns="26670" rIns="26670" bIns="26670" numCol="1" spcCol="1270" anchor="ctr" anchorCtr="0">
-          <a:noAutofit/>
-        </a:bodyPr>
-        <a:lstStyle/>
-        <a:p>
-          <a:pPr lvl="0" algn="ctr" defTabSz="889000">
-            <a:lnSpc>
-              <a:spcPct val="90000"/>
-            </a:lnSpc>
-            <a:spcBef>
-              <a:spcPct val="0"/>
-            </a:spcBef>
-            <a:spcAft>
-              <a:spcPct val="35000"/>
-            </a:spcAft>
-          </a:pPr>
-          <a:r>
-            <a:rPr lang="fr-FR" sz="2000" kern="1200" dirty="0" smtClean="0"/>
-            <a:t>Introduction</a:t>
-          </a:r>
-          <a:endParaRPr lang="fr-FR" sz="2000" kern="1200" dirty="0"/>
-        </a:p>
-      </dsp:txBody>
-      <dsp:txXfrm>
-        <a:off x="206772" y="0"/>
-        <a:ext cx="1628996" cy="410198"/>
-      </dsp:txXfrm>
-    </dsp:sp>
-    <dsp:sp modelId="{1AA5F17D-B47A-4297-B5BB-8C6B99E6C5DA}">
-      <dsp:nvSpPr>
-        <dsp:cNvPr id="0" name=""/>
-        <dsp:cNvSpPr/>
-      </dsp:nvSpPr>
-      <dsp:spPr>
-        <a:xfrm>
-          <a:off x="1836948" y="0"/>
-          <a:ext cx="2039194" cy="410198"/>
-        </a:xfrm>
-        <a:prstGeom prst="chevron">
-          <a:avLst/>
-        </a:prstGeom>
-        <a:solidFill>
-          <a:srgbClr val="FF0000"/>
-        </a:solidFill>
-        <a:ln w="15875" cap="rnd" cmpd="sng" algn="ctr">
-          <a:solidFill>
-            <a:schemeClr val="lt1">
-              <a:hueOff val="0"/>
-              <a:satOff val="0"/>
-              <a:lumOff val="0"/>
-              <a:alphaOff val="0"/>
-            </a:schemeClr>
-          </a:solidFill>
-          <a:prstDash val="solid"/>
-        </a:ln>
-        <a:effectLst/>
-      </dsp:spPr>
-      <dsp:style>
-        <a:lnRef idx="2">
-          <a:scrgbClr r="0" g="0" b="0"/>
-        </a:lnRef>
-        <a:fillRef idx="1">
-          <a:scrgbClr r="0" g="0" b="0"/>
-        </a:fillRef>
-        <a:effectRef idx="0">
-          <a:scrgbClr r="0" g="0" b="0"/>
-        </a:effectRef>
-        <a:fontRef idx="minor">
-          <a:schemeClr val="lt1"/>
-        </a:fontRef>
-      </dsp:style>
-      <dsp:txBody>
-        <a:bodyPr spcFirstLastPara="0" vert="horz" wrap="square" lIns="80010" tIns="26670" rIns="26670" bIns="26670" numCol="1" spcCol="1270" anchor="ctr" anchorCtr="0">
-          <a:noAutofit/>
-        </a:bodyPr>
-        <a:lstStyle/>
-        <a:p>
-          <a:pPr lvl="0" algn="ctr" defTabSz="889000">
-            <a:lnSpc>
-              <a:spcPct val="90000"/>
-            </a:lnSpc>
-            <a:spcBef>
-              <a:spcPct val="0"/>
-            </a:spcBef>
-            <a:spcAft>
-              <a:spcPct val="35000"/>
-            </a:spcAft>
-          </a:pPr>
-          <a:r>
-            <a:rPr lang="fr-FR" sz="2000" kern="1200" dirty="0" smtClean="0"/>
-            <a:t>Technique</a:t>
-          </a:r>
-          <a:endParaRPr lang="fr-FR" sz="2000" kern="1200" dirty="0"/>
-        </a:p>
-      </dsp:txBody>
-      <dsp:txXfrm>
-        <a:off x="2042047" y="0"/>
-        <a:ext cx="1628996" cy="410198"/>
-      </dsp:txXfrm>
-    </dsp:sp>
-    <dsp:sp modelId="{DF757741-D2C4-47CD-B81F-0494B81FB4EA}">
-      <dsp:nvSpPr>
-        <dsp:cNvPr id="0" name=""/>
-        <dsp:cNvSpPr/>
-      </dsp:nvSpPr>
-      <dsp:spPr>
-        <a:xfrm>
-          <a:off x="3672223" y="0"/>
-          <a:ext cx="2039194" cy="410198"/>
-        </a:xfrm>
-        <a:prstGeom prst="chevron">
-          <a:avLst/>
-        </a:prstGeom>
-        <a:solidFill>
-          <a:schemeClr val="accent1">
-            <a:hueOff val="0"/>
-            <a:satOff val="0"/>
-            <a:lumOff val="0"/>
-            <a:alphaOff val="0"/>
-          </a:schemeClr>
-        </a:solidFill>
-        <a:ln w="15875" cap="rnd" cmpd="sng" algn="ctr">
-          <a:solidFill>
-            <a:schemeClr val="lt1">
-              <a:hueOff val="0"/>
-              <a:satOff val="0"/>
-              <a:lumOff val="0"/>
-              <a:alphaOff val="0"/>
-            </a:schemeClr>
-          </a:solidFill>
-          <a:prstDash val="solid"/>
-        </a:ln>
-        <a:effectLst/>
-      </dsp:spPr>
-      <dsp:style>
-        <a:lnRef idx="2">
-          <a:scrgbClr r="0" g="0" b="0"/>
-        </a:lnRef>
-        <a:fillRef idx="1">
-          <a:scrgbClr r="0" g="0" b="0"/>
-        </a:fillRef>
-        <a:effectRef idx="0">
-          <a:scrgbClr r="0" g="0" b="0"/>
-        </a:effectRef>
-        <a:fontRef idx="minor">
-          <a:schemeClr val="lt1"/>
-        </a:fontRef>
-      </dsp:style>
-      <dsp:txBody>
-        <a:bodyPr spcFirstLastPara="0" vert="horz" wrap="square" lIns="80010" tIns="26670" rIns="26670" bIns="26670" numCol="1" spcCol="1270" anchor="ctr" anchorCtr="0">
-          <a:noAutofit/>
-        </a:bodyPr>
-        <a:lstStyle/>
-        <a:p>
-          <a:pPr lvl="0" algn="ctr" defTabSz="889000">
-            <a:lnSpc>
-              <a:spcPct val="90000"/>
-            </a:lnSpc>
-            <a:spcBef>
-              <a:spcPct val="0"/>
-            </a:spcBef>
-            <a:spcAft>
-              <a:spcPct val="35000"/>
-            </a:spcAft>
-          </a:pPr>
-          <a:r>
-            <a:rPr lang="fr-FR" sz="2000" kern="1200" dirty="0" smtClean="0"/>
-            <a:t>Bilan</a:t>
-          </a:r>
-          <a:endParaRPr lang="fr-FR" sz="2000" kern="1200" dirty="0"/>
-        </a:p>
-      </dsp:txBody>
-      <dsp:txXfrm>
-        <a:off x="3877322" y="0"/>
-        <a:ext cx="1628996" cy="410198"/>
-      </dsp:txXfrm>
-    </dsp:sp>
   </dsp:spTree>
 </dsp:drawing>
 </file>
@@ -9033,227 +7928,6 @@
       <dsp:cNvGrpSpPr/>
     </dsp:nvGrpSpPr>
     <dsp:grpSpPr/>
-    <dsp:sp modelId="{1F6056EB-C534-4970-B58E-AD722CC6900E}">
-      <dsp:nvSpPr>
-        <dsp:cNvPr id="0" name=""/>
-        <dsp:cNvSpPr/>
-      </dsp:nvSpPr>
-      <dsp:spPr>
-        <a:xfrm>
-          <a:off x="1673" y="0"/>
-          <a:ext cx="2039194" cy="410198"/>
-        </a:xfrm>
-        <a:prstGeom prst="chevron">
-          <a:avLst/>
-        </a:prstGeom>
-        <a:solidFill>
-          <a:schemeClr val="accent1"/>
-        </a:solidFill>
-        <a:ln w="15875" cap="rnd" cmpd="sng" algn="ctr">
-          <a:solidFill>
-            <a:schemeClr val="lt1">
-              <a:hueOff val="0"/>
-              <a:satOff val="0"/>
-              <a:lumOff val="0"/>
-              <a:alphaOff val="0"/>
-            </a:schemeClr>
-          </a:solidFill>
-          <a:prstDash val="solid"/>
-        </a:ln>
-        <a:effectLst/>
-      </dsp:spPr>
-      <dsp:style>
-        <a:lnRef idx="2">
-          <a:scrgbClr r="0" g="0" b="0"/>
-        </a:lnRef>
-        <a:fillRef idx="1">
-          <a:scrgbClr r="0" g="0" b="0"/>
-        </a:fillRef>
-        <a:effectRef idx="0">
-          <a:scrgbClr r="0" g="0" b="0"/>
-        </a:effectRef>
-        <a:fontRef idx="minor">
-          <a:schemeClr val="lt1"/>
-        </a:fontRef>
-      </dsp:style>
-      <dsp:txBody>
-        <a:bodyPr spcFirstLastPara="0" vert="horz" wrap="square" lIns="80010" tIns="26670" rIns="26670" bIns="26670" numCol="1" spcCol="1270" anchor="ctr" anchorCtr="0">
-          <a:noAutofit/>
-        </a:bodyPr>
-        <a:lstStyle/>
-        <a:p>
-          <a:pPr lvl="0" algn="ctr" defTabSz="889000">
-            <a:lnSpc>
-              <a:spcPct val="90000"/>
-            </a:lnSpc>
-            <a:spcBef>
-              <a:spcPct val="0"/>
-            </a:spcBef>
-            <a:spcAft>
-              <a:spcPct val="35000"/>
-            </a:spcAft>
-          </a:pPr>
-          <a:r>
-            <a:rPr lang="fr-FR" sz="2000" kern="1200" dirty="0" smtClean="0"/>
-            <a:t>Introduction</a:t>
-          </a:r>
-          <a:endParaRPr lang="fr-FR" sz="2000" kern="1200" dirty="0"/>
-        </a:p>
-      </dsp:txBody>
-      <dsp:txXfrm>
-        <a:off x="206772" y="0"/>
-        <a:ext cx="1628996" cy="410198"/>
-      </dsp:txXfrm>
-    </dsp:sp>
-    <dsp:sp modelId="{1AA5F17D-B47A-4297-B5BB-8C6B99E6C5DA}">
-      <dsp:nvSpPr>
-        <dsp:cNvPr id="0" name=""/>
-        <dsp:cNvSpPr/>
-      </dsp:nvSpPr>
-      <dsp:spPr>
-        <a:xfrm>
-          <a:off x="1836948" y="0"/>
-          <a:ext cx="2039194" cy="410198"/>
-        </a:xfrm>
-        <a:prstGeom prst="chevron">
-          <a:avLst/>
-        </a:prstGeom>
-        <a:solidFill>
-          <a:srgbClr val="FF0000"/>
-        </a:solidFill>
-        <a:ln w="15875" cap="rnd" cmpd="sng" algn="ctr">
-          <a:solidFill>
-            <a:schemeClr val="lt1">
-              <a:hueOff val="0"/>
-              <a:satOff val="0"/>
-              <a:lumOff val="0"/>
-              <a:alphaOff val="0"/>
-            </a:schemeClr>
-          </a:solidFill>
-          <a:prstDash val="solid"/>
-        </a:ln>
-        <a:effectLst/>
-      </dsp:spPr>
-      <dsp:style>
-        <a:lnRef idx="2">
-          <a:scrgbClr r="0" g="0" b="0"/>
-        </a:lnRef>
-        <a:fillRef idx="1">
-          <a:scrgbClr r="0" g="0" b="0"/>
-        </a:fillRef>
-        <a:effectRef idx="0">
-          <a:scrgbClr r="0" g="0" b="0"/>
-        </a:effectRef>
-        <a:fontRef idx="minor">
-          <a:schemeClr val="lt1"/>
-        </a:fontRef>
-      </dsp:style>
-      <dsp:txBody>
-        <a:bodyPr spcFirstLastPara="0" vert="horz" wrap="square" lIns="80010" tIns="26670" rIns="26670" bIns="26670" numCol="1" spcCol="1270" anchor="ctr" anchorCtr="0">
-          <a:noAutofit/>
-        </a:bodyPr>
-        <a:lstStyle/>
-        <a:p>
-          <a:pPr lvl="0" algn="ctr" defTabSz="889000">
-            <a:lnSpc>
-              <a:spcPct val="90000"/>
-            </a:lnSpc>
-            <a:spcBef>
-              <a:spcPct val="0"/>
-            </a:spcBef>
-            <a:spcAft>
-              <a:spcPct val="35000"/>
-            </a:spcAft>
-          </a:pPr>
-          <a:r>
-            <a:rPr lang="fr-FR" sz="2000" kern="1200" dirty="0" smtClean="0"/>
-            <a:t>Technique</a:t>
-          </a:r>
-          <a:endParaRPr lang="fr-FR" sz="2000" kern="1200" dirty="0"/>
-        </a:p>
-      </dsp:txBody>
-      <dsp:txXfrm>
-        <a:off x="2042047" y="0"/>
-        <a:ext cx="1628996" cy="410198"/>
-      </dsp:txXfrm>
-    </dsp:sp>
-    <dsp:sp modelId="{DF757741-D2C4-47CD-B81F-0494B81FB4EA}">
-      <dsp:nvSpPr>
-        <dsp:cNvPr id="0" name=""/>
-        <dsp:cNvSpPr/>
-      </dsp:nvSpPr>
-      <dsp:spPr>
-        <a:xfrm>
-          <a:off x="3672223" y="0"/>
-          <a:ext cx="2039194" cy="410198"/>
-        </a:xfrm>
-        <a:prstGeom prst="chevron">
-          <a:avLst/>
-        </a:prstGeom>
-        <a:solidFill>
-          <a:schemeClr val="accent1">
-            <a:hueOff val="0"/>
-            <a:satOff val="0"/>
-            <a:lumOff val="0"/>
-            <a:alphaOff val="0"/>
-          </a:schemeClr>
-        </a:solidFill>
-        <a:ln w="15875" cap="rnd" cmpd="sng" algn="ctr">
-          <a:solidFill>
-            <a:schemeClr val="lt1">
-              <a:hueOff val="0"/>
-              <a:satOff val="0"/>
-              <a:lumOff val="0"/>
-              <a:alphaOff val="0"/>
-            </a:schemeClr>
-          </a:solidFill>
-          <a:prstDash val="solid"/>
-        </a:ln>
-        <a:effectLst/>
-      </dsp:spPr>
-      <dsp:style>
-        <a:lnRef idx="2">
-          <a:scrgbClr r="0" g="0" b="0"/>
-        </a:lnRef>
-        <a:fillRef idx="1">
-          <a:scrgbClr r="0" g="0" b="0"/>
-        </a:fillRef>
-        <a:effectRef idx="0">
-          <a:scrgbClr r="0" g="0" b="0"/>
-        </a:effectRef>
-        <a:fontRef idx="minor">
-          <a:schemeClr val="lt1"/>
-        </a:fontRef>
-      </dsp:style>
-      <dsp:txBody>
-        <a:bodyPr spcFirstLastPara="0" vert="horz" wrap="square" lIns="80010" tIns="26670" rIns="26670" bIns="26670" numCol="1" spcCol="1270" anchor="ctr" anchorCtr="0">
-          <a:noAutofit/>
-        </a:bodyPr>
-        <a:lstStyle/>
-        <a:p>
-          <a:pPr lvl="0" algn="ctr" defTabSz="889000">
-            <a:lnSpc>
-              <a:spcPct val="90000"/>
-            </a:lnSpc>
-            <a:spcBef>
-              <a:spcPct val="0"/>
-            </a:spcBef>
-            <a:spcAft>
-              <a:spcPct val="35000"/>
-            </a:spcAft>
-          </a:pPr>
-          <a:r>
-            <a:rPr lang="fr-FR" sz="2000" kern="1200" dirty="0" smtClean="0"/>
-            <a:t>Bilan</a:t>
-          </a:r>
-          <a:endParaRPr lang="fr-FR" sz="2000" kern="1200" dirty="0"/>
-        </a:p>
-      </dsp:txBody>
-      <dsp:txXfrm>
-        <a:off x="3877322" y="0"/>
-        <a:ext cx="1628996" cy="410198"/>
-      </dsp:txXfrm>
-    </dsp:sp>
   </dsp:spTree>
 </dsp:drawing>
 </file>
@@ -9499,227 +8173,6 @@
       <dsp:cNvGrpSpPr/>
     </dsp:nvGrpSpPr>
     <dsp:grpSpPr/>
-    <dsp:sp modelId="{1F6056EB-C534-4970-B58E-AD722CC6900E}">
-      <dsp:nvSpPr>
-        <dsp:cNvPr id="0" name=""/>
-        <dsp:cNvSpPr/>
-      </dsp:nvSpPr>
-      <dsp:spPr>
-        <a:xfrm>
-          <a:off x="1673" y="0"/>
-          <a:ext cx="2039194" cy="410198"/>
-        </a:xfrm>
-        <a:prstGeom prst="chevron">
-          <a:avLst/>
-        </a:prstGeom>
-        <a:solidFill>
-          <a:schemeClr val="accent1"/>
-        </a:solidFill>
-        <a:ln w="15875" cap="rnd" cmpd="sng" algn="ctr">
-          <a:solidFill>
-            <a:schemeClr val="lt1">
-              <a:hueOff val="0"/>
-              <a:satOff val="0"/>
-              <a:lumOff val="0"/>
-              <a:alphaOff val="0"/>
-            </a:schemeClr>
-          </a:solidFill>
-          <a:prstDash val="solid"/>
-        </a:ln>
-        <a:effectLst/>
-      </dsp:spPr>
-      <dsp:style>
-        <a:lnRef idx="2">
-          <a:scrgbClr r="0" g="0" b="0"/>
-        </a:lnRef>
-        <a:fillRef idx="1">
-          <a:scrgbClr r="0" g="0" b="0"/>
-        </a:fillRef>
-        <a:effectRef idx="0">
-          <a:scrgbClr r="0" g="0" b="0"/>
-        </a:effectRef>
-        <a:fontRef idx="minor">
-          <a:schemeClr val="lt1"/>
-        </a:fontRef>
-      </dsp:style>
-      <dsp:txBody>
-        <a:bodyPr spcFirstLastPara="0" vert="horz" wrap="square" lIns="80010" tIns="26670" rIns="26670" bIns="26670" numCol="1" spcCol="1270" anchor="ctr" anchorCtr="0">
-          <a:noAutofit/>
-        </a:bodyPr>
-        <a:lstStyle/>
-        <a:p>
-          <a:pPr lvl="0" algn="ctr" defTabSz="889000">
-            <a:lnSpc>
-              <a:spcPct val="90000"/>
-            </a:lnSpc>
-            <a:spcBef>
-              <a:spcPct val="0"/>
-            </a:spcBef>
-            <a:spcAft>
-              <a:spcPct val="35000"/>
-            </a:spcAft>
-          </a:pPr>
-          <a:r>
-            <a:rPr lang="fr-FR" sz="2000" kern="1200" dirty="0" smtClean="0"/>
-            <a:t>Introduction</a:t>
-          </a:r>
-          <a:endParaRPr lang="fr-FR" sz="2000" kern="1200" dirty="0"/>
-        </a:p>
-      </dsp:txBody>
-      <dsp:txXfrm>
-        <a:off x="206772" y="0"/>
-        <a:ext cx="1628996" cy="410198"/>
-      </dsp:txXfrm>
-    </dsp:sp>
-    <dsp:sp modelId="{1AA5F17D-B47A-4297-B5BB-8C6B99E6C5DA}">
-      <dsp:nvSpPr>
-        <dsp:cNvPr id="0" name=""/>
-        <dsp:cNvSpPr/>
-      </dsp:nvSpPr>
-      <dsp:spPr>
-        <a:xfrm>
-          <a:off x="1836948" y="0"/>
-          <a:ext cx="2039194" cy="410198"/>
-        </a:xfrm>
-        <a:prstGeom prst="chevron">
-          <a:avLst/>
-        </a:prstGeom>
-        <a:solidFill>
-          <a:srgbClr val="FF0000"/>
-        </a:solidFill>
-        <a:ln w="15875" cap="rnd" cmpd="sng" algn="ctr">
-          <a:solidFill>
-            <a:schemeClr val="lt1">
-              <a:hueOff val="0"/>
-              <a:satOff val="0"/>
-              <a:lumOff val="0"/>
-              <a:alphaOff val="0"/>
-            </a:schemeClr>
-          </a:solidFill>
-          <a:prstDash val="solid"/>
-        </a:ln>
-        <a:effectLst/>
-      </dsp:spPr>
-      <dsp:style>
-        <a:lnRef idx="2">
-          <a:scrgbClr r="0" g="0" b="0"/>
-        </a:lnRef>
-        <a:fillRef idx="1">
-          <a:scrgbClr r="0" g="0" b="0"/>
-        </a:fillRef>
-        <a:effectRef idx="0">
-          <a:scrgbClr r="0" g="0" b="0"/>
-        </a:effectRef>
-        <a:fontRef idx="minor">
-          <a:schemeClr val="lt1"/>
-        </a:fontRef>
-      </dsp:style>
-      <dsp:txBody>
-        <a:bodyPr spcFirstLastPara="0" vert="horz" wrap="square" lIns="80010" tIns="26670" rIns="26670" bIns="26670" numCol="1" spcCol="1270" anchor="ctr" anchorCtr="0">
-          <a:noAutofit/>
-        </a:bodyPr>
-        <a:lstStyle/>
-        <a:p>
-          <a:pPr lvl="0" algn="ctr" defTabSz="889000">
-            <a:lnSpc>
-              <a:spcPct val="90000"/>
-            </a:lnSpc>
-            <a:spcBef>
-              <a:spcPct val="0"/>
-            </a:spcBef>
-            <a:spcAft>
-              <a:spcPct val="35000"/>
-            </a:spcAft>
-          </a:pPr>
-          <a:r>
-            <a:rPr lang="fr-FR" sz="2000" kern="1200" dirty="0" smtClean="0"/>
-            <a:t>Technique</a:t>
-          </a:r>
-          <a:endParaRPr lang="fr-FR" sz="2000" kern="1200" dirty="0"/>
-        </a:p>
-      </dsp:txBody>
-      <dsp:txXfrm>
-        <a:off x="2042047" y="0"/>
-        <a:ext cx="1628996" cy="410198"/>
-      </dsp:txXfrm>
-    </dsp:sp>
-    <dsp:sp modelId="{DF757741-D2C4-47CD-B81F-0494B81FB4EA}">
-      <dsp:nvSpPr>
-        <dsp:cNvPr id="0" name=""/>
-        <dsp:cNvSpPr/>
-      </dsp:nvSpPr>
-      <dsp:spPr>
-        <a:xfrm>
-          <a:off x="3672223" y="0"/>
-          <a:ext cx="2039194" cy="410198"/>
-        </a:xfrm>
-        <a:prstGeom prst="chevron">
-          <a:avLst/>
-        </a:prstGeom>
-        <a:solidFill>
-          <a:schemeClr val="accent1">
-            <a:hueOff val="0"/>
-            <a:satOff val="0"/>
-            <a:lumOff val="0"/>
-            <a:alphaOff val="0"/>
-          </a:schemeClr>
-        </a:solidFill>
-        <a:ln w="15875" cap="rnd" cmpd="sng" algn="ctr">
-          <a:solidFill>
-            <a:schemeClr val="lt1">
-              <a:hueOff val="0"/>
-              <a:satOff val="0"/>
-              <a:lumOff val="0"/>
-              <a:alphaOff val="0"/>
-            </a:schemeClr>
-          </a:solidFill>
-          <a:prstDash val="solid"/>
-        </a:ln>
-        <a:effectLst/>
-      </dsp:spPr>
-      <dsp:style>
-        <a:lnRef idx="2">
-          <a:scrgbClr r="0" g="0" b="0"/>
-        </a:lnRef>
-        <a:fillRef idx="1">
-          <a:scrgbClr r="0" g="0" b="0"/>
-        </a:fillRef>
-        <a:effectRef idx="0">
-          <a:scrgbClr r="0" g="0" b="0"/>
-        </a:effectRef>
-        <a:fontRef idx="minor">
-          <a:schemeClr val="lt1"/>
-        </a:fontRef>
-      </dsp:style>
-      <dsp:txBody>
-        <a:bodyPr spcFirstLastPara="0" vert="horz" wrap="square" lIns="80010" tIns="26670" rIns="26670" bIns="26670" numCol="1" spcCol="1270" anchor="ctr" anchorCtr="0">
-          <a:noAutofit/>
-        </a:bodyPr>
-        <a:lstStyle/>
-        <a:p>
-          <a:pPr lvl="0" algn="ctr" defTabSz="889000">
-            <a:lnSpc>
-              <a:spcPct val="90000"/>
-            </a:lnSpc>
-            <a:spcBef>
-              <a:spcPct val="0"/>
-            </a:spcBef>
-            <a:spcAft>
-              <a:spcPct val="35000"/>
-            </a:spcAft>
-          </a:pPr>
-          <a:r>
-            <a:rPr lang="fr-FR" sz="2000" kern="1200" dirty="0" smtClean="0"/>
-            <a:t>Bilan</a:t>
-          </a:r>
-          <a:endParaRPr lang="fr-FR" sz="2000" kern="1200" dirty="0"/>
-        </a:p>
-      </dsp:txBody>
-      <dsp:txXfrm>
-        <a:off x="3877322" y="0"/>
-        <a:ext cx="1628996" cy="410198"/>
-      </dsp:txXfrm>
-    </dsp:sp>
   </dsp:spTree>
 </dsp:drawing>
 </file>
@@ -28761,13 +27214,13 @@
   <p:clrMapOvr>
     <a:masterClrMapping/>
   </p:clrMapOvr>
-  <mc:AlternateContent xmlns:mc="http://schemas.openxmlformats.org/markup-compatibility/2006">
-    <mc:Choice xmlns:p14="http://schemas.microsoft.com/office/powerpoint/2010/main" Requires="p14">
+  <mc:AlternateContent xmlns:mc="http://schemas.openxmlformats.org/markup-compatibility/2006" xmlns:p14="http://schemas.microsoft.com/office/powerpoint/2010/main">
+    <mc:Choice Requires="p14">
       <p:transition spd="slow" p14:dur="1250">
         <p14:switch dir="r"/>
       </p:transition>
     </mc:Choice>
-    <mc:Fallback>
+    <mc:Fallback xmlns="">
       <p:transition spd="slow">
         <p:fade/>
       </p:transition>
@@ -29076,13 +27529,13 @@
   <p:clrMapOvr>
     <a:masterClrMapping/>
   </p:clrMapOvr>
-  <mc:AlternateContent xmlns:mc="http://schemas.openxmlformats.org/markup-compatibility/2006">
-    <mc:Choice xmlns:p14="http://schemas.microsoft.com/office/powerpoint/2010/main" Requires="p14">
+  <mc:AlternateContent xmlns:mc="http://schemas.openxmlformats.org/markup-compatibility/2006" xmlns:p14="http://schemas.microsoft.com/office/powerpoint/2010/main">
+    <mc:Choice Requires="p14">
       <p:transition spd="slow" p14:dur="1250">
         <p14:switch dir="r"/>
       </p:transition>
     </mc:Choice>
-    <mc:Fallback>
+    <mc:Fallback xmlns="">
       <p:transition spd="slow">
         <p:fade/>
       </p:transition>
@@ -29225,13 +27678,13 @@
   <p:clrMapOvr>
     <a:masterClrMapping/>
   </p:clrMapOvr>
-  <mc:AlternateContent xmlns:mc="http://schemas.openxmlformats.org/markup-compatibility/2006">
-    <mc:Choice xmlns:p14="http://schemas.microsoft.com/office/powerpoint/2010/main" Requires="p14">
+  <mc:AlternateContent xmlns:mc="http://schemas.openxmlformats.org/markup-compatibility/2006" xmlns:p14="http://schemas.microsoft.com/office/powerpoint/2010/main">
+    <mc:Choice Requires="p14">
       <p:transition spd="slow" p14:dur="1250">
         <p14:switch dir="r"/>
       </p:transition>
     </mc:Choice>
-    <mc:Fallback>
+    <mc:Fallback xmlns="">
       <p:transition spd="slow">
         <p:fade/>
       </p:transition>
@@ -29408,13 +27861,13 @@
   <p:clrMapOvr>
     <a:masterClrMapping/>
   </p:clrMapOvr>
-  <mc:AlternateContent xmlns:mc="http://schemas.openxmlformats.org/markup-compatibility/2006">
-    <mc:Choice xmlns:p14="http://schemas.microsoft.com/office/powerpoint/2010/main" Requires="p14">
+  <mc:AlternateContent xmlns:mc="http://schemas.openxmlformats.org/markup-compatibility/2006" xmlns:p14="http://schemas.microsoft.com/office/powerpoint/2010/main">
+    <mc:Choice Requires="p14">
       <p:transition spd="slow" p14:dur="1250">
         <p14:switch dir="r"/>
       </p:transition>
     </mc:Choice>
-    <mc:Fallback>
+    <mc:Fallback xmlns="">
       <p:transition spd="slow">
         <p:fade/>
       </p:transition>
@@ -29948,13 +28401,13 @@
   <p:clrMapOvr>
     <a:masterClrMapping/>
   </p:clrMapOvr>
-  <mc:AlternateContent xmlns:mc="http://schemas.openxmlformats.org/markup-compatibility/2006">
-    <mc:Choice xmlns:p14="http://schemas.microsoft.com/office/powerpoint/2010/main" Requires="p14">
+  <mc:AlternateContent xmlns:mc="http://schemas.openxmlformats.org/markup-compatibility/2006" xmlns:p14="http://schemas.microsoft.com/office/powerpoint/2010/main">
+    <mc:Choice Requires="p14">
       <p:transition spd="slow" p14:dur="1250">
         <p14:switch dir="r"/>
       </p:transition>
     </mc:Choice>
-    <mc:Fallback>
+    <mc:Fallback xmlns="">
       <p:transition spd="slow">
         <p:fade/>
       </p:transition>
@@ -31246,13 +29699,13 @@
   <p:clrMapOvr>
     <a:masterClrMapping/>
   </p:clrMapOvr>
-  <mc:AlternateContent xmlns:mc="http://schemas.openxmlformats.org/markup-compatibility/2006">
-    <mc:Choice xmlns:p14="http://schemas.microsoft.com/office/powerpoint/2010/main" Requires="p14">
+  <mc:AlternateContent xmlns:mc="http://schemas.openxmlformats.org/markup-compatibility/2006" xmlns:p14="http://schemas.microsoft.com/office/powerpoint/2010/main">
+    <mc:Choice Requires="p14">
       <p:transition spd="slow" p14:dur="1250">
         <p14:switch dir="r"/>
       </p:transition>
     </mc:Choice>
-    <mc:Fallback>
+    <mc:Fallback xmlns="">
       <p:transition spd="slow">
         <p:fade/>
       </p:transition>
@@ -31319,6 +29772,38 @@
             <a:r>
               <a:rPr lang="fr-FR" dirty="0" smtClean="0"/>
               <a:t>DSS</a:t>
+            </a:r>
+            <a:endParaRPr lang="fr-FR" dirty="0"/>
+          </a:p>
+          <a:p>
+            <a:endParaRPr lang="fr-FR" dirty="0" smtClean="0"/>
+          </a:p>
+          <a:p>
+            <a:r>
+              <a:rPr lang="fr-FR" dirty="0" smtClean="0"/>
+              <a:t>(// expliquer ce qui ce passe</a:t>
+            </a:r>
+          </a:p>
+          <a:p>
+            <a:pPr marL="0" indent="0">
+              <a:buNone/>
+            </a:pPr>
+            <a:r>
+              <a:rPr lang="fr-FR" dirty="0" smtClean="0"/>
+              <a:t> au niveau de l’application (nb lignes</a:t>
+            </a:r>
+          </a:p>
+          <a:p>
+            <a:pPr marL="0" indent="0">
+              <a:buNone/>
+            </a:pPr>
+            <a:r>
+              <a:rPr lang="fr-FR" dirty="0" smtClean="0"/>
+              <a:t>Nb colonne pour créer grille</a:t>
+            </a:r>
+            <a:r>
+              <a:rPr lang="fr-FR" smtClean="0"/>
+              <a:t>, interaction)</a:t>
             </a:r>
             <a:endParaRPr lang="fr-FR" dirty="0"/>
           </a:p>
@@ -31415,7 +29900,7 @@
         </p:blipFill>
         <p:spPr>
           <a:xfrm>
-            <a:off x="4713286" y="1615441"/>
+            <a:off x="7103113" y="1615440"/>
             <a:ext cx="6212196" cy="4295782"/>
           </a:xfrm>
           <a:prstGeom prst="rect">
@@ -31433,13 +29918,13 @@
   <p:clrMapOvr>
     <a:masterClrMapping/>
   </p:clrMapOvr>
-  <mc:AlternateContent xmlns:mc="http://schemas.openxmlformats.org/markup-compatibility/2006">
-    <mc:Choice xmlns:p14="http://schemas.microsoft.com/office/powerpoint/2010/main" Requires="p14">
+  <mc:AlternateContent xmlns:mc="http://schemas.openxmlformats.org/markup-compatibility/2006" xmlns:p14="http://schemas.microsoft.com/office/powerpoint/2010/main">
+    <mc:Choice Requires="p14">
       <p:transition spd="slow" p14:dur="1250">
         <p14:switch dir="r"/>
       </p:transition>
     </mc:Choice>
-    <mc:Fallback>
+    <mc:Fallback xmlns="">
       <p:transition spd="slow">
         <p:fade/>
       </p:transition>

--- a/IHearISay/I_HEAR_I_SAY_Points_Techniques.pptx
+++ b/IHearISay/I_HEAR_I_SAY_Points_Techniques.pptx
@@ -5,19 +5,21 @@
     <p:sldMasterId id="2147483648" r:id="rId1"/>
   </p:sldMasterIdLst>
   <p:notesMasterIdLst>
-    <p:notesMasterId r:id="rId12"/>
+    <p:notesMasterId r:id="rId14"/>
   </p:notesMasterIdLst>
   <p:sldIdLst>
     <p:sldId id="256" r:id="rId2"/>
     <p:sldId id="258" r:id="rId3"/>
     <p:sldId id="261" r:id="rId4"/>
-    <p:sldId id="262" r:id="rId5"/>
-    <p:sldId id="263" r:id="rId6"/>
+    <p:sldId id="263" r:id="rId5"/>
+    <p:sldId id="268" r:id="rId6"/>
     <p:sldId id="265" r:id="rId7"/>
     <p:sldId id="266" r:id="rId8"/>
     <p:sldId id="257" r:id="rId9"/>
-    <p:sldId id="259" r:id="rId10"/>
-    <p:sldId id="260" r:id="rId11"/>
+    <p:sldId id="267" r:id="rId10"/>
+    <p:sldId id="259" r:id="rId11"/>
+    <p:sldId id="269" r:id="rId12"/>
+    <p:sldId id="260" r:id="rId13"/>
   </p:sldIdLst>
   <p:sldSz cx="12192000" cy="6858000"/>
   <p:notesSz cx="6858000" cy="9144000"/>
@@ -5354,6 +5356,753 @@
 </file>
 
 <file path=ppt/diagrams/colors8.xml><?xml version="1.0" encoding="utf-8"?>
+<dgm:colorsDef xmlns:dgm="http://schemas.openxmlformats.org/drawingml/2006/diagram" xmlns:a="http://schemas.openxmlformats.org/drawingml/2006/main" uniqueId="urn:microsoft.com/office/officeart/2005/8/colors/accent1_2">
+  <dgm:title val=""/>
+  <dgm:desc val=""/>
+  <dgm:catLst>
+    <dgm:cat type="accent1" pri="11200"/>
+  </dgm:catLst>
+  <dgm:styleLbl name="node0">
+    <dgm:fillClrLst meth="repeat">
+      <a:schemeClr val="accent1"/>
+    </dgm:fillClrLst>
+    <dgm:linClrLst meth="repeat">
+      <a:schemeClr val="lt1"/>
+    </dgm:linClrLst>
+    <dgm:effectClrLst/>
+    <dgm:txLinClrLst/>
+    <dgm:txFillClrLst/>
+    <dgm:txEffectClrLst/>
+  </dgm:styleLbl>
+  <dgm:styleLbl name="alignNode1">
+    <dgm:fillClrLst meth="repeat">
+      <a:schemeClr val="accent1"/>
+    </dgm:fillClrLst>
+    <dgm:linClrLst meth="repeat">
+      <a:schemeClr val="accent1"/>
+    </dgm:linClrLst>
+    <dgm:effectClrLst/>
+    <dgm:txLinClrLst/>
+    <dgm:txFillClrLst/>
+    <dgm:txEffectClrLst/>
+  </dgm:styleLbl>
+  <dgm:styleLbl name="node1">
+    <dgm:fillClrLst meth="repeat">
+      <a:schemeClr val="accent1"/>
+    </dgm:fillClrLst>
+    <dgm:linClrLst meth="repeat">
+      <a:schemeClr val="lt1"/>
+    </dgm:linClrLst>
+    <dgm:effectClrLst/>
+    <dgm:txLinClrLst/>
+    <dgm:txFillClrLst/>
+    <dgm:txEffectClrLst/>
+  </dgm:styleLbl>
+  <dgm:styleLbl name="lnNode1">
+    <dgm:fillClrLst meth="repeat">
+      <a:schemeClr val="accent1"/>
+    </dgm:fillClrLst>
+    <dgm:linClrLst meth="repeat">
+      <a:schemeClr val="lt1"/>
+    </dgm:linClrLst>
+    <dgm:effectClrLst/>
+    <dgm:txLinClrLst/>
+    <dgm:txFillClrLst/>
+    <dgm:txEffectClrLst/>
+  </dgm:styleLbl>
+  <dgm:styleLbl name="vennNode1">
+    <dgm:fillClrLst meth="repeat">
+      <a:schemeClr val="accent1">
+        <a:alpha val="50000"/>
+      </a:schemeClr>
+    </dgm:fillClrLst>
+    <dgm:linClrLst meth="repeat">
+      <a:schemeClr val="lt1"/>
+    </dgm:linClrLst>
+    <dgm:effectClrLst/>
+    <dgm:txLinClrLst/>
+    <dgm:txFillClrLst/>
+    <dgm:txEffectClrLst/>
+  </dgm:styleLbl>
+  <dgm:styleLbl name="node2">
+    <dgm:fillClrLst meth="repeat">
+      <a:schemeClr val="accent1"/>
+    </dgm:fillClrLst>
+    <dgm:linClrLst meth="repeat">
+      <a:schemeClr val="lt1"/>
+    </dgm:linClrLst>
+    <dgm:effectClrLst/>
+    <dgm:txLinClrLst/>
+    <dgm:txFillClrLst/>
+    <dgm:txEffectClrLst/>
+  </dgm:styleLbl>
+  <dgm:styleLbl name="node3">
+    <dgm:fillClrLst meth="repeat">
+      <a:schemeClr val="accent1"/>
+    </dgm:fillClrLst>
+    <dgm:linClrLst meth="repeat">
+      <a:schemeClr val="lt1"/>
+    </dgm:linClrLst>
+    <dgm:effectClrLst/>
+    <dgm:txLinClrLst/>
+    <dgm:txFillClrLst/>
+    <dgm:txEffectClrLst/>
+  </dgm:styleLbl>
+  <dgm:styleLbl name="node4">
+    <dgm:fillClrLst meth="repeat">
+      <a:schemeClr val="accent1"/>
+    </dgm:fillClrLst>
+    <dgm:linClrLst meth="repeat">
+      <a:schemeClr val="lt1"/>
+    </dgm:linClrLst>
+    <dgm:effectClrLst/>
+    <dgm:txLinClrLst/>
+    <dgm:txFillClrLst/>
+    <dgm:txEffectClrLst/>
+  </dgm:styleLbl>
+  <dgm:styleLbl name="fgImgPlace1">
+    <dgm:fillClrLst meth="repeat">
+      <a:schemeClr val="accent1">
+        <a:tint val="50000"/>
+      </a:schemeClr>
+    </dgm:fillClrLst>
+    <dgm:linClrLst meth="repeat">
+      <a:schemeClr val="lt1"/>
+    </dgm:linClrLst>
+    <dgm:effectClrLst/>
+    <dgm:txLinClrLst/>
+    <dgm:txFillClrLst meth="repeat">
+      <a:schemeClr val="lt1"/>
+    </dgm:txFillClrLst>
+    <dgm:txEffectClrLst/>
+  </dgm:styleLbl>
+  <dgm:styleLbl name="alignImgPlace1">
+    <dgm:fillClrLst meth="repeat">
+      <a:schemeClr val="accent1">
+        <a:tint val="50000"/>
+      </a:schemeClr>
+    </dgm:fillClrLst>
+    <dgm:linClrLst meth="repeat">
+      <a:schemeClr val="lt1"/>
+    </dgm:linClrLst>
+    <dgm:effectClrLst/>
+    <dgm:txLinClrLst/>
+    <dgm:txFillClrLst meth="repeat">
+      <a:schemeClr val="lt1"/>
+    </dgm:txFillClrLst>
+    <dgm:txEffectClrLst/>
+  </dgm:styleLbl>
+  <dgm:styleLbl name="bgImgPlace1">
+    <dgm:fillClrLst meth="repeat">
+      <a:schemeClr val="accent1">
+        <a:tint val="50000"/>
+      </a:schemeClr>
+    </dgm:fillClrLst>
+    <dgm:linClrLst meth="repeat">
+      <a:schemeClr val="lt1"/>
+    </dgm:linClrLst>
+    <dgm:effectClrLst/>
+    <dgm:txLinClrLst/>
+    <dgm:txFillClrLst meth="repeat">
+      <a:schemeClr val="lt1"/>
+    </dgm:txFillClrLst>
+    <dgm:txEffectClrLst/>
+  </dgm:styleLbl>
+  <dgm:styleLbl name="sibTrans2D1">
+    <dgm:fillClrLst meth="repeat">
+      <a:schemeClr val="accent1">
+        <a:tint val="60000"/>
+      </a:schemeClr>
+    </dgm:fillClrLst>
+    <dgm:linClrLst meth="repeat">
+      <a:schemeClr val="accent1">
+        <a:tint val="60000"/>
+      </a:schemeClr>
+    </dgm:linClrLst>
+    <dgm:effectClrLst/>
+    <dgm:txLinClrLst/>
+    <dgm:txFillClrLst/>
+    <dgm:txEffectClrLst/>
+  </dgm:styleLbl>
+  <dgm:styleLbl name="fgSibTrans2D1">
+    <dgm:fillClrLst meth="repeat">
+      <a:schemeClr val="accent1">
+        <a:tint val="60000"/>
+      </a:schemeClr>
+    </dgm:fillClrLst>
+    <dgm:linClrLst meth="repeat">
+      <a:schemeClr val="accent1">
+        <a:tint val="60000"/>
+      </a:schemeClr>
+    </dgm:linClrLst>
+    <dgm:effectClrLst/>
+    <dgm:txLinClrLst/>
+    <dgm:txFillClrLst/>
+    <dgm:txEffectClrLst/>
+  </dgm:styleLbl>
+  <dgm:styleLbl name="bgSibTrans2D1">
+    <dgm:fillClrLst meth="repeat">
+      <a:schemeClr val="accent1">
+        <a:tint val="60000"/>
+      </a:schemeClr>
+    </dgm:fillClrLst>
+    <dgm:linClrLst meth="repeat">
+      <a:schemeClr val="accent1">
+        <a:tint val="60000"/>
+      </a:schemeClr>
+    </dgm:linClrLst>
+    <dgm:effectClrLst/>
+    <dgm:txLinClrLst/>
+    <dgm:txFillClrLst/>
+    <dgm:txEffectClrLst/>
+  </dgm:styleLbl>
+  <dgm:styleLbl name="sibTrans1D1">
+    <dgm:fillClrLst meth="repeat">
+      <a:schemeClr val="accent1"/>
+    </dgm:fillClrLst>
+    <dgm:linClrLst meth="repeat">
+      <a:schemeClr val="accent1"/>
+    </dgm:linClrLst>
+    <dgm:effectClrLst/>
+    <dgm:txLinClrLst/>
+    <dgm:txFillClrLst meth="repeat">
+      <a:schemeClr val="tx1"/>
+    </dgm:txFillClrLst>
+    <dgm:txEffectClrLst/>
+  </dgm:styleLbl>
+  <dgm:styleLbl name="callout">
+    <dgm:fillClrLst meth="repeat">
+      <a:schemeClr val="accent1"/>
+    </dgm:fillClrLst>
+    <dgm:linClrLst meth="repeat">
+      <a:schemeClr val="accent1">
+        <a:tint val="50000"/>
+      </a:schemeClr>
+    </dgm:linClrLst>
+    <dgm:effectClrLst/>
+    <dgm:txLinClrLst/>
+    <dgm:txFillClrLst meth="repeat">
+      <a:schemeClr val="tx1"/>
+    </dgm:txFillClrLst>
+    <dgm:txEffectClrLst/>
+  </dgm:styleLbl>
+  <dgm:styleLbl name="asst0">
+    <dgm:fillClrLst meth="repeat">
+      <a:schemeClr val="accent1"/>
+    </dgm:fillClrLst>
+    <dgm:linClrLst meth="repeat">
+      <a:schemeClr val="lt1"/>
+    </dgm:linClrLst>
+    <dgm:effectClrLst/>
+    <dgm:txLinClrLst/>
+    <dgm:txFillClrLst/>
+    <dgm:txEffectClrLst/>
+  </dgm:styleLbl>
+  <dgm:styleLbl name="asst1">
+    <dgm:fillClrLst meth="repeat">
+      <a:schemeClr val="accent1"/>
+    </dgm:fillClrLst>
+    <dgm:linClrLst meth="repeat">
+      <a:schemeClr val="lt1"/>
+    </dgm:linClrLst>
+    <dgm:effectClrLst/>
+    <dgm:txLinClrLst/>
+    <dgm:txFillClrLst/>
+    <dgm:txEffectClrLst/>
+  </dgm:styleLbl>
+  <dgm:styleLbl name="asst2">
+    <dgm:fillClrLst meth="repeat">
+      <a:schemeClr val="accent1"/>
+    </dgm:fillClrLst>
+    <dgm:linClrLst meth="repeat">
+      <a:schemeClr val="lt1"/>
+    </dgm:linClrLst>
+    <dgm:effectClrLst/>
+    <dgm:txLinClrLst/>
+    <dgm:txFillClrLst/>
+    <dgm:txEffectClrLst/>
+  </dgm:styleLbl>
+  <dgm:styleLbl name="asst3">
+    <dgm:fillClrLst meth="repeat">
+      <a:schemeClr val="accent1"/>
+    </dgm:fillClrLst>
+    <dgm:linClrLst meth="repeat">
+      <a:schemeClr val="lt1"/>
+    </dgm:linClrLst>
+    <dgm:effectClrLst/>
+    <dgm:txLinClrLst/>
+    <dgm:txFillClrLst/>
+    <dgm:txEffectClrLst/>
+  </dgm:styleLbl>
+  <dgm:styleLbl name="asst4">
+    <dgm:fillClrLst meth="repeat">
+      <a:schemeClr val="accent1"/>
+    </dgm:fillClrLst>
+    <dgm:linClrLst meth="repeat">
+      <a:schemeClr val="lt1"/>
+    </dgm:linClrLst>
+    <dgm:effectClrLst/>
+    <dgm:txLinClrLst/>
+    <dgm:txFillClrLst/>
+    <dgm:txEffectClrLst/>
+  </dgm:styleLbl>
+  <dgm:styleLbl name="parChTrans2D1">
+    <dgm:fillClrLst meth="repeat">
+      <a:schemeClr val="accent1">
+        <a:tint val="60000"/>
+      </a:schemeClr>
+    </dgm:fillClrLst>
+    <dgm:linClrLst meth="repeat">
+      <a:schemeClr val="accent1">
+        <a:tint val="60000"/>
+      </a:schemeClr>
+    </dgm:linClrLst>
+    <dgm:effectClrLst/>
+    <dgm:txLinClrLst/>
+    <dgm:txFillClrLst meth="repeat">
+      <a:schemeClr val="lt1"/>
+    </dgm:txFillClrLst>
+    <dgm:txEffectClrLst/>
+  </dgm:styleLbl>
+  <dgm:styleLbl name="parChTrans2D2">
+    <dgm:fillClrLst meth="repeat">
+      <a:schemeClr val="accent1"/>
+    </dgm:fillClrLst>
+    <dgm:linClrLst meth="repeat">
+      <a:schemeClr val="accent1"/>
+    </dgm:linClrLst>
+    <dgm:effectClrLst/>
+    <dgm:txLinClrLst/>
+    <dgm:txFillClrLst meth="repeat">
+      <a:schemeClr val="lt1"/>
+    </dgm:txFillClrLst>
+    <dgm:txEffectClrLst/>
+  </dgm:styleLbl>
+  <dgm:styleLbl name="parChTrans2D3">
+    <dgm:fillClrLst meth="repeat">
+      <a:schemeClr val="accent1"/>
+    </dgm:fillClrLst>
+    <dgm:linClrLst meth="repeat">
+      <a:schemeClr val="accent1"/>
+    </dgm:linClrLst>
+    <dgm:effectClrLst/>
+    <dgm:txLinClrLst/>
+    <dgm:txFillClrLst meth="repeat">
+      <a:schemeClr val="lt1"/>
+    </dgm:txFillClrLst>
+    <dgm:txEffectClrLst/>
+  </dgm:styleLbl>
+  <dgm:styleLbl name="parChTrans2D4">
+    <dgm:fillClrLst meth="repeat">
+      <a:schemeClr val="accent1"/>
+    </dgm:fillClrLst>
+    <dgm:linClrLst meth="repeat">
+      <a:schemeClr val="accent1"/>
+    </dgm:linClrLst>
+    <dgm:effectClrLst/>
+    <dgm:txLinClrLst/>
+    <dgm:txFillClrLst meth="repeat">
+      <a:schemeClr val="lt1"/>
+    </dgm:txFillClrLst>
+    <dgm:txEffectClrLst/>
+  </dgm:styleLbl>
+  <dgm:styleLbl name="parChTrans1D1">
+    <dgm:fillClrLst meth="repeat">
+      <a:schemeClr val="accent1"/>
+    </dgm:fillClrLst>
+    <dgm:linClrLst meth="repeat">
+      <a:schemeClr val="accent1">
+        <a:shade val="60000"/>
+      </a:schemeClr>
+    </dgm:linClrLst>
+    <dgm:effectClrLst/>
+    <dgm:txLinClrLst/>
+    <dgm:txFillClrLst meth="repeat">
+      <a:schemeClr val="tx1"/>
+    </dgm:txFillClrLst>
+    <dgm:txEffectClrLst/>
+  </dgm:styleLbl>
+  <dgm:styleLbl name="parChTrans1D2">
+    <dgm:fillClrLst meth="repeat">
+      <a:schemeClr val="accent1"/>
+    </dgm:fillClrLst>
+    <dgm:linClrLst meth="repeat">
+      <a:schemeClr val="accent1">
+        <a:shade val="60000"/>
+      </a:schemeClr>
+    </dgm:linClrLst>
+    <dgm:effectClrLst/>
+    <dgm:txLinClrLst/>
+    <dgm:txFillClrLst meth="repeat">
+      <a:schemeClr val="tx1"/>
+    </dgm:txFillClrLst>
+    <dgm:txEffectClrLst/>
+  </dgm:styleLbl>
+  <dgm:styleLbl name="parChTrans1D3">
+    <dgm:fillClrLst meth="repeat">
+      <a:schemeClr val="accent1"/>
+    </dgm:fillClrLst>
+    <dgm:linClrLst meth="repeat">
+      <a:schemeClr val="accent1">
+        <a:shade val="80000"/>
+      </a:schemeClr>
+    </dgm:linClrLst>
+    <dgm:effectClrLst/>
+    <dgm:txLinClrLst/>
+    <dgm:txFillClrLst meth="repeat">
+      <a:schemeClr val="tx1"/>
+    </dgm:txFillClrLst>
+    <dgm:txEffectClrLst/>
+  </dgm:styleLbl>
+  <dgm:styleLbl name="parChTrans1D4">
+    <dgm:fillClrLst meth="repeat">
+      <a:schemeClr val="accent1"/>
+    </dgm:fillClrLst>
+    <dgm:linClrLst meth="repeat">
+      <a:schemeClr val="accent1">
+        <a:shade val="80000"/>
+      </a:schemeClr>
+    </dgm:linClrLst>
+    <dgm:effectClrLst/>
+    <dgm:txLinClrLst/>
+    <dgm:txFillClrLst meth="repeat">
+      <a:schemeClr val="tx1"/>
+    </dgm:txFillClrLst>
+    <dgm:txEffectClrLst/>
+  </dgm:styleLbl>
+  <dgm:styleLbl name="fgAcc1">
+    <dgm:fillClrLst meth="repeat">
+      <a:schemeClr val="lt1">
+        <a:alpha val="90000"/>
+      </a:schemeClr>
+    </dgm:fillClrLst>
+    <dgm:linClrLst meth="repeat">
+      <a:schemeClr val="accent1"/>
+    </dgm:linClrLst>
+    <dgm:effectClrLst/>
+    <dgm:txLinClrLst/>
+    <dgm:txFillClrLst meth="repeat">
+      <a:schemeClr val="dk1"/>
+    </dgm:txFillClrLst>
+    <dgm:txEffectClrLst/>
+  </dgm:styleLbl>
+  <dgm:styleLbl name="conFgAcc1">
+    <dgm:fillClrLst meth="repeat">
+      <a:schemeClr val="lt1">
+        <a:alpha val="90000"/>
+      </a:schemeClr>
+    </dgm:fillClrLst>
+    <dgm:linClrLst meth="repeat">
+      <a:schemeClr val="accent1"/>
+    </dgm:linClrLst>
+    <dgm:effectClrLst/>
+    <dgm:txLinClrLst/>
+    <dgm:txFillClrLst meth="repeat">
+      <a:schemeClr val="dk1"/>
+    </dgm:txFillClrLst>
+    <dgm:txEffectClrLst/>
+  </dgm:styleLbl>
+  <dgm:styleLbl name="alignAcc1">
+    <dgm:fillClrLst meth="repeat">
+      <a:schemeClr val="lt1">
+        <a:alpha val="90000"/>
+      </a:schemeClr>
+    </dgm:fillClrLst>
+    <dgm:linClrLst meth="repeat">
+      <a:schemeClr val="accent1"/>
+    </dgm:linClrLst>
+    <dgm:effectClrLst/>
+    <dgm:txLinClrLst/>
+    <dgm:txFillClrLst meth="repeat">
+      <a:schemeClr val="dk1"/>
+    </dgm:txFillClrLst>
+    <dgm:txEffectClrLst/>
+  </dgm:styleLbl>
+  <dgm:styleLbl name="trAlignAcc1">
+    <dgm:fillClrLst meth="repeat">
+      <a:schemeClr val="lt1">
+        <a:alpha val="40000"/>
+      </a:schemeClr>
+    </dgm:fillClrLst>
+    <dgm:linClrLst meth="repeat">
+      <a:schemeClr val="accent1"/>
+    </dgm:linClrLst>
+    <dgm:effectClrLst/>
+    <dgm:txLinClrLst/>
+    <dgm:txFillClrLst meth="repeat">
+      <a:schemeClr val="dk1"/>
+    </dgm:txFillClrLst>
+    <dgm:txEffectClrLst/>
+  </dgm:styleLbl>
+  <dgm:styleLbl name="bgAcc1">
+    <dgm:fillClrLst meth="repeat">
+      <a:schemeClr val="lt1">
+        <a:alpha val="90000"/>
+      </a:schemeClr>
+    </dgm:fillClrLst>
+    <dgm:linClrLst meth="repeat">
+      <a:schemeClr val="accent1"/>
+    </dgm:linClrLst>
+    <dgm:effectClrLst/>
+    <dgm:txLinClrLst/>
+    <dgm:txFillClrLst meth="repeat">
+      <a:schemeClr val="dk1"/>
+    </dgm:txFillClrLst>
+    <dgm:txEffectClrLst/>
+  </dgm:styleLbl>
+  <dgm:styleLbl name="solidFgAcc1">
+    <dgm:fillClrLst meth="repeat">
+      <a:schemeClr val="lt1"/>
+    </dgm:fillClrLst>
+    <dgm:linClrLst meth="repeat">
+      <a:schemeClr val="accent1"/>
+    </dgm:linClrLst>
+    <dgm:effectClrLst/>
+    <dgm:txLinClrLst/>
+    <dgm:txFillClrLst meth="repeat">
+      <a:schemeClr val="dk1"/>
+    </dgm:txFillClrLst>
+    <dgm:txEffectClrLst/>
+  </dgm:styleLbl>
+  <dgm:styleLbl name="solidAlignAcc1">
+    <dgm:fillClrLst meth="repeat">
+      <a:schemeClr val="lt1"/>
+    </dgm:fillClrLst>
+    <dgm:linClrLst meth="repeat">
+      <a:schemeClr val="accent1"/>
+    </dgm:linClrLst>
+    <dgm:effectClrLst/>
+    <dgm:txLinClrLst/>
+    <dgm:txFillClrLst meth="repeat">
+      <a:schemeClr val="dk1"/>
+    </dgm:txFillClrLst>
+    <dgm:txEffectClrLst/>
+  </dgm:styleLbl>
+  <dgm:styleLbl name="solidBgAcc1">
+    <dgm:fillClrLst meth="repeat">
+      <a:schemeClr val="lt1"/>
+    </dgm:fillClrLst>
+    <dgm:linClrLst meth="repeat">
+      <a:schemeClr val="accent1"/>
+    </dgm:linClrLst>
+    <dgm:effectClrLst/>
+    <dgm:txLinClrLst/>
+    <dgm:txFillClrLst meth="repeat">
+      <a:schemeClr val="dk1"/>
+    </dgm:txFillClrLst>
+    <dgm:txEffectClrLst/>
+  </dgm:styleLbl>
+  <dgm:styleLbl name="fgAccFollowNode1">
+    <dgm:fillClrLst meth="repeat">
+      <a:schemeClr val="accent1">
+        <a:alpha val="90000"/>
+        <a:tint val="40000"/>
+      </a:schemeClr>
+    </dgm:fillClrLst>
+    <dgm:linClrLst meth="repeat">
+      <a:schemeClr val="accent1">
+        <a:alpha val="90000"/>
+        <a:tint val="40000"/>
+      </a:schemeClr>
+    </dgm:linClrLst>
+    <dgm:effectClrLst/>
+    <dgm:txLinClrLst/>
+    <dgm:txFillClrLst meth="repeat">
+      <a:schemeClr val="dk1"/>
+    </dgm:txFillClrLst>
+    <dgm:txEffectClrLst/>
+  </dgm:styleLbl>
+  <dgm:styleLbl name="alignAccFollowNode1">
+    <dgm:fillClrLst meth="repeat">
+      <a:schemeClr val="accent1">
+        <a:alpha val="90000"/>
+        <a:tint val="40000"/>
+      </a:schemeClr>
+    </dgm:fillClrLst>
+    <dgm:linClrLst meth="repeat">
+      <a:schemeClr val="accent1">
+        <a:alpha val="90000"/>
+        <a:tint val="40000"/>
+      </a:schemeClr>
+    </dgm:linClrLst>
+    <dgm:effectClrLst/>
+    <dgm:txLinClrLst/>
+    <dgm:txFillClrLst meth="repeat">
+      <a:schemeClr val="dk1"/>
+    </dgm:txFillClrLst>
+    <dgm:txEffectClrLst/>
+  </dgm:styleLbl>
+  <dgm:styleLbl name="bgAccFollowNode1">
+    <dgm:fillClrLst meth="repeat">
+      <a:schemeClr val="accent1">
+        <a:alpha val="90000"/>
+        <a:tint val="40000"/>
+      </a:schemeClr>
+    </dgm:fillClrLst>
+    <dgm:linClrLst meth="repeat">
+      <a:schemeClr val="accent1">
+        <a:alpha val="90000"/>
+        <a:tint val="40000"/>
+      </a:schemeClr>
+    </dgm:linClrLst>
+    <dgm:effectClrLst/>
+    <dgm:txLinClrLst/>
+    <dgm:txFillClrLst meth="repeat">
+      <a:schemeClr val="dk1"/>
+    </dgm:txFillClrLst>
+    <dgm:txEffectClrLst/>
+  </dgm:styleLbl>
+  <dgm:styleLbl name="fgAcc0">
+    <dgm:fillClrLst meth="repeat">
+      <a:schemeClr val="lt1">
+        <a:alpha val="90000"/>
+      </a:schemeClr>
+    </dgm:fillClrLst>
+    <dgm:linClrLst meth="repeat">
+      <a:schemeClr val="accent1"/>
+    </dgm:linClrLst>
+    <dgm:effectClrLst/>
+    <dgm:txLinClrLst/>
+    <dgm:txFillClrLst meth="repeat">
+      <a:schemeClr val="dk1"/>
+    </dgm:txFillClrLst>
+    <dgm:txEffectClrLst/>
+  </dgm:styleLbl>
+  <dgm:styleLbl name="fgAcc2">
+    <dgm:fillClrLst meth="repeat">
+      <a:schemeClr val="lt1">
+        <a:alpha val="90000"/>
+      </a:schemeClr>
+    </dgm:fillClrLst>
+    <dgm:linClrLst meth="repeat">
+      <a:schemeClr val="accent1"/>
+    </dgm:linClrLst>
+    <dgm:effectClrLst/>
+    <dgm:txLinClrLst/>
+    <dgm:txFillClrLst meth="repeat">
+      <a:schemeClr val="dk1"/>
+    </dgm:txFillClrLst>
+    <dgm:txEffectClrLst/>
+  </dgm:styleLbl>
+  <dgm:styleLbl name="fgAcc3">
+    <dgm:fillClrLst meth="repeat">
+      <a:schemeClr val="lt1">
+        <a:alpha val="90000"/>
+      </a:schemeClr>
+    </dgm:fillClrLst>
+    <dgm:linClrLst meth="repeat">
+      <a:schemeClr val="accent1"/>
+    </dgm:linClrLst>
+    <dgm:effectClrLst/>
+    <dgm:txLinClrLst/>
+    <dgm:txFillClrLst meth="repeat">
+      <a:schemeClr val="dk1"/>
+    </dgm:txFillClrLst>
+    <dgm:txEffectClrLst/>
+  </dgm:styleLbl>
+  <dgm:styleLbl name="fgAcc4">
+    <dgm:fillClrLst meth="repeat">
+      <a:schemeClr val="lt1">
+        <a:alpha val="90000"/>
+      </a:schemeClr>
+    </dgm:fillClrLst>
+    <dgm:linClrLst meth="repeat">
+      <a:schemeClr val="accent1"/>
+    </dgm:linClrLst>
+    <dgm:effectClrLst/>
+    <dgm:txLinClrLst/>
+    <dgm:txFillClrLst meth="repeat">
+      <a:schemeClr val="dk1"/>
+    </dgm:txFillClrLst>
+    <dgm:txEffectClrLst/>
+  </dgm:styleLbl>
+  <dgm:styleLbl name="bgShp">
+    <dgm:fillClrLst meth="repeat">
+      <a:schemeClr val="accent1">
+        <a:tint val="40000"/>
+      </a:schemeClr>
+    </dgm:fillClrLst>
+    <dgm:linClrLst meth="repeat">
+      <a:schemeClr val="accent1"/>
+    </dgm:linClrLst>
+    <dgm:effectClrLst/>
+    <dgm:txLinClrLst/>
+    <dgm:txFillClrLst meth="repeat">
+      <a:schemeClr val="dk1"/>
+    </dgm:txFillClrLst>
+    <dgm:txEffectClrLst/>
+  </dgm:styleLbl>
+  <dgm:styleLbl name="dkBgShp">
+    <dgm:fillClrLst meth="repeat">
+      <a:schemeClr val="accent1">
+        <a:shade val="80000"/>
+      </a:schemeClr>
+    </dgm:fillClrLst>
+    <dgm:linClrLst meth="repeat">
+      <a:schemeClr val="accent1"/>
+    </dgm:linClrLst>
+    <dgm:effectClrLst/>
+    <dgm:txLinClrLst/>
+    <dgm:txFillClrLst meth="repeat">
+      <a:schemeClr val="lt1"/>
+    </dgm:txFillClrLst>
+    <dgm:txEffectClrLst/>
+  </dgm:styleLbl>
+  <dgm:styleLbl name="trBgShp">
+    <dgm:fillClrLst meth="repeat">
+      <a:schemeClr val="accent1">
+        <a:tint val="50000"/>
+        <a:alpha val="40000"/>
+      </a:schemeClr>
+    </dgm:fillClrLst>
+    <dgm:linClrLst meth="repeat">
+      <a:schemeClr val="accent1"/>
+    </dgm:linClrLst>
+    <dgm:effectClrLst/>
+    <dgm:txLinClrLst/>
+    <dgm:txFillClrLst meth="repeat">
+      <a:schemeClr val="lt1"/>
+    </dgm:txFillClrLst>
+    <dgm:txEffectClrLst/>
+  </dgm:styleLbl>
+  <dgm:styleLbl name="fgShp">
+    <dgm:fillClrLst meth="repeat">
+      <a:schemeClr val="accent1">
+        <a:tint val="60000"/>
+      </a:schemeClr>
+    </dgm:fillClrLst>
+    <dgm:linClrLst meth="repeat">
+      <a:schemeClr val="lt1"/>
+    </dgm:linClrLst>
+    <dgm:effectClrLst/>
+    <dgm:txLinClrLst/>
+    <dgm:txFillClrLst meth="repeat">
+      <a:schemeClr val="dk1"/>
+    </dgm:txFillClrLst>
+    <dgm:txEffectClrLst/>
+  </dgm:styleLbl>
+  <dgm:styleLbl name="revTx">
+    <dgm:fillClrLst meth="repeat">
+      <a:schemeClr val="lt1">
+        <a:alpha val="0"/>
+      </a:schemeClr>
+    </dgm:fillClrLst>
+    <dgm:linClrLst meth="repeat">
+      <a:schemeClr val="dk1">
+        <a:alpha val="0"/>
+      </a:schemeClr>
+    </dgm:linClrLst>
+    <dgm:effectClrLst/>
+    <dgm:txLinClrLst/>
+    <dgm:txFillClrLst meth="repeat">
+      <a:schemeClr val="tx1"/>
+    </dgm:txFillClrLst>
+    <dgm:txEffectClrLst/>
+  </dgm:styleLbl>
+</dgm:colorsDef>
+</file>
+
+<file path=ppt/diagrams/colors9.xml><?xml version="1.0" encoding="utf-8"?>
 <dgm:colorsDef xmlns:dgm="http://schemas.openxmlformats.org/drawingml/2006/diagram" xmlns:a="http://schemas.openxmlformats.org/drawingml/2006/main" uniqueId="urn:microsoft.com/office/officeart/2005/8/colors/accent1_2">
   <dgm:title val=""/>
   <dgm:desc val=""/>
@@ -6738,17 +7487,17 @@
   </dgm:ptLst>
   <dgm:cxnLst>
     <dgm:cxn modelId="{6C3F1AC4-298B-4D68-A3B6-46A3E4B5E6DC}" srcId="{2A76A016-75FB-4EB8-A025-6ACD7A3F5B7D}" destId="{0259D84A-4796-4366-BA60-D7065EA96C71}" srcOrd="2" destOrd="0" parTransId="{2844B534-BEBF-43CF-B484-5CFCA8900E85}" sibTransId="{CA49B43B-3BCA-497E-B500-5523E9DB4D6C}"/>
-    <dgm:cxn modelId="{74A42B25-9470-4961-9C4D-E5E908150EEC}" type="presOf" srcId="{2A76A016-75FB-4EB8-A025-6ACD7A3F5B7D}" destId="{2DFC64A5-769C-4372-9615-1FA4B1491470}" srcOrd="0" destOrd="0" presId="urn:microsoft.com/office/officeart/2005/8/layout/chevron1"/>
-    <dgm:cxn modelId="{14C7CBD0-29DD-4404-946A-6677E9962793}" type="presOf" srcId="{68E789BA-346D-43BD-9465-734B217059F0}" destId="{1AA5F17D-B47A-4297-B5BB-8C6B99E6C5DA}" srcOrd="0" destOrd="0" presId="urn:microsoft.com/office/officeart/2005/8/layout/chevron1"/>
     <dgm:cxn modelId="{54CD1257-05B7-4992-90E1-19728B5A48CD}" srcId="{2A76A016-75FB-4EB8-A025-6ACD7A3F5B7D}" destId="{68E789BA-346D-43BD-9465-734B217059F0}" srcOrd="1" destOrd="0" parTransId="{BFCF06E6-B9DC-4E18-9537-7296BC3BCBA2}" sibTransId="{C9B12BE5-522A-43A8-A491-AC2795BA9602}"/>
-    <dgm:cxn modelId="{0AB9CBB5-05B8-4168-AF01-386E2C00C44D}" type="presOf" srcId="{6C099256-A3F1-42A6-931A-474918379EC3}" destId="{1F6056EB-C534-4970-B58E-AD722CC6900E}" srcOrd="0" destOrd="0" presId="urn:microsoft.com/office/officeart/2005/8/layout/chevron1"/>
+    <dgm:cxn modelId="{C8954DA0-1728-4792-9DD7-47321D34CA6B}" type="presOf" srcId="{0259D84A-4796-4366-BA60-D7065EA96C71}" destId="{DF757741-D2C4-47CD-B81F-0494B81FB4EA}" srcOrd="0" destOrd="0" presId="urn:microsoft.com/office/officeart/2005/8/layout/chevron1"/>
     <dgm:cxn modelId="{469C87CF-F5DF-49FE-99F1-2B80000E8C7F}" srcId="{2A76A016-75FB-4EB8-A025-6ACD7A3F5B7D}" destId="{6C099256-A3F1-42A6-931A-474918379EC3}" srcOrd="0" destOrd="0" parTransId="{7AC3B3FF-A9FA-4238-87B0-F8A658AD7018}" sibTransId="{148C0DA2-0218-4FFE-8809-25F2D2ED809C}"/>
-    <dgm:cxn modelId="{631820F1-F5FD-4EB2-8C7B-6B7EB69B4996}" type="presOf" srcId="{0259D84A-4796-4366-BA60-D7065EA96C71}" destId="{DF757741-D2C4-47CD-B81F-0494B81FB4EA}" srcOrd="0" destOrd="0" presId="urn:microsoft.com/office/officeart/2005/8/layout/chevron1"/>
-    <dgm:cxn modelId="{40DEF2EF-8C23-45D9-A58D-4CA7B65487F5}" type="presParOf" srcId="{2DFC64A5-769C-4372-9615-1FA4B1491470}" destId="{1F6056EB-C534-4970-B58E-AD722CC6900E}" srcOrd="0" destOrd="0" presId="urn:microsoft.com/office/officeart/2005/8/layout/chevron1"/>
-    <dgm:cxn modelId="{8816DF28-E148-4467-87BC-4DBD33BF1D4B}" type="presParOf" srcId="{2DFC64A5-769C-4372-9615-1FA4B1491470}" destId="{C077A35C-7EC3-45E8-86F1-4EB37DB15503}" srcOrd="1" destOrd="0" presId="urn:microsoft.com/office/officeart/2005/8/layout/chevron1"/>
-    <dgm:cxn modelId="{CB43D038-459E-49E7-AF3E-CF19F544DC29}" type="presParOf" srcId="{2DFC64A5-769C-4372-9615-1FA4B1491470}" destId="{1AA5F17D-B47A-4297-B5BB-8C6B99E6C5DA}" srcOrd="2" destOrd="0" presId="urn:microsoft.com/office/officeart/2005/8/layout/chevron1"/>
-    <dgm:cxn modelId="{126DE4EF-AA20-475B-9694-8E218C301854}" type="presParOf" srcId="{2DFC64A5-769C-4372-9615-1FA4B1491470}" destId="{4AB4D21E-58BB-49F4-9B51-BB842C62FFF9}" srcOrd="3" destOrd="0" presId="urn:microsoft.com/office/officeart/2005/8/layout/chevron1"/>
-    <dgm:cxn modelId="{E3063761-CEFA-49DE-A3E5-594CB2274B2C}" type="presParOf" srcId="{2DFC64A5-769C-4372-9615-1FA4B1491470}" destId="{DF757741-D2C4-47CD-B81F-0494B81FB4EA}" srcOrd="4" destOrd="0" presId="urn:microsoft.com/office/officeart/2005/8/layout/chevron1"/>
+    <dgm:cxn modelId="{A56F3C85-C253-43B6-9463-6B378B1D16DB}" type="presOf" srcId="{68E789BA-346D-43BD-9465-734B217059F0}" destId="{1AA5F17D-B47A-4297-B5BB-8C6B99E6C5DA}" srcOrd="0" destOrd="0" presId="urn:microsoft.com/office/officeart/2005/8/layout/chevron1"/>
+    <dgm:cxn modelId="{4E3FA3C5-E077-416F-BA9C-C0777BCC3338}" type="presOf" srcId="{2A76A016-75FB-4EB8-A025-6ACD7A3F5B7D}" destId="{2DFC64A5-769C-4372-9615-1FA4B1491470}" srcOrd="0" destOrd="0" presId="urn:microsoft.com/office/officeart/2005/8/layout/chevron1"/>
+    <dgm:cxn modelId="{87C87ABA-AEA8-4809-971D-562E3C0DF47B}" type="presOf" srcId="{6C099256-A3F1-42A6-931A-474918379EC3}" destId="{1F6056EB-C534-4970-B58E-AD722CC6900E}" srcOrd="0" destOrd="0" presId="urn:microsoft.com/office/officeart/2005/8/layout/chevron1"/>
+    <dgm:cxn modelId="{631C8914-DE2D-4D56-9C6C-768FFE685484}" type="presParOf" srcId="{2DFC64A5-769C-4372-9615-1FA4B1491470}" destId="{1F6056EB-C534-4970-B58E-AD722CC6900E}" srcOrd="0" destOrd="0" presId="urn:microsoft.com/office/officeart/2005/8/layout/chevron1"/>
+    <dgm:cxn modelId="{4D9B9354-FE92-44ED-9055-693A697FF839}" type="presParOf" srcId="{2DFC64A5-769C-4372-9615-1FA4B1491470}" destId="{C077A35C-7EC3-45E8-86F1-4EB37DB15503}" srcOrd="1" destOrd="0" presId="urn:microsoft.com/office/officeart/2005/8/layout/chevron1"/>
+    <dgm:cxn modelId="{0F52ECE8-B4C5-487C-992D-4682B265BCE6}" type="presParOf" srcId="{2DFC64A5-769C-4372-9615-1FA4B1491470}" destId="{1AA5F17D-B47A-4297-B5BB-8C6B99E6C5DA}" srcOrd="2" destOrd="0" presId="urn:microsoft.com/office/officeart/2005/8/layout/chevron1"/>
+    <dgm:cxn modelId="{CC4D4AA5-441B-405D-A225-91A171CA37D5}" type="presParOf" srcId="{2DFC64A5-769C-4372-9615-1FA4B1491470}" destId="{4AB4D21E-58BB-49F4-9B51-BB842C62FFF9}" srcOrd="3" destOrd="0" presId="urn:microsoft.com/office/officeart/2005/8/layout/chevron1"/>
+    <dgm:cxn modelId="{06C6CCF1-4712-4CFC-93F7-AAA285C0E1CA}" type="presParOf" srcId="{2DFC64A5-769C-4372-9615-1FA4B1491470}" destId="{DF757741-D2C4-47CD-B81F-0494B81FB4EA}" srcOrd="4" destOrd="0" presId="urn:microsoft.com/office/officeart/2005/8/layout/chevron1"/>
   </dgm:cxnLst>
   <dgm:bg/>
   <dgm:whole/>
@@ -6957,230 +7706,10 @@
     </dgm:pt>
   </dgm:ptLst>
   <dgm:cxnLst>
-    <dgm:cxn modelId="{6C3F1AC4-298B-4D68-A3B6-46A3E4B5E6DC}" srcId="{2A76A016-75FB-4EB8-A025-6ACD7A3F5B7D}" destId="{0259D84A-4796-4366-BA60-D7065EA96C71}" srcOrd="2" destOrd="0" parTransId="{2844B534-BEBF-43CF-B484-5CFCA8900E85}" sibTransId="{CA49B43B-3BCA-497E-B500-5523E9DB4D6C}"/>
-    <dgm:cxn modelId="{54CD1257-05B7-4992-90E1-19728B5A48CD}" srcId="{2A76A016-75FB-4EB8-A025-6ACD7A3F5B7D}" destId="{68E789BA-346D-43BD-9465-734B217059F0}" srcOrd="1" destOrd="0" parTransId="{BFCF06E6-B9DC-4E18-9537-7296BC3BCBA2}" sibTransId="{C9B12BE5-522A-43A8-A491-AC2795BA9602}"/>
-    <dgm:cxn modelId="{C8954DA0-1728-4792-9DD7-47321D34CA6B}" type="presOf" srcId="{0259D84A-4796-4366-BA60-D7065EA96C71}" destId="{DF757741-D2C4-47CD-B81F-0494B81FB4EA}" srcOrd="0" destOrd="0" presId="urn:microsoft.com/office/officeart/2005/8/layout/chevron1"/>
-    <dgm:cxn modelId="{469C87CF-F5DF-49FE-99F1-2B80000E8C7F}" srcId="{2A76A016-75FB-4EB8-A025-6ACD7A3F5B7D}" destId="{6C099256-A3F1-42A6-931A-474918379EC3}" srcOrd="0" destOrd="0" parTransId="{7AC3B3FF-A9FA-4238-87B0-F8A658AD7018}" sibTransId="{148C0DA2-0218-4FFE-8809-25F2D2ED809C}"/>
-    <dgm:cxn modelId="{A56F3C85-C253-43B6-9463-6B378B1D16DB}" type="presOf" srcId="{68E789BA-346D-43BD-9465-734B217059F0}" destId="{1AA5F17D-B47A-4297-B5BB-8C6B99E6C5DA}" srcOrd="0" destOrd="0" presId="urn:microsoft.com/office/officeart/2005/8/layout/chevron1"/>
-    <dgm:cxn modelId="{4E3FA3C5-E077-416F-BA9C-C0777BCC3338}" type="presOf" srcId="{2A76A016-75FB-4EB8-A025-6ACD7A3F5B7D}" destId="{2DFC64A5-769C-4372-9615-1FA4B1491470}" srcOrd="0" destOrd="0" presId="urn:microsoft.com/office/officeart/2005/8/layout/chevron1"/>
-    <dgm:cxn modelId="{87C87ABA-AEA8-4809-971D-562E3C0DF47B}" type="presOf" srcId="{6C099256-A3F1-42A6-931A-474918379EC3}" destId="{1F6056EB-C534-4970-B58E-AD722CC6900E}" srcOrd="0" destOrd="0" presId="urn:microsoft.com/office/officeart/2005/8/layout/chevron1"/>
-    <dgm:cxn modelId="{631C8914-DE2D-4D56-9C6C-768FFE685484}" type="presParOf" srcId="{2DFC64A5-769C-4372-9615-1FA4B1491470}" destId="{1F6056EB-C534-4970-B58E-AD722CC6900E}" srcOrd="0" destOrd="0" presId="urn:microsoft.com/office/officeart/2005/8/layout/chevron1"/>
-    <dgm:cxn modelId="{4D9B9354-FE92-44ED-9055-693A697FF839}" type="presParOf" srcId="{2DFC64A5-769C-4372-9615-1FA4B1491470}" destId="{C077A35C-7EC3-45E8-86F1-4EB37DB15503}" srcOrd="1" destOrd="0" presId="urn:microsoft.com/office/officeart/2005/8/layout/chevron1"/>
-    <dgm:cxn modelId="{0F52ECE8-B4C5-487C-992D-4682B265BCE6}" type="presParOf" srcId="{2DFC64A5-769C-4372-9615-1FA4B1491470}" destId="{1AA5F17D-B47A-4297-B5BB-8C6B99E6C5DA}" srcOrd="2" destOrd="0" presId="urn:microsoft.com/office/officeart/2005/8/layout/chevron1"/>
-    <dgm:cxn modelId="{CC4D4AA5-441B-405D-A225-91A171CA37D5}" type="presParOf" srcId="{2DFC64A5-769C-4372-9615-1FA4B1491470}" destId="{4AB4D21E-58BB-49F4-9B51-BB842C62FFF9}" srcOrd="3" destOrd="0" presId="urn:microsoft.com/office/officeart/2005/8/layout/chevron1"/>
-    <dgm:cxn modelId="{06C6CCF1-4712-4CFC-93F7-AAA285C0E1CA}" type="presParOf" srcId="{2DFC64A5-769C-4372-9615-1FA4B1491470}" destId="{DF757741-D2C4-47CD-B81F-0494B81FB4EA}" srcOrd="4" destOrd="0" presId="urn:microsoft.com/office/officeart/2005/8/layout/chevron1"/>
-  </dgm:cxnLst>
-  <dgm:bg/>
-  <dgm:whole/>
-  <dgm:extLst>
-    <a:ext uri="http://schemas.microsoft.com/office/drawing/2008/diagram">
-      <dsp:dataModelExt xmlns:dsp="http://schemas.microsoft.com/office/drawing/2008/diagram" relId="rId7" minVer="http://schemas.openxmlformats.org/drawingml/2006/diagram"/>
-    </a:ext>
-  </dgm:extLst>
-</dgm:dataModel>
-</file>
-
-<file path=ppt/diagrams/data5.xml><?xml version="1.0" encoding="utf-8"?>
-<dgm:dataModel xmlns:dgm="http://schemas.openxmlformats.org/drawingml/2006/diagram" xmlns:a="http://schemas.openxmlformats.org/drawingml/2006/main">
-  <dgm:ptLst>
-    <dgm:pt modelId="{2A76A016-75FB-4EB8-A025-6ACD7A3F5B7D}" type="doc">
-      <dgm:prSet loTypeId="urn:microsoft.com/office/officeart/2005/8/layout/chevron1" loCatId="process" qsTypeId="urn:microsoft.com/office/officeart/2005/8/quickstyle/simple1" qsCatId="simple" csTypeId="urn:microsoft.com/office/officeart/2005/8/colors/accent1_2" csCatId="accent1" phldr="1"/>
-      <dgm:spPr/>
-    </dgm:pt>
-    <dgm:pt modelId="{0259D84A-4796-4366-BA60-D7065EA96C71}">
-      <dgm:prSet phldrT="[Texte]"/>
-      <dgm:spPr/>
-      <dgm:t>
-        <a:bodyPr/>
-        <a:lstStyle/>
-        <a:p>
-          <a:r>
-            <a:rPr lang="fr-FR" dirty="0" smtClean="0"/>
-            <a:t>Bilan</a:t>
-          </a:r>
-          <a:endParaRPr lang="fr-FR" dirty="0"/>
-        </a:p>
-      </dgm:t>
-    </dgm:pt>
-    <dgm:pt modelId="{CA49B43B-3BCA-497E-B500-5523E9DB4D6C}" type="sibTrans" cxnId="{6C3F1AC4-298B-4D68-A3B6-46A3E4B5E6DC}">
-      <dgm:prSet/>
-      <dgm:spPr/>
-      <dgm:t>
-        <a:bodyPr/>
-        <a:lstStyle/>
-        <a:p>
-          <a:endParaRPr lang="fr-FR"/>
-        </a:p>
-      </dgm:t>
-    </dgm:pt>
-    <dgm:pt modelId="{2844B534-BEBF-43CF-B484-5CFCA8900E85}" type="parTrans" cxnId="{6C3F1AC4-298B-4D68-A3B6-46A3E4B5E6DC}">
-      <dgm:prSet/>
-      <dgm:spPr/>
-      <dgm:t>
-        <a:bodyPr/>
-        <a:lstStyle/>
-        <a:p>
-          <a:endParaRPr lang="fr-FR"/>
-        </a:p>
-      </dgm:t>
-    </dgm:pt>
-    <dgm:pt modelId="{68E789BA-346D-43BD-9465-734B217059F0}">
-      <dgm:prSet phldrT="[Texte]"/>
-      <dgm:spPr>
-        <a:solidFill>
-          <a:srgbClr val="FF0000"/>
-        </a:solidFill>
-      </dgm:spPr>
-      <dgm:t>
-        <a:bodyPr/>
-        <a:lstStyle/>
-        <a:p>
-          <a:r>
-            <a:rPr lang="fr-FR" dirty="0" smtClean="0"/>
-            <a:t>Technique</a:t>
-          </a:r>
-          <a:endParaRPr lang="fr-FR" dirty="0"/>
-        </a:p>
-      </dgm:t>
-    </dgm:pt>
-    <dgm:pt modelId="{C9B12BE5-522A-43A8-A491-AC2795BA9602}" type="sibTrans" cxnId="{54CD1257-05B7-4992-90E1-19728B5A48CD}">
-      <dgm:prSet/>
-      <dgm:spPr/>
-      <dgm:t>
-        <a:bodyPr/>
-        <a:lstStyle/>
-        <a:p>
-          <a:endParaRPr lang="fr-FR"/>
-        </a:p>
-      </dgm:t>
-    </dgm:pt>
-    <dgm:pt modelId="{BFCF06E6-B9DC-4E18-9537-7296BC3BCBA2}" type="parTrans" cxnId="{54CD1257-05B7-4992-90E1-19728B5A48CD}">
-      <dgm:prSet/>
-      <dgm:spPr/>
-      <dgm:t>
-        <a:bodyPr/>
-        <a:lstStyle/>
-        <a:p>
-          <a:endParaRPr lang="fr-FR"/>
-        </a:p>
-      </dgm:t>
-    </dgm:pt>
-    <dgm:pt modelId="{6C099256-A3F1-42A6-931A-474918379EC3}">
-      <dgm:prSet phldrT="[Texte]"/>
-      <dgm:spPr>
-        <a:solidFill>
-          <a:schemeClr val="accent1"/>
-        </a:solidFill>
-      </dgm:spPr>
-      <dgm:t>
-        <a:bodyPr/>
-        <a:lstStyle/>
-        <a:p>
-          <a:r>
-            <a:rPr lang="fr-FR" dirty="0" smtClean="0"/>
-            <a:t>Introduction</a:t>
-          </a:r>
-          <a:endParaRPr lang="fr-FR" dirty="0"/>
-        </a:p>
-      </dgm:t>
-    </dgm:pt>
-    <dgm:pt modelId="{148C0DA2-0218-4FFE-8809-25F2D2ED809C}" type="sibTrans" cxnId="{469C87CF-F5DF-49FE-99F1-2B80000E8C7F}">
-      <dgm:prSet/>
-      <dgm:spPr/>
-      <dgm:t>
-        <a:bodyPr/>
-        <a:lstStyle/>
-        <a:p>
-          <a:endParaRPr lang="fr-FR"/>
-        </a:p>
-      </dgm:t>
-    </dgm:pt>
-    <dgm:pt modelId="{7AC3B3FF-A9FA-4238-87B0-F8A658AD7018}" type="parTrans" cxnId="{469C87CF-F5DF-49FE-99F1-2B80000E8C7F}">
-      <dgm:prSet/>
-      <dgm:spPr/>
-      <dgm:t>
-        <a:bodyPr/>
-        <a:lstStyle/>
-        <a:p>
-          <a:endParaRPr lang="fr-FR"/>
-        </a:p>
-      </dgm:t>
-    </dgm:pt>
-    <dgm:pt modelId="{2DFC64A5-769C-4372-9615-1FA4B1491470}" type="pres">
-      <dgm:prSet presAssocID="{2A76A016-75FB-4EB8-A025-6ACD7A3F5B7D}" presName="Name0" presStyleCnt="0">
-        <dgm:presLayoutVars>
-          <dgm:dir/>
-          <dgm:animLvl val="lvl"/>
-          <dgm:resizeHandles val="exact"/>
-        </dgm:presLayoutVars>
-      </dgm:prSet>
-      <dgm:spPr/>
-    </dgm:pt>
-    <dgm:pt modelId="{1F6056EB-C534-4970-B58E-AD722CC6900E}" type="pres">
-      <dgm:prSet presAssocID="{6C099256-A3F1-42A6-931A-474918379EC3}" presName="parTxOnly" presStyleLbl="node1" presStyleIdx="0" presStyleCnt="3">
-        <dgm:presLayoutVars>
-          <dgm:chMax val="0"/>
-          <dgm:chPref val="0"/>
-          <dgm:bulletEnabled val="1"/>
-        </dgm:presLayoutVars>
-      </dgm:prSet>
-      <dgm:spPr/>
-      <dgm:t>
-        <a:bodyPr/>
-        <a:lstStyle/>
-        <a:p>
-          <a:endParaRPr lang="fr-FR"/>
-        </a:p>
-      </dgm:t>
-    </dgm:pt>
-    <dgm:pt modelId="{C077A35C-7EC3-45E8-86F1-4EB37DB15503}" type="pres">
-      <dgm:prSet presAssocID="{148C0DA2-0218-4FFE-8809-25F2D2ED809C}" presName="parTxOnlySpace" presStyleCnt="0"/>
-      <dgm:spPr/>
-    </dgm:pt>
-    <dgm:pt modelId="{1AA5F17D-B47A-4297-B5BB-8C6B99E6C5DA}" type="pres">
-      <dgm:prSet presAssocID="{68E789BA-346D-43BD-9465-734B217059F0}" presName="parTxOnly" presStyleLbl="node1" presStyleIdx="1" presStyleCnt="3">
-        <dgm:presLayoutVars>
-          <dgm:chMax val="0"/>
-          <dgm:chPref val="0"/>
-          <dgm:bulletEnabled val="1"/>
-        </dgm:presLayoutVars>
-      </dgm:prSet>
-      <dgm:spPr/>
-      <dgm:t>
-        <a:bodyPr/>
-        <a:lstStyle/>
-        <a:p>
-          <a:endParaRPr lang="fr-FR"/>
-        </a:p>
-      </dgm:t>
-    </dgm:pt>
-    <dgm:pt modelId="{4AB4D21E-58BB-49F4-9B51-BB842C62FFF9}" type="pres">
-      <dgm:prSet presAssocID="{C9B12BE5-522A-43A8-A491-AC2795BA9602}" presName="parTxOnlySpace" presStyleCnt="0"/>
-      <dgm:spPr/>
-    </dgm:pt>
-    <dgm:pt modelId="{DF757741-D2C4-47CD-B81F-0494B81FB4EA}" type="pres">
-      <dgm:prSet presAssocID="{0259D84A-4796-4366-BA60-D7065EA96C71}" presName="parTxOnly" presStyleLbl="node1" presStyleIdx="2" presStyleCnt="3">
-        <dgm:presLayoutVars>
-          <dgm:chMax val="0"/>
-          <dgm:chPref val="0"/>
-          <dgm:bulletEnabled val="1"/>
-        </dgm:presLayoutVars>
-      </dgm:prSet>
-      <dgm:spPr/>
-      <dgm:t>
-        <a:bodyPr/>
-        <a:lstStyle/>
-        <a:p>
-          <a:endParaRPr lang="fr-FR"/>
-        </a:p>
-      </dgm:t>
-    </dgm:pt>
-  </dgm:ptLst>
-  <dgm:cxnLst>
     <dgm:cxn modelId="{D99D8AC0-C31E-444D-BFA2-80BF53B9BE7A}" type="presOf" srcId="{2A76A016-75FB-4EB8-A025-6ACD7A3F5B7D}" destId="{2DFC64A5-769C-4372-9615-1FA4B1491470}" srcOrd="0" destOrd="0" presId="urn:microsoft.com/office/officeart/2005/8/layout/chevron1"/>
     <dgm:cxn modelId="{6C3F1AC4-298B-4D68-A3B6-46A3E4B5E6DC}" srcId="{2A76A016-75FB-4EB8-A025-6ACD7A3F5B7D}" destId="{0259D84A-4796-4366-BA60-D7065EA96C71}" srcOrd="2" destOrd="0" parTransId="{2844B534-BEBF-43CF-B484-5CFCA8900E85}" sibTransId="{CA49B43B-3BCA-497E-B500-5523E9DB4D6C}"/>
+    <dgm:cxn modelId="{469C87CF-F5DF-49FE-99F1-2B80000E8C7F}" srcId="{2A76A016-75FB-4EB8-A025-6ACD7A3F5B7D}" destId="{6C099256-A3F1-42A6-931A-474918379EC3}" srcOrd="0" destOrd="0" parTransId="{7AC3B3FF-A9FA-4238-87B0-F8A658AD7018}" sibTransId="{148C0DA2-0218-4FFE-8809-25F2D2ED809C}"/>
     <dgm:cxn modelId="{54CD1257-05B7-4992-90E1-19728B5A48CD}" srcId="{2A76A016-75FB-4EB8-A025-6ACD7A3F5B7D}" destId="{68E789BA-346D-43BD-9465-734B217059F0}" srcOrd="1" destOrd="0" parTransId="{BFCF06E6-B9DC-4E18-9537-7296BC3BCBA2}" sibTransId="{C9B12BE5-522A-43A8-A491-AC2795BA9602}"/>
-    <dgm:cxn modelId="{469C87CF-F5DF-49FE-99F1-2B80000E8C7F}" srcId="{2A76A016-75FB-4EB8-A025-6ACD7A3F5B7D}" destId="{6C099256-A3F1-42A6-931A-474918379EC3}" srcOrd="0" destOrd="0" parTransId="{7AC3B3FF-A9FA-4238-87B0-F8A658AD7018}" sibTransId="{148C0DA2-0218-4FFE-8809-25F2D2ED809C}"/>
     <dgm:cxn modelId="{EF8B8C3D-3B3D-420B-BB63-E46BFF2D529F}" type="presOf" srcId="{6C099256-A3F1-42A6-931A-474918379EC3}" destId="{1F6056EB-C534-4970-B58E-AD722CC6900E}" srcOrd="0" destOrd="0" presId="urn:microsoft.com/office/officeart/2005/8/layout/chevron1"/>
     <dgm:cxn modelId="{E4BBE322-DB19-4A72-BAFA-2442333F56D2}" type="presOf" srcId="{0259D84A-4796-4366-BA60-D7065EA96C71}" destId="{DF757741-D2C4-47CD-B81F-0494B81FB4EA}" srcOrd="0" destOrd="0" presId="urn:microsoft.com/office/officeart/2005/8/layout/chevron1"/>
     <dgm:cxn modelId="{FCCB12D5-1E18-400D-9C71-93FB647D6474}" type="presOf" srcId="{68E789BA-346D-43BD-9465-734B217059F0}" destId="{1AA5F17D-B47A-4297-B5BB-8C6B99E6C5DA}" srcOrd="0" destOrd="0" presId="urn:microsoft.com/office/officeart/2005/8/layout/chevron1"/>
@@ -7200,7 +7729,7 @@
 </dgm:dataModel>
 </file>
 
-<file path=ppt/diagrams/data6.xml><?xml version="1.0" encoding="utf-8"?>
+<file path=ppt/diagrams/data5.xml><?xml version="1.0" encoding="utf-8"?>
 <dgm:dataModel xmlns:dgm="http://schemas.openxmlformats.org/drawingml/2006/diagram" xmlns:a="http://schemas.openxmlformats.org/drawingml/2006/main">
   <dgm:ptLst>
     <dgm:pt modelId="{2A76A016-75FB-4EB8-A025-6ACD7A3F5B7D}" type="doc">
@@ -7415,6 +7944,226 @@
   <dgm:extLst>
     <a:ext uri="http://schemas.microsoft.com/office/drawing/2008/diagram">
       <dsp:dataModelExt xmlns:dsp="http://schemas.microsoft.com/office/drawing/2008/diagram" relId="rId6" minVer="http://schemas.openxmlformats.org/drawingml/2006/diagram"/>
+    </a:ext>
+  </dgm:extLst>
+</dgm:dataModel>
+</file>
+
+<file path=ppt/diagrams/data6.xml><?xml version="1.0" encoding="utf-8"?>
+<dgm:dataModel xmlns:dgm="http://schemas.openxmlformats.org/drawingml/2006/diagram" xmlns:a="http://schemas.openxmlformats.org/drawingml/2006/main">
+  <dgm:ptLst>
+    <dgm:pt modelId="{2A76A016-75FB-4EB8-A025-6ACD7A3F5B7D}" type="doc">
+      <dgm:prSet loTypeId="urn:microsoft.com/office/officeart/2005/8/layout/chevron1" loCatId="process" qsTypeId="urn:microsoft.com/office/officeart/2005/8/quickstyle/simple1" qsCatId="simple" csTypeId="urn:microsoft.com/office/officeart/2005/8/colors/accent1_2" csCatId="accent1" phldr="1"/>
+      <dgm:spPr/>
+    </dgm:pt>
+    <dgm:pt modelId="{0259D84A-4796-4366-BA60-D7065EA96C71}">
+      <dgm:prSet phldrT="[Texte]"/>
+      <dgm:spPr/>
+      <dgm:t>
+        <a:bodyPr/>
+        <a:lstStyle/>
+        <a:p>
+          <a:r>
+            <a:rPr lang="fr-FR" dirty="0" smtClean="0"/>
+            <a:t>Bilan</a:t>
+          </a:r>
+          <a:endParaRPr lang="fr-FR" dirty="0"/>
+        </a:p>
+      </dgm:t>
+    </dgm:pt>
+    <dgm:pt modelId="{CA49B43B-3BCA-497E-B500-5523E9DB4D6C}" type="sibTrans" cxnId="{6C3F1AC4-298B-4D68-A3B6-46A3E4B5E6DC}">
+      <dgm:prSet/>
+      <dgm:spPr/>
+      <dgm:t>
+        <a:bodyPr/>
+        <a:lstStyle/>
+        <a:p>
+          <a:endParaRPr lang="fr-FR"/>
+        </a:p>
+      </dgm:t>
+    </dgm:pt>
+    <dgm:pt modelId="{2844B534-BEBF-43CF-B484-5CFCA8900E85}" type="parTrans" cxnId="{6C3F1AC4-298B-4D68-A3B6-46A3E4B5E6DC}">
+      <dgm:prSet/>
+      <dgm:spPr/>
+      <dgm:t>
+        <a:bodyPr/>
+        <a:lstStyle/>
+        <a:p>
+          <a:endParaRPr lang="fr-FR"/>
+        </a:p>
+      </dgm:t>
+    </dgm:pt>
+    <dgm:pt modelId="{68E789BA-346D-43BD-9465-734B217059F0}">
+      <dgm:prSet phldrT="[Texte]"/>
+      <dgm:spPr>
+        <a:solidFill>
+          <a:srgbClr val="FF0000"/>
+        </a:solidFill>
+      </dgm:spPr>
+      <dgm:t>
+        <a:bodyPr/>
+        <a:lstStyle/>
+        <a:p>
+          <a:r>
+            <a:rPr lang="fr-FR" dirty="0" smtClean="0"/>
+            <a:t>Technique</a:t>
+          </a:r>
+          <a:endParaRPr lang="fr-FR" dirty="0"/>
+        </a:p>
+      </dgm:t>
+    </dgm:pt>
+    <dgm:pt modelId="{C9B12BE5-522A-43A8-A491-AC2795BA9602}" type="sibTrans" cxnId="{54CD1257-05B7-4992-90E1-19728B5A48CD}">
+      <dgm:prSet/>
+      <dgm:spPr/>
+      <dgm:t>
+        <a:bodyPr/>
+        <a:lstStyle/>
+        <a:p>
+          <a:endParaRPr lang="fr-FR"/>
+        </a:p>
+      </dgm:t>
+    </dgm:pt>
+    <dgm:pt modelId="{BFCF06E6-B9DC-4E18-9537-7296BC3BCBA2}" type="parTrans" cxnId="{54CD1257-05B7-4992-90E1-19728B5A48CD}">
+      <dgm:prSet/>
+      <dgm:spPr/>
+      <dgm:t>
+        <a:bodyPr/>
+        <a:lstStyle/>
+        <a:p>
+          <a:endParaRPr lang="fr-FR"/>
+        </a:p>
+      </dgm:t>
+    </dgm:pt>
+    <dgm:pt modelId="{6C099256-A3F1-42A6-931A-474918379EC3}">
+      <dgm:prSet phldrT="[Texte]"/>
+      <dgm:spPr>
+        <a:solidFill>
+          <a:schemeClr val="accent1"/>
+        </a:solidFill>
+      </dgm:spPr>
+      <dgm:t>
+        <a:bodyPr/>
+        <a:lstStyle/>
+        <a:p>
+          <a:r>
+            <a:rPr lang="fr-FR" dirty="0" smtClean="0"/>
+            <a:t>Introduction</a:t>
+          </a:r>
+          <a:endParaRPr lang="fr-FR" dirty="0"/>
+        </a:p>
+      </dgm:t>
+    </dgm:pt>
+    <dgm:pt modelId="{148C0DA2-0218-4FFE-8809-25F2D2ED809C}" type="sibTrans" cxnId="{469C87CF-F5DF-49FE-99F1-2B80000E8C7F}">
+      <dgm:prSet/>
+      <dgm:spPr/>
+      <dgm:t>
+        <a:bodyPr/>
+        <a:lstStyle/>
+        <a:p>
+          <a:endParaRPr lang="fr-FR"/>
+        </a:p>
+      </dgm:t>
+    </dgm:pt>
+    <dgm:pt modelId="{7AC3B3FF-A9FA-4238-87B0-F8A658AD7018}" type="parTrans" cxnId="{469C87CF-F5DF-49FE-99F1-2B80000E8C7F}">
+      <dgm:prSet/>
+      <dgm:spPr/>
+      <dgm:t>
+        <a:bodyPr/>
+        <a:lstStyle/>
+        <a:p>
+          <a:endParaRPr lang="fr-FR"/>
+        </a:p>
+      </dgm:t>
+    </dgm:pt>
+    <dgm:pt modelId="{2DFC64A5-769C-4372-9615-1FA4B1491470}" type="pres">
+      <dgm:prSet presAssocID="{2A76A016-75FB-4EB8-A025-6ACD7A3F5B7D}" presName="Name0" presStyleCnt="0">
+        <dgm:presLayoutVars>
+          <dgm:dir/>
+          <dgm:animLvl val="lvl"/>
+          <dgm:resizeHandles val="exact"/>
+        </dgm:presLayoutVars>
+      </dgm:prSet>
+      <dgm:spPr/>
+    </dgm:pt>
+    <dgm:pt modelId="{1F6056EB-C534-4970-B58E-AD722CC6900E}" type="pres">
+      <dgm:prSet presAssocID="{6C099256-A3F1-42A6-931A-474918379EC3}" presName="parTxOnly" presStyleLbl="node1" presStyleIdx="0" presStyleCnt="3">
+        <dgm:presLayoutVars>
+          <dgm:chMax val="0"/>
+          <dgm:chPref val="0"/>
+          <dgm:bulletEnabled val="1"/>
+        </dgm:presLayoutVars>
+      </dgm:prSet>
+      <dgm:spPr/>
+      <dgm:t>
+        <a:bodyPr/>
+        <a:lstStyle/>
+        <a:p>
+          <a:endParaRPr lang="fr-FR"/>
+        </a:p>
+      </dgm:t>
+    </dgm:pt>
+    <dgm:pt modelId="{C077A35C-7EC3-45E8-86F1-4EB37DB15503}" type="pres">
+      <dgm:prSet presAssocID="{148C0DA2-0218-4FFE-8809-25F2D2ED809C}" presName="parTxOnlySpace" presStyleCnt="0"/>
+      <dgm:spPr/>
+    </dgm:pt>
+    <dgm:pt modelId="{1AA5F17D-B47A-4297-B5BB-8C6B99E6C5DA}" type="pres">
+      <dgm:prSet presAssocID="{68E789BA-346D-43BD-9465-734B217059F0}" presName="parTxOnly" presStyleLbl="node1" presStyleIdx="1" presStyleCnt="3">
+        <dgm:presLayoutVars>
+          <dgm:chMax val="0"/>
+          <dgm:chPref val="0"/>
+          <dgm:bulletEnabled val="1"/>
+        </dgm:presLayoutVars>
+      </dgm:prSet>
+      <dgm:spPr/>
+      <dgm:t>
+        <a:bodyPr/>
+        <a:lstStyle/>
+        <a:p>
+          <a:endParaRPr lang="fr-FR"/>
+        </a:p>
+      </dgm:t>
+    </dgm:pt>
+    <dgm:pt modelId="{4AB4D21E-58BB-49F4-9B51-BB842C62FFF9}" type="pres">
+      <dgm:prSet presAssocID="{C9B12BE5-522A-43A8-A491-AC2795BA9602}" presName="parTxOnlySpace" presStyleCnt="0"/>
+      <dgm:spPr/>
+    </dgm:pt>
+    <dgm:pt modelId="{DF757741-D2C4-47CD-B81F-0494B81FB4EA}" type="pres">
+      <dgm:prSet presAssocID="{0259D84A-4796-4366-BA60-D7065EA96C71}" presName="parTxOnly" presStyleLbl="node1" presStyleIdx="2" presStyleCnt="3">
+        <dgm:presLayoutVars>
+          <dgm:chMax val="0"/>
+          <dgm:chPref val="0"/>
+          <dgm:bulletEnabled val="1"/>
+        </dgm:presLayoutVars>
+      </dgm:prSet>
+      <dgm:spPr/>
+      <dgm:t>
+        <a:bodyPr/>
+        <a:lstStyle/>
+        <a:p>
+          <a:endParaRPr lang="fr-FR"/>
+        </a:p>
+      </dgm:t>
+    </dgm:pt>
+  </dgm:ptLst>
+  <dgm:cxnLst>
+    <dgm:cxn modelId="{6C3F1AC4-298B-4D68-A3B6-46A3E4B5E6DC}" srcId="{2A76A016-75FB-4EB8-A025-6ACD7A3F5B7D}" destId="{0259D84A-4796-4366-BA60-D7065EA96C71}" srcOrd="2" destOrd="0" parTransId="{2844B534-BEBF-43CF-B484-5CFCA8900E85}" sibTransId="{CA49B43B-3BCA-497E-B500-5523E9DB4D6C}"/>
+    <dgm:cxn modelId="{9FCBBDD8-A553-45E8-846A-C82C7F66C42F}" type="presOf" srcId="{6C099256-A3F1-42A6-931A-474918379EC3}" destId="{1F6056EB-C534-4970-B58E-AD722CC6900E}" srcOrd="0" destOrd="0" presId="urn:microsoft.com/office/officeart/2005/8/layout/chevron1"/>
+    <dgm:cxn modelId="{54CD1257-05B7-4992-90E1-19728B5A48CD}" srcId="{2A76A016-75FB-4EB8-A025-6ACD7A3F5B7D}" destId="{68E789BA-346D-43BD-9465-734B217059F0}" srcOrd="1" destOrd="0" parTransId="{BFCF06E6-B9DC-4E18-9537-7296BC3BCBA2}" sibTransId="{C9B12BE5-522A-43A8-A491-AC2795BA9602}"/>
+    <dgm:cxn modelId="{B8AF65D1-D3E8-472C-B74F-78CE2258F57E}" type="presOf" srcId="{0259D84A-4796-4366-BA60-D7065EA96C71}" destId="{DF757741-D2C4-47CD-B81F-0494B81FB4EA}" srcOrd="0" destOrd="0" presId="urn:microsoft.com/office/officeart/2005/8/layout/chevron1"/>
+    <dgm:cxn modelId="{469C87CF-F5DF-49FE-99F1-2B80000E8C7F}" srcId="{2A76A016-75FB-4EB8-A025-6ACD7A3F5B7D}" destId="{6C099256-A3F1-42A6-931A-474918379EC3}" srcOrd="0" destOrd="0" parTransId="{7AC3B3FF-A9FA-4238-87B0-F8A658AD7018}" sibTransId="{148C0DA2-0218-4FFE-8809-25F2D2ED809C}"/>
+    <dgm:cxn modelId="{16037A37-A283-4C13-A871-970147F9D96E}" type="presOf" srcId="{68E789BA-346D-43BD-9465-734B217059F0}" destId="{1AA5F17D-B47A-4297-B5BB-8C6B99E6C5DA}" srcOrd="0" destOrd="0" presId="urn:microsoft.com/office/officeart/2005/8/layout/chevron1"/>
+    <dgm:cxn modelId="{629ECBAB-7439-4620-8086-6ADCF743F434}" type="presOf" srcId="{2A76A016-75FB-4EB8-A025-6ACD7A3F5B7D}" destId="{2DFC64A5-769C-4372-9615-1FA4B1491470}" srcOrd="0" destOrd="0" presId="urn:microsoft.com/office/officeart/2005/8/layout/chevron1"/>
+    <dgm:cxn modelId="{6A459D9F-CCE4-4E99-8532-4DC6A2570AFE}" type="presParOf" srcId="{2DFC64A5-769C-4372-9615-1FA4B1491470}" destId="{1F6056EB-C534-4970-B58E-AD722CC6900E}" srcOrd="0" destOrd="0" presId="urn:microsoft.com/office/officeart/2005/8/layout/chevron1"/>
+    <dgm:cxn modelId="{3CF2AA78-CBD1-4EC4-9910-5E5C09F9574E}" type="presParOf" srcId="{2DFC64A5-769C-4372-9615-1FA4B1491470}" destId="{C077A35C-7EC3-45E8-86F1-4EB37DB15503}" srcOrd="1" destOrd="0" presId="urn:microsoft.com/office/officeart/2005/8/layout/chevron1"/>
+    <dgm:cxn modelId="{38D0A45F-3BFC-4900-B29A-C27A1BCEFDFA}" type="presParOf" srcId="{2DFC64A5-769C-4372-9615-1FA4B1491470}" destId="{1AA5F17D-B47A-4297-B5BB-8C6B99E6C5DA}" srcOrd="2" destOrd="0" presId="urn:microsoft.com/office/officeart/2005/8/layout/chevron1"/>
+    <dgm:cxn modelId="{78B95A90-363F-4FBE-AAE7-C29579CBCE77}" type="presParOf" srcId="{2DFC64A5-769C-4372-9615-1FA4B1491470}" destId="{4AB4D21E-58BB-49F4-9B51-BB842C62FFF9}" srcOrd="3" destOrd="0" presId="urn:microsoft.com/office/officeart/2005/8/layout/chevron1"/>
+    <dgm:cxn modelId="{1C955461-2116-49B3-BD41-B6120B09AD06}" type="presParOf" srcId="{2DFC64A5-769C-4372-9615-1FA4B1491470}" destId="{DF757741-D2C4-47CD-B81F-0494B81FB4EA}" srcOrd="4" destOrd="0" presId="urn:microsoft.com/office/officeart/2005/8/layout/chevron1"/>
+  </dgm:cxnLst>
+  <dgm:bg/>
+  <dgm:whole/>
+  <dgm:extLst>
+    <a:ext uri="http://schemas.microsoft.com/office/drawing/2008/diagram">
+      <dsp:dataModelExt xmlns:dsp="http://schemas.microsoft.com/office/drawing/2008/diagram" relId="rId7" minVer="http://schemas.openxmlformats.org/drawingml/2006/diagram"/>
     </a:ext>
   </dgm:extLst>
 </dgm:dataModel>
@@ -7837,6 +8586,226 @@
     </dgm:pt>
   </dgm:ptLst>
   <dgm:cxnLst>
+    <dgm:cxn modelId="{2D9E7C5F-9EF8-4343-B8ED-8F1937F5BA6D}" type="presOf" srcId="{6C099256-A3F1-42A6-931A-474918379EC3}" destId="{1F6056EB-C534-4970-B58E-AD722CC6900E}" srcOrd="0" destOrd="0" presId="urn:microsoft.com/office/officeart/2005/8/layout/chevron1"/>
+    <dgm:cxn modelId="{6C3F1AC4-298B-4D68-A3B6-46A3E4B5E6DC}" srcId="{2A76A016-75FB-4EB8-A025-6ACD7A3F5B7D}" destId="{0259D84A-4796-4366-BA60-D7065EA96C71}" srcOrd="2" destOrd="0" parTransId="{2844B534-BEBF-43CF-B484-5CFCA8900E85}" sibTransId="{CA49B43B-3BCA-497E-B500-5523E9DB4D6C}"/>
+    <dgm:cxn modelId="{469C87CF-F5DF-49FE-99F1-2B80000E8C7F}" srcId="{2A76A016-75FB-4EB8-A025-6ACD7A3F5B7D}" destId="{6C099256-A3F1-42A6-931A-474918379EC3}" srcOrd="0" destOrd="0" parTransId="{7AC3B3FF-A9FA-4238-87B0-F8A658AD7018}" sibTransId="{148C0DA2-0218-4FFE-8809-25F2D2ED809C}"/>
+    <dgm:cxn modelId="{54CD1257-05B7-4992-90E1-19728B5A48CD}" srcId="{2A76A016-75FB-4EB8-A025-6ACD7A3F5B7D}" destId="{68E789BA-346D-43BD-9465-734B217059F0}" srcOrd="1" destOrd="0" parTransId="{BFCF06E6-B9DC-4E18-9537-7296BC3BCBA2}" sibTransId="{C9B12BE5-522A-43A8-A491-AC2795BA9602}"/>
+    <dgm:cxn modelId="{8E9E08AB-4CE6-4194-A827-33FFDBBAD5AF}" type="presOf" srcId="{0259D84A-4796-4366-BA60-D7065EA96C71}" destId="{DF757741-D2C4-47CD-B81F-0494B81FB4EA}" srcOrd="0" destOrd="0" presId="urn:microsoft.com/office/officeart/2005/8/layout/chevron1"/>
+    <dgm:cxn modelId="{C186CC4F-22BA-4DA4-8CCA-660EAC9F2618}" type="presOf" srcId="{2A76A016-75FB-4EB8-A025-6ACD7A3F5B7D}" destId="{2DFC64A5-769C-4372-9615-1FA4B1491470}" srcOrd="0" destOrd="0" presId="urn:microsoft.com/office/officeart/2005/8/layout/chevron1"/>
+    <dgm:cxn modelId="{26FA5B31-C6D0-4704-950B-7CFA0FF98AFF}" type="presOf" srcId="{68E789BA-346D-43BD-9465-734B217059F0}" destId="{1AA5F17D-B47A-4297-B5BB-8C6B99E6C5DA}" srcOrd="0" destOrd="0" presId="urn:microsoft.com/office/officeart/2005/8/layout/chevron1"/>
+    <dgm:cxn modelId="{E544D6AF-09D8-4F1A-87EF-831B4FBFBB08}" type="presParOf" srcId="{2DFC64A5-769C-4372-9615-1FA4B1491470}" destId="{1F6056EB-C534-4970-B58E-AD722CC6900E}" srcOrd="0" destOrd="0" presId="urn:microsoft.com/office/officeart/2005/8/layout/chevron1"/>
+    <dgm:cxn modelId="{CD360DFC-0B9A-4A05-862E-17D643FF49EA}" type="presParOf" srcId="{2DFC64A5-769C-4372-9615-1FA4B1491470}" destId="{C077A35C-7EC3-45E8-86F1-4EB37DB15503}" srcOrd="1" destOrd="0" presId="urn:microsoft.com/office/officeart/2005/8/layout/chevron1"/>
+    <dgm:cxn modelId="{D19F3C1C-A2E0-4332-9691-749569620330}" type="presParOf" srcId="{2DFC64A5-769C-4372-9615-1FA4B1491470}" destId="{1AA5F17D-B47A-4297-B5BB-8C6B99E6C5DA}" srcOrd="2" destOrd="0" presId="urn:microsoft.com/office/officeart/2005/8/layout/chevron1"/>
+    <dgm:cxn modelId="{CB909296-EB38-41B8-8433-91369F48721A}" type="presParOf" srcId="{2DFC64A5-769C-4372-9615-1FA4B1491470}" destId="{4AB4D21E-58BB-49F4-9B51-BB842C62FFF9}" srcOrd="3" destOrd="0" presId="urn:microsoft.com/office/officeart/2005/8/layout/chevron1"/>
+    <dgm:cxn modelId="{3214622E-6F32-4FF6-A57A-5B916BC05D4E}" type="presParOf" srcId="{2DFC64A5-769C-4372-9615-1FA4B1491470}" destId="{DF757741-D2C4-47CD-B81F-0494B81FB4EA}" srcOrd="4" destOrd="0" presId="urn:microsoft.com/office/officeart/2005/8/layout/chevron1"/>
+  </dgm:cxnLst>
+  <dgm:bg/>
+  <dgm:whole/>
+  <dgm:extLst>
+    <a:ext uri="http://schemas.microsoft.com/office/drawing/2008/diagram">
+      <dsp:dataModelExt xmlns:dsp="http://schemas.microsoft.com/office/drawing/2008/diagram" relId="rId6" minVer="http://schemas.openxmlformats.org/drawingml/2006/diagram"/>
+    </a:ext>
+  </dgm:extLst>
+</dgm:dataModel>
+</file>
+
+<file path=ppt/diagrams/data9.xml><?xml version="1.0" encoding="utf-8"?>
+<dgm:dataModel xmlns:dgm="http://schemas.openxmlformats.org/drawingml/2006/diagram" xmlns:a="http://schemas.openxmlformats.org/drawingml/2006/main">
+  <dgm:ptLst>
+    <dgm:pt modelId="{2A76A016-75FB-4EB8-A025-6ACD7A3F5B7D}" type="doc">
+      <dgm:prSet loTypeId="urn:microsoft.com/office/officeart/2005/8/layout/chevron1" loCatId="process" qsTypeId="urn:microsoft.com/office/officeart/2005/8/quickstyle/simple1" qsCatId="simple" csTypeId="urn:microsoft.com/office/officeart/2005/8/colors/accent1_2" csCatId="accent1" phldr="1"/>
+      <dgm:spPr/>
+    </dgm:pt>
+    <dgm:pt modelId="{0259D84A-4796-4366-BA60-D7065EA96C71}">
+      <dgm:prSet phldrT="[Texte]"/>
+      <dgm:spPr/>
+      <dgm:t>
+        <a:bodyPr/>
+        <a:lstStyle/>
+        <a:p>
+          <a:r>
+            <a:rPr lang="fr-FR" dirty="0" smtClean="0"/>
+            <a:t>Bilan</a:t>
+          </a:r>
+          <a:endParaRPr lang="fr-FR" dirty="0"/>
+        </a:p>
+      </dgm:t>
+    </dgm:pt>
+    <dgm:pt modelId="{CA49B43B-3BCA-497E-B500-5523E9DB4D6C}" type="sibTrans" cxnId="{6C3F1AC4-298B-4D68-A3B6-46A3E4B5E6DC}">
+      <dgm:prSet/>
+      <dgm:spPr/>
+      <dgm:t>
+        <a:bodyPr/>
+        <a:lstStyle/>
+        <a:p>
+          <a:endParaRPr lang="fr-FR"/>
+        </a:p>
+      </dgm:t>
+    </dgm:pt>
+    <dgm:pt modelId="{2844B534-BEBF-43CF-B484-5CFCA8900E85}" type="parTrans" cxnId="{6C3F1AC4-298B-4D68-A3B6-46A3E4B5E6DC}">
+      <dgm:prSet/>
+      <dgm:spPr/>
+      <dgm:t>
+        <a:bodyPr/>
+        <a:lstStyle/>
+        <a:p>
+          <a:endParaRPr lang="fr-FR"/>
+        </a:p>
+      </dgm:t>
+    </dgm:pt>
+    <dgm:pt modelId="{68E789BA-346D-43BD-9465-734B217059F0}">
+      <dgm:prSet phldrT="[Texte]"/>
+      <dgm:spPr>
+        <a:solidFill>
+          <a:srgbClr val="FF0000"/>
+        </a:solidFill>
+      </dgm:spPr>
+      <dgm:t>
+        <a:bodyPr/>
+        <a:lstStyle/>
+        <a:p>
+          <a:r>
+            <a:rPr lang="fr-FR" dirty="0" smtClean="0"/>
+            <a:t>Technique</a:t>
+          </a:r>
+          <a:endParaRPr lang="fr-FR" dirty="0"/>
+        </a:p>
+      </dgm:t>
+    </dgm:pt>
+    <dgm:pt modelId="{C9B12BE5-522A-43A8-A491-AC2795BA9602}" type="sibTrans" cxnId="{54CD1257-05B7-4992-90E1-19728B5A48CD}">
+      <dgm:prSet/>
+      <dgm:spPr/>
+      <dgm:t>
+        <a:bodyPr/>
+        <a:lstStyle/>
+        <a:p>
+          <a:endParaRPr lang="fr-FR"/>
+        </a:p>
+      </dgm:t>
+    </dgm:pt>
+    <dgm:pt modelId="{BFCF06E6-B9DC-4E18-9537-7296BC3BCBA2}" type="parTrans" cxnId="{54CD1257-05B7-4992-90E1-19728B5A48CD}">
+      <dgm:prSet/>
+      <dgm:spPr/>
+      <dgm:t>
+        <a:bodyPr/>
+        <a:lstStyle/>
+        <a:p>
+          <a:endParaRPr lang="fr-FR"/>
+        </a:p>
+      </dgm:t>
+    </dgm:pt>
+    <dgm:pt modelId="{6C099256-A3F1-42A6-931A-474918379EC3}">
+      <dgm:prSet phldrT="[Texte]"/>
+      <dgm:spPr>
+        <a:solidFill>
+          <a:schemeClr val="accent1"/>
+        </a:solidFill>
+      </dgm:spPr>
+      <dgm:t>
+        <a:bodyPr/>
+        <a:lstStyle/>
+        <a:p>
+          <a:r>
+            <a:rPr lang="fr-FR" dirty="0" smtClean="0"/>
+            <a:t>Introduction</a:t>
+          </a:r>
+          <a:endParaRPr lang="fr-FR" dirty="0"/>
+        </a:p>
+      </dgm:t>
+    </dgm:pt>
+    <dgm:pt modelId="{148C0DA2-0218-4FFE-8809-25F2D2ED809C}" type="sibTrans" cxnId="{469C87CF-F5DF-49FE-99F1-2B80000E8C7F}">
+      <dgm:prSet/>
+      <dgm:spPr/>
+      <dgm:t>
+        <a:bodyPr/>
+        <a:lstStyle/>
+        <a:p>
+          <a:endParaRPr lang="fr-FR"/>
+        </a:p>
+      </dgm:t>
+    </dgm:pt>
+    <dgm:pt modelId="{7AC3B3FF-A9FA-4238-87B0-F8A658AD7018}" type="parTrans" cxnId="{469C87CF-F5DF-49FE-99F1-2B80000E8C7F}">
+      <dgm:prSet/>
+      <dgm:spPr/>
+      <dgm:t>
+        <a:bodyPr/>
+        <a:lstStyle/>
+        <a:p>
+          <a:endParaRPr lang="fr-FR"/>
+        </a:p>
+      </dgm:t>
+    </dgm:pt>
+    <dgm:pt modelId="{2DFC64A5-769C-4372-9615-1FA4B1491470}" type="pres">
+      <dgm:prSet presAssocID="{2A76A016-75FB-4EB8-A025-6ACD7A3F5B7D}" presName="Name0" presStyleCnt="0">
+        <dgm:presLayoutVars>
+          <dgm:dir/>
+          <dgm:animLvl val="lvl"/>
+          <dgm:resizeHandles val="exact"/>
+        </dgm:presLayoutVars>
+      </dgm:prSet>
+      <dgm:spPr/>
+    </dgm:pt>
+    <dgm:pt modelId="{1F6056EB-C534-4970-B58E-AD722CC6900E}" type="pres">
+      <dgm:prSet presAssocID="{6C099256-A3F1-42A6-931A-474918379EC3}" presName="parTxOnly" presStyleLbl="node1" presStyleIdx="0" presStyleCnt="3">
+        <dgm:presLayoutVars>
+          <dgm:chMax val="0"/>
+          <dgm:chPref val="0"/>
+          <dgm:bulletEnabled val="1"/>
+        </dgm:presLayoutVars>
+      </dgm:prSet>
+      <dgm:spPr/>
+      <dgm:t>
+        <a:bodyPr/>
+        <a:lstStyle/>
+        <a:p>
+          <a:endParaRPr lang="fr-FR"/>
+        </a:p>
+      </dgm:t>
+    </dgm:pt>
+    <dgm:pt modelId="{C077A35C-7EC3-45E8-86F1-4EB37DB15503}" type="pres">
+      <dgm:prSet presAssocID="{148C0DA2-0218-4FFE-8809-25F2D2ED809C}" presName="parTxOnlySpace" presStyleCnt="0"/>
+      <dgm:spPr/>
+    </dgm:pt>
+    <dgm:pt modelId="{1AA5F17D-B47A-4297-B5BB-8C6B99E6C5DA}" type="pres">
+      <dgm:prSet presAssocID="{68E789BA-346D-43BD-9465-734B217059F0}" presName="parTxOnly" presStyleLbl="node1" presStyleIdx="1" presStyleCnt="3">
+        <dgm:presLayoutVars>
+          <dgm:chMax val="0"/>
+          <dgm:chPref val="0"/>
+          <dgm:bulletEnabled val="1"/>
+        </dgm:presLayoutVars>
+      </dgm:prSet>
+      <dgm:spPr/>
+      <dgm:t>
+        <a:bodyPr/>
+        <a:lstStyle/>
+        <a:p>
+          <a:endParaRPr lang="fr-FR"/>
+        </a:p>
+      </dgm:t>
+    </dgm:pt>
+    <dgm:pt modelId="{4AB4D21E-58BB-49F4-9B51-BB842C62FFF9}" type="pres">
+      <dgm:prSet presAssocID="{C9B12BE5-522A-43A8-A491-AC2795BA9602}" presName="parTxOnlySpace" presStyleCnt="0"/>
+      <dgm:spPr/>
+    </dgm:pt>
+    <dgm:pt modelId="{DF757741-D2C4-47CD-B81F-0494B81FB4EA}" type="pres">
+      <dgm:prSet presAssocID="{0259D84A-4796-4366-BA60-D7065EA96C71}" presName="parTxOnly" presStyleLbl="node1" presStyleIdx="2" presStyleCnt="3">
+        <dgm:presLayoutVars>
+          <dgm:chMax val="0"/>
+          <dgm:chPref val="0"/>
+          <dgm:bulletEnabled val="1"/>
+        </dgm:presLayoutVars>
+      </dgm:prSet>
+      <dgm:spPr/>
+      <dgm:t>
+        <a:bodyPr/>
+        <a:lstStyle/>
+        <a:p>
+          <a:endParaRPr lang="fr-FR"/>
+        </a:p>
+      </dgm:t>
+    </dgm:pt>
+  </dgm:ptLst>
+  <dgm:cxnLst>
     <dgm:cxn modelId="{6C3F1AC4-298B-4D68-A3B6-46A3E4B5E6DC}" srcId="{2A76A016-75FB-4EB8-A025-6ACD7A3F5B7D}" destId="{0259D84A-4796-4366-BA60-D7065EA96C71}" srcOrd="2" destOrd="0" parTransId="{2844B534-BEBF-43CF-B484-5CFCA8900E85}" sibTransId="{CA49B43B-3BCA-497E-B500-5523E9DB4D6C}"/>
     <dgm:cxn modelId="{648826F5-2316-47BF-A346-10E83ECCE585}" type="presOf" srcId="{2A76A016-75FB-4EB8-A025-6ACD7A3F5B7D}" destId="{2DFC64A5-769C-4372-9615-1FA4B1491470}" srcOrd="0" destOrd="0" presId="urn:microsoft.com/office/officeart/2005/8/layout/chevron1"/>
     <dgm:cxn modelId="{F8CB08BF-C393-4A30-94E9-2BA1F405B966}" type="presOf" srcId="{68E789BA-346D-43BD-9465-734B217059F0}" destId="{1AA5F17D-B47A-4297-B5BB-8C6B99E6C5DA}" srcOrd="0" destOrd="0" presId="urn:microsoft.com/office/officeart/2005/8/layout/chevron1"/>
@@ -7868,6 +8837,227 @@
       <dsp:cNvGrpSpPr/>
     </dsp:nvGrpSpPr>
     <dsp:grpSpPr/>
+    <dsp:sp modelId="{1F6056EB-C534-4970-B58E-AD722CC6900E}">
+      <dsp:nvSpPr>
+        <dsp:cNvPr id="0" name=""/>
+        <dsp:cNvSpPr/>
+      </dsp:nvSpPr>
+      <dsp:spPr>
+        <a:xfrm>
+          <a:off x="1673" y="0"/>
+          <a:ext cx="2039194" cy="410198"/>
+        </a:xfrm>
+        <a:prstGeom prst="chevron">
+          <a:avLst/>
+        </a:prstGeom>
+        <a:solidFill>
+          <a:schemeClr val="accent1"/>
+        </a:solidFill>
+        <a:ln w="15875" cap="rnd" cmpd="sng" algn="ctr">
+          <a:solidFill>
+            <a:schemeClr val="lt1">
+              <a:hueOff val="0"/>
+              <a:satOff val="0"/>
+              <a:lumOff val="0"/>
+              <a:alphaOff val="0"/>
+            </a:schemeClr>
+          </a:solidFill>
+          <a:prstDash val="solid"/>
+        </a:ln>
+        <a:effectLst/>
+      </dsp:spPr>
+      <dsp:style>
+        <a:lnRef idx="2">
+          <a:scrgbClr r="0" g="0" b="0"/>
+        </a:lnRef>
+        <a:fillRef idx="1">
+          <a:scrgbClr r="0" g="0" b="0"/>
+        </a:fillRef>
+        <a:effectRef idx="0">
+          <a:scrgbClr r="0" g="0" b="0"/>
+        </a:effectRef>
+        <a:fontRef idx="minor">
+          <a:schemeClr val="lt1"/>
+        </a:fontRef>
+      </dsp:style>
+      <dsp:txBody>
+        <a:bodyPr spcFirstLastPara="0" vert="horz" wrap="square" lIns="80010" tIns="26670" rIns="26670" bIns="26670" numCol="1" spcCol="1270" anchor="ctr" anchorCtr="0">
+          <a:noAutofit/>
+        </a:bodyPr>
+        <a:lstStyle/>
+        <a:p>
+          <a:pPr lvl="0" algn="ctr" defTabSz="889000">
+            <a:lnSpc>
+              <a:spcPct val="90000"/>
+            </a:lnSpc>
+            <a:spcBef>
+              <a:spcPct val="0"/>
+            </a:spcBef>
+            <a:spcAft>
+              <a:spcPct val="35000"/>
+            </a:spcAft>
+          </a:pPr>
+          <a:r>
+            <a:rPr lang="fr-FR" sz="2000" kern="1200" dirty="0" smtClean="0"/>
+            <a:t>Introduction</a:t>
+          </a:r>
+          <a:endParaRPr lang="fr-FR" sz="2000" kern="1200" dirty="0"/>
+        </a:p>
+      </dsp:txBody>
+      <dsp:txXfrm>
+        <a:off x="206772" y="0"/>
+        <a:ext cx="1628996" cy="410198"/>
+      </dsp:txXfrm>
+    </dsp:sp>
+    <dsp:sp modelId="{1AA5F17D-B47A-4297-B5BB-8C6B99E6C5DA}">
+      <dsp:nvSpPr>
+        <dsp:cNvPr id="0" name=""/>
+        <dsp:cNvSpPr/>
+      </dsp:nvSpPr>
+      <dsp:spPr>
+        <a:xfrm>
+          <a:off x="1836948" y="0"/>
+          <a:ext cx="2039194" cy="410198"/>
+        </a:xfrm>
+        <a:prstGeom prst="chevron">
+          <a:avLst/>
+        </a:prstGeom>
+        <a:solidFill>
+          <a:srgbClr val="FF0000"/>
+        </a:solidFill>
+        <a:ln w="15875" cap="rnd" cmpd="sng" algn="ctr">
+          <a:solidFill>
+            <a:schemeClr val="lt1">
+              <a:hueOff val="0"/>
+              <a:satOff val="0"/>
+              <a:lumOff val="0"/>
+              <a:alphaOff val="0"/>
+            </a:schemeClr>
+          </a:solidFill>
+          <a:prstDash val="solid"/>
+        </a:ln>
+        <a:effectLst/>
+      </dsp:spPr>
+      <dsp:style>
+        <a:lnRef idx="2">
+          <a:scrgbClr r="0" g="0" b="0"/>
+        </a:lnRef>
+        <a:fillRef idx="1">
+          <a:scrgbClr r="0" g="0" b="0"/>
+        </a:fillRef>
+        <a:effectRef idx="0">
+          <a:scrgbClr r="0" g="0" b="0"/>
+        </a:effectRef>
+        <a:fontRef idx="minor">
+          <a:schemeClr val="lt1"/>
+        </a:fontRef>
+      </dsp:style>
+      <dsp:txBody>
+        <a:bodyPr spcFirstLastPara="0" vert="horz" wrap="square" lIns="80010" tIns="26670" rIns="26670" bIns="26670" numCol="1" spcCol="1270" anchor="ctr" anchorCtr="0">
+          <a:noAutofit/>
+        </a:bodyPr>
+        <a:lstStyle/>
+        <a:p>
+          <a:pPr lvl="0" algn="ctr" defTabSz="889000">
+            <a:lnSpc>
+              <a:spcPct val="90000"/>
+            </a:lnSpc>
+            <a:spcBef>
+              <a:spcPct val="0"/>
+            </a:spcBef>
+            <a:spcAft>
+              <a:spcPct val="35000"/>
+            </a:spcAft>
+          </a:pPr>
+          <a:r>
+            <a:rPr lang="fr-FR" sz="2000" kern="1200" dirty="0" smtClean="0"/>
+            <a:t>Technique</a:t>
+          </a:r>
+          <a:endParaRPr lang="fr-FR" sz="2000" kern="1200" dirty="0"/>
+        </a:p>
+      </dsp:txBody>
+      <dsp:txXfrm>
+        <a:off x="2042047" y="0"/>
+        <a:ext cx="1628996" cy="410198"/>
+      </dsp:txXfrm>
+    </dsp:sp>
+    <dsp:sp modelId="{DF757741-D2C4-47CD-B81F-0494B81FB4EA}">
+      <dsp:nvSpPr>
+        <dsp:cNvPr id="0" name=""/>
+        <dsp:cNvSpPr/>
+      </dsp:nvSpPr>
+      <dsp:spPr>
+        <a:xfrm>
+          <a:off x="3672223" y="0"/>
+          <a:ext cx="2039194" cy="410198"/>
+        </a:xfrm>
+        <a:prstGeom prst="chevron">
+          <a:avLst/>
+        </a:prstGeom>
+        <a:solidFill>
+          <a:schemeClr val="accent1">
+            <a:hueOff val="0"/>
+            <a:satOff val="0"/>
+            <a:lumOff val="0"/>
+            <a:alphaOff val="0"/>
+          </a:schemeClr>
+        </a:solidFill>
+        <a:ln w="15875" cap="rnd" cmpd="sng" algn="ctr">
+          <a:solidFill>
+            <a:schemeClr val="lt1">
+              <a:hueOff val="0"/>
+              <a:satOff val="0"/>
+              <a:lumOff val="0"/>
+              <a:alphaOff val="0"/>
+            </a:schemeClr>
+          </a:solidFill>
+          <a:prstDash val="solid"/>
+        </a:ln>
+        <a:effectLst/>
+      </dsp:spPr>
+      <dsp:style>
+        <a:lnRef idx="2">
+          <a:scrgbClr r="0" g="0" b="0"/>
+        </a:lnRef>
+        <a:fillRef idx="1">
+          <a:scrgbClr r="0" g="0" b="0"/>
+        </a:fillRef>
+        <a:effectRef idx="0">
+          <a:scrgbClr r="0" g="0" b="0"/>
+        </a:effectRef>
+        <a:fontRef idx="minor">
+          <a:schemeClr val="lt1"/>
+        </a:fontRef>
+      </dsp:style>
+      <dsp:txBody>
+        <a:bodyPr spcFirstLastPara="0" vert="horz" wrap="square" lIns="80010" tIns="26670" rIns="26670" bIns="26670" numCol="1" spcCol="1270" anchor="ctr" anchorCtr="0">
+          <a:noAutofit/>
+        </a:bodyPr>
+        <a:lstStyle/>
+        <a:p>
+          <a:pPr lvl="0" algn="ctr" defTabSz="889000">
+            <a:lnSpc>
+              <a:spcPct val="90000"/>
+            </a:lnSpc>
+            <a:spcBef>
+              <a:spcPct val="0"/>
+            </a:spcBef>
+            <a:spcAft>
+              <a:spcPct val="35000"/>
+            </a:spcAft>
+          </a:pPr>
+          <a:r>
+            <a:rPr lang="fr-FR" sz="2000" kern="1200" dirty="0" smtClean="0"/>
+            <a:t>Bilan</a:t>
+          </a:r>
+          <a:endParaRPr lang="fr-FR" sz="2000" kern="1200" dirty="0"/>
+        </a:p>
+      </dsp:txBody>
+      <dsp:txXfrm>
+        <a:off x="3877322" y="0"/>
+        <a:ext cx="1628996" cy="410198"/>
+      </dsp:txXfrm>
+    </dsp:sp>
   </dsp:spTree>
 </dsp:drawing>
 </file>
@@ -7880,6 +9070,227 @@
       <dsp:cNvGrpSpPr/>
     </dsp:nvGrpSpPr>
     <dsp:grpSpPr/>
+    <dsp:sp modelId="{1F6056EB-C534-4970-B58E-AD722CC6900E}">
+      <dsp:nvSpPr>
+        <dsp:cNvPr id="0" name=""/>
+        <dsp:cNvSpPr/>
+      </dsp:nvSpPr>
+      <dsp:spPr>
+        <a:xfrm>
+          <a:off x="1673" y="0"/>
+          <a:ext cx="2039194" cy="410198"/>
+        </a:xfrm>
+        <a:prstGeom prst="chevron">
+          <a:avLst/>
+        </a:prstGeom>
+        <a:solidFill>
+          <a:schemeClr val="accent1"/>
+        </a:solidFill>
+        <a:ln w="15875" cap="rnd" cmpd="sng" algn="ctr">
+          <a:solidFill>
+            <a:schemeClr val="lt1">
+              <a:hueOff val="0"/>
+              <a:satOff val="0"/>
+              <a:lumOff val="0"/>
+              <a:alphaOff val="0"/>
+            </a:schemeClr>
+          </a:solidFill>
+          <a:prstDash val="solid"/>
+        </a:ln>
+        <a:effectLst/>
+      </dsp:spPr>
+      <dsp:style>
+        <a:lnRef idx="2">
+          <a:scrgbClr r="0" g="0" b="0"/>
+        </a:lnRef>
+        <a:fillRef idx="1">
+          <a:scrgbClr r="0" g="0" b="0"/>
+        </a:fillRef>
+        <a:effectRef idx="0">
+          <a:scrgbClr r="0" g="0" b="0"/>
+        </a:effectRef>
+        <a:fontRef idx="minor">
+          <a:schemeClr val="lt1"/>
+        </a:fontRef>
+      </dsp:style>
+      <dsp:txBody>
+        <a:bodyPr spcFirstLastPara="0" vert="horz" wrap="square" lIns="80010" tIns="26670" rIns="26670" bIns="26670" numCol="1" spcCol="1270" anchor="ctr" anchorCtr="0">
+          <a:noAutofit/>
+        </a:bodyPr>
+        <a:lstStyle/>
+        <a:p>
+          <a:pPr lvl="0" algn="ctr" defTabSz="889000">
+            <a:lnSpc>
+              <a:spcPct val="90000"/>
+            </a:lnSpc>
+            <a:spcBef>
+              <a:spcPct val="0"/>
+            </a:spcBef>
+            <a:spcAft>
+              <a:spcPct val="35000"/>
+            </a:spcAft>
+          </a:pPr>
+          <a:r>
+            <a:rPr lang="fr-FR" sz="2000" kern="1200" dirty="0" smtClean="0"/>
+            <a:t>Introduction</a:t>
+          </a:r>
+          <a:endParaRPr lang="fr-FR" sz="2000" kern="1200" dirty="0"/>
+        </a:p>
+      </dsp:txBody>
+      <dsp:txXfrm>
+        <a:off x="206772" y="0"/>
+        <a:ext cx="1628996" cy="410198"/>
+      </dsp:txXfrm>
+    </dsp:sp>
+    <dsp:sp modelId="{1AA5F17D-B47A-4297-B5BB-8C6B99E6C5DA}">
+      <dsp:nvSpPr>
+        <dsp:cNvPr id="0" name=""/>
+        <dsp:cNvSpPr/>
+      </dsp:nvSpPr>
+      <dsp:spPr>
+        <a:xfrm>
+          <a:off x="1836948" y="0"/>
+          <a:ext cx="2039194" cy="410198"/>
+        </a:xfrm>
+        <a:prstGeom prst="chevron">
+          <a:avLst/>
+        </a:prstGeom>
+        <a:solidFill>
+          <a:srgbClr val="FF0000"/>
+        </a:solidFill>
+        <a:ln w="15875" cap="rnd" cmpd="sng" algn="ctr">
+          <a:solidFill>
+            <a:schemeClr val="lt1">
+              <a:hueOff val="0"/>
+              <a:satOff val="0"/>
+              <a:lumOff val="0"/>
+              <a:alphaOff val="0"/>
+            </a:schemeClr>
+          </a:solidFill>
+          <a:prstDash val="solid"/>
+        </a:ln>
+        <a:effectLst/>
+      </dsp:spPr>
+      <dsp:style>
+        <a:lnRef idx="2">
+          <a:scrgbClr r="0" g="0" b="0"/>
+        </a:lnRef>
+        <a:fillRef idx="1">
+          <a:scrgbClr r="0" g="0" b="0"/>
+        </a:fillRef>
+        <a:effectRef idx="0">
+          <a:scrgbClr r="0" g="0" b="0"/>
+        </a:effectRef>
+        <a:fontRef idx="minor">
+          <a:schemeClr val="lt1"/>
+        </a:fontRef>
+      </dsp:style>
+      <dsp:txBody>
+        <a:bodyPr spcFirstLastPara="0" vert="horz" wrap="square" lIns="80010" tIns="26670" rIns="26670" bIns="26670" numCol="1" spcCol="1270" anchor="ctr" anchorCtr="0">
+          <a:noAutofit/>
+        </a:bodyPr>
+        <a:lstStyle/>
+        <a:p>
+          <a:pPr lvl="0" algn="ctr" defTabSz="889000">
+            <a:lnSpc>
+              <a:spcPct val="90000"/>
+            </a:lnSpc>
+            <a:spcBef>
+              <a:spcPct val="0"/>
+            </a:spcBef>
+            <a:spcAft>
+              <a:spcPct val="35000"/>
+            </a:spcAft>
+          </a:pPr>
+          <a:r>
+            <a:rPr lang="fr-FR" sz="2000" kern="1200" dirty="0" smtClean="0"/>
+            <a:t>Technique</a:t>
+          </a:r>
+          <a:endParaRPr lang="fr-FR" sz="2000" kern="1200" dirty="0"/>
+        </a:p>
+      </dsp:txBody>
+      <dsp:txXfrm>
+        <a:off x="2042047" y="0"/>
+        <a:ext cx="1628996" cy="410198"/>
+      </dsp:txXfrm>
+    </dsp:sp>
+    <dsp:sp modelId="{DF757741-D2C4-47CD-B81F-0494B81FB4EA}">
+      <dsp:nvSpPr>
+        <dsp:cNvPr id="0" name=""/>
+        <dsp:cNvSpPr/>
+      </dsp:nvSpPr>
+      <dsp:spPr>
+        <a:xfrm>
+          <a:off x="3672223" y="0"/>
+          <a:ext cx="2039194" cy="410198"/>
+        </a:xfrm>
+        <a:prstGeom prst="chevron">
+          <a:avLst/>
+        </a:prstGeom>
+        <a:solidFill>
+          <a:schemeClr val="accent1">
+            <a:hueOff val="0"/>
+            <a:satOff val="0"/>
+            <a:lumOff val="0"/>
+            <a:alphaOff val="0"/>
+          </a:schemeClr>
+        </a:solidFill>
+        <a:ln w="15875" cap="rnd" cmpd="sng" algn="ctr">
+          <a:solidFill>
+            <a:schemeClr val="lt1">
+              <a:hueOff val="0"/>
+              <a:satOff val="0"/>
+              <a:lumOff val="0"/>
+              <a:alphaOff val="0"/>
+            </a:schemeClr>
+          </a:solidFill>
+          <a:prstDash val="solid"/>
+        </a:ln>
+        <a:effectLst/>
+      </dsp:spPr>
+      <dsp:style>
+        <a:lnRef idx="2">
+          <a:scrgbClr r="0" g="0" b="0"/>
+        </a:lnRef>
+        <a:fillRef idx="1">
+          <a:scrgbClr r="0" g="0" b="0"/>
+        </a:fillRef>
+        <a:effectRef idx="0">
+          <a:scrgbClr r="0" g="0" b="0"/>
+        </a:effectRef>
+        <a:fontRef idx="minor">
+          <a:schemeClr val="lt1"/>
+        </a:fontRef>
+      </dsp:style>
+      <dsp:txBody>
+        <a:bodyPr spcFirstLastPara="0" vert="horz" wrap="square" lIns="80010" tIns="26670" rIns="26670" bIns="26670" numCol="1" spcCol="1270" anchor="ctr" anchorCtr="0">
+          <a:noAutofit/>
+        </a:bodyPr>
+        <a:lstStyle/>
+        <a:p>
+          <a:pPr lvl="0" algn="ctr" defTabSz="889000">
+            <a:lnSpc>
+              <a:spcPct val="90000"/>
+            </a:lnSpc>
+            <a:spcBef>
+              <a:spcPct val="0"/>
+            </a:spcBef>
+            <a:spcAft>
+              <a:spcPct val="35000"/>
+            </a:spcAft>
+          </a:pPr>
+          <a:r>
+            <a:rPr lang="fr-FR" sz="2000" kern="1200" dirty="0" smtClean="0"/>
+            <a:t>Bilan</a:t>
+          </a:r>
+          <a:endParaRPr lang="fr-FR" sz="2000" kern="1200" dirty="0"/>
+        </a:p>
+      </dsp:txBody>
+      <dsp:txXfrm>
+        <a:off x="3877322" y="0"/>
+        <a:ext cx="1628996" cy="410198"/>
+      </dsp:txXfrm>
+    </dsp:sp>
   </dsp:spTree>
 </dsp:drawing>
 </file>
@@ -7892,6 +9303,227 @@
       <dsp:cNvGrpSpPr/>
     </dsp:nvGrpSpPr>
     <dsp:grpSpPr/>
+    <dsp:sp modelId="{1F6056EB-C534-4970-B58E-AD722CC6900E}">
+      <dsp:nvSpPr>
+        <dsp:cNvPr id="0" name=""/>
+        <dsp:cNvSpPr/>
+      </dsp:nvSpPr>
+      <dsp:spPr>
+        <a:xfrm>
+          <a:off x="1673" y="0"/>
+          <a:ext cx="2039194" cy="410198"/>
+        </a:xfrm>
+        <a:prstGeom prst="chevron">
+          <a:avLst/>
+        </a:prstGeom>
+        <a:solidFill>
+          <a:schemeClr val="accent1"/>
+        </a:solidFill>
+        <a:ln w="15875" cap="rnd" cmpd="sng" algn="ctr">
+          <a:solidFill>
+            <a:schemeClr val="lt1">
+              <a:hueOff val="0"/>
+              <a:satOff val="0"/>
+              <a:lumOff val="0"/>
+              <a:alphaOff val="0"/>
+            </a:schemeClr>
+          </a:solidFill>
+          <a:prstDash val="solid"/>
+        </a:ln>
+        <a:effectLst/>
+      </dsp:spPr>
+      <dsp:style>
+        <a:lnRef idx="2">
+          <a:scrgbClr r="0" g="0" b="0"/>
+        </a:lnRef>
+        <a:fillRef idx="1">
+          <a:scrgbClr r="0" g="0" b="0"/>
+        </a:fillRef>
+        <a:effectRef idx="0">
+          <a:scrgbClr r="0" g="0" b="0"/>
+        </a:effectRef>
+        <a:fontRef idx="minor">
+          <a:schemeClr val="lt1"/>
+        </a:fontRef>
+      </dsp:style>
+      <dsp:txBody>
+        <a:bodyPr spcFirstLastPara="0" vert="horz" wrap="square" lIns="80010" tIns="26670" rIns="26670" bIns="26670" numCol="1" spcCol="1270" anchor="ctr" anchorCtr="0">
+          <a:noAutofit/>
+        </a:bodyPr>
+        <a:lstStyle/>
+        <a:p>
+          <a:pPr lvl="0" algn="ctr" defTabSz="889000">
+            <a:lnSpc>
+              <a:spcPct val="90000"/>
+            </a:lnSpc>
+            <a:spcBef>
+              <a:spcPct val="0"/>
+            </a:spcBef>
+            <a:spcAft>
+              <a:spcPct val="35000"/>
+            </a:spcAft>
+          </a:pPr>
+          <a:r>
+            <a:rPr lang="fr-FR" sz="2000" kern="1200" dirty="0" smtClean="0"/>
+            <a:t>Introduction</a:t>
+          </a:r>
+          <a:endParaRPr lang="fr-FR" sz="2000" kern="1200" dirty="0"/>
+        </a:p>
+      </dsp:txBody>
+      <dsp:txXfrm>
+        <a:off x="206772" y="0"/>
+        <a:ext cx="1628996" cy="410198"/>
+      </dsp:txXfrm>
+    </dsp:sp>
+    <dsp:sp modelId="{1AA5F17D-B47A-4297-B5BB-8C6B99E6C5DA}">
+      <dsp:nvSpPr>
+        <dsp:cNvPr id="0" name=""/>
+        <dsp:cNvSpPr/>
+      </dsp:nvSpPr>
+      <dsp:spPr>
+        <a:xfrm>
+          <a:off x="1836948" y="0"/>
+          <a:ext cx="2039194" cy="410198"/>
+        </a:xfrm>
+        <a:prstGeom prst="chevron">
+          <a:avLst/>
+        </a:prstGeom>
+        <a:solidFill>
+          <a:srgbClr val="FF0000"/>
+        </a:solidFill>
+        <a:ln w="15875" cap="rnd" cmpd="sng" algn="ctr">
+          <a:solidFill>
+            <a:schemeClr val="lt1">
+              <a:hueOff val="0"/>
+              <a:satOff val="0"/>
+              <a:lumOff val="0"/>
+              <a:alphaOff val="0"/>
+            </a:schemeClr>
+          </a:solidFill>
+          <a:prstDash val="solid"/>
+        </a:ln>
+        <a:effectLst/>
+      </dsp:spPr>
+      <dsp:style>
+        <a:lnRef idx="2">
+          <a:scrgbClr r="0" g="0" b="0"/>
+        </a:lnRef>
+        <a:fillRef idx="1">
+          <a:scrgbClr r="0" g="0" b="0"/>
+        </a:fillRef>
+        <a:effectRef idx="0">
+          <a:scrgbClr r="0" g="0" b="0"/>
+        </a:effectRef>
+        <a:fontRef idx="minor">
+          <a:schemeClr val="lt1"/>
+        </a:fontRef>
+      </dsp:style>
+      <dsp:txBody>
+        <a:bodyPr spcFirstLastPara="0" vert="horz" wrap="square" lIns="80010" tIns="26670" rIns="26670" bIns="26670" numCol="1" spcCol="1270" anchor="ctr" anchorCtr="0">
+          <a:noAutofit/>
+        </a:bodyPr>
+        <a:lstStyle/>
+        <a:p>
+          <a:pPr lvl="0" algn="ctr" defTabSz="889000">
+            <a:lnSpc>
+              <a:spcPct val="90000"/>
+            </a:lnSpc>
+            <a:spcBef>
+              <a:spcPct val="0"/>
+            </a:spcBef>
+            <a:spcAft>
+              <a:spcPct val="35000"/>
+            </a:spcAft>
+          </a:pPr>
+          <a:r>
+            <a:rPr lang="fr-FR" sz="2000" kern="1200" dirty="0" smtClean="0"/>
+            <a:t>Technique</a:t>
+          </a:r>
+          <a:endParaRPr lang="fr-FR" sz="2000" kern="1200" dirty="0"/>
+        </a:p>
+      </dsp:txBody>
+      <dsp:txXfrm>
+        <a:off x="2042047" y="0"/>
+        <a:ext cx="1628996" cy="410198"/>
+      </dsp:txXfrm>
+    </dsp:sp>
+    <dsp:sp modelId="{DF757741-D2C4-47CD-B81F-0494B81FB4EA}">
+      <dsp:nvSpPr>
+        <dsp:cNvPr id="0" name=""/>
+        <dsp:cNvSpPr/>
+      </dsp:nvSpPr>
+      <dsp:spPr>
+        <a:xfrm>
+          <a:off x="3672223" y="0"/>
+          <a:ext cx="2039194" cy="410198"/>
+        </a:xfrm>
+        <a:prstGeom prst="chevron">
+          <a:avLst/>
+        </a:prstGeom>
+        <a:solidFill>
+          <a:schemeClr val="accent1">
+            <a:hueOff val="0"/>
+            <a:satOff val="0"/>
+            <a:lumOff val="0"/>
+            <a:alphaOff val="0"/>
+          </a:schemeClr>
+        </a:solidFill>
+        <a:ln w="15875" cap="rnd" cmpd="sng" algn="ctr">
+          <a:solidFill>
+            <a:schemeClr val="lt1">
+              <a:hueOff val="0"/>
+              <a:satOff val="0"/>
+              <a:lumOff val="0"/>
+              <a:alphaOff val="0"/>
+            </a:schemeClr>
+          </a:solidFill>
+          <a:prstDash val="solid"/>
+        </a:ln>
+        <a:effectLst/>
+      </dsp:spPr>
+      <dsp:style>
+        <a:lnRef idx="2">
+          <a:scrgbClr r="0" g="0" b="0"/>
+        </a:lnRef>
+        <a:fillRef idx="1">
+          <a:scrgbClr r="0" g="0" b="0"/>
+        </a:fillRef>
+        <a:effectRef idx="0">
+          <a:scrgbClr r="0" g="0" b="0"/>
+        </a:effectRef>
+        <a:fontRef idx="minor">
+          <a:schemeClr val="lt1"/>
+        </a:fontRef>
+      </dsp:style>
+      <dsp:txBody>
+        <a:bodyPr spcFirstLastPara="0" vert="horz" wrap="square" lIns="80010" tIns="26670" rIns="26670" bIns="26670" numCol="1" spcCol="1270" anchor="ctr" anchorCtr="0">
+          <a:noAutofit/>
+        </a:bodyPr>
+        <a:lstStyle/>
+        <a:p>
+          <a:pPr lvl="0" algn="ctr" defTabSz="889000">
+            <a:lnSpc>
+              <a:spcPct val="90000"/>
+            </a:lnSpc>
+            <a:spcBef>
+              <a:spcPct val="0"/>
+            </a:spcBef>
+            <a:spcAft>
+              <a:spcPct val="35000"/>
+            </a:spcAft>
+          </a:pPr>
+          <a:r>
+            <a:rPr lang="fr-FR" sz="2000" kern="1200" dirty="0" smtClean="0"/>
+            <a:t>Bilan</a:t>
+          </a:r>
+          <a:endParaRPr lang="fr-FR" sz="2000" kern="1200" dirty="0"/>
+        </a:p>
+      </dsp:txBody>
+      <dsp:txXfrm>
+        <a:off x="3877322" y="0"/>
+        <a:ext cx="1628996" cy="410198"/>
+      </dsp:txXfrm>
+    </dsp:sp>
   </dsp:spTree>
 </dsp:drawing>
 </file>
@@ -7904,6 +9536,227 @@
       <dsp:cNvGrpSpPr/>
     </dsp:nvGrpSpPr>
     <dsp:grpSpPr/>
+    <dsp:sp modelId="{1F6056EB-C534-4970-B58E-AD722CC6900E}">
+      <dsp:nvSpPr>
+        <dsp:cNvPr id="0" name=""/>
+        <dsp:cNvSpPr/>
+      </dsp:nvSpPr>
+      <dsp:spPr>
+        <a:xfrm>
+          <a:off x="1673" y="0"/>
+          <a:ext cx="2039194" cy="410198"/>
+        </a:xfrm>
+        <a:prstGeom prst="chevron">
+          <a:avLst/>
+        </a:prstGeom>
+        <a:solidFill>
+          <a:schemeClr val="accent1"/>
+        </a:solidFill>
+        <a:ln w="15875" cap="rnd" cmpd="sng" algn="ctr">
+          <a:solidFill>
+            <a:schemeClr val="lt1">
+              <a:hueOff val="0"/>
+              <a:satOff val="0"/>
+              <a:lumOff val="0"/>
+              <a:alphaOff val="0"/>
+            </a:schemeClr>
+          </a:solidFill>
+          <a:prstDash val="solid"/>
+        </a:ln>
+        <a:effectLst/>
+      </dsp:spPr>
+      <dsp:style>
+        <a:lnRef idx="2">
+          <a:scrgbClr r="0" g="0" b="0"/>
+        </a:lnRef>
+        <a:fillRef idx="1">
+          <a:scrgbClr r="0" g="0" b="0"/>
+        </a:fillRef>
+        <a:effectRef idx="0">
+          <a:scrgbClr r="0" g="0" b="0"/>
+        </a:effectRef>
+        <a:fontRef idx="minor">
+          <a:schemeClr val="lt1"/>
+        </a:fontRef>
+      </dsp:style>
+      <dsp:txBody>
+        <a:bodyPr spcFirstLastPara="0" vert="horz" wrap="square" lIns="80010" tIns="26670" rIns="26670" bIns="26670" numCol="1" spcCol="1270" anchor="ctr" anchorCtr="0">
+          <a:noAutofit/>
+        </a:bodyPr>
+        <a:lstStyle/>
+        <a:p>
+          <a:pPr lvl="0" algn="ctr" defTabSz="889000">
+            <a:lnSpc>
+              <a:spcPct val="90000"/>
+            </a:lnSpc>
+            <a:spcBef>
+              <a:spcPct val="0"/>
+            </a:spcBef>
+            <a:spcAft>
+              <a:spcPct val="35000"/>
+            </a:spcAft>
+          </a:pPr>
+          <a:r>
+            <a:rPr lang="fr-FR" sz="2000" kern="1200" dirty="0" smtClean="0"/>
+            <a:t>Introduction</a:t>
+          </a:r>
+          <a:endParaRPr lang="fr-FR" sz="2000" kern="1200" dirty="0"/>
+        </a:p>
+      </dsp:txBody>
+      <dsp:txXfrm>
+        <a:off x="206772" y="0"/>
+        <a:ext cx="1628996" cy="410198"/>
+      </dsp:txXfrm>
+    </dsp:sp>
+    <dsp:sp modelId="{1AA5F17D-B47A-4297-B5BB-8C6B99E6C5DA}">
+      <dsp:nvSpPr>
+        <dsp:cNvPr id="0" name=""/>
+        <dsp:cNvSpPr/>
+      </dsp:nvSpPr>
+      <dsp:spPr>
+        <a:xfrm>
+          <a:off x="1836948" y="0"/>
+          <a:ext cx="2039194" cy="410198"/>
+        </a:xfrm>
+        <a:prstGeom prst="chevron">
+          <a:avLst/>
+        </a:prstGeom>
+        <a:solidFill>
+          <a:srgbClr val="FF0000"/>
+        </a:solidFill>
+        <a:ln w="15875" cap="rnd" cmpd="sng" algn="ctr">
+          <a:solidFill>
+            <a:schemeClr val="lt1">
+              <a:hueOff val="0"/>
+              <a:satOff val="0"/>
+              <a:lumOff val="0"/>
+              <a:alphaOff val="0"/>
+            </a:schemeClr>
+          </a:solidFill>
+          <a:prstDash val="solid"/>
+        </a:ln>
+        <a:effectLst/>
+      </dsp:spPr>
+      <dsp:style>
+        <a:lnRef idx="2">
+          <a:scrgbClr r="0" g="0" b="0"/>
+        </a:lnRef>
+        <a:fillRef idx="1">
+          <a:scrgbClr r="0" g="0" b="0"/>
+        </a:fillRef>
+        <a:effectRef idx="0">
+          <a:scrgbClr r="0" g="0" b="0"/>
+        </a:effectRef>
+        <a:fontRef idx="minor">
+          <a:schemeClr val="lt1"/>
+        </a:fontRef>
+      </dsp:style>
+      <dsp:txBody>
+        <a:bodyPr spcFirstLastPara="0" vert="horz" wrap="square" lIns="80010" tIns="26670" rIns="26670" bIns="26670" numCol="1" spcCol="1270" anchor="ctr" anchorCtr="0">
+          <a:noAutofit/>
+        </a:bodyPr>
+        <a:lstStyle/>
+        <a:p>
+          <a:pPr lvl="0" algn="ctr" defTabSz="889000">
+            <a:lnSpc>
+              <a:spcPct val="90000"/>
+            </a:lnSpc>
+            <a:spcBef>
+              <a:spcPct val="0"/>
+            </a:spcBef>
+            <a:spcAft>
+              <a:spcPct val="35000"/>
+            </a:spcAft>
+          </a:pPr>
+          <a:r>
+            <a:rPr lang="fr-FR" sz="2000" kern="1200" dirty="0" smtClean="0"/>
+            <a:t>Technique</a:t>
+          </a:r>
+          <a:endParaRPr lang="fr-FR" sz="2000" kern="1200" dirty="0"/>
+        </a:p>
+      </dsp:txBody>
+      <dsp:txXfrm>
+        <a:off x="2042047" y="0"/>
+        <a:ext cx="1628996" cy="410198"/>
+      </dsp:txXfrm>
+    </dsp:sp>
+    <dsp:sp modelId="{DF757741-D2C4-47CD-B81F-0494B81FB4EA}">
+      <dsp:nvSpPr>
+        <dsp:cNvPr id="0" name=""/>
+        <dsp:cNvSpPr/>
+      </dsp:nvSpPr>
+      <dsp:spPr>
+        <a:xfrm>
+          <a:off x="3672223" y="0"/>
+          <a:ext cx="2039194" cy="410198"/>
+        </a:xfrm>
+        <a:prstGeom prst="chevron">
+          <a:avLst/>
+        </a:prstGeom>
+        <a:solidFill>
+          <a:schemeClr val="accent1">
+            <a:hueOff val="0"/>
+            <a:satOff val="0"/>
+            <a:lumOff val="0"/>
+            <a:alphaOff val="0"/>
+          </a:schemeClr>
+        </a:solidFill>
+        <a:ln w="15875" cap="rnd" cmpd="sng" algn="ctr">
+          <a:solidFill>
+            <a:schemeClr val="lt1">
+              <a:hueOff val="0"/>
+              <a:satOff val="0"/>
+              <a:lumOff val="0"/>
+              <a:alphaOff val="0"/>
+            </a:schemeClr>
+          </a:solidFill>
+          <a:prstDash val="solid"/>
+        </a:ln>
+        <a:effectLst/>
+      </dsp:spPr>
+      <dsp:style>
+        <a:lnRef idx="2">
+          <a:scrgbClr r="0" g="0" b="0"/>
+        </a:lnRef>
+        <a:fillRef idx="1">
+          <a:scrgbClr r="0" g="0" b="0"/>
+        </a:fillRef>
+        <a:effectRef idx="0">
+          <a:scrgbClr r="0" g="0" b="0"/>
+        </a:effectRef>
+        <a:fontRef idx="minor">
+          <a:schemeClr val="lt1"/>
+        </a:fontRef>
+      </dsp:style>
+      <dsp:txBody>
+        <a:bodyPr spcFirstLastPara="0" vert="horz" wrap="square" lIns="80010" tIns="26670" rIns="26670" bIns="26670" numCol="1" spcCol="1270" anchor="ctr" anchorCtr="0">
+          <a:noAutofit/>
+        </a:bodyPr>
+        <a:lstStyle/>
+        <a:p>
+          <a:pPr lvl="0" algn="ctr" defTabSz="889000">
+            <a:lnSpc>
+              <a:spcPct val="90000"/>
+            </a:lnSpc>
+            <a:spcBef>
+              <a:spcPct val="0"/>
+            </a:spcBef>
+            <a:spcAft>
+              <a:spcPct val="35000"/>
+            </a:spcAft>
+          </a:pPr>
+          <a:r>
+            <a:rPr lang="fr-FR" sz="2000" kern="1200" dirty="0" smtClean="0"/>
+            <a:t>Bilan</a:t>
+          </a:r>
+          <a:endParaRPr lang="fr-FR" sz="2000" kern="1200" dirty="0"/>
+        </a:p>
+      </dsp:txBody>
+      <dsp:txXfrm>
+        <a:off x="3877322" y="0"/>
+        <a:ext cx="1628996" cy="410198"/>
+      </dsp:txXfrm>
+    </dsp:sp>
   </dsp:spTree>
 </dsp:drawing>
 </file>
@@ -7916,6 +9769,227 @@
       <dsp:cNvGrpSpPr/>
     </dsp:nvGrpSpPr>
     <dsp:grpSpPr/>
+    <dsp:sp modelId="{1F6056EB-C534-4970-B58E-AD722CC6900E}">
+      <dsp:nvSpPr>
+        <dsp:cNvPr id="0" name=""/>
+        <dsp:cNvSpPr/>
+      </dsp:nvSpPr>
+      <dsp:spPr>
+        <a:xfrm>
+          <a:off x="1673" y="0"/>
+          <a:ext cx="2039194" cy="410198"/>
+        </a:xfrm>
+        <a:prstGeom prst="chevron">
+          <a:avLst/>
+        </a:prstGeom>
+        <a:solidFill>
+          <a:schemeClr val="accent1"/>
+        </a:solidFill>
+        <a:ln w="15875" cap="rnd" cmpd="sng" algn="ctr">
+          <a:solidFill>
+            <a:schemeClr val="lt1">
+              <a:hueOff val="0"/>
+              <a:satOff val="0"/>
+              <a:lumOff val="0"/>
+              <a:alphaOff val="0"/>
+            </a:schemeClr>
+          </a:solidFill>
+          <a:prstDash val="solid"/>
+        </a:ln>
+        <a:effectLst/>
+      </dsp:spPr>
+      <dsp:style>
+        <a:lnRef idx="2">
+          <a:scrgbClr r="0" g="0" b="0"/>
+        </a:lnRef>
+        <a:fillRef idx="1">
+          <a:scrgbClr r="0" g="0" b="0"/>
+        </a:fillRef>
+        <a:effectRef idx="0">
+          <a:scrgbClr r="0" g="0" b="0"/>
+        </a:effectRef>
+        <a:fontRef idx="minor">
+          <a:schemeClr val="lt1"/>
+        </a:fontRef>
+      </dsp:style>
+      <dsp:txBody>
+        <a:bodyPr spcFirstLastPara="0" vert="horz" wrap="square" lIns="80010" tIns="26670" rIns="26670" bIns="26670" numCol="1" spcCol="1270" anchor="ctr" anchorCtr="0">
+          <a:noAutofit/>
+        </a:bodyPr>
+        <a:lstStyle/>
+        <a:p>
+          <a:pPr lvl="0" algn="ctr" defTabSz="889000">
+            <a:lnSpc>
+              <a:spcPct val="90000"/>
+            </a:lnSpc>
+            <a:spcBef>
+              <a:spcPct val="0"/>
+            </a:spcBef>
+            <a:spcAft>
+              <a:spcPct val="35000"/>
+            </a:spcAft>
+          </a:pPr>
+          <a:r>
+            <a:rPr lang="fr-FR" sz="2000" kern="1200" dirty="0" smtClean="0"/>
+            <a:t>Introduction</a:t>
+          </a:r>
+          <a:endParaRPr lang="fr-FR" sz="2000" kern="1200" dirty="0"/>
+        </a:p>
+      </dsp:txBody>
+      <dsp:txXfrm>
+        <a:off x="206772" y="0"/>
+        <a:ext cx="1628996" cy="410198"/>
+      </dsp:txXfrm>
+    </dsp:sp>
+    <dsp:sp modelId="{1AA5F17D-B47A-4297-B5BB-8C6B99E6C5DA}">
+      <dsp:nvSpPr>
+        <dsp:cNvPr id="0" name=""/>
+        <dsp:cNvSpPr/>
+      </dsp:nvSpPr>
+      <dsp:spPr>
+        <a:xfrm>
+          <a:off x="1836948" y="0"/>
+          <a:ext cx="2039194" cy="410198"/>
+        </a:xfrm>
+        <a:prstGeom prst="chevron">
+          <a:avLst/>
+        </a:prstGeom>
+        <a:solidFill>
+          <a:srgbClr val="FF0000"/>
+        </a:solidFill>
+        <a:ln w="15875" cap="rnd" cmpd="sng" algn="ctr">
+          <a:solidFill>
+            <a:schemeClr val="lt1">
+              <a:hueOff val="0"/>
+              <a:satOff val="0"/>
+              <a:lumOff val="0"/>
+              <a:alphaOff val="0"/>
+            </a:schemeClr>
+          </a:solidFill>
+          <a:prstDash val="solid"/>
+        </a:ln>
+        <a:effectLst/>
+      </dsp:spPr>
+      <dsp:style>
+        <a:lnRef idx="2">
+          <a:scrgbClr r="0" g="0" b="0"/>
+        </a:lnRef>
+        <a:fillRef idx="1">
+          <a:scrgbClr r="0" g="0" b="0"/>
+        </a:fillRef>
+        <a:effectRef idx="0">
+          <a:scrgbClr r="0" g="0" b="0"/>
+        </a:effectRef>
+        <a:fontRef idx="minor">
+          <a:schemeClr val="lt1"/>
+        </a:fontRef>
+      </dsp:style>
+      <dsp:txBody>
+        <a:bodyPr spcFirstLastPara="0" vert="horz" wrap="square" lIns="80010" tIns="26670" rIns="26670" bIns="26670" numCol="1" spcCol="1270" anchor="ctr" anchorCtr="0">
+          <a:noAutofit/>
+        </a:bodyPr>
+        <a:lstStyle/>
+        <a:p>
+          <a:pPr lvl="0" algn="ctr" defTabSz="889000">
+            <a:lnSpc>
+              <a:spcPct val="90000"/>
+            </a:lnSpc>
+            <a:spcBef>
+              <a:spcPct val="0"/>
+            </a:spcBef>
+            <a:spcAft>
+              <a:spcPct val="35000"/>
+            </a:spcAft>
+          </a:pPr>
+          <a:r>
+            <a:rPr lang="fr-FR" sz="2000" kern="1200" dirty="0" smtClean="0"/>
+            <a:t>Technique</a:t>
+          </a:r>
+          <a:endParaRPr lang="fr-FR" sz="2000" kern="1200" dirty="0"/>
+        </a:p>
+      </dsp:txBody>
+      <dsp:txXfrm>
+        <a:off x="2042047" y="0"/>
+        <a:ext cx="1628996" cy="410198"/>
+      </dsp:txXfrm>
+    </dsp:sp>
+    <dsp:sp modelId="{DF757741-D2C4-47CD-B81F-0494B81FB4EA}">
+      <dsp:nvSpPr>
+        <dsp:cNvPr id="0" name=""/>
+        <dsp:cNvSpPr/>
+      </dsp:nvSpPr>
+      <dsp:spPr>
+        <a:xfrm>
+          <a:off x="3672223" y="0"/>
+          <a:ext cx="2039194" cy="410198"/>
+        </a:xfrm>
+        <a:prstGeom prst="chevron">
+          <a:avLst/>
+        </a:prstGeom>
+        <a:solidFill>
+          <a:schemeClr val="accent1">
+            <a:hueOff val="0"/>
+            <a:satOff val="0"/>
+            <a:lumOff val="0"/>
+            <a:alphaOff val="0"/>
+          </a:schemeClr>
+        </a:solidFill>
+        <a:ln w="15875" cap="rnd" cmpd="sng" algn="ctr">
+          <a:solidFill>
+            <a:schemeClr val="lt1">
+              <a:hueOff val="0"/>
+              <a:satOff val="0"/>
+              <a:lumOff val="0"/>
+              <a:alphaOff val="0"/>
+            </a:schemeClr>
+          </a:solidFill>
+          <a:prstDash val="solid"/>
+        </a:ln>
+        <a:effectLst/>
+      </dsp:spPr>
+      <dsp:style>
+        <a:lnRef idx="2">
+          <a:scrgbClr r="0" g="0" b="0"/>
+        </a:lnRef>
+        <a:fillRef idx="1">
+          <a:scrgbClr r="0" g="0" b="0"/>
+        </a:fillRef>
+        <a:effectRef idx="0">
+          <a:scrgbClr r="0" g="0" b="0"/>
+        </a:effectRef>
+        <a:fontRef idx="minor">
+          <a:schemeClr val="lt1"/>
+        </a:fontRef>
+      </dsp:style>
+      <dsp:txBody>
+        <a:bodyPr spcFirstLastPara="0" vert="horz" wrap="square" lIns="80010" tIns="26670" rIns="26670" bIns="26670" numCol="1" spcCol="1270" anchor="ctr" anchorCtr="0">
+          <a:noAutofit/>
+        </a:bodyPr>
+        <a:lstStyle/>
+        <a:p>
+          <a:pPr lvl="0" algn="ctr" defTabSz="889000">
+            <a:lnSpc>
+              <a:spcPct val="90000"/>
+            </a:lnSpc>
+            <a:spcBef>
+              <a:spcPct val="0"/>
+            </a:spcBef>
+            <a:spcAft>
+              <a:spcPct val="35000"/>
+            </a:spcAft>
+          </a:pPr>
+          <a:r>
+            <a:rPr lang="fr-FR" sz="2000" kern="1200" dirty="0" smtClean="0"/>
+            <a:t>Bilan</a:t>
+          </a:r>
+          <a:endParaRPr lang="fr-FR" sz="2000" kern="1200" dirty="0"/>
+        </a:p>
+      </dsp:txBody>
+      <dsp:txXfrm>
+        <a:off x="3877322" y="0"/>
+        <a:ext cx="1628996" cy="410198"/>
+      </dsp:txXfrm>
+    </dsp:sp>
   </dsp:spTree>
 </dsp:drawing>
 </file>
@@ -7928,6 +10002,227 @@
       <dsp:cNvGrpSpPr/>
     </dsp:nvGrpSpPr>
     <dsp:grpSpPr/>
+    <dsp:sp modelId="{1F6056EB-C534-4970-B58E-AD722CC6900E}">
+      <dsp:nvSpPr>
+        <dsp:cNvPr id="0" name=""/>
+        <dsp:cNvSpPr/>
+      </dsp:nvSpPr>
+      <dsp:spPr>
+        <a:xfrm>
+          <a:off x="1673" y="0"/>
+          <a:ext cx="2039194" cy="410198"/>
+        </a:xfrm>
+        <a:prstGeom prst="chevron">
+          <a:avLst/>
+        </a:prstGeom>
+        <a:solidFill>
+          <a:schemeClr val="accent1"/>
+        </a:solidFill>
+        <a:ln w="15875" cap="rnd" cmpd="sng" algn="ctr">
+          <a:solidFill>
+            <a:schemeClr val="lt1">
+              <a:hueOff val="0"/>
+              <a:satOff val="0"/>
+              <a:lumOff val="0"/>
+              <a:alphaOff val="0"/>
+            </a:schemeClr>
+          </a:solidFill>
+          <a:prstDash val="solid"/>
+        </a:ln>
+        <a:effectLst/>
+      </dsp:spPr>
+      <dsp:style>
+        <a:lnRef idx="2">
+          <a:scrgbClr r="0" g="0" b="0"/>
+        </a:lnRef>
+        <a:fillRef idx="1">
+          <a:scrgbClr r="0" g="0" b="0"/>
+        </a:fillRef>
+        <a:effectRef idx="0">
+          <a:scrgbClr r="0" g="0" b="0"/>
+        </a:effectRef>
+        <a:fontRef idx="minor">
+          <a:schemeClr val="lt1"/>
+        </a:fontRef>
+      </dsp:style>
+      <dsp:txBody>
+        <a:bodyPr spcFirstLastPara="0" vert="horz" wrap="square" lIns="80010" tIns="26670" rIns="26670" bIns="26670" numCol="1" spcCol="1270" anchor="ctr" anchorCtr="0">
+          <a:noAutofit/>
+        </a:bodyPr>
+        <a:lstStyle/>
+        <a:p>
+          <a:pPr lvl="0" algn="ctr" defTabSz="889000">
+            <a:lnSpc>
+              <a:spcPct val="90000"/>
+            </a:lnSpc>
+            <a:spcBef>
+              <a:spcPct val="0"/>
+            </a:spcBef>
+            <a:spcAft>
+              <a:spcPct val="35000"/>
+            </a:spcAft>
+          </a:pPr>
+          <a:r>
+            <a:rPr lang="fr-FR" sz="2000" kern="1200" dirty="0" smtClean="0"/>
+            <a:t>Introduction</a:t>
+          </a:r>
+          <a:endParaRPr lang="fr-FR" sz="2000" kern="1200" dirty="0"/>
+        </a:p>
+      </dsp:txBody>
+      <dsp:txXfrm>
+        <a:off x="206772" y="0"/>
+        <a:ext cx="1628996" cy="410198"/>
+      </dsp:txXfrm>
+    </dsp:sp>
+    <dsp:sp modelId="{1AA5F17D-B47A-4297-B5BB-8C6B99E6C5DA}">
+      <dsp:nvSpPr>
+        <dsp:cNvPr id="0" name=""/>
+        <dsp:cNvSpPr/>
+      </dsp:nvSpPr>
+      <dsp:spPr>
+        <a:xfrm>
+          <a:off x="1836948" y="0"/>
+          <a:ext cx="2039194" cy="410198"/>
+        </a:xfrm>
+        <a:prstGeom prst="chevron">
+          <a:avLst/>
+        </a:prstGeom>
+        <a:solidFill>
+          <a:srgbClr val="FF0000"/>
+        </a:solidFill>
+        <a:ln w="15875" cap="rnd" cmpd="sng" algn="ctr">
+          <a:solidFill>
+            <a:schemeClr val="lt1">
+              <a:hueOff val="0"/>
+              <a:satOff val="0"/>
+              <a:lumOff val="0"/>
+              <a:alphaOff val="0"/>
+            </a:schemeClr>
+          </a:solidFill>
+          <a:prstDash val="solid"/>
+        </a:ln>
+        <a:effectLst/>
+      </dsp:spPr>
+      <dsp:style>
+        <a:lnRef idx="2">
+          <a:scrgbClr r="0" g="0" b="0"/>
+        </a:lnRef>
+        <a:fillRef idx="1">
+          <a:scrgbClr r="0" g="0" b="0"/>
+        </a:fillRef>
+        <a:effectRef idx="0">
+          <a:scrgbClr r="0" g="0" b="0"/>
+        </a:effectRef>
+        <a:fontRef idx="minor">
+          <a:schemeClr val="lt1"/>
+        </a:fontRef>
+      </dsp:style>
+      <dsp:txBody>
+        <a:bodyPr spcFirstLastPara="0" vert="horz" wrap="square" lIns="80010" tIns="26670" rIns="26670" bIns="26670" numCol="1" spcCol="1270" anchor="ctr" anchorCtr="0">
+          <a:noAutofit/>
+        </a:bodyPr>
+        <a:lstStyle/>
+        <a:p>
+          <a:pPr lvl="0" algn="ctr" defTabSz="889000">
+            <a:lnSpc>
+              <a:spcPct val="90000"/>
+            </a:lnSpc>
+            <a:spcBef>
+              <a:spcPct val="0"/>
+            </a:spcBef>
+            <a:spcAft>
+              <a:spcPct val="35000"/>
+            </a:spcAft>
+          </a:pPr>
+          <a:r>
+            <a:rPr lang="fr-FR" sz="2000" kern="1200" dirty="0" smtClean="0"/>
+            <a:t>Technique</a:t>
+          </a:r>
+          <a:endParaRPr lang="fr-FR" sz="2000" kern="1200" dirty="0"/>
+        </a:p>
+      </dsp:txBody>
+      <dsp:txXfrm>
+        <a:off x="2042047" y="0"/>
+        <a:ext cx="1628996" cy="410198"/>
+      </dsp:txXfrm>
+    </dsp:sp>
+    <dsp:sp modelId="{DF757741-D2C4-47CD-B81F-0494B81FB4EA}">
+      <dsp:nvSpPr>
+        <dsp:cNvPr id="0" name=""/>
+        <dsp:cNvSpPr/>
+      </dsp:nvSpPr>
+      <dsp:spPr>
+        <a:xfrm>
+          <a:off x="3672223" y="0"/>
+          <a:ext cx="2039194" cy="410198"/>
+        </a:xfrm>
+        <a:prstGeom prst="chevron">
+          <a:avLst/>
+        </a:prstGeom>
+        <a:solidFill>
+          <a:schemeClr val="accent1">
+            <a:hueOff val="0"/>
+            <a:satOff val="0"/>
+            <a:lumOff val="0"/>
+            <a:alphaOff val="0"/>
+          </a:schemeClr>
+        </a:solidFill>
+        <a:ln w="15875" cap="rnd" cmpd="sng" algn="ctr">
+          <a:solidFill>
+            <a:schemeClr val="lt1">
+              <a:hueOff val="0"/>
+              <a:satOff val="0"/>
+              <a:lumOff val="0"/>
+              <a:alphaOff val="0"/>
+            </a:schemeClr>
+          </a:solidFill>
+          <a:prstDash val="solid"/>
+        </a:ln>
+        <a:effectLst/>
+      </dsp:spPr>
+      <dsp:style>
+        <a:lnRef idx="2">
+          <a:scrgbClr r="0" g="0" b="0"/>
+        </a:lnRef>
+        <a:fillRef idx="1">
+          <a:scrgbClr r="0" g="0" b="0"/>
+        </a:fillRef>
+        <a:effectRef idx="0">
+          <a:scrgbClr r="0" g="0" b="0"/>
+        </a:effectRef>
+        <a:fontRef idx="minor">
+          <a:schemeClr val="lt1"/>
+        </a:fontRef>
+      </dsp:style>
+      <dsp:txBody>
+        <a:bodyPr spcFirstLastPara="0" vert="horz" wrap="square" lIns="80010" tIns="26670" rIns="26670" bIns="26670" numCol="1" spcCol="1270" anchor="ctr" anchorCtr="0">
+          <a:noAutofit/>
+        </a:bodyPr>
+        <a:lstStyle/>
+        <a:p>
+          <a:pPr lvl="0" algn="ctr" defTabSz="889000">
+            <a:lnSpc>
+              <a:spcPct val="90000"/>
+            </a:lnSpc>
+            <a:spcBef>
+              <a:spcPct val="0"/>
+            </a:spcBef>
+            <a:spcAft>
+              <a:spcPct val="35000"/>
+            </a:spcAft>
+          </a:pPr>
+          <a:r>
+            <a:rPr lang="fr-FR" sz="2000" kern="1200" dirty="0" smtClean="0"/>
+            <a:t>Bilan</a:t>
+          </a:r>
+          <a:endParaRPr lang="fr-FR" sz="2000" kern="1200" dirty="0"/>
+        </a:p>
+      </dsp:txBody>
+      <dsp:txXfrm>
+        <a:off x="3877322" y="0"/>
+        <a:ext cx="1628996" cy="410198"/>
+      </dsp:txXfrm>
+    </dsp:sp>
   </dsp:spTree>
 </dsp:drawing>
 </file>
@@ -8173,6 +10468,460 @@
       <dsp:cNvGrpSpPr/>
     </dsp:nvGrpSpPr>
     <dsp:grpSpPr/>
+    <dsp:sp modelId="{1F6056EB-C534-4970-B58E-AD722CC6900E}">
+      <dsp:nvSpPr>
+        <dsp:cNvPr id="0" name=""/>
+        <dsp:cNvSpPr/>
+      </dsp:nvSpPr>
+      <dsp:spPr>
+        <a:xfrm>
+          <a:off x="1673" y="0"/>
+          <a:ext cx="2039194" cy="410198"/>
+        </a:xfrm>
+        <a:prstGeom prst="chevron">
+          <a:avLst/>
+        </a:prstGeom>
+        <a:solidFill>
+          <a:schemeClr val="accent1"/>
+        </a:solidFill>
+        <a:ln w="15875" cap="rnd" cmpd="sng" algn="ctr">
+          <a:solidFill>
+            <a:schemeClr val="lt1">
+              <a:hueOff val="0"/>
+              <a:satOff val="0"/>
+              <a:lumOff val="0"/>
+              <a:alphaOff val="0"/>
+            </a:schemeClr>
+          </a:solidFill>
+          <a:prstDash val="solid"/>
+        </a:ln>
+        <a:effectLst/>
+      </dsp:spPr>
+      <dsp:style>
+        <a:lnRef idx="2">
+          <a:scrgbClr r="0" g="0" b="0"/>
+        </a:lnRef>
+        <a:fillRef idx="1">
+          <a:scrgbClr r="0" g="0" b="0"/>
+        </a:fillRef>
+        <a:effectRef idx="0">
+          <a:scrgbClr r="0" g="0" b="0"/>
+        </a:effectRef>
+        <a:fontRef idx="minor">
+          <a:schemeClr val="lt1"/>
+        </a:fontRef>
+      </dsp:style>
+      <dsp:txBody>
+        <a:bodyPr spcFirstLastPara="0" vert="horz" wrap="square" lIns="80010" tIns="26670" rIns="26670" bIns="26670" numCol="1" spcCol="1270" anchor="ctr" anchorCtr="0">
+          <a:noAutofit/>
+        </a:bodyPr>
+        <a:lstStyle/>
+        <a:p>
+          <a:pPr lvl="0" algn="ctr" defTabSz="889000">
+            <a:lnSpc>
+              <a:spcPct val="90000"/>
+            </a:lnSpc>
+            <a:spcBef>
+              <a:spcPct val="0"/>
+            </a:spcBef>
+            <a:spcAft>
+              <a:spcPct val="35000"/>
+            </a:spcAft>
+          </a:pPr>
+          <a:r>
+            <a:rPr lang="fr-FR" sz="2000" kern="1200" dirty="0" smtClean="0"/>
+            <a:t>Introduction</a:t>
+          </a:r>
+          <a:endParaRPr lang="fr-FR" sz="2000" kern="1200" dirty="0"/>
+        </a:p>
+      </dsp:txBody>
+      <dsp:txXfrm>
+        <a:off x="206772" y="0"/>
+        <a:ext cx="1628996" cy="410198"/>
+      </dsp:txXfrm>
+    </dsp:sp>
+    <dsp:sp modelId="{1AA5F17D-B47A-4297-B5BB-8C6B99E6C5DA}">
+      <dsp:nvSpPr>
+        <dsp:cNvPr id="0" name=""/>
+        <dsp:cNvSpPr/>
+      </dsp:nvSpPr>
+      <dsp:spPr>
+        <a:xfrm>
+          <a:off x="1836948" y="0"/>
+          <a:ext cx="2039194" cy="410198"/>
+        </a:xfrm>
+        <a:prstGeom prst="chevron">
+          <a:avLst/>
+        </a:prstGeom>
+        <a:solidFill>
+          <a:srgbClr val="FF0000"/>
+        </a:solidFill>
+        <a:ln w="15875" cap="rnd" cmpd="sng" algn="ctr">
+          <a:solidFill>
+            <a:schemeClr val="lt1">
+              <a:hueOff val="0"/>
+              <a:satOff val="0"/>
+              <a:lumOff val="0"/>
+              <a:alphaOff val="0"/>
+            </a:schemeClr>
+          </a:solidFill>
+          <a:prstDash val="solid"/>
+        </a:ln>
+        <a:effectLst/>
+      </dsp:spPr>
+      <dsp:style>
+        <a:lnRef idx="2">
+          <a:scrgbClr r="0" g="0" b="0"/>
+        </a:lnRef>
+        <a:fillRef idx="1">
+          <a:scrgbClr r="0" g="0" b="0"/>
+        </a:fillRef>
+        <a:effectRef idx="0">
+          <a:scrgbClr r="0" g="0" b="0"/>
+        </a:effectRef>
+        <a:fontRef idx="minor">
+          <a:schemeClr val="lt1"/>
+        </a:fontRef>
+      </dsp:style>
+      <dsp:txBody>
+        <a:bodyPr spcFirstLastPara="0" vert="horz" wrap="square" lIns="80010" tIns="26670" rIns="26670" bIns="26670" numCol="1" spcCol="1270" anchor="ctr" anchorCtr="0">
+          <a:noAutofit/>
+        </a:bodyPr>
+        <a:lstStyle/>
+        <a:p>
+          <a:pPr lvl="0" algn="ctr" defTabSz="889000">
+            <a:lnSpc>
+              <a:spcPct val="90000"/>
+            </a:lnSpc>
+            <a:spcBef>
+              <a:spcPct val="0"/>
+            </a:spcBef>
+            <a:spcAft>
+              <a:spcPct val="35000"/>
+            </a:spcAft>
+          </a:pPr>
+          <a:r>
+            <a:rPr lang="fr-FR" sz="2000" kern="1200" dirty="0" smtClean="0"/>
+            <a:t>Technique</a:t>
+          </a:r>
+          <a:endParaRPr lang="fr-FR" sz="2000" kern="1200" dirty="0"/>
+        </a:p>
+      </dsp:txBody>
+      <dsp:txXfrm>
+        <a:off x="2042047" y="0"/>
+        <a:ext cx="1628996" cy="410198"/>
+      </dsp:txXfrm>
+    </dsp:sp>
+    <dsp:sp modelId="{DF757741-D2C4-47CD-B81F-0494B81FB4EA}">
+      <dsp:nvSpPr>
+        <dsp:cNvPr id="0" name=""/>
+        <dsp:cNvSpPr/>
+      </dsp:nvSpPr>
+      <dsp:spPr>
+        <a:xfrm>
+          <a:off x="3672223" y="0"/>
+          <a:ext cx="2039194" cy="410198"/>
+        </a:xfrm>
+        <a:prstGeom prst="chevron">
+          <a:avLst/>
+        </a:prstGeom>
+        <a:solidFill>
+          <a:schemeClr val="accent1">
+            <a:hueOff val="0"/>
+            <a:satOff val="0"/>
+            <a:lumOff val="0"/>
+            <a:alphaOff val="0"/>
+          </a:schemeClr>
+        </a:solidFill>
+        <a:ln w="15875" cap="rnd" cmpd="sng" algn="ctr">
+          <a:solidFill>
+            <a:schemeClr val="lt1">
+              <a:hueOff val="0"/>
+              <a:satOff val="0"/>
+              <a:lumOff val="0"/>
+              <a:alphaOff val="0"/>
+            </a:schemeClr>
+          </a:solidFill>
+          <a:prstDash val="solid"/>
+        </a:ln>
+        <a:effectLst/>
+      </dsp:spPr>
+      <dsp:style>
+        <a:lnRef idx="2">
+          <a:scrgbClr r="0" g="0" b="0"/>
+        </a:lnRef>
+        <a:fillRef idx="1">
+          <a:scrgbClr r="0" g="0" b="0"/>
+        </a:fillRef>
+        <a:effectRef idx="0">
+          <a:scrgbClr r="0" g="0" b="0"/>
+        </a:effectRef>
+        <a:fontRef idx="minor">
+          <a:schemeClr val="lt1"/>
+        </a:fontRef>
+      </dsp:style>
+      <dsp:txBody>
+        <a:bodyPr spcFirstLastPara="0" vert="horz" wrap="square" lIns="80010" tIns="26670" rIns="26670" bIns="26670" numCol="1" spcCol="1270" anchor="ctr" anchorCtr="0">
+          <a:noAutofit/>
+        </a:bodyPr>
+        <a:lstStyle/>
+        <a:p>
+          <a:pPr lvl="0" algn="ctr" defTabSz="889000">
+            <a:lnSpc>
+              <a:spcPct val="90000"/>
+            </a:lnSpc>
+            <a:spcBef>
+              <a:spcPct val="0"/>
+            </a:spcBef>
+            <a:spcAft>
+              <a:spcPct val="35000"/>
+            </a:spcAft>
+          </a:pPr>
+          <a:r>
+            <a:rPr lang="fr-FR" sz="2000" kern="1200" dirty="0" smtClean="0"/>
+            <a:t>Bilan</a:t>
+          </a:r>
+          <a:endParaRPr lang="fr-FR" sz="2000" kern="1200" dirty="0"/>
+        </a:p>
+      </dsp:txBody>
+      <dsp:txXfrm>
+        <a:off x="3877322" y="0"/>
+        <a:ext cx="1628996" cy="410198"/>
+      </dsp:txXfrm>
+    </dsp:sp>
+  </dsp:spTree>
+</dsp:drawing>
+</file>
+
+<file path=ppt/diagrams/drawing9.xml><?xml version="1.0" encoding="utf-8"?>
+<dsp:drawing xmlns:dgm="http://schemas.openxmlformats.org/drawingml/2006/diagram" xmlns:dsp="http://schemas.microsoft.com/office/drawing/2008/diagram" xmlns:a="http://schemas.openxmlformats.org/drawingml/2006/main">
+  <dsp:spTree>
+    <dsp:nvGrpSpPr>
+      <dsp:cNvPr id="0" name=""/>
+      <dsp:cNvGrpSpPr/>
+    </dsp:nvGrpSpPr>
+    <dsp:grpSpPr/>
+    <dsp:sp modelId="{1F6056EB-C534-4970-B58E-AD722CC6900E}">
+      <dsp:nvSpPr>
+        <dsp:cNvPr id="0" name=""/>
+        <dsp:cNvSpPr/>
+      </dsp:nvSpPr>
+      <dsp:spPr>
+        <a:xfrm>
+          <a:off x="1673" y="0"/>
+          <a:ext cx="2039194" cy="410198"/>
+        </a:xfrm>
+        <a:prstGeom prst="chevron">
+          <a:avLst/>
+        </a:prstGeom>
+        <a:solidFill>
+          <a:schemeClr val="accent1"/>
+        </a:solidFill>
+        <a:ln w="15875" cap="rnd" cmpd="sng" algn="ctr">
+          <a:solidFill>
+            <a:schemeClr val="lt1">
+              <a:hueOff val="0"/>
+              <a:satOff val="0"/>
+              <a:lumOff val="0"/>
+              <a:alphaOff val="0"/>
+            </a:schemeClr>
+          </a:solidFill>
+          <a:prstDash val="solid"/>
+        </a:ln>
+        <a:effectLst/>
+      </dsp:spPr>
+      <dsp:style>
+        <a:lnRef idx="2">
+          <a:scrgbClr r="0" g="0" b="0"/>
+        </a:lnRef>
+        <a:fillRef idx="1">
+          <a:scrgbClr r="0" g="0" b="0"/>
+        </a:fillRef>
+        <a:effectRef idx="0">
+          <a:scrgbClr r="0" g="0" b="0"/>
+        </a:effectRef>
+        <a:fontRef idx="minor">
+          <a:schemeClr val="lt1"/>
+        </a:fontRef>
+      </dsp:style>
+      <dsp:txBody>
+        <a:bodyPr spcFirstLastPara="0" vert="horz" wrap="square" lIns="80010" tIns="26670" rIns="26670" bIns="26670" numCol="1" spcCol="1270" anchor="ctr" anchorCtr="0">
+          <a:noAutofit/>
+        </a:bodyPr>
+        <a:lstStyle/>
+        <a:p>
+          <a:pPr lvl="0" algn="ctr" defTabSz="889000">
+            <a:lnSpc>
+              <a:spcPct val="90000"/>
+            </a:lnSpc>
+            <a:spcBef>
+              <a:spcPct val="0"/>
+            </a:spcBef>
+            <a:spcAft>
+              <a:spcPct val="35000"/>
+            </a:spcAft>
+          </a:pPr>
+          <a:r>
+            <a:rPr lang="fr-FR" sz="2000" kern="1200" dirty="0" smtClean="0"/>
+            <a:t>Introduction</a:t>
+          </a:r>
+          <a:endParaRPr lang="fr-FR" sz="2000" kern="1200" dirty="0"/>
+        </a:p>
+      </dsp:txBody>
+      <dsp:txXfrm>
+        <a:off x="206772" y="0"/>
+        <a:ext cx="1628996" cy="410198"/>
+      </dsp:txXfrm>
+    </dsp:sp>
+    <dsp:sp modelId="{1AA5F17D-B47A-4297-B5BB-8C6B99E6C5DA}">
+      <dsp:nvSpPr>
+        <dsp:cNvPr id="0" name=""/>
+        <dsp:cNvSpPr/>
+      </dsp:nvSpPr>
+      <dsp:spPr>
+        <a:xfrm>
+          <a:off x="1836948" y="0"/>
+          <a:ext cx="2039194" cy="410198"/>
+        </a:xfrm>
+        <a:prstGeom prst="chevron">
+          <a:avLst/>
+        </a:prstGeom>
+        <a:solidFill>
+          <a:srgbClr val="FF0000"/>
+        </a:solidFill>
+        <a:ln w="15875" cap="rnd" cmpd="sng" algn="ctr">
+          <a:solidFill>
+            <a:schemeClr val="lt1">
+              <a:hueOff val="0"/>
+              <a:satOff val="0"/>
+              <a:lumOff val="0"/>
+              <a:alphaOff val="0"/>
+            </a:schemeClr>
+          </a:solidFill>
+          <a:prstDash val="solid"/>
+        </a:ln>
+        <a:effectLst/>
+      </dsp:spPr>
+      <dsp:style>
+        <a:lnRef idx="2">
+          <a:scrgbClr r="0" g="0" b="0"/>
+        </a:lnRef>
+        <a:fillRef idx="1">
+          <a:scrgbClr r="0" g="0" b="0"/>
+        </a:fillRef>
+        <a:effectRef idx="0">
+          <a:scrgbClr r="0" g="0" b="0"/>
+        </a:effectRef>
+        <a:fontRef idx="minor">
+          <a:schemeClr val="lt1"/>
+        </a:fontRef>
+      </dsp:style>
+      <dsp:txBody>
+        <a:bodyPr spcFirstLastPara="0" vert="horz" wrap="square" lIns="80010" tIns="26670" rIns="26670" bIns="26670" numCol="1" spcCol="1270" anchor="ctr" anchorCtr="0">
+          <a:noAutofit/>
+        </a:bodyPr>
+        <a:lstStyle/>
+        <a:p>
+          <a:pPr lvl="0" algn="ctr" defTabSz="889000">
+            <a:lnSpc>
+              <a:spcPct val="90000"/>
+            </a:lnSpc>
+            <a:spcBef>
+              <a:spcPct val="0"/>
+            </a:spcBef>
+            <a:spcAft>
+              <a:spcPct val="35000"/>
+            </a:spcAft>
+          </a:pPr>
+          <a:r>
+            <a:rPr lang="fr-FR" sz="2000" kern="1200" dirty="0" smtClean="0"/>
+            <a:t>Technique</a:t>
+          </a:r>
+          <a:endParaRPr lang="fr-FR" sz="2000" kern="1200" dirty="0"/>
+        </a:p>
+      </dsp:txBody>
+      <dsp:txXfrm>
+        <a:off x="2042047" y="0"/>
+        <a:ext cx="1628996" cy="410198"/>
+      </dsp:txXfrm>
+    </dsp:sp>
+    <dsp:sp modelId="{DF757741-D2C4-47CD-B81F-0494B81FB4EA}">
+      <dsp:nvSpPr>
+        <dsp:cNvPr id="0" name=""/>
+        <dsp:cNvSpPr/>
+      </dsp:nvSpPr>
+      <dsp:spPr>
+        <a:xfrm>
+          <a:off x="3672223" y="0"/>
+          <a:ext cx="2039194" cy="410198"/>
+        </a:xfrm>
+        <a:prstGeom prst="chevron">
+          <a:avLst/>
+        </a:prstGeom>
+        <a:solidFill>
+          <a:schemeClr val="accent1">
+            <a:hueOff val="0"/>
+            <a:satOff val="0"/>
+            <a:lumOff val="0"/>
+            <a:alphaOff val="0"/>
+          </a:schemeClr>
+        </a:solidFill>
+        <a:ln w="15875" cap="rnd" cmpd="sng" algn="ctr">
+          <a:solidFill>
+            <a:schemeClr val="lt1">
+              <a:hueOff val="0"/>
+              <a:satOff val="0"/>
+              <a:lumOff val="0"/>
+              <a:alphaOff val="0"/>
+            </a:schemeClr>
+          </a:solidFill>
+          <a:prstDash val="solid"/>
+        </a:ln>
+        <a:effectLst/>
+      </dsp:spPr>
+      <dsp:style>
+        <a:lnRef idx="2">
+          <a:scrgbClr r="0" g="0" b="0"/>
+        </a:lnRef>
+        <a:fillRef idx="1">
+          <a:scrgbClr r="0" g="0" b="0"/>
+        </a:fillRef>
+        <a:effectRef idx="0">
+          <a:scrgbClr r="0" g="0" b="0"/>
+        </a:effectRef>
+        <a:fontRef idx="minor">
+          <a:schemeClr val="lt1"/>
+        </a:fontRef>
+      </dsp:style>
+      <dsp:txBody>
+        <a:bodyPr spcFirstLastPara="0" vert="horz" wrap="square" lIns="80010" tIns="26670" rIns="26670" bIns="26670" numCol="1" spcCol="1270" anchor="ctr" anchorCtr="0">
+          <a:noAutofit/>
+        </a:bodyPr>
+        <a:lstStyle/>
+        <a:p>
+          <a:pPr lvl="0" algn="ctr" defTabSz="889000">
+            <a:lnSpc>
+              <a:spcPct val="90000"/>
+            </a:lnSpc>
+            <a:spcBef>
+              <a:spcPct val="0"/>
+            </a:spcBef>
+            <a:spcAft>
+              <a:spcPct val="35000"/>
+            </a:spcAft>
+          </a:pPr>
+          <a:r>
+            <a:rPr lang="fr-FR" sz="2000" kern="1200" dirty="0" smtClean="0"/>
+            <a:t>Bilan</a:t>
+          </a:r>
+          <a:endParaRPr lang="fr-FR" sz="2000" kern="1200" dirty="0"/>
+        </a:p>
+      </dsp:txBody>
+      <dsp:txXfrm>
+        <a:off x="3877322" y="0"/>
+        <a:ext cx="1628996" cy="410198"/>
+      </dsp:txXfrm>
+    </dsp:sp>
   </dsp:spTree>
 </dsp:drawing>
 </file>
@@ -10441,6 +13190,289 @@
 </dgm:layoutDef>
 </file>
 
+<file path=ppt/diagrams/layout9.xml><?xml version="1.0" encoding="utf-8"?>
+<dgm:layoutDef xmlns:dgm="http://schemas.openxmlformats.org/drawingml/2006/diagram" xmlns:a="http://schemas.openxmlformats.org/drawingml/2006/main" uniqueId="urn:microsoft.com/office/officeart/2005/8/layout/chevron1">
+  <dgm:title val=""/>
+  <dgm:desc val=""/>
+  <dgm:catLst>
+    <dgm:cat type="process" pri="9000"/>
+  </dgm:catLst>
+  <dgm:sampData useDef="1">
+    <dgm:dataModel>
+      <dgm:ptLst/>
+      <dgm:bg/>
+      <dgm:whole/>
+    </dgm:dataModel>
+  </dgm:sampData>
+  <dgm:styleData>
+    <dgm:dataModel>
+      <dgm:ptLst>
+        <dgm:pt modelId="0" type="doc"/>
+        <dgm:pt modelId="1"/>
+        <dgm:pt modelId="2"/>
+      </dgm:ptLst>
+      <dgm:cxnLst>
+        <dgm:cxn modelId="3" srcId="0" destId="1" srcOrd="0" destOrd="0"/>
+        <dgm:cxn modelId="4" srcId="0" destId="2" srcOrd="1" destOrd="0"/>
+      </dgm:cxnLst>
+      <dgm:bg/>
+      <dgm:whole/>
+    </dgm:dataModel>
+  </dgm:styleData>
+  <dgm:clrData>
+    <dgm:dataModel>
+      <dgm:ptLst>
+        <dgm:pt modelId="0" type="doc"/>
+        <dgm:pt modelId="1"/>
+        <dgm:pt modelId="2"/>
+        <dgm:pt modelId="3"/>
+        <dgm:pt modelId="4"/>
+      </dgm:ptLst>
+      <dgm:cxnLst>
+        <dgm:cxn modelId="5" srcId="0" destId="1" srcOrd="0" destOrd="0"/>
+        <dgm:cxn modelId="6" srcId="0" destId="2" srcOrd="1" destOrd="0"/>
+        <dgm:cxn modelId="7" srcId="0" destId="3" srcOrd="2" destOrd="0"/>
+        <dgm:cxn modelId="8" srcId="0" destId="4" srcOrd="3" destOrd="0"/>
+      </dgm:cxnLst>
+      <dgm:bg/>
+      <dgm:whole/>
+    </dgm:dataModel>
+  </dgm:clrData>
+  <dgm:layoutNode name="Name0">
+    <dgm:varLst>
+      <dgm:dir/>
+      <dgm:animLvl val="lvl"/>
+      <dgm:resizeHandles val="exact"/>
+    </dgm:varLst>
+    <dgm:choose name="Name1">
+      <dgm:if name="Name2" func="var" arg="dir" op="equ" val="norm">
+        <dgm:alg type="lin"/>
+      </dgm:if>
+      <dgm:else name="Name3">
+        <dgm:alg type="lin">
+          <dgm:param type="linDir" val="fromR"/>
+        </dgm:alg>
+      </dgm:else>
+    </dgm:choose>
+    <dgm:shape xmlns:r="http://schemas.openxmlformats.org/officeDocument/2006/relationships" r:blip="">
+      <dgm:adjLst/>
+    </dgm:shape>
+    <dgm:presOf/>
+    <dgm:choose name="Name4">
+      <dgm:if name="Name5" axis="des" func="maxDepth" op="gte" val="2">
+        <dgm:constrLst>
+          <dgm:constr type="h" for="ch" forName="composite" refType="h"/>
+          <dgm:constr type="w" for="ch" forName="composite" refType="w"/>
+          <dgm:constr type="w" for="des" forName="parTx"/>
+          <dgm:constr type="h" for="des" forName="parTx" op="equ"/>
+          <dgm:constr type="w" for="des" forName="desTx"/>
+          <dgm:constr type="h" for="des" forName="desTx" op="equ"/>
+          <dgm:constr type="primFontSz" for="des" forName="parTx" val="65"/>
+          <dgm:constr type="secFontSz" for="des" forName="desTx" refType="primFontSz" refFor="des" refForName="parTx" op="equ"/>
+          <dgm:constr type="h" for="des" forName="parTx" refType="primFontSz" refFor="des" refForName="parTx" fact="1.5"/>
+          <dgm:constr type="h" for="des" forName="desTx" refType="primFontSz" refFor="des" refForName="parTx" fact="0.5"/>
+          <dgm:constr type="w" for="ch" forName="space" op="equ" val="-6"/>
+        </dgm:constrLst>
+        <dgm:ruleLst>
+          <dgm:rule type="w" for="ch" forName="composite" val="0" fact="NaN" max="NaN"/>
+          <dgm:rule type="primFontSz" for="des" forName="parTx" val="5" fact="NaN" max="NaN"/>
+        </dgm:ruleLst>
+        <dgm:forEach name="Name6" axis="ch" ptType="node">
+          <dgm:layoutNode name="composite">
+            <dgm:alg type="composite"/>
+            <dgm:shape xmlns:r="http://schemas.openxmlformats.org/officeDocument/2006/relationships" r:blip="">
+              <dgm:adjLst/>
+            </dgm:shape>
+            <dgm:presOf/>
+            <dgm:choose name="Name7">
+              <dgm:if name="Name8" func="var" arg="dir" op="equ" val="norm">
+                <dgm:constrLst>
+                  <dgm:constr type="l" for="ch" forName="parTx"/>
+                  <dgm:constr type="w" for="ch" forName="parTx" refType="w"/>
+                  <dgm:constr type="t" for="ch" forName="parTx"/>
+                  <dgm:constr type="l" for="ch" forName="desTx"/>
+                  <dgm:constr type="w" for="ch" forName="desTx" refType="w" refFor="ch" refForName="parTx" fact="0.8"/>
+                  <dgm:constr type="t" for="ch" forName="desTx" refType="h" refFor="ch" refForName="parTx" fact="1.125"/>
+                </dgm:constrLst>
+              </dgm:if>
+              <dgm:else name="Name9">
+                <dgm:constrLst>
+                  <dgm:constr type="l" for="ch" forName="parTx"/>
+                  <dgm:constr type="w" for="ch" forName="parTx" refType="w"/>
+                  <dgm:constr type="t" for="ch" forName="parTx"/>
+                  <dgm:constr type="l" for="ch" forName="desTx" refType="w" fact="0.2"/>
+                  <dgm:constr type="w" for="ch" forName="desTx" refType="w" refFor="ch" refForName="parTx" fact="0.8"/>
+                  <dgm:constr type="t" for="ch" forName="desTx" refType="h" refFor="ch" refForName="parTx" fact="1.125"/>
+                </dgm:constrLst>
+              </dgm:else>
+            </dgm:choose>
+            <dgm:ruleLst>
+              <dgm:rule type="h" val="INF" fact="NaN" max="NaN"/>
+            </dgm:ruleLst>
+            <dgm:layoutNode name="parTx">
+              <dgm:varLst>
+                <dgm:chMax val="0"/>
+                <dgm:chPref val="0"/>
+                <dgm:bulletEnabled val="1"/>
+              </dgm:varLst>
+              <dgm:alg type="tx"/>
+              <dgm:choose name="Name10">
+                <dgm:if name="Name11" func="var" arg="dir" op="equ" val="norm">
+                  <dgm:shape xmlns:r="http://schemas.openxmlformats.org/officeDocument/2006/relationships" type="chevron" r:blip="">
+                    <dgm:adjLst/>
+                  </dgm:shape>
+                </dgm:if>
+                <dgm:else name="Name12">
+                  <dgm:shape xmlns:r="http://schemas.openxmlformats.org/officeDocument/2006/relationships" rot="180" type="chevron" r:blip="">
+                    <dgm:adjLst/>
+                  </dgm:shape>
+                </dgm:else>
+              </dgm:choose>
+              <dgm:presOf axis="self" ptType="node"/>
+              <dgm:choose name="Name13">
+                <dgm:if name="Name14" func="var" arg="dir" op="equ" val="norm">
+                  <dgm:constrLst>
+                    <dgm:constr type="h" refType="w" op="lte" fact="0.4"/>
+                    <dgm:constr type="h"/>
+                    <dgm:constr type="tMarg" refType="primFontSz" fact="0.105"/>
+                    <dgm:constr type="bMarg" refType="primFontSz" fact="0.105"/>
+                    <dgm:constr type="lMarg" refType="primFontSz" fact="0.315"/>
+                    <dgm:constr type="rMarg" refType="primFontSz" fact="0.105"/>
+                  </dgm:constrLst>
+                </dgm:if>
+                <dgm:else name="Name15">
+                  <dgm:constrLst>
+                    <dgm:constr type="h" refType="w" op="lte" fact="0.4"/>
+                    <dgm:constr type="h"/>
+                    <dgm:constr type="tMarg" refType="primFontSz" fact="0.105"/>
+                    <dgm:constr type="bMarg" refType="primFontSz" fact="0.105"/>
+                    <dgm:constr type="lMarg" refType="primFontSz" fact="0.105"/>
+                    <dgm:constr type="rMarg" refType="primFontSz" fact="0.315"/>
+                  </dgm:constrLst>
+                </dgm:else>
+              </dgm:choose>
+              <dgm:ruleLst>
+                <dgm:rule type="h" val="INF" fact="NaN" max="NaN"/>
+              </dgm:ruleLst>
+            </dgm:layoutNode>
+            <dgm:layoutNode name="desTx" styleLbl="revTx">
+              <dgm:varLst>
+                <dgm:bulletEnabled val="1"/>
+              </dgm:varLst>
+              <dgm:alg type="tx">
+                <dgm:param type="stBulletLvl" val="1"/>
+              </dgm:alg>
+              <dgm:choose name="Name16">
+                <dgm:if name="Name17" axis="ch" ptType="node" func="cnt" op="gte" val="1">
+                  <dgm:shape xmlns:r="http://schemas.openxmlformats.org/officeDocument/2006/relationships" type="rect" r:blip="">
+                    <dgm:adjLst/>
+                  </dgm:shape>
+                </dgm:if>
+                <dgm:else name="Name18">
+                  <dgm:shape xmlns:r="http://schemas.openxmlformats.org/officeDocument/2006/relationships" type="rect" r:blip="" hideGeom="1">
+                    <dgm:adjLst/>
+                  </dgm:shape>
+                </dgm:else>
+              </dgm:choose>
+              <dgm:presOf axis="des" ptType="node"/>
+              <dgm:constrLst>
+                <dgm:constr type="secFontSz" val="65"/>
+                <dgm:constr type="primFontSz" refType="secFontSz"/>
+                <dgm:constr type="h"/>
+                <dgm:constr type="tMarg"/>
+                <dgm:constr type="bMarg"/>
+                <dgm:constr type="rMarg"/>
+                <dgm:constr type="lMarg"/>
+              </dgm:constrLst>
+              <dgm:ruleLst>
+                <dgm:rule type="h" val="INF" fact="NaN" max="NaN"/>
+              </dgm:ruleLst>
+            </dgm:layoutNode>
+          </dgm:layoutNode>
+          <dgm:forEach name="Name19" axis="followSib" ptType="sibTrans" cnt="1">
+            <dgm:layoutNode name="space">
+              <dgm:alg type="sp"/>
+              <dgm:shape xmlns:r="http://schemas.openxmlformats.org/officeDocument/2006/relationships" r:blip="">
+                <dgm:adjLst/>
+              </dgm:shape>
+              <dgm:presOf/>
+              <dgm:constrLst/>
+              <dgm:ruleLst/>
+            </dgm:layoutNode>
+          </dgm:forEach>
+        </dgm:forEach>
+      </dgm:if>
+      <dgm:else name="Name20">
+        <dgm:constrLst>
+          <dgm:constr type="w" for="ch" forName="parTxOnly" refType="w"/>
+          <dgm:constr type="h" for="des" forName="parTxOnly" op="equ"/>
+          <dgm:constr type="primFontSz" for="des" forName="parTxOnly" op="equ" val="65"/>
+          <dgm:constr type="w" for="ch" forName="parTxOnlySpace" refType="w" refFor="ch" refForName="parTxOnly" fact="-0.1"/>
+        </dgm:constrLst>
+        <dgm:ruleLst/>
+        <dgm:forEach name="Name21" axis="ch" ptType="node">
+          <dgm:layoutNode name="parTxOnly">
+            <dgm:varLst>
+              <dgm:chMax val="0"/>
+              <dgm:chPref val="0"/>
+              <dgm:bulletEnabled val="1"/>
+            </dgm:varLst>
+            <dgm:alg type="tx"/>
+            <dgm:choose name="Name22">
+              <dgm:if name="Name23" func="var" arg="dir" op="equ" val="norm">
+                <dgm:shape xmlns:r="http://schemas.openxmlformats.org/officeDocument/2006/relationships" type="chevron" r:blip="">
+                  <dgm:adjLst/>
+                </dgm:shape>
+              </dgm:if>
+              <dgm:else name="Name24">
+                <dgm:shape xmlns:r="http://schemas.openxmlformats.org/officeDocument/2006/relationships" rot="180" type="chevron" r:blip="">
+                  <dgm:adjLst/>
+                </dgm:shape>
+              </dgm:else>
+            </dgm:choose>
+            <dgm:presOf axis="self" ptType="node"/>
+            <dgm:choose name="Name25">
+              <dgm:if name="Name26" func="var" arg="dir" op="equ" val="norm">
+                <dgm:constrLst>
+                  <dgm:constr type="h" refType="w" op="equ" fact="0.4"/>
+                  <dgm:constr type="tMarg" refType="primFontSz" fact="0.105"/>
+                  <dgm:constr type="bMarg" refType="primFontSz" fact="0.105"/>
+                  <dgm:constr type="lMarg" refType="primFontSz" fact="0.315"/>
+                  <dgm:constr type="rMarg" refType="primFontSz" fact="0.105"/>
+                </dgm:constrLst>
+              </dgm:if>
+              <dgm:else name="Name27">
+                <dgm:constrLst>
+                  <dgm:constr type="h" refType="w" op="equ" fact="0.4"/>
+                  <dgm:constr type="tMarg" refType="primFontSz" fact="0.105"/>
+                  <dgm:constr type="bMarg" refType="primFontSz" fact="0.105"/>
+                  <dgm:constr type="lMarg" refType="primFontSz" fact="0.105"/>
+                  <dgm:constr type="rMarg" refType="primFontSz" fact="0.315"/>
+                </dgm:constrLst>
+              </dgm:else>
+            </dgm:choose>
+            <dgm:ruleLst>
+              <dgm:rule type="primFontSz" val="5" fact="NaN" max="NaN"/>
+            </dgm:ruleLst>
+          </dgm:layoutNode>
+          <dgm:forEach name="Name28" axis="followSib" ptType="sibTrans" cnt="1">
+            <dgm:layoutNode name="parTxOnlySpace">
+              <dgm:alg type="sp"/>
+              <dgm:shape xmlns:r="http://schemas.openxmlformats.org/officeDocument/2006/relationships" r:blip="">
+                <dgm:adjLst/>
+              </dgm:shape>
+              <dgm:presOf/>
+              <dgm:constrLst/>
+              <dgm:ruleLst/>
+            </dgm:layoutNode>
+          </dgm:forEach>
+        </dgm:forEach>
+      </dgm:else>
+    </dgm:choose>
+  </dgm:layoutNode>
+</dgm:layoutDef>
+</file>
+
 <file path=ppt/diagrams/quickStyle1.xml><?xml version="1.0" encoding="utf-8"?>
 <dgm:styleDef xmlns:dgm="http://schemas.openxmlformats.org/drawingml/2006/diagram" xmlns:a="http://schemas.openxmlformats.org/drawingml/2006/main" uniqueId="urn:microsoft.com/office/officeart/2005/8/quickstyle/simple1">
   <dgm:title val=""/>
@@ -17680,6 +20712,1040 @@
 </file>
 
 <file path=ppt/diagrams/quickStyle8.xml><?xml version="1.0" encoding="utf-8"?>
+<dgm:styleDef xmlns:dgm="http://schemas.openxmlformats.org/drawingml/2006/diagram" xmlns:a="http://schemas.openxmlformats.org/drawingml/2006/main" uniqueId="urn:microsoft.com/office/officeart/2005/8/quickstyle/simple1">
+  <dgm:title val=""/>
+  <dgm:desc val=""/>
+  <dgm:catLst>
+    <dgm:cat type="simple" pri="10100"/>
+  </dgm:catLst>
+  <dgm:scene3d>
+    <a:camera prst="orthographicFront"/>
+    <a:lightRig rig="threePt" dir="t"/>
+  </dgm:scene3d>
+  <dgm:styleLbl name="node0">
+    <dgm:scene3d>
+      <a:camera prst="orthographicFront"/>
+      <a:lightRig rig="threePt" dir="t"/>
+    </dgm:scene3d>
+    <dgm:sp3d/>
+    <dgm:txPr/>
+    <dgm:style>
+      <a:lnRef idx="2">
+        <a:scrgbClr r="0" g="0" b="0"/>
+      </a:lnRef>
+      <a:fillRef idx="1">
+        <a:scrgbClr r="0" g="0" b="0"/>
+      </a:fillRef>
+      <a:effectRef idx="0">
+        <a:scrgbClr r="0" g="0" b="0"/>
+      </a:effectRef>
+      <a:fontRef idx="minor">
+        <a:schemeClr val="lt1"/>
+      </a:fontRef>
+    </dgm:style>
+  </dgm:styleLbl>
+  <dgm:styleLbl name="lnNode1">
+    <dgm:scene3d>
+      <a:camera prst="orthographicFront"/>
+      <a:lightRig rig="threePt" dir="t"/>
+    </dgm:scene3d>
+    <dgm:sp3d/>
+    <dgm:txPr/>
+    <dgm:style>
+      <a:lnRef idx="2">
+        <a:scrgbClr r="0" g="0" b="0"/>
+      </a:lnRef>
+      <a:fillRef idx="1">
+        <a:scrgbClr r="0" g="0" b="0"/>
+      </a:fillRef>
+      <a:effectRef idx="0">
+        <a:scrgbClr r="0" g="0" b="0"/>
+      </a:effectRef>
+      <a:fontRef idx="minor">
+        <a:schemeClr val="lt1"/>
+      </a:fontRef>
+    </dgm:style>
+  </dgm:styleLbl>
+  <dgm:styleLbl name="vennNode1">
+    <dgm:scene3d>
+      <a:camera prst="orthographicFront"/>
+      <a:lightRig rig="threePt" dir="t"/>
+    </dgm:scene3d>
+    <dgm:sp3d/>
+    <dgm:txPr/>
+    <dgm:style>
+      <a:lnRef idx="2">
+        <a:scrgbClr r="0" g="0" b="0"/>
+      </a:lnRef>
+      <a:fillRef idx="1">
+        <a:scrgbClr r="0" g="0" b="0"/>
+      </a:fillRef>
+      <a:effectRef idx="0">
+        <a:scrgbClr r="0" g="0" b="0"/>
+      </a:effectRef>
+      <a:fontRef idx="minor">
+        <a:schemeClr val="tx1"/>
+      </a:fontRef>
+    </dgm:style>
+  </dgm:styleLbl>
+  <dgm:styleLbl name="alignNode1">
+    <dgm:scene3d>
+      <a:camera prst="orthographicFront"/>
+      <a:lightRig rig="threePt" dir="t"/>
+    </dgm:scene3d>
+    <dgm:sp3d/>
+    <dgm:txPr/>
+    <dgm:style>
+      <a:lnRef idx="2">
+        <a:scrgbClr r="0" g="0" b="0"/>
+      </a:lnRef>
+      <a:fillRef idx="1">
+        <a:scrgbClr r="0" g="0" b="0"/>
+      </a:fillRef>
+      <a:effectRef idx="0">
+        <a:scrgbClr r="0" g="0" b="0"/>
+      </a:effectRef>
+      <a:fontRef idx="minor">
+        <a:schemeClr val="lt1"/>
+      </a:fontRef>
+    </dgm:style>
+  </dgm:styleLbl>
+  <dgm:styleLbl name="node1">
+    <dgm:scene3d>
+      <a:camera prst="orthographicFront"/>
+      <a:lightRig rig="threePt" dir="t"/>
+    </dgm:scene3d>
+    <dgm:sp3d/>
+    <dgm:txPr/>
+    <dgm:style>
+      <a:lnRef idx="2">
+        <a:scrgbClr r="0" g="0" b="0"/>
+      </a:lnRef>
+      <a:fillRef idx="1">
+        <a:scrgbClr r="0" g="0" b="0"/>
+      </a:fillRef>
+      <a:effectRef idx="0">
+        <a:scrgbClr r="0" g="0" b="0"/>
+      </a:effectRef>
+      <a:fontRef idx="minor">
+        <a:schemeClr val="lt1"/>
+      </a:fontRef>
+    </dgm:style>
+  </dgm:styleLbl>
+  <dgm:styleLbl name="node2">
+    <dgm:scene3d>
+      <a:camera prst="orthographicFront"/>
+      <a:lightRig rig="threePt" dir="t"/>
+    </dgm:scene3d>
+    <dgm:sp3d/>
+    <dgm:txPr/>
+    <dgm:style>
+      <a:lnRef idx="2">
+        <a:scrgbClr r="0" g="0" b="0"/>
+      </a:lnRef>
+      <a:fillRef idx="1">
+        <a:scrgbClr r="0" g="0" b="0"/>
+      </a:fillRef>
+      <a:effectRef idx="0">
+        <a:scrgbClr r="0" g="0" b="0"/>
+      </a:effectRef>
+      <a:fontRef idx="minor">
+        <a:schemeClr val="lt1"/>
+      </a:fontRef>
+    </dgm:style>
+  </dgm:styleLbl>
+  <dgm:styleLbl name="node3">
+    <dgm:scene3d>
+      <a:camera prst="orthographicFront"/>
+      <a:lightRig rig="threePt" dir="t"/>
+    </dgm:scene3d>
+    <dgm:sp3d/>
+    <dgm:txPr/>
+    <dgm:style>
+      <a:lnRef idx="2">
+        <a:scrgbClr r="0" g="0" b="0"/>
+      </a:lnRef>
+      <a:fillRef idx="1">
+        <a:scrgbClr r="0" g="0" b="0"/>
+      </a:fillRef>
+      <a:effectRef idx="0">
+        <a:scrgbClr r="0" g="0" b="0"/>
+      </a:effectRef>
+      <a:fontRef idx="minor">
+        <a:schemeClr val="lt1"/>
+      </a:fontRef>
+    </dgm:style>
+  </dgm:styleLbl>
+  <dgm:styleLbl name="node4">
+    <dgm:scene3d>
+      <a:camera prst="orthographicFront"/>
+      <a:lightRig rig="threePt" dir="t"/>
+    </dgm:scene3d>
+    <dgm:sp3d/>
+    <dgm:txPr/>
+    <dgm:style>
+      <a:lnRef idx="2">
+        <a:scrgbClr r="0" g="0" b="0"/>
+      </a:lnRef>
+      <a:fillRef idx="1">
+        <a:scrgbClr r="0" g="0" b="0"/>
+      </a:fillRef>
+      <a:effectRef idx="0">
+        <a:scrgbClr r="0" g="0" b="0"/>
+      </a:effectRef>
+      <a:fontRef idx="minor">
+        <a:schemeClr val="lt1"/>
+      </a:fontRef>
+    </dgm:style>
+  </dgm:styleLbl>
+  <dgm:styleLbl name="fgImgPlace1">
+    <dgm:scene3d>
+      <a:camera prst="orthographicFront"/>
+      <a:lightRig rig="threePt" dir="t"/>
+    </dgm:scene3d>
+    <dgm:sp3d/>
+    <dgm:txPr/>
+    <dgm:style>
+      <a:lnRef idx="2">
+        <a:scrgbClr r="0" g="0" b="0"/>
+      </a:lnRef>
+      <a:fillRef idx="1">
+        <a:scrgbClr r="0" g="0" b="0"/>
+      </a:fillRef>
+      <a:effectRef idx="0">
+        <a:scrgbClr r="0" g="0" b="0"/>
+      </a:effectRef>
+      <a:fontRef idx="minor"/>
+    </dgm:style>
+  </dgm:styleLbl>
+  <dgm:styleLbl name="alignImgPlace1">
+    <dgm:scene3d>
+      <a:camera prst="orthographicFront"/>
+      <a:lightRig rig="threePt" dir="t"/>
+    </dgm:scene3d>
+    <dgm:sp3d/>
+    <dgm:txPr/>
+    <dgm:style>
+      <a:lnRef idx="2">
+        <a:scrgbClr r="0" g="0" b="0"/>
+      </a:lnRef>
+      <a:fillRef idx="1">
+        <a:scrgbClr r="0" g="0" b="0"/>
+      </a:fillRef>
+      <a:effectRef idx="0">
+        <a:scrgbClr r="0" g="0" b="0"/>
+      </a:effectRef>
+      <a:fontRef idx="minor"/>
+    </dgm:style>
+  </dgm:styleLbl>
+  <dgm:styleLbl name="bgImgPlace1">
+    <dgm:scene3d>
+      <a:camera prst="orthographicFront"/>
+      <a:lightRig rig="threePt" dir="t"/>
+    </dgm:scene3d>
+    <dgm:sp3d/>
+    <dgm:txPr/>
+    <dgm:style>
+      <a:lnRef idx="2">
+        <a:scrgbClr r="0" g="0" b="0"/>
+      </a:lnRef>
+      <a:fillRef idx="1">
+        <a:scrgbClr r="0" g="0" b="0"/>
+      </a:fillRef>
+      <a:effectRef idx="0">
+        <a:scrgbClr r="0" g="0" b="0"/>
+      </a:effectRef>
+      <a:fontRef idx="minor"/>
+    </dgm:style>
+  </dgm:styleLbl>
+  <dgm:styleLbl name="sibTrans2D1">
+    <dgm:scene3d>
+      <a:camera prst="orthographicFront"/>
+      <a:lightRig rig="threePt" dir="t"/>
+    </dgm:scene3d>
+    <dgm:sp3d/>
+    <dgm:txPr/>
+    <dgm:style>
+      <a:lnRef idx="0">
+        <a:scrgbClr r="0" g="0" b="0"/>
+      </a:lnRef>
+      <a:fillRef idx="1">
+        <a:scrgbClr r="0" g="0" b="0"/>
+      </a:fillRef>
+      <a:effectRef idx="0">
+        <a:scrgbClr r="0" g="0" b="0"/>
+      </a:effectRef>
+      <a:fontRef idx="minor">
+        <a:schemeClr val="lt1"/>
+      </a:fontRef>
+    </dgm:style>
+  </dgm:styleLbl>
+  <dgm:styleLbl name="fgSibTrans2D1">
+    <dgm:scene3d>
+      <a:camera prst="orthographicFront"/>
+      <a:lightRig rig="threePt" dir="t"/>
+    </dgm:scene3d>
+    <dgm:sp3d/>
+    <dgm:txPr/>
+    <dgm:style>
+      <a:lnRef idx="0">
+        <a:scrgbClr r="0" g="0" b="0"/>
+      </a:lnRef>
+      <a:fillRef idx="1">
+        <a:scrgbClr r="0" g="0" b="0"/>
+      </a:fillRef>
+      <a:effectRef idx="0">
+        <a:scrgbClr r="0" g="0" b="0"/>
+      </a:effectRef>
+      <a:fontRef idx="minor">
+        <a:schemeClr val="lt1"/>
+      </a:fontRef>
+    </dgm:style>
+  </dgm:styleLbl>
+  <dgm:styleLbl name="bgSibTrans2D1">
+    <dgm:scene3d>
+      <a:camera prst="orthographicFront"/>
+      <a:lightRig rig="threePt" dir="t"/>
+    </dgm:scene3d>
+    <dgm:sp3d/>
+    <dgm:txPr/>
+    <dgm:style>
+      <a:lnRef idx="0">
+        <a:scrgbClr r="0" g="0" b="0"/>
+      </a:lnRef>
+      <a:fillRef idx="1">
+        <a:scrgbClr r="0" g="0" b="0"/>
+      </a:fillRef>
+      <a:effectRef idx="0">
+        <a:scrgbClr r="0" g="0" b="0"/>
+      </a:effectRef>
+      <a:fontRef idx="minor">
+        <a:schemeClr val="lt1"/>
+      </a:fontRef>
+    </dgm:style>
+  </dgm:styleLbl>
+  <dgm:styleLbl name="sibTrans1D1">
+    <dgm:scene3d>
+      <a:camera prst="orthographicFront"/>
+      <a:lightRig rig="threePt" dir="t"/>
+    </dgm:scene3d>
+    <dgm:sp3d/>
+    <dgm:txPr/>
+    <dgm:style>
+      <a:lnRef idx="1">
+        <a:scrgbClr r="0" g="0" b="0"/>
+      </a:lnRef>
+      <a:fillRef idx="0">
+        <a:scrgbClr r="0" g="0" b="0"/>
+      </a:fillRef>
+      <a:effectRef idx="0">
+        <a:scrgbClr r="0" g="0" b="0"/>
+      </a:effectRef>
+      <a:fontRef idx="minor"/>
+    </dgm:style>
+  </dgm:styleLbl>
+  <dgm:styleLbl name="callout">
+    <dgm:scene3d>
+      <a:camera prst="orthographicFront"/>
+      <a:lightRig rig="threePt" dir="t"/>
+    </dgm:scene3d>
+    <dgm:sp3d/>
+    <dgm:txPr/>
+    <dgm:style>
+      <a:lnRef idx="2">
+        <a:scrgbClr r="0" g="0" b="0"/>
+      </a:lnRef>
+      <a:fillRef idx="1">
+        <a:scrgbClr r="0" g="0" b="0"/>
+      </a:fillRef>
+      <a:effectRef idx="0">
+        <a:scrgbClr r="0" g="0" b="0"/>
+      </a:effectRef>
+      <a:fontRef idx="minor"/>
+    </dgm:style>
+  </dgm:styleLbl>
+  <dgm:styleLbl name="asst0">
+    <dgm:scene3d>
+      <a:camera prst="orthographicFront"/>
+      <a:lightRig rig="threePt" dir="t"/>
+    </dgm:scene3d>
+    <dgm:sp3d/>
+    <dgm:txPr/>
+    <dgm:style>
+      <a:lnRef idx="2">
+        <a:scrgbClr r="0" g="0" b="0"/>
+      </a:lnRef>
+      <a:fillRef idx="1">
+        <a:scrgbClr r="0" g="0" b="0"/>
+      </a:fillRef>
+      <a:effectRef idx="0">
+        <a:scrgbClr r="0" g="0" b="0"/>
+      </a:effectRef>
+      <a:fontRef idx="minor">
+        <a:schemeClr val="lt1"/>
+      </a:fontRef>
+    </dgm:style>
+  </dgm:styleLbl>
+  <dgm:styleLbl name="asst1">
+    <dgm:scene3d>
+      <a:camera prst="orthographicFront"/>
+      <a:lightRig rig="threePt" dir="t"/>
+    </dgm:scene3d>
+    <dgm:sp3d/>
+    <dgm:txPr/>
+    <dgm:style>
+      <a:lnRef idx="2">
+        <a:scrgbClr r="0" g="0" b="0"/>
+      </a:lnRef>
+      <a:fillRef idx="1">
+        <a:scrgbClr r="0" g="0" b="0"/>
+      </a:fillRef>
+      <a:effectRef idx="0">
+        <a:scrgbClr r="0" g="0" b="0"/>
+      </a:effectRef>
+      <a:fontRef idx="minor">
+        <a:schemeClr val="lt1"/>
+      </a:fontRef>
+    </dgm:style>
+  </dgm:styleLbl>
+  <dgm:styleLbl name="asst2">
+    <dgm:scene3d>
+      <a:camera prst="orthographicFront"/>
+      <a:lightRig rig="threePt" dir="t"/>
+    </dgm:scene3d>
+    <dgm:sp3d/>
+    <dgm:txPr/>
+    <dgm:style>
+      <a:lnRef idx="2">
+        <a:scrgbClr r="0" g="0" b="0"/>
+      </a:lnRef>
+      <a:fillRef idx="1">
+        <a:scrgbClr r="0" g="0" b="0"/>
+      </a:fillRef>
+      <a:effectRef idx="0">
+        <a:scrgbClr r="0" g="0" b="0"/>
+      </a:effectRef>
+      <a:fontRef idx="minor">
+        <a:schemeClr val="lt1"/>
+      </a:fontRef>
+    </dgm:style>
+  </dgm:styleLbl>
+  <dgm:styleLbl name="asst3">
+    <dgm:scene3d>
+      <a:camera prst="orthographicFront"/>
+      <a:lightRig rig="threePt" dir="t"/>
+    </dgm:scene3d>
+    <dgm:sp3d/>
+    <dgm:txPr/>
+    <dgm:style>
+      <a:lnRef idx="2">
+        <a:scrgbClr r="0" g="0" b="0"/>
+      </a:lnRef>
+      <a:fillRef idx="1">
+        <a:scrgbClr r="0" g="0" b="0"/>
+      </a:fillRef>
+      <a:effectRef idx="0">
+        <a:scrgbClr r="0" g="0" b="0"/>
+      </a:effectRef>
+      <a:fontRef idx="minor">
+        <a:schemeClr val="lt1"/>
+      </a:fontRef>
+    </dgm:style>
+  </dgm:styleLbl>
+  <dgm:styleLbl name="asst4">
+    <dgm:scene3d>
+      <a:camera prst="orthographicFront"/>
+      <a:lightRig rig="threePt" dir="t"/>
+    </dgm:scene3d>
+    <dgm:sp3d/>
+    <dgm:txPr/>
+    <dgm:style>
+      <a:lnRef idx="2">
+        <a:scrgbClr r="0" g="0" b="0"/>
+      </a:lnRef>
+      <a:fillRef idx="1">
+        <a:scrgbClr r="0" g="0" b="0"/>
+      </a:fillRef>
+      <a:effectRef idx="0">
+        <a:scrgbClr r="0" g="0" b="0"/>
+      </a:effectRef>
+      <a:fontRef idx="minor">
+        <a:schemeClr val="lt1"/>
+      </a:fontRef>
+    </dgm:style>
+  </dgm:styleLbl>
+  <dgm:styleLbl name="parChTrans2D1">
+    <dgm:scene3d>
+      <a:camera prst="orthographicFront"/>
+      <a:lightRig rig="threePt" dir="t"/>
+    </dgm:scene3d>
+    <dgm:sp3d/>
+    <dgm:txPr/>
+    <dgm:style>
+      <a:lnRef idx="2">
+        <a:scrgbClr r="0" g="0" b="0"/>
+      </a:lnRef>
+      <a:fillRef idx="1">
+        <a:scrgbClr r="0" g="0" b="0"/>
+      </a:fillRef>
+      <a:effectRef idx="0">
+        <a:scrgbClr r="0" g="0" b="0"/>
+      </a:effectRef>
+      <a:fontRef idx="minor">
+        <a:schemeClr val="lt1"/>
+      </a:fontRef>
+    </dgm:style>
+  </dgm:styleLbl>
+  <dgm:styleLbl name="parChTrans2D2">
+    <dgm:scene3d>
+      <a:camera prst="orthographicFront"/>
+      <a:lightRig rig="threePt" dir="t"/>
+    </dgm:scene3d>
+    <dgm:sp3d/>
+    <dgm:txPr/>
+    <dgm:style>
+      <a:lnRef idx="2">
+        <a:scrgbClr r="0" g="0" b="0"/>
+      </a:lnRef>
+      <a:fillRef idx="1">
+        <a:scrgbClr r="0" g="0" b="0"/>
+      </a:fillRef>
+      <a:effectRef idx="0">
+        <a:scrgbClr r="0" g="0" b="0"/>
+      </a:effectRef>
+      <a:fontRef idx="minor">
+        <a:schemeClr val="lt1"/>
+      </a:fontRef>
+    </dgm:style>
+  </dgm:styleLbl>
+  <dgm:styleLbl name="parChTrans2D3">
+    <dgm:scene3d>
+      <a:camera prst="orthographicFront"/>
+      <a:lightRig rig="threePt" dir="t"/>
+    </dgm:scene3d>
+    <dgm:sp3d/>
+    <dgm:txPr/>
+    <dgm:style>
+      <a:lnRef idx="2">
+        <a:scrgbClr r="0" g="0" b="0"/>
+      </a:lnRef>
+      <a:fillRef idx="1">
+        <a:scrgbClr r="0" g="0" b="0"/>
+      </a:fillRef>
+      <a:effectRef idx="0">
+        <a:scrgbClr r="0" g="0" b="0"/>
+      </a:effectRef>
+      <a:fontRef idx="minor">
+        <a:schemeClr val="lt1"/>
+      </a:fontRef>
+    </dgm:style>
+  </dgm:styleLbl>
+  <dgm:styleLbl name="parChTrans2D4">
+    <dgm:scene3d>
+      <a:camera prst="orthographicFront"/>
+      <a:lightRig rig="threePt" dir="t"/>
+    </dgm:scene3d>
+    <dgm:sp3d/>
+    <dgm:txPr/>
+    <dgm:style>
+      <a:lnRef idx="2">
+        <a:scrgbClr r="0" g="0" b="0"/>
+      </a:lnRef>
+      <a:fillRef idx="1">
+        <a:scrgbClr r="0" g="0" b="0"/>
+      </a:fillRef>
+      <a:effectRef idx="0">
+        <a:scrgbClr r="0" g="0" b="0"/>
+      </a:effectRef>
+      <a:fontRef idx="minor">
+        <a:schemeClr val="lt1"/>
+      </a:fontRef>
+    </dgm:style>
+  </dgm:styleLbl>
+  <dgm:styleLbl name="parChTrans1D1">
+    <dgm:scene3d>
+      <a:camera prst="orthographicFront"/>
+      <a:lightRig rig="threePt" dir="t"/>
+    </dgm:scene3d>
+    <dgm:sp3d/>
+    <dgm:txPr/>
+    <dgm:style>
+      <a:lnRef idx="2">
+        <a:scrgbClr r="0" g="0" b="0"/>
+      </a:lnRef>
+      <a:fillRef idx="0">
+        <a:scrgbClr r="0" g="0" b="0"/>
+      </a:fillRef>
+      <a:effectRef idx="0">
+        <a:scrgbClr r="0" g="0" b="0"/>
+      </a:effectRef>
+      <a:fontRef idx="minor"/>
+    </dgm:style>
+  </dgm:styleLbl>
+  <dgm:styleLbl name="parChTrans1D2">
+    <dgm:scene3d>
+      <a:camera prst="orthographicFront"/>
+      <a:lightRig rig="threePt" dir="t"/>
+    </dgm:scene3d>
+    <dgm:sp3d/>
+    <dgm:txPr/>
+    <dgm:style>
+      <a:lnRef idx="2">
+        <a:scrgbClr r="0" g="0" b="0"/>
+      </a:lnRef>
+      <a:fillRef idx="0">
+        <a:scrgbClr r="0" g="0" b="0"/>
+      </a:fillRef>
+      <a:effectRef idx="0">
+        <a:scrgbClr r="0" g="0" b="0"/>
+      </a:effectRef>
+      <a:fontRef idx="minor"/>
+    </dgm:style>
+  </dgm:styleLbl>
+  <dgm:styleLbl name="parChTrans1D3">
+    <dgm:scene3d>
+      <a:camera prst="orthographicFront"/>
+      <a:lightRig rig="threePt" dir="t"/>
+    </dgm:scene3d>
+    <dgm:sp3d/>
+    <dgm:txPr/>
+    <dgm:style>
+      <a:lnRef idx="2">
+        <a:scrgbClr r="0" g="0" b="0"/>
+      </a:lnRef>
+      <a:fillRef idx="0">
+        <a:scrgbClr r="0" g="0" b="0"/>
+      </a:fillRef>
+      <a:effectRef idx="0">
+        <a:scrgbClr r="0" g="0" b="0"/>
+      </a:effectRef>
+      <a:fontRef idx="minor"/>
+    </dgm:style>
+  </dgm:styleLbl>
+  <dgm:styleLbl name="parChTrans1D4">
+    <dgm:scene3d>
+      <a:camera prst="orthographicFront"/>
+      <a:lightRig rig="threePt" dir="t"/>
+    </dgm:scene3d>
+    <dgm:sp3d/>
+    <dgm:txPr/>
+    <dgm:style>
+      <a:lnRef idx="2">
+        <a:scrgbClr r="0" g="0" b="0"/>
+      </a:lnRef>
+      <a:fillRef idx="0">
+        <a:scrgbClr r="0" g="0" b="0"/>
+      </a:fillRef>
+      <a:effectRef idx="0">
+        <a:scrgbClr r="0" g="0" b="0"/>
+      </a:effectRef>
+      <a:fontRef idx="minor"/>
+    </dgm:style>
+  </dgm:styleLbl>
+  <dgm:styleLbl name="fgAcc1">
+    <dgm:scene3d>
+      <a:camera prst="orthographicFront"/>
+      <a:lightRig rig="threePt" dir="t"/>
+    </dgm:scene3d>
+    <dgm:sp3d/>
+    <dgm:txPr/>
+    <dgm:style>
+      <a:lnRef idx="2">
+        <a:scrgbClr r="0" g="0" b="0"/>
+      </a:lnRef>
+      <a:fillRef idx="1">
+        <a:scrgbClr r="0" g="0" b="0"/>
+      </a:fillRef>
+      <a:effectRef idx="0">
+        <a:scrgbClr r="0" g="0" b="0"/>
+      </a:effectRef>
+      <a:fontRef idx="minor"/>
+    </dgm:style>
+  </dgm:styleLbl>
+  <dgm:styleLbl name="conFgAcc1">
+    <dgm:scene3d>
+      <a:camera prst="orthographicFront"/>
+      <a:lightRig rig="threePt" dir="t"/>
+    </dgm:scene3d>
+    <dgm:sp3d/>
+    <dgm:txPr/>
+    <dgm:style>
+      <a:lnRef idx="2">
+        <a:scrgbClr r="0" g="0" b="0"/>
+      </a:lnRef>
+      <a:fillRef idx="1">
+        <a:scrgbClr r="0" g="0" b="0"/>
+      </a:fillRef>
+      <a:effectRef idx="0">
+        <a:scrgbClr r="0" g="0" b="0"/>
+      </a:effectRef>
+      <a:fontRef idx="minor"/>
+    </dgm:style>
+  </dgm:styleLbl>
+  <dgm:styleLbl name="alignAcc1">
+    <dgm:scene3d>
+      <a:camera prst="orthographicFront"/>
+      <a:lightRig rig="threePt" dir="t"/>
+    </dgm:scene3d>
+    <dgm:sp3d/>
+    <dgm:txPr/>
+    <dgm:style>
+      <a:lnRef idx="2">
+        <a:scrgbClr r="0" g="0" b="0"/>
+      </a:lnRef>
+      <a:fillRef idx="1">
+        <a:scrgbClr r="0" g="0" b="0"/>
+      </a:fillRef>
+      <a:effectRef idx="0">
+        <a:scrgbClr r="0" g="0" b="0"/>
+      </a:effectRef>
+      <a:fontRef idx="minor"/>
+    </dgm:style>
+  </dgm:styleLbl>
+  <dgm:styleLbl name="trAlignAcc1">
+    <dgm:scene3d>
+      <a:camera prst="orthographicFront"/>
+      <a:lightRig rig="threePt" dir="t"/>
+    </dgm:scene3d>
+    <dgm:sp3d/>
+    <dgm:txPr/>
+    <dgm:style>
+      <a:lnRef idx="1">
+        <a:scrgbClr r="0" g="0" b="0"/>
+      </a:lnRef>
+      <a:fillRef idx="1">
+        <a:scrgbClr r="0" g="0" b="0"/>
+      </a:fillRef>
+      <a:effectRef idx="0">
+        <a:scrgbClr r="0" g="0" b="0"/>
+      </a:effectRef>
+      <a:fontRef idx="minor"/>
+    </dgm:style>
+  </dgm:styleLbl>
+  <dgm:styleLbl name="bgAcc1">
+    <dgm:scene3d>
+      <a:camera prst="orthographicFront"/>
+      <a:lightRig rig="threePt" dir="t"/>
+    </dgm:scene3d>
+    <dgm:sp3d/>
+    <dgm:txPr/>
+    <dgm:style>
+      <a:lnRef idx="2">
+        <a:scrgbClr r="0" g="0" b="0"/>
+      </a:lnRef>
+      <a:fillRef idx="1">
+        <a:scrgbClr r="0" g="0" b="0"/>
+      </a:fillRef>
+      <a:effectRef idx="0">
+        <a:scrgbClr r="0" g="0" b="0"/>
+      </a:effectRef>
+      <a:fontRef idx="minor"/>
+    </dgm:style>
+  </dgm:styleLbl>
+  <dgm:styleLbl name="solidFgAcc1">
+    <dgm:scene3d>
+      <a:camera prst="orthographicFront"/>
+      <a:lightRig rig="threePt" dir="t"/>
+    </dgm:scene3d>
+    <dgm:sp3d/>
+    <dgm:txPr/>
+    <dgm:style>
+      <a:lnRef idx="2">
+        <a:scrgbClr r="0" g="0" b="0"/>
+      </a:lnRef>
+      <a:fillRef idx="1">
+        <a:scrgbClr r="0" g="0" b="0"/>
+      </a:fillRef>
+      <a:effectRef idx="0">
+        <a:scrgbClr r="0" g="0" b="0"/>
+      </a:effectRef>
+      <a:fontRef idx="minor"/>
+    </dgm:style>
+  </dgm:styleLbl>
+  <dgm:styleLbl name="solidAlignAcc1">
+    <dgm:scene3d>
+      <a:camera prst="orthographicFront"/>
+      <a:lightRig rig="threePt" dir="t"/>
+    </dgm:scene3d>
+    <dgm:sp3d/>
+    <dgm:txPr/>
+    <dgm:style>
+      <a:lnRef idx="2">
+        <a:scrgbClr r="0" g="0" b="0"/>
+      </a:lnRef>
+      <a:fillRef idx="1">
+        <a:scrgbClr r="0" g="0" b="0"/>
+      </a:fillRef>
+      <a:effectRef idx="0">
+        <a:scrgbClr r="0" g="0" b="0"/>
+      </a:effectRef>
+      <a:fontRef idx="minor"/>
+    </dgm:style>
+  </dgm:styleLbl>
+  <dgm:styleLbl name="solidBgAcc1">
+    <dgm:scene3d>
+      <a:camera prst="orthographicFront"/>
+      <a:lightRig rig="threePt" dir="t"/>
+    </dgm:scene3d>
+    <dgm:sp3d/>
+    <dgm:txPr/>
+    <dgm:style>
+      <a:lnRef idx="2">
+        <a:scrgbClr r="0" g="0" b="0"/>
+      </a:lnRef>
+      <a:fillRef idx="1">
+        <a:scrgbClr r="0" g="0" b="0"/>
+      </a:fillRef>
+      <a:effectRef idx="0">
+        <a:scrgbClr r="0" g="0" b="0"/>
+      </a:effectRef>
+      <a:fontRef idx="minor"/>
+    </dgm:style>
+  </dgm:styleLbl>
+  <dgm:styleLbl name="fgAccFollowNode1">
+    <dgm:scene3d>
+      <a:camera prst="orthographicFront"/>
+      <a:lightRig rig="threePt" dir="t"/>
+    </dgm:scene3d>
+    <dgm:sp3d/>
+    <dgm:txPr/>
+    <dgm:style>
+      <a:lnRef idx="2">
+        <a:scrgbClr r="0" g="0" b="0"/>
+      </a:lnRef>
+      <a:fillRef idx="1">
+        <a:scrgbClr r="0" g="0" b="0"/>
+      </a:fillRef>
+      <a:effectRef idx="0">
+        <a:scrgbClr r="0" g="0" b="0"/>
+      </a:effectRef>
+      <a:fontRef idx="minor"/>
+    </dgm:style>
+  </dgm:styleLbl>
+  <dgm:styleLbl name="alignAccFollowNode1">
+    <dgm:scene3d>
+      <a:camera prst="orthographicFront"/>
+      <a:lightRig rig="threePt" dir="t"/>
+    </dgm:scene3d>
+    <dgm:sp3d/>
+    <dgm:txPr/>
+    <dgm:style>
+      <a:lnRef idx="2">
+        <a:scrgbClr r="0" g="0" b="0"/>
+      </a:lnRef>
+      <a:fillRef idx="1">
+        <a:scrgbClr r="0" g="0" b="0"/>
+      </a:fillRef>
+      <a:effectRef idx="0">
+        <a:scrgbClr r="0" g="0" b="0"/>
+      </a:effectRef>
+      <a:fontRef idx="minor"/>
+    </dgm:style>
+  </dgm:styleLbl>
+  <dgm:styleLbl name="bgAccFollowNode1">
+    <dgm:scene3d>
+      <a:camera prst="orthographicFront"/>
+      <a:lightRig rig="threePt" dir="t"/>
+    </dgm:scene3d>
+    <dgm:sp3d/>
+    <dgm:txPr/>
+    <dgm:style>
+      <a:lnRef idx="2">
+        <a:scrgbClr r="0" g="0" b="0"/>
+      </a:lnRef>
+      <a:fillRef idx="1">
+        <a:scrgbClr r="0" g="0" b="0"/>
+      </a:fillRef>
+      <a:effectRef idx="0">
+        <a:scrgbClr r="0" g="0" b="0"/>
+      </a:effectRef>
+      <a:fontRef idx="minor"/>
+    </dgm:style>
+  </dgm:styleLbl>
+  <dgm:styleLbl name="fgAcc0">
+    <dgm:scene3d>
+      <a:camera prst="orthographicFront"/>
+      <a:lightRig rig="threePt" dir="t"/>
+    </dgm:scene3d>
+    <dgm:sp3d/>
+    <dgm:txPr/>
+    <dgm:style>
+      <a:lnRef idx="2">
+        <a:scrgbClr r="0" g="0" b="0"/>
+      </a:lnRef>
+      <a:fillRef idx="1">
+        <a:scrgbClr r="0" g="0" b="0"/>
+      </a:fillRef>
+      <a:effectRef idx="0">
+        <a:scrgbClr r="0" g="0" b="0"/>
+      </a:effectRef>
+      <a:fontRef idx="minor"/>
+    </dgm:style>
+  </dgm:styleLbl>
+  <dgm:styleLbl name="fgAcc2">
+    <dgm:scene3d>
+      <a:camera prst="orthographicFront"/>
+      <a:lightRig rig="threePt" dir="t"/>
+    </dgm:scene3d>
+    <dgm:sp3d/>
+    <dgm:txPr/>
+    <dgm:style>
+      <a:lnRef idx="2">
+        <a:scrgbClr r="0" g="0" b="0"/>
+      </a:lnRef>
+      <a:fillRef idx="1">
+        <a:scrgbClr r="0" g="0" b="0"/>
+      </a:fillRef>
+      <a:effectRef idx="0">
+        <a:scrgbClr r="0" g="0" b="0"/>
+      </a:effectRef>
+      <a:fontRef idx="minor"/>
+    </dgm:style>
+  </dgm:styleLbl>
+  <dgm:styleLbl name="fgAcc3">
+    <dgm:scene3d>
+      <a:camera prst="orthographicFront"/>
+      <a:lightRig rig="threePt" dir="t"/>
+    </dgm:scene3d>
+    <dgm:sp3d/>
+    <dgm:txPr/>
+    <dgm:style>
+      <a:lnRef idx="2">
+        <a:scrgbClr r="0" g="0" b="0"/>
+      </a:lnRef>
+      <a:fillRef idx="1">
+        <a:scrgbClr r="0" g="0" b="0"/>
+      </a:fillRef>
+      <a:effectRef idx="0">
+        <a:scrgbClr r="0" g="0" b="0"/>
+      </a:effectRef>
+      <a:fontRef idx="minor"/>
+    </dgm:style>
+  </dgm:styleLbl>
+  <dgm:styleLbl name="fgAcc4">
+    <dgm:scene3d>
+      <a:camera prst="orthographicFront"/>
+      <a:lightRig rig="threePt" dir="t"/>
+    </dgm:scene3d>
+    <dgm:sp3d/>
+    <dgm:txPr/>
+    <dgm:style>
+      <a:lnRef idx="2">
+        <a:scrgbClr r="0" g="0" b="0"/>
+      </a:lnRef>
+      <a:fillRef idx="1">
+        <a:scrgbClr r="0" g="0" b="0"/>
+      </a:fillRef>
+      <a:effectRef idx="0">
+        <a:scrgbClr r="0" g="0" b="0"/>
+      </a:effectRef>
+      <a:fontRef idx="minor"/>
+    </dgm:style>
+  </dgm:styleLbl>
+  <dgm:styleLbl name="bgShp">
+    <dgm:scene3d>
+      <a:camera prst="orthographicFront"/>
+      <a:lightRig rig="threePt" dir="t"/>
+    </dgm:scene3d>
+    <dgm:sp3d/>
+    <dgm:txPr/>
+    <dgm:style>
+      <a:lnRef idx="0">
+        <a:scrgbClr r="0" g="0" b="0"/>
+      </a:lnRef>
+      <a:fillRef idx="1">
+        <a:scrgbClr r="0" g="0" b="0"/>
+      </a:fillRef>
+      <a:effectRef idx="0">
+        <a:scrgbClr r="0" g="0" b="0"/>
+      </a:effectRef>
+      <a:fontRef idx="minor"/>
+    </dgm:style>
+  </dgm:styleLbl>
+  <dgm:styleLbl name="dkBgShp">
+    <dgm:scene3d>
+      <a:camera prst="orthographicFront"/>
+      <a:lightRig rig="threePt" dir="t"/>
+    </dgm:scene3d>
+    <dgm:sp3d/>
+    <dgm:txPr/>
+    <dgm:style>
+      <a:lnRef idx="0">
+        <a:scrgbClr r="0" g="0" b="0"/>
+      </a:lnRef>
+      <a:fillRef idx="1">
+        <a:scrgbClr r="0" g="0" b="0"/>
+      </a:fillRef>
+      <a:effectRef idx="0">
+        <a:scrgbClr r="0" g="0" b="0"/>
+      </a:effectRef>
+      <a:fontRef idx="minor"/>
+    </dgm:style>
+  </dgm:styleLbl>
+  <dgm:styleLbl name="trBgShp">
+    <dgm:scene3d>
+      <a:camera prst="orthographicFront"/>
+      <a:lightRig rig="threePt" dir="t"/>
+    </dgm:scene3d>
+    <dgm:sp3d/>
+    <dgm:txPr/>
+    <dgm:style>
+      <a:lnRef idx="0">
+        <a:scrgbClr r="0" g="0" b="0"/>
+      </a:lnRef>
+      <a:fillRef idx="1">
+        <a:scrgbClr r="0" g="0" b="0"/>
+      </a:fillRef>
+      <a:effectRef idx="0">
+        <a:scrgbClr r="0" g="0" b="0"/>
+      </a:effectRef>
+      <a:fontRef idx="minor"/>
+    </dgm:style>
+  </dgm:styleLbl>
+  <dgm:styleLbl name="fgShp">
+    <dgm:scene3d>
+      <a:camera prst="orthographicFront"/>
+      <a:lightRig rig="threePt" dir="t"/>
+    </dgm:scene3d>
+    <dgm:sp3d/>
+    <dgm:txPr/>
+    <dgm:style>
+      <a:lnRef idx="2">
+        <a:scrgbClr r="0" g="0" b="0"/>
+      </a:lnRef>
+      <a:fillRef idx="1">
+        <a:scrgbClr r="0" g="0" b="0"/>
+      </a:fillRef>
+      <a:effectRef idx="0">
+        <a:scrgbClr r="0" g="0" b="0"/>
+      </a:effectRef>
+      <a:fontRef idx="minor"/>
+    </dgm:style>
+  </dgm:styleLbl>
+  <dgm:styleLbl name="revTx">
+    <dgm:scene3d>
+      <a:camera prst="orthographicFront"/>
+      <a:lightRig rig="threePt" dir="t"/>
+    </dgm:scene3d>
+    <dgm:sp3d/>
+    <dgm:txPr/>
+    <dgm:style>
+      <a:lnRef idx="0">
+        <a:scrgbClr r="0" g="0" b="0"/>
+      </a:lnRef>
+      <a:fillRef idx="0">
+        <a:scrgbClr r="0" g="0" b="0"/>
+      </a:fillRef>
+      <a:effectRef idx="0">
+        <a:scrgbClr r="0" g="0" b="0"/>
+      </a:effectRef>
+      <a:fontRef idx="minor"/>
+    </dgm:style>
+  </dgm:styleLbl>
+</dgm:styleDef>
+</file>
+
+<file path=ppt/diagrams/quickStyle9.xml><?xml version="1.0" encoding="utf-8"?>
 <dgm:styleDef xmlns:dgm="http://schemas.openxmlformats.org/drawingml/2006/diagram" xmlns:a="http://schemas.openxmlformats.org/drawingml/2006/main" uniqueId="urn:microsoft.com/office/officeart/2005/8/quickstyle/simple1">
   <dgm:title val=""/>
   <dgm:desc val=""/>
@@ -18795,7 +22861,7 @@
           <a:p>
             <a:fld id="{E0D73947-CED3-4729-B2B6-FDB8EDD0C21A}" type="datetimeFigureOut">
               <a:rPr lang="fr-FR" smtClean="0"/>
-              <a:t>06/12/2016</a:t>
+              <a:t>07/12/2016</a:t>
             </a:fld>
             <a:endParaRPr lang="fr-FR"/>
           </a:p>
@@ -19335,7 +23401,7 @@
           <a:p>
             <a:fld id="{CF70076B-3AEE-4CCF-8309-4A51262BD39B}" type="datetime1">
               <a:rPr lang="en-US" smtClean="0"/>
-              <a:t>12/6/2016</a:t>
+              <a:t>12/7/2016</a:t>
             </a:fld>
             <a:endParaRPr lang="en-US" dirty="0"/>
           </a:p>
@@ -19685,7 +23751,7 @@
           <a:p>
             <a:fld id="{965EF287-9D13-4BBB-AD64-90A6F68DC437}" type="datetime1">
               <a:rPr lang="en-US" smtClean="0"/>
-              <a:t>12/6/2016</a:t>
+              <a:t>12/7/2016</a:t>
             </a:fld>
             <a:endParaRPr lang="en-US" dirty="0"/>
           </a:p>
@@ -20098,7 +24164,7 @@
           <a:p>
             <a:fld id="{4E02ACAF-6E0A-4BFA-A998-C23501319CEB}" type="datetime1">
               <a:rPr lang="en-US" smtClean="0"/>
-              <a:t>12/6/2016</a:t>
+              <a:t>12/7/2016</a:t>
             </a:fld>
             <a:endParaRPr lang="en-US" dirty="0"/>
           </a:p>
@@ -20446,7 +24512,7 @@
           <a:p>
             <a:fld id="{1BB394E6-5E1F-487A-884E-33CB76F0F981}" type="datetime1">
               <a:rPr lang="en-US" smtClean="0"/>
-              <a:t>12/6/2016</a:t>
+              <a:t>12/7/2016</a:t>
             </a:fld>
             <a:endParaRPr lang="en-US" dirty="0"/>
           </a:p>
@@ -20778,7 +24844,7 @@
           <a:p>
             <a:fld id="{9982F500-98E8-4354-BA0E-9DEB265BABD5}" type="datetime1">
               <a:rPr lang="en-US" smtClean="0"/>
-              <a:t>12/6/2016</a:t>
+              <a:t>12/7/2016</a:t>
             </a:fld>
             <a:endParaRPr lang="en-US" dirty="0"/>
           </a:p>
@@ -21186,7 +25252,7 @@
           <a:p>
             <a:fld id="{03D9F833-05BD-4816-A1C4-77294EF43A85}" type="datetime1">
               <a:rPr lang="en-US" smtClean="0"/>
-              <a:t>12/6/2016</a:t>
+              <a:t>12/7/2016</a:t>
             </a:fld>
             <a:endParaRPr lang="en-US" dirty="0"/>
           </a:p>
@@ -21455,7 +25521,7 @@
           <a:p>
             <a:fld id="{03691DF6-0A71-40E1-83D6-78326EF392E3}" type="datetime1">
               <a:rPr lang="en-US" smtClean="0"/>
-              <a:t>12/6/2016</a:t>
+              <a:t>12/7/2016</a:t>
             </a:fld>
             <a:endParaRPr lang="en-US" dirty="0"/>
           </a:p>
@@ -21729,7 +25795,7 @@
           <a:p>
             <a:fld id="{3A680F56-72C5-4249-9DC2-97F4382C2589}" type="datetime1">
               <a:rPr lang="en-US" smtClean="0"/>
-              <a:t>12/6/2016</a:t>
+              <a:t>12/7/2016</a:t>
             </a:fld>
             <a:endParaRPr lang="en-US" dirty="0"/>
           </a:p>
@@ -22003,7 +26069,7 @@
           <a:p>
             <a:fld id="{C28576F9-E6CB-4647-93A7-39EC966FD12A}" type="datetime1">
               <a:rPr lang="en-US" smtClean="0"/>
-              <a:t>12/6/2016</a:t>
+              <a:t>12/7/2016</a:t>
             </a:fld>
             <a:endParaRPr lang="en-US" dirty="0"/>
           </a:p>
@@ -22344,7 +26410,7 @@
           <a:p>
             <a:fld id="{5BD41F3B-EDCE-432C-AB15-05A686C5B86E}" type="datetime1">
               <a:rPr lang="en-US" smtClean="0"/>
-              <a:t>12/6/2016</a:t>
+              <a:t>12/7/2016</a:t>
             </a:fld>
             <a:endParaRPr lang="en-US" dirty="0"/>
           </a:p>
@@ -22679,7 +26745,7 @@
           <a:p>
             <a:fld id="{E8C3DD7C-FC13-4A46-B8AE-589AA1023A5C}" type="datetime1">
               <a:rPr lang="en-US" smtClean="0"/>
-              <a:t>12/6/2016</a:t>
+              <a:t>12/7/2016</a:t>
             </a:fld>
             <a:endParaRPr lang="en-US" dirty="0"/>
           </a:p>
@@ -23148,7 +27214,7 @@
           <a:p>
             <a:fld id="{2A9BAFA9-9F65-4436-A9B2-8AB4BA37DFB1}" type="datetime1">
               <a:rPr lang="en-US" smtClean="0"/>
-              <a:t>12/6/2016</a:t>
+              <a:t>12/7/2016</a:t>
             </a:fld>
             <a:endParaRPr lang="en-US" dirty="0"/>
           </a:p>
@@ -23365,7 +27431,7 @@
           <a:p>
             <a:fld id="{75C8F39A-F13F-4478-875E-76CEDB19EC82}" type="datetime1">
               <a:rPr lang="en-US" smtClean="0"/>
-              <a:t>12/6/2016</a:t>
+              <a:t>12/7/2016</a:t>
             </a:fld>
             <a:endParaRPr lang="en-US" dirty="0"/>
           </a:p>
@@ -23554,7 +27620,7 @@
           <a:p>
             <a:fld id="{A656D7ED-CCB1-4ADF-9D3E-AE98B8393664}" type="datetime1">
               <a:rPr lang="en-US" smtClean="0"/>
-              <a:t>12/6/2016</a:t>
+              <a:t>12/7/2016</a:t>
             </a:fld>
             <a:endParaRPr lang="en-US" dirty="0"/>
           </a:p>
@@ -23899,7 +27965,7 @@
           <a:p>
             <a:fld id="{52AC97BE-D090-4A56-ACCF-525ADF60220C}" type="datetime1">
               <a:rPr lang="en-US" smtClean="0"/>
-              <a:t>12/6/2016</a:t>
+              <a:t>12/7/2016</a:t>
             </a:fld>
             <a:endParaRPr lang="en-US" dirty="0"/>
           </a:p>
@@ -24256,7 +28322,7 @@
           <a:p>
             <a:fld id="{077D7DE3-277E-469C-968A-E5587F8A2085}" type="datetime1">
               <a:rPr lang="en-US" smtClean="0"/>
-              <a:t>12/6/2016</a:t>
+              <a:t>12/7/2016</a:t>
             </a:fld>
             <a:endParaRPr lang="en-US" dirty="0"/>
           </a:p>
@@ -26385,7 +30451,7 @@
           <a:p>
             <a:fld id="{4D778CF9-6505-4D68-8ADE-34012231EA87}" type="datetime1">
               <a:rPr lang="en-US" smtClean="0"/>
-              <a:t>12/6/2016</a:t>
+              <a:t>12/7/2016</a:t>
             </a:fld>
             <a:endParaRPr lang="en-US" dirty="0"/>
           </a:p>
@@ -26992,11 +31058,15 @@
             </a:r>
             <a:r>
               <a:rPr lang="fr-FR" dirty="0" err="1" smtClean="0"/>
-              <a:t>Bouete</a:t>
+              <a:t>Bouëte</a:t>
             </a:r>
             <a:r>
               <a:rPr lang="fr-FR" dirty="0" smtClean="0"/>
-              <a:t>-Giraud – Guillaume Robert 1A</a:t>
+              <a:t>-Giraud </a:t>
+            </a:r>
+            <a:r>
+              <a:rPr lang="fr-FR" dirty="0" smtClean="0"/>
+              <a:t>– Guillaume Robert 1A</a:t>
             </a:r>
           </a:p>
           <a:p>
@@ -27110,7 +31180,7 @@
           <a:p>
             <a:r>
               <a:rPr lang="fr-FR" dirty="0" smtClean="0"/>
-              <a:t>Importer / Exporter</a:t>
+              <a:t>Créer / modifier grille</a:t>
             </a:r>
             <a:endParaRPr lang="fr-FR" dirty="0"/>
           </a:p>
@@ -27126,12 +31196,17 @@
             <p:ph idx="1"/>
           </p:nvPr>
         </p:nvSpPr>
-        <p:spPr/>
+        <p:spPr>
+          <a:xfrm>
+            <a:off x="1486130" y="1720113"/>
+            <a:ext cx="8915400" cy="3777622"/>
+          </a:xfrm>
+        </p:spPr>
         <p:txBody>
           <a:bodyPr/>
           <a:lstStyle/>
           <a:p>
-            <a:endParaRPr lang="fr-FR"/>
+            <a:endParaRPr lang="fr-FR" dirty="0"/>
           </a:p>
         </p:txBody>
       </p:sp>
@@ -27204,6 +31279,416 @@
           </a:graphicData>
         </a:graphic>
       </p:graphicFrame>
+      <p:pic>
+        <p:nvPicPr>
+          <p:cNvPr id="7" name="Image 6"/>
+          <p:cNvPicPr>
+            <a:picLocks noChangeAspect="1"/>
+          </p:cNvPicPr>
+          <p:nvPr/>
+        </p:nvPicPr>
+        <p:blipFill>
+          <a:blip r:embed="rId7">
+            <a:extLst>
+              <a:ext uri="{28A0092B-C50C-407E-A947-70E740481C1C}">
+                <a14:useLocalDpi xmlns:a14="http://schemas.microsoft.com/office/drawing/2010/main" val="0"/>
+              </a:ext>
+            </a:extLst>
+          </a:blip>
+          <a:stretch>
+            <a:fillRect/>
+          </a:stretch>
+        </p:blipFill>
+        <p:spPr>
+          <a:xfrm>
+            <a:off x="6124891" y="1561361"/>
+            <a:ext cx="6067109" cy="4195453"/>
+          </a:xfrm>
+          <a:prstGeom prst="rect">
+            <a:avLst/>
+          </a:prstGeom>
+        </p:spPr>
+      </p:pic>
+    </p:spTree>
+    <p:extLst>
+      <p:ext uri="{BB962C8B-B14F-4D97-AF65-F5344CB8AC3E}">
+        <p14:creationId xmlns:p14="http://schemas.microsoft.com/office/powerpoint/2010/main" val="2962596604"/>
+      </p:ext>
+    </p:extLst>
+  </p:cSld>
+  <p:clrMapOvr>
+    <a:masterClrMapping/>
+  </p:clrMapOvr>
+  <mc:AlternateContent xmlns:mc="http://schemas.openxmlformats.org/markup-compatibility/2006" xmlns:p14="http://schemas.microsoft.com/office/powerpoint/2010/main">
+    <mc:Choice Requires="p14">
+      <p:transition spd="slow" p14:dur="1250">
+        <p14:switch dir="r"/>
+      </p:transition>
+    </mc:Choice>
+    <mc:Fallback xmlns="">
+      <p:transition spd="slow">
+        <p:fade/>
+      </p:transition>
+    </mc:Fallback>
+  </mc:AlternateContent>
+</p:sld>
+</file>
+
+<file path=ppt/slides/slide11.xml><?xml version="1.0" encoding="utf-8"?>
+<p:sld xmlns:a="http://schemas.openxmlformats.org/drawingml/2006/main" xmlns:r="http://schemas.openxmlformats.org/officeDocument/2006/relationships" xmlns:p="http://schemas.openxmlformats.org/presentationml/2006/main">
+  <p:cSld>
+    <p:spTree>
+      <p:nvGrpSpPr>
+        <p:cNvPr id="1" name=""/>
+        <p:cNvGrpSpPr/>
+        <p:nvPr/>
+      </p:nvGrpSpPr>
+      <p:grpSpPr>
+        <a:xfrm>
+          <a:off x="0" y="0"/>
+          <a:ext cx="0" cy="0"/>
+          <a:chOff x="0" y="0"/>
+          <a:chExt cx="0" cy="0"/>
+        </a:xfrm>
+      </p:grpSpPr>
+      <p:sp>
+        <p:nvSpPr>
+          <p:cNvPr id="2" name="Titre 1"/>
+          <p:cNvSpPr>
+            <a:spLocks noGrp="1"/>
+          </p:cNvSpPr>
+          <p:nvPr>
+            <p:ph type="title"/>
+          </p:nvPr>
+        </p:nvSpPr>
+        <p:spPr/>
+        <p:txBody>
+          <a:bodyPr/>
+          <a:lstStyle/>
+          <a:p>
+            <a:r>
+              <a:rPr lang="fr-FR" dirty="0" smtClean="0"/>
+              <a:t>Créer / modifier grille</a:t>
+            </a:r>
+            <a:endParaRPr lang="fr-FR" dirty="0"/>
+          </a:p>
+        </p:txBody>
+      </p:sp>
+      <p:sp>
+        <p:nvSpPr>
+          <p:cNvPr id="3" name="Espace réservé du contenu 2"/>
+          <p:cNvSpPr>
+            <a:spLocks noGrp="1"/>
+          </p:cNvSpPr>
+          <p:nvPr>
+            <p:ph idx="1"/>
+          </p:nvPr>
+        </p:nvSpPr>
+        <p:spPr>
+          <a:xfrm>
+            <a:off x="1486130" y="1720113"/>
+            <a:ext cx="8915400" cy="3777622"/>
+          </a:xfrm>
+        </p:spPr>
+        <p:txBody>
+          <a:bodyPr/>
+          <a:lstStyle/>
+          <a:p>
+            <a:r>
+              <a:rPr lang="fr-FR" dirty="0" smtClean="0"/>
+              <a:t>Digramme de séquence de la fonctionnalité Créer grille</a:t>
+            </a:r>
+            <a:endParaRPr lang="fr-FR" dirty="0"/>
+          </a:p>
+        </p:txBody>
+      </p:sp>
+      <p:sp>
+        <p:nvSpPr>
+          <p:cNvPr id="4" name="Espace réservé du pied de page 3"/>
+          <p:cNvSpPr>
+            <a:spLocks noGrp="1"/>
+          </p:cNvSpPr>
+          <p:nvPr>
+            <p:ph type="ftr" sz="quarter" idx="11"/>
+          </p:nvPr>
+        </p:nvSpPr>
+        <p:spPr/>
+        <p:txBody>
+          <a:bodyPr/>
+          <a:lstStyle/>
+          <a:p>
+            <a:r>
+              <a:rPr lang="en-US" smtClean="0"/>
+              <a:t>Yoann Gathignol - Titouan Bouete-Giraud - Guillaume Robert - 1A</a:t>
+            </a:r>
+            <a:endParaRPr lang="en-US" dirty="0"/>
+          </a:p>
+        </p:txBody>
+      </p:sp>
+      <p:sp>
+        <p:nvSpPr>
+          <p:cNvPr id="5" name="Espace réservé du numéro de diapositive 4"/>
+          <p:cNvSpPr>
+            <a:spLocks noGrp="1"/>
+          </p:cNvSpPr>
+          <p:nvPr>
+            <p:ph type="sldNum" sz="quarter" idx="12"/>
+          </p:nvPr>
+        </p:nvSpPr>
+        <p:spPr/>
+        <p:txBody>
+          <a:bodyPr/>
+          <a:lstStyle/>
+          <a:p>
+            <a:fld id="{D57F1E4F-1CFF-5643-939E-217C01CDF565}" type="slidenum">
+              <a:rPr lang="en-US" smtClean="0"/>
+              <a:pPr/>
+              <a:t>11</a:t>
+            </a:fld>
+            <a:endParaRPr lang="en-US" dirty="0"/>
+          </a:p>
+        </p:txBody>
+      </p:sp>
+      <p:graphicFrame>
+        <p:nvGraphicFramePr>
+          <p:cNvPr id="6" name="Diagramme 5"/>
+          <p:cNvGraphicFramePr/>
+          <p:nvPr>
+            <p:extLst/>
+          </p:nvPr>
+        </p:nvGraphicFramePr>
+        <p:xfrm>
+          <a:off x="6298250" y="111096"/>
+          <a:ext cx="5713091" cy="410198"/>
+        </p:xfrm>
+        <a:graphic>
+          <a:graphicData uri="http://schemas.openxmlformats.org/drawingml/2006/diagram">
+            <dgm:relIds xmlns:dgm="http://schemas.openxmlformats.org/drawingml/2006/diagram" xmlns:r="http://schemas.openxmlformats.org/officeDocument/2006/relationships" r:dm="rId2" r:lo="rId3" r:qs="rId4" r:cs="rId5"/>
+          </a:graphicData>
+        </a:graphic>
+      </p:graphicFrame>
+    </p:spTree>
+    <p:extLst>
+      <p:ext uri="{BB962C8B-B14F-4D97-AF65-F5344CB8AC3E}">
+        <p14:creationId xmlns:p14="http://schemas.microsoft.com/office/powerpoint/2010/main" val="3639119508"/>
+      </p:ext>
+    </p:extLst>
+  </p:cSld>
+  <p:clrMapOvr>
+    <a:masterClrMapping/>
+  </p:clrMapOvr>
+  <mc:AlternateContent xmlns:mc="http://schemas.openxmlformats.org/markup-compatibility/2006" xmlns:p14="http://schemas.microsoft.com/office/powerpoint/2010/main">
+    <mc:Choice Requires="p14">
+      <p:transition spd="slow" p14:dur="1250">
+        <p14:switch dir="r"/>
+      </p:transition>
+    </mc:Choice>
+    <mc:Fallback xmlns="">
+      <p:transition spd="slow">
+        <p:fade/>
+      </p:transition>
+    </mc:Fallback>
+  </mc:AlternateContent>
+</p:sld>
+</file>
+
+<file path=ppt/slides/slide12.xml><?xml version="1.0" encoding="utf-8"?>
+<p:sld xmlns:a="http://schemas.openxmlformats.org/drawingml/2006/main" xmlns:r="http://schemas.openxmlformats.org/officeDocument/2006/relationships" xmlns:p="http://schemas.openxmlformats.org/presentationml/2006/main">
+  <p:cSld>
+    <p:spTree>
+      <p:nvGrpSpPr>
+        <p:cNvPr id="1" name=""/>
+        <p:cNvGrpSpPr/>
+        <p:nvPr/>
+      </p:nvGrpSpPr>
+      <p:grpSpPr>
+        <a:xfrm>
+          <a:off x="0" y="0"/>
+          <a:ext cx="0" cy="0"/>
+          <a:chOff x="0" y="0"/>
+          <a:chExt cx="0" cy="0"/>
+        </a:xfrm>
+      </p:grpSpPr>
+      <p:sp>
+        <p:nvSpPr>
+          <p:cNvPr id="2" name="Titre 1"/>
+          <p:cNvSpPr>
+            <a:spLocks noGrp="1"/>
+          </p:cNvSpPr>
+          <p:nvPr>
+            <p:ph type="title"/>
+          </p:nvPr>
+        </p:nvSpPr>
+        <p:spPr/>
+        <p:txBody>
+          <a:bodyPr/>
+          <a:lstStyle/>
+          <a:p>
+            <a:r>
+              <a:rPr lang="fr-FR" dirty="0" smtClean="0"/>
+              <a:t>Importer / Exporter</a:t>
+            </a:r>
+            <a:endParaRPr lang="fr-FR" dirty="0"/>
+          </a:p>
+        </p:txBody>
+      </p:sp>
+      <p:sp>
+        <p:nvSpPr>
+          <p:cNvPr id="3" name="Espace réservé du contenu 2"/>
+          <p:cNvSpPr>
+            <a:spLocks noGrp="1"/>
+          </p:cNvSpPr>
+          <p:nvPr>
+            <p:ph idx="1"/>
+          </p:nvPr>
+        </p:nvSpPr>
+        <p:spPr>
+          <a:xfrm>
+            <a:off x="1840550" y="1776898"/>
+            <a:ext cx="8915400" cy="3777622"/>
+          </a:xfrm>
+        </p:spPr>
+        <p:txBody>
+          <a:bodyPr/>
+          <a:lstStyle/>
+          <a:p>
+            <a:r>
+              <a:rPr lang="fr-FR" dirty="0" smtClean="0"/>
+              <a:t>Utilisation du format </a:t>
+            </a:r>
+            <a:r>
+              <a:rPr lang="fr-FR" dirty="0"/>
+              <a:t>.</a:t>
+            </a:r>
+            <a:r>
+              <a:rPr lang="fr-FR" dirty="0" smtClean="0"/>
+              <a:t>csv</a:t>
+            </a:r>
+          </a:p>
+          <a:p>
+            <a:r>
+              <a:rPr lang="fr-FR" dirty="0" smtClean="0"/>
+              <a:t>Fichiers ouvrables sous </a:t>
+            </a:r>
+            <a:r>
+              <a:rPr lang="fr-FR" dirty="0" err="1" smtClean="0"/>
+              <a:t>Exel</a:t>
+            </a:r>
+            <a:r>
+              <a:rPr lang="fr-FR" dirty="0" smtClean="0"/>
+              <a:t>/</a:t>
+            </a:r>
+            <a:r>
+              <a:rPr lang="fr-FR" dirty="0" err="1" smtClean="0"/>
+              <a:t>Calc</a:t>
+            </a:r>
+            <a:endParaRPr lang="fr-FR" dirty="0" smtClean="0"/>
+          </a:p>
+          <a:p>
+            <a:endParaRPr lang="fr-FR" dirty="0"/>
+          </a:p>
+          <a:p>
+            <a:r>
+              <a:rPr lang="fr-FR" dirty="0" smtClean="0"/>
+              <a:t>Dossier « Importation automatiques »</a:t>
+            </a:r>
+            <a:endParaRPr lang="fr-FR" dirty="0"/>
+          </a:p>
+        </p:txBody>
+      </p:sp>
+      <p:sp>
+        <p:nvSpPr>
+          <p:cNvPr id="4" name="Espace réservé du pied de page 3"/>
+          <p:cNvSpPr>
+            <a:spLocks noGrp="1"/>
+          </p:cNvSpPr>
+          <p:nvPr>
+            <p:ph type="ftr" sz="quarter" idx="11"/>
+          </p:nvPr>
+        </p:nvSpPr>
+        <p:spPr/>
+        <p:txBody>
+          <a:bodyPr/>
+          <a:lstStyle/>
+          <a:p>
+            <a:r>
+              <a:rPr lang="en-US" smtClean="0"/>
+              <a:t>Yoann Gathignol - Titouan Bouete-Giraud - Guillaume Robert - 1A</a:t>
+            </a:r>
+            <a:endParaRPr lang="en-US" dirty="0"/>
+          </a:p>
+        </p:txBody>
+      </p:sp>
+      <p:sp>
+        <p:nvSpPr>
+          <p:cNvPr id="5" name="Espace réservé du numéro de diapositive 4"/>
+          <p:cNvSpPr>
+            <a:spLocks noGrp="1"/>
+          </p:cNvSpPr>
+          <p:nvPr>
+            <p:ph type="sldNum" sz="quarter" idx="12"/>
+          </p:nvPr>
+        </p:nvSpPr>
+        <p:spPr/>
+        <p:txBody>
+          <a:bodyPr/>
+          <a:lstStyle/>
+          <a:p>
+            <a:fld id="{D57F1E4F-1CFF-5643-939E-217C01CDF565}" type="slidenum">
+              <a:rPr lang="en-US" smtClean="0"/>
+              <a:pPr/>
+              <a:t>12</a:t>
+            </a:fld>
+            <a:endParaRPr lang="en-US" dirty="0"/>
+          </a:p>
+        </p:txBody>
+      </p:sp>
+      <p:graphicFrame>
+        <p:nvGraphicFramePr>
+          <p:cNvPr id="6" name="Diagramme 5"/>
+          <p:cNvGraphicFramePr/>
+          <p:nvPr>
+            <p:extLst>
+              <p:ext uri="{D42A27DB-BD31-4B8C-83A1-F6EECF244321}">
+                <p14:modId xmlns:p14="http://schemas.microsoft.com/office/powerpoint/2010/main" val="2260408208"/>
+              </p:ext>
+            </p:extLst>
+          </p:nvPr>
+        </p:nvGraphicFramePr>
+        <p:xfrm>
+          <a:off x="6298250" y="111096"/>
+          <a:ext cx="5713091" cy="410198"/>
+        </p:xfrm>
+        <a:graphic>
+          <a:graphicData uri="http://schemas.openxmlformats.org/drawingml/2006/diagram">
+            <dgm:relIds xmlns:dgm="http://schemas.openxmlformats.org/drawingml/2006/diagram" xmlns:r="http://schemas.openxmlformats.org/officeDocument/2006/relationships" r:dm="rId2" r:lo="rId3" r:qs="rId4" r:cs="rId5"/>
+          </a:graphicData>
+        </a:graphic>
+      </p:graphicFrame>
+      <p:pic>
+        <p:nvPicPr>
+          <p:cNvPr id="7" name="Image 6"/>
+          <p:cNvPicPr>
+            <a:picLocks noChangeAspect="1"/>
+          </p:cNvPicPr>
+          <p:nvPr/>
+        </p:nvPicPr>
+        <p:blipFill>
+          <a:blip r:embed="rId7"/>
+          <a:stretch>
+            <a:fillRect/>
+          </a:stretch>
+        </p:blipFill>
+        <p:spPr>
+          <a:xfrm>
+            <a:off x="6455726" y="1412190"/>
+            <a:ext cx="5542752" cy="3251434"/>
+          </a:xfrm>
+          <a:prstGeom prst="rect">
+            <a:avLst/>
+          </a:prstGeom>
+        </p:spPr>
+      </p:pic>
     </p:spTree>
     <p:extLst>
       <p:ext uri="{BB962C8B-B14F-4D97-AF65-F5344CB8AC3E}">
@@ -27246,44 +31731,6 @@
           <a:chExt cx="0" cy="0"/>
         </a:xfrm>
       </p:grpSpPr>
-      <p:sp>
-        <p:nvSpPr>
-          <p:cNvPr id="2" name="Titre 1"/>
-          <p:cNvSpPr>
-            <a:spLocks noGrp="1"/>
-          </p:cNvSpPr>
-          <p:nvPr>
-            <p:ph type="title"/>
-          </p:nvPr>
-        </p:nvSpPr>
-        <p:spPr/>
-        <p:txBody>
-          <a:bodyPr/>
-          <a:lstStyle/>
-          <a:p>
-            <a:endParaRPr lang="fr-FR" dirty="0"/>
-          </a:p>
-        </p:txBody>
-      </p:sp>
-      <p:sp>
-        <p:nvSpPr>
-          <p:cNvPr id="3" name="Espace réservé du contenu 2"/>
-          <p:cNvSpPr>
-            <a:spLocks noGrp="1"/>
-          </p:cNvSpPr>
-          <p:nvPr>
-            <p:ph idx="1"/>
-          </p:nvPr>
-        </p:nvSpPr>
-        <p:spPr/>
-        <p:txBody>
-          <a:bodyPr/>
-          <a:lstStyle/>
-          <a:p>
-            <a:endParaRPr lang="fr-FR" dirty="0"/>
-          </a:p>
-        </p:txBody>
-      </p:sp>
       <p:sp>
         <p:nvSpPr>
           <p:cNvPr id="4" name="Espace réservé du pied de page 3"/>
@@ -27750,10 +32197,52 @@
             <p:ph idx="1"/>
           </p:nvPr>
         </p:nvSpPr>
-        <p:spPr/>
+        <p:spPr>
+          <a:xfrm>
+            <a:off x="531812" y="2030612"/>
+            <a:ext cx="8915400" cy="3777622"/>
+          </a:xfrm>
+        </p:spPr>
         <p:txBody>
           <a:bodyPr/>
           <a:lstStyle/>
+          <a:p>
+            <a:r>
+              <a:rPr lang="fr-FR" dirty="0" smtClean="0"/>
+              <a:t>Mise en forme</a:t>
+            </a:r>
+          </a:p>
+          <a:p>
+            <a:r>
+              <a:rPr lang="fr-FR" dirty="0" smtClean="0"/>
+              <a:t>Remplir les cases</a:t>
+            </a:r>
+          </a:p>
+          <a:p>
+            <a:r>
+              <a:rPr lang="fr-FR" dirty="0" smtClean="0"/>
+              <a:t>Imprimer</a:t>
+            </a:r>
+          </a:p>
+          <a:p>
+            <a:endParaRPr lang="fr-FR" dirty="0"/>
+          </a:p>
+          <a:p>
+            <a:r>
+              <a:rPr lang="fr-FR" dirty="0" smtClean="0"/>
+              <a:t>Modification </a:t>
+            </a:r>
+            <a:r>
+              <a:rPr lang="fr-FR" dirty="0" smtClean="0"/>
+              <a:t>compliquée</a:t>
+            </a:r>
+          </a:p>
+          <a:p>
+            <a:pPr marL="0" indent="0">
+              <a:buNone/>
+            </a:pPr>
+            <a:endParaRPr lang="fr-FR" dirty="0" smtClean="0"/>
+          </a:p>
           <a:p>
             <a:endParaRPr lang="fr-FR" dirty="0"/>
           </a:p>
@@ -27801,221 +32290,6 @@
               <a:rPr lang="en-US" smtClean="0"/>
               <a:pPr/>
               <a:t>4</a:t>
-            </a:fld>
-            <a:endParaRPr lang="en-US" dirty="0"/>
-          </a:p>
-        </p:txBody>
-      </p:sp>
-      <p:pic>
-        <p:nvPicPr>
-          <p:cNvPr id="7" name="Image 6"/>
-          <p:cNvPicPr>
-            <a:picLocks noChangeAspect="1"/>
-          </p:cNvPicPr>
-          <p:nvPr/>
-        </p:nvPicPr>
-        <p:blipFill rotWithShape="1">
-          <a:blip r:embed="rId2"/>
-          <a:srcRect l="-1" t="-74" r="27917" b="19852"/>
-          <a:stretch/>
-        </p:blipFill>
-        <p:spPr>
-          <a:xfrm>
-            <a:off x="2589212" y="1537531"/>
-            <a:ext cx="8154824" cy="5105014"/>
-          </a:xfrm>
-          <a:prstGeom prst="rect">
-            <a:avLst/>
-          </a:prstGeom>
-        </p:spPr>
-      </p:pic>
-      <p:graphicFrame>
-        <p:nvGraphicFramePr>
-          <p:cNvPr id="8" name="Diagramme 7"/>
-          <p:cNvGraphicFramePr/>
-          <p:nvPr>
-            <p:extLst>
-              <p:ext uri="{D42A27DB-BD31-4B8C-83A1-F6EECF244321}">
-                <p14:modId xmlns:p14="http://schemas.microsoft.com/office/powerpoint/2010/main" val="2260408208"/>
-              </p:ext>
-            </p:extLst>
-          </p:nvPr>
-        </p:nvGraphicFramePr>
-        <p:xfrm>
-          <a:off x="6298250" y="111096"/>
-          <a:ext cx="5713091" cy="410198"/>
-        </p:xfrm>
-        <a:graphic>
-          <a:graphicData uri="http://schemas.openxmlformats.org/drawingml/2006/diagram">
-            <dgm:relIds xmlns:dgm="http://schemas.openxmlformats.org/drawingml/2006/diagram" xmlns:r="http://schemas.openxmlformats.org/officeDocument/2006/relationships" r:dm="rId3" r:lo="rId4" r:qs="rId5" r:cs="rId6"/>
-          </a:graphicData>
-        </a:graphic>
-      </p:graphicFrame>
-    </p:spTree>
-    <p:extLst>
-      <p:ext uri="{BB962C8B-B14F-4D97-AF65-F5344CB8AC3E}">
-        <p14:creationId xmlns:p14="http://schemas.microsoft.com/office/powerpoint/2010/main" val="3076779576"/>
-      </p:ext>
-    </p:extLst>
-  </p:cSld>
-  <p:clrMapOvr>
-    <a:masterClrMapping/>
-  </p:clrMapOvr>
-  <mc:AlternateContent xmlns:mc="http://schemas.openxmlformats.org/markup-compatibility/2006" xmlns:p14="http://schemas.microsoft.com/office/powerpoint/2010/main">
-    <mc:Choice Requires="p14">
-      <p:transition spd="slow" p14:dur="1250">
-        <p14:switch dir="r"/>
-      </p:transition>
-    </mc:Choice>
-    <mc:Fallback xmlns="">
-      <p:transition spd="slow">
-        <p:fade/>
-      </p:transition>
-    </mc:Fallback>
-  </mc:AlternateContent>
-  <p:timing>
-    <p:tnLst>
-      <p:par>
-        <p:cTn id="1" dur="indefinite" restart="never" nodeType="tmRoot"/>
-      </p:par>
-    </p:tnLst>
-  </p:timing>
-</p:sld>
-</file>
-
-<file path=ppt/slides/slide5.xml><?xml version="1.0" encoding="utf-8"?>
-<p:sld xmlns:a="http://schemas.openxmlformats.org/drawingml/2006/main" xmlns:r="http://schemas.openxmlformats.org/officeDocument/2006/relationships" xmlns:p="http://schemas.openxmlformats.org/presentationml/2006/main">
-  <p:cSld>
-    <p:spTree>
-      <p:nvGrpSpPr>
-        <p:cNvPr id="1" name=""/>
-        <p:cNvGrpSpPr/>
-        <p:nvPr/>
-      </p:nvGrpSpPr>
-      <p:grpSpPr>
-        <a:xfrm>
-          <a:off x="0" y="0"/>
-          <a:ext cx="0" cy="0"/>
-          <a:chOff x="0" y="0"/>
-          <a:chExt cx="0" cy="0"/>
-        </a:xfrm>
-      </p:grpSpPr>
-      <p:sp>
-        <p:nvSpPr>
-          <p:cNvPr id="2" name="Titre 1"/>
-          <p:cNvSpPr>
-            <a:spLocks noGrp="1"/>
-          </p:cNvSpPr>
-          <p:nvPr>
-            <p:ph type="title"/>
-          </p:nvPr>
-        </p:nvSpPr>
-        <p:spPr/>
-        <p:txBody>
-          <a:bodyPr/>
-          <a:lstStyle/>
-          <a:p>
-            <a:r>
-              <a:rPr lang="fr-FR" dirty="0" smtClean="0"/>
-              <a:t>Présentation de l’existant</a:t>
-            </a:r>
-            <a:endParaRPr lang="fr-FR" dirty="0"/>
-          </a:p>
-        </p:txBody>
-      </p:sp>
-      <p:sp>
-        <p:nvSpPr>
-          <p:cNvPr id="3" name="Espace réservé du contenu 2"/>
-          <p:cNvSpPr>
-            <a:spLocks noGrp="1"/>
-          </p:cNvSpPr>
-          <p:nvPr>
-            <p:ph idx="1"/>
-          </p:nvPr>
-        </p:nvSpPr>
-        <p:spPr>
-          <a:xfrm>
-            <a:off x="531812" y="2030612"/>
-            <a:ext cx="8915400" cy="3777622"/>
-          </a:xfrm>
-        </p:spPr>
-        <p:txBody>
-          <a:bodyPr/>
-          <a:lstStyle/>
-          <a:p>
-            <a:r>
-              <a:rPr lang="fr-FR" dirty="0" smtClean="0"/>
-              <a:t>Mise en forme</a:t>
-            </a:r>
-          </a:p>
-          <a:p>
-            <a:r>
-              <a:rPr lang="fr-FR" dirty="0" smtClean="0"/>
-              <a:t>Remplir les cases</a:t>
-            </a:r>
-          </a:p>
-          <a:p>
-            <a:r>
-              <a:rPr lang="fr-FR" dirty="0" smtClean="0"/>
-              <a:t>Imprimer</a:t>
-            </a:r>
-          </a:p>
-          <a:p>
-            <a:endParaRPr lang="fr-FR" dirty="0"/>
-          </a:p>
-          <a:p>
-            <a:r>
-              <a:rPr lang="fr-FR" dirty="0" smtClean="0"/>
-              <a:t>Modification compliquée</a:t>
-            </a:r>
-          </a:p>
-          <a:p>
-            <a:endParaRPr lang="fr-FR" dirty="0"/>
-          </a:p>
-        </p:txBody>
-      </p:sp>
-      <p:sp>
-        <p:nvSpPr>
-          <p:cNvPr id="4" name="Espace réservé du pied de page 3"/>
-          <p:cNvSpPr>
-            <a:spLocks noGrp="1"/>
-          </p:cNvSpPr>
-          <p:nvPr>
-            <p:ph type="ftr" sz="quarter" idx="11"/>
-          </p:nvPr>
-        </p:nvSpPr>
-        <p:spPr/>
-        <p:txBody>
-          <a:bodyPr/>
-          <a:lstStyle/>
-          <a:p>
-            <a:r>
-              <a:rPr lang="en-US" smtClean="0"/>
-              <a:t>Yoann Gathignol - Titouan Bouete-Giraud - Guillaume Robert - 1A</a:t>
-            </a:r>
-            <a:endParaRPr lang="en-US" dirty="0"/>
-          </a:p>
-        </p:txBody>
-      </p:sp>
-      <p:sp>
-        <p:nvSpPr>
-          <p:cNvPr id="5" name="Espace réservé du numéro de diapositive 4"/>
-          <p:cNvSpPr>
-            <a:spLocks noGrp="1"/>
-          </p:cNvSpPr>
-          <p:nvPr>
-            <p:ph type="sldNum" sz="quarter" idx="12"/>
-          </p:nvPr>
-        </p:nvSpPr>
-        <p:spPr/>
-        <p:txBody>
-          <a:bodyPr/>
-          <a:lstStyle/>
-          <a:p>
-            <a:fld id="{D57F1E4F-1CFF-5643-939E-217C01CDF565}" type="slidenum">
-              <a:rPr lang="en-US" smtClean="0"/>
-              <a:pPr/>
-              <a:t>5</a:t>
             </a:fld>
             <a:endParaRPr lang="en-US" dirty="0"/>
           </a:p>
@@ -28095,6 +32369,405 @@
       </p:par>
     </p:tnLst>
   </p:timing>
+</p:sld>
+</file>
+
+<file path=ppt/slides/slide5.xml><?xml version="1.0" encoding="utf-8"?>
+<p:sld xmlns:a="http://schemas.openxmlformats.org/drawingml/2006/main" xmlns:r="http://schemas.openxmlformats.org/officeDocument/2006/relationships" xmlns:p="http://schemas.openxmlformats.org/presentationml/2006/main">
+  <p:cSld>
+    <p:spTree>
+      <p:nvGrpSpPr>
+        <p:cNvPr id="1" name=""/>
+        <p:cNvGrpSpPr/>
+        <p:nvPr/>
+      </p:nvGrpSpPr>
+      <p:grpSpPr>
+        <a:xfrm>
+          <a:off x="0" y="0"/>
+          <a:ext cx="0" cy="0"/>
+          <a:chOff x="0" y="0"/>
+          <a:chExt cx="0" cy="0"/>
+        </a:xfrm>
+      </p:grpSpPr>
+      <p:sp>
+        <p:nvSpPr>
+          <p:cNvPr id="2" name="Titre 1"/>
+          <p:cNvSpPr>
+            <a:spLocks noGrp="1"/>
+          </p:cNvSpPr>
+          <p:nvPr>
+            <p:ph type="title"/>
+          </p:nvPr>
+        </p:nvSpPr>
+        <p:spPr/>
+        <p:txBody>
+          <a:bodyPr/>
+          <a:lstStyle/>
+          <a:p>
+            <a:r>
+              <a:rPr lang="fr-FR" dirty="0" smtClean="0"/>
+              <a:t>Méthode </a:t>
+            </a:r>
+            <a:r>
+              <a:rPr lang="fr-FR" dirty="0" err="1" smtClean="0"/>
+              <a:t>MoSCoW</a:t>
+            </a:r>
+            <a:endParaRPr lang="fr-FR" dirty="0"/>
+          </a:p>
+        </p:txBody>
+      </p:sp>
+      <p:sp>
+        <p:nvSpPr>
+          <p:cNvPr id="3" name="Espace réservé du contenu 2"/>
+          <p:cNvSpPr>
+            <a:spLocks noGrp="1"/>
+          </p:cNvSpPr>
+          <p:nvPr>
+            <p:ph idx="1"/>
+          </p:nvPr>
+        </p:nvSpPr>
+        <p:spPr>
+          <a:xfrm>
+            <a:off x="2675477" y="2164695"/>
+            <a:ext cx="8915400" cy="3777622"/>
+          </a:xfrm>
+        </p:spPr>
+        <p:txBody>
+          <a:bodyPr/>
+          <a:lstStyle/>
+          <a:p>
+            <a:r>
+              <a:rPr lang="fr-FR" dirty="0" smtClean="0"/>
+              <a:t>Must have</a:t>
+            </a:r>
+          </a:p>
+          <a:p>
+            <a:r>
+              <a:rPr lang="fr-FR" dirty="0" err="1" smtClean="0"/>
+              <a:t>Should</a:t>
+            </a:r>
+            <a:r>
+              <a:rPr lang="fr-FR" dirty="0" smtClean="0"/>
+              <a:t> have</a:t>
+            </a:r>
+          </a:p>
+          <a:p>
+            <a:r>
+              <a:rPr lang="fr-FR" dirty="0" err="1" smtClean="0"/>
+              <a:t>Could</a:t>
+            </a:r>
+            <a:r>
+              <a:rPr lang="fr-FR" dirty="0" smtClean="0"/>
+              <a:t> have</a:t>
+            </a:r>
+          </a:p>
+          <a:p>
+            <a:r>
+              <a:rPr lang="fr-FR" dirty="0" err="1" smtClean="0"/>
+              <a:t>Won’t</a:t>
+            </a:r>
+            <a:r>
+              <a:rPr lang="fr-FR" dirty="0" smtClean="0"/>
+              <a:t> have</a:t>
+            </a:r>
+            <a:endParaRPr lang="fr-FR" dirty="0"/>
+          </a:p>
+        </p:txBody>
+      </p:sp>
+      <p:sp>
+        <p:nvSpPr>
+          <p:cNvPr id="4" name="Espace réservé du pied de page 3"/>
+          <p:cNvSpPr>
+            <a:spLocks noGrp="1"/>
+          </p:cNvSpPr>
+          <p:nvPr>
+            <p:ph type="ftr" sz="quarter" idx="11"/>
+          </p:nvPr>
+        </p:nvSpPr>
+        <p:spPr/>
+        <p:txBody>
+          <a:bodyPr/>
+          <a:lstStyle/>
+          <a:p>
+            <a:r>
+              <a:rPr lang="en-US" smtClean="0"/>
+              <a:t>Yoann Gathignol - Titouan Bouete-Giraud - Guillaume Robert - 1A</a:t>
+            </a:r>
+            <a:endParaRPr lang="en-US" dirty="0"/>
+          </a:p>
+        </p:txBody>
+      </p:sp>
+      <p:sp>
+        <p:nvSpPr>
+          <p:cNvPr id="5" name="Espace réservé du numéro de diapositive 4"/>
+          <p:cNvSpPr>
+            <a:spLocks noGrp="1"/>
+          </p:cNvSpPr>
+          <p:nvPr>
+            <p:ph type="sldNum" sz="quarter" idx="12"/>
+          </p:nvPr>
+        </p:nvSpPr>
+        <p:spPr/>
+        <p:txBody>
+          <a:bodyPr/>
+          <a:lstStyle/>
+          <a:p>
+            <a:fld id="{D57F1E4F-1CFF-5643-939E-217C01CDF565}" type="slidenum">
+              <a:rPr lang="en-US" smtClean="0"/>
+              <a:pPr/>
+              <a:t>5</a:t>
+            </a:fld>
+            <a:endParaRPr lang="en-US" dirty="0"/>
+          </a:p>
+        </p:txBody>
+      </p:sp>
+      <p:pic>
+        <p:nvPicPr>
+          <p:cNvPr id="1026" name="Picture 2" descr="https://scontent-cdg2-1.xx.fbcdn.net/v/t35.0-12/15326254_10209978856381354_1399969613743712409_o.jpg?oh=6ec5b6797ef2d0bd386ba126fe5912a5&amp;oe=584A2579"/>
+          <p:cNvPicPr>
+            <a:picLocks noChangeAspect="1" noChangeArrowheads="1"/>
+          </p:cNvPicPr>
+          <p:nvPr/>
+        </p:nvPicPr>
+        <p:blipFill>
+          <a:blip r:embed="rId2">
+            <a:extLst>
+              <a:ext uri="{28A0092B-C50C-407E-A947-70E740481C1C}">
+                <a14:useLocalDpi xmlns:a14="http://schemas.microsoft.com/office/drawing/2010/main" val="0"/>
+              </a:ext>
+            </a:extLst>
+          </a:blip>
+          <a:srcRect/>
+          <a:stretch>
+            <a:fillRect/>
+          </a:stretch>
+        </p:blipFill>
+        <p:spPr bwMode="auto">
+          <a:xfrm>
+            <a:off x="1169026" y="4079498"/>
+            <a:ext cx="10460369" cy="1940908"/>
+          </a:xfrm>
+          <a:prstGeom prst="rect">
+            <a:avLst/>
+          </a:prstGeom>
+          <a:noFill/>
+          <a:extLst>
+            <a:ext uri="{909E8E84-426E-40DD-AFC4-6F175D3DCCD1}">
+              <a14:hiddenFill xmlns:a14="http://schemas.microsoft.com/office/drawing/2010/main">
+                <a:solidFill>
+                  <a:srgbClr val="FFFFFF"/>
+                </a:solidFill>
+              </a14:hiddenFill>
+            </a:ext>
+          </a:extLst>
+        </p:spPr>
+      </p:pic>
+      <p:sp>
+        <p:nvSpPr>
+          <p:cNvPr id="6" name="Rectangle 5"/>
+          <p:cNvSpPr/>
+          <p:nvPr/>
+        </p:nvSpPr>
+        <p:spPr>
+          <a:xfrm>
+            <a:off x="4714338" y="2272158"/>
+            <a:ext cx="215660" cy="207034"/>
+          </a:xfrm>
+          <a:prstGeom prst="rect">
+            <a:avLst/>
+          </a:prstGeom>
+          <a:solidFill>
+            <a:srgbClr val="00B050"/>
+          </a:solidFill>
+          <a:ln>
+            <a:noFill/>
+          </a:ln>
+        </p:spPr>
+        <p:style>
+          <a:lnRef idx="2">
+            <a:schemeClr val="accent1">
+              <a:shade val="50000"/>
+            </a:schemeClr>
+          </a:lnRef>
+          <a:fillRef idx="1">
+            <a:schemeClr val="accent1"/>
+          </a:fillRef>
+          <a:effectRef idx="0">
+            <a:schemeClr val="accent1"/>
+          </a:effectRef>
+          <a:fontRef idx="minor">
+            <a:schemeClr val="lt1"/>
+          </a:fontRef>
+        </p:style>
+        <p:txBody>
+          <a:bodyPr rtlCol="0" anchor="ctr"/>
+          <a:lstStyle/>
+          <a:p>
+            <a:pPr algn="ctr"/>
+            <a:endParaRPr lang="fr-FR"/>
+          </a:p>
+        </p:txBody>
+      </p:sp>
+      <p:sp>
+        <p:nvSpPr>
+          <p:cNvPr id="8" name="Rectangle 7"/>
+          <p:cNvSpPr/>
+          <p:nvPr/>
+        </p:nvSpPr>
+        <p:spPr>
+          <a:xfrm>
+            <a:off x="4714338" y="2635370"/>
+            <a:ext cx="215660" cy="207034"/>
+          </a:xfrm>
+          <a:prstGeom prst="rect">
+            <a:avLst/>
+          </a:prstGeom>
+          <a:solidFill>
+            <a:srgbClr val="FFC000"/>
+          </a:solidFill>
+          <a:ln>
+            <a:noFill/>
+          </a:ln>
+        </p:spPr>
+        <p:style>
+          <a:lnRef idx="2">
+            <a:schemeClr val="accent1">
+              <a:shade val="50000"/>
+            </a:schemeClr>
+          </a:lnRef>
+          <a:fillRef idx="1">
+            <a:schemeClr val="accent1"/>
+          </a:fillRef>
+          <a:effectRef idx="0">
+            <a:schemeClr val="accent1"/>
+          </a:effectRef>
+          <a:fontRef idx="minor">
+            <a:schemeClr val="lt1"/>
+          </a:fontRef>
+        </p:style>
+        <p:txBody>
+          <a:bodyPr rtlCol="0" anchor="ctr"/>
+          <a:lstStyle/>
+          <a:p>
+            <a:pPr algn="ctr"/>
+            <a:endParaRPr lang="fr-FR"/>
+          </a:p>
+        </p:txBody>
+      </p:sp>
+      <p:sp>
+        <p:nvSpPr>
+          <p:cNvPr id="9" name="Rectangle 8"/>
+          <p:cNvSpPr/>
+          <p:nvPr/>
+        </p:nvSpPr>
+        <p:spPr>
+          <a:xfrm>
+            <a:off x="4714338" y="3000099"/>
+            <a:ext cx="215660" cy="207034"/>
+          </a:xfrm>
+          <a:prstGeom prst="rect">
+            <a:avLst/>
+          </a:prstGeom>
+          <a:solidFill>
+            <a:srgbClr val="FF0000"/>
+          </a:solidFill>
+          <a:ln>
+            <a:noFill/>
+          </a:ln>
+        </p:spPr>
+        <p:style>
+          <a:lnRef idx="2">
+            <a:schemeClr val="accent1">
+              <a:shade val="50000"/>
+            </a:schemeClr>
+          </a:lnRef>
+          <a:fillRef idx="1">
+            <a:schemeClr val="accent1"/>
+          </a:fillRef>
+          <a:effectRef idx="0">
+            <a:schemeClr val="accent1"/>
+          </a:effectRef>
+          <a:fontRef idx="minor">
+            <a:schemeClr val="lt1"/>
+          </a:fontRef>
+        </p:style>
+        <p:txBody>
+          <a:bodyPr rtlCol="0" anchor="ctr"/>
+          <a:lstStyle/>
+          <a:p>
+            <a:pPr algn="ctr"/>
+            <a:endParaRPr lang="fr-FR"/>
+          </a:p>
+        </p:txBody>
+      </p:sp>
+      <p:sp>
+        <p:nvSpPr>
+          <p:cNvPr id="10" name="Rectangle 9"/>
+          <p:cNvSpPr/>
+          <p:nvPr/>
+        </p:nvSpPr>
+        <p:spPr>
+          <a:xfrm>
+            <a:off x="4714338" y="3441427"/>
+            <a:ext cx="215660" cy="207034"/>
+          </a:xfrm>
+          <a:prstGeom prst="rect">
+            <a:avLst/>
+          </a:prstGeom>
+          <a:solidFill>
+            <a:schemeClr val="tx1"/>
+          </a:solidFill>
+          <a:ln>
+            <a:noFill/>
+          </a:ln>
+        </p:spPr>
+        <p:style>
+          <a:lnRef idx="2">
+            <a:schemeClr val="accent1">
+              <a:shade val="50000"/>
+            </a:schemeClr>
+          </a:lnRef>
+          <a:fillRef idx="1">
+            <a:schemeClr val="accent1"/>
+          </a:fillRef>
+          <a:effectRef idx="0">
+            <a:schemeClr val="accent1"/>
+          </a:effectRef>
+          <a:fontRef idx="minor">
+            <a:schemeClr val="lt1"/>
+          </a:fontRef>
+        </p:style>
+        <p:txBody>
+          <a:bodyPr rtlCol="0" anchor="ctr"/>
+          <a:lstStyle/>
+          <a:p>
+            <a:pPr algn="ctr"/>
+            <a:endParaRPr lang="fr-FR"/>
+          </a:p>
+        </p:txBody>
+      </p:sp>
+    </p:spTree>
+    <p:extLst>
+      <p:ext uri="{BB962C8B-B14F-4D97-AF65-F5344CB8AC3E}">
+        <p14:creationId xmlns:p14="http://schemas.microsoft.com/office/powerpoint/2010/main" val="661786772"/>
+      </p:ext>
+    </p:extLst>
+  </p:cSld>
+  <p:clrMapOvr>
+    <a:masterClrMapping/>
+  </p:clrMapOvr>
+  <mc:AlternateContent xmlns:mc="http://schemas.openxmlformats.org/markup-compatibility/2006">
+    <mc:Choice xmlns:p14="http://schemas.microsoft.com/office/powerpoint/2010/main" Requires="p14">
+      <p:transition spd="slow" p14:dur="1250">
+        <p14:switch dir="r"/>
+      </p:transition>
+    </mc:Choice>
+    <mc:Fallback>
+      <p:transition spd="slow">
+        <p:fade/>
+      </p:transition>
+    </mc:Fallback>
+  </mc:AlternateContent>
 </p:sld>
 </file>
 
@@ -28294,7 +32967,12 @@
             <p:ph idx="1"/>
           </p:nvPr>
         </p:nvSpPr>
-        <p:spPr/>
+        <p:spPr>
+          <a:xfrm>
+            <a:off x="2113724" y="2133600"/>
+            <a:ext cx="8915400" cy="3777622"/>
+          </a:xfrm>
+        </p:spPr>
         <p:txBody>
           <a:bodyPr/>
           <a:lstStyle/>
@@ -28308,14 +32986,15 @@
             <a:pPr lvl="1"/>
             <a:r>
               <a:rPr lang="fr-FR" dirty="0" smtClean="0"/>
-              <a:t>Librairies Interfaces (code existant)</a:t>
+              <a:t>Librairies Interfaces </a:t>
             </a:r>
-          </a:p>
-          <a:p>
-            <a:pPr lvl="1"/>
             <a:r>
               <a:rPr lang="fr-FR" dirty="0" smtClean="0"/>
-              <a:t>(//aisance avec le langage)</a:t>
+              <a:t>graphiques (code </a:t>
+            </a:r>
+            <a:r>
+              <a:rPr lang="fr-FR" dirty="0" smtClean="0"/>
+              <a:t>existant)</a:t>
             </a:r>
           </a:p>
           <a:p>
@@ -28331,15 +33010,42 @@
             <a:pPr lvl="1"/>
             <a:r>
               <a:rPr lang="fr-FR" dirty="0" smtClean="0"/>
-              <a:t>Stockage de données</a:t>
+              <a:t>Stockage de </a:t>
+            </a:r>
+            <a:r>
+              <a:rPr lang="fr-FR" dirty="0" smtClean="0"/>
+              <a:t>données</a:t>
             </a:r>
           </a:p>
           <a:p>
             <a:pPr lvl="1"/>
             <a:r>
               <a:rPr lang="fr-FR" dirty="0" smtClean="0"/>
-              <a:t>Facilement utilisable en java (//points virgules)</a:t>
+              <a:t>Facilement </a:t>
             </a:r>
+            <a:r>
+              <a:rPr lang="fr-FR" dirty="0" smtClean="0"/>
+              <a:t>utilisable en </a:t>
+            </a:r>
+            <a:r>
+              <a:rPr lang="fr-FR" dirty="0" smtClean="0"/>
+              <a:t>java</a:t>
+            </a:r>
+          </a:p>
+          <a:p>
+            <a:pPr lvl="1"/>
+            <a:r>
+              <a:rPr lang="fr-FR" dirty="0"/>
+              <a:t>Format </a:t>
+            </a:r>
+            <a:r>
+              <a:rPr lang="fr-FR" dirty="0" smtClean="0"/>
+              <a:t>standardisé (modèle type)</a:t>
+            </a:r>
+            <a:endParaRPr lang="fr-FR" dirty="0"/>
+          </a:p>
+          <a:p>
+            <a:pPr lvl="1"/>
             <a:endParaRPr lang="fr-FR" dirty="0"/>
           </a:p>
         </p:txBody>
@@ -28391,6 +33097,30 @@
           </a:p>
         </p:txBody>
       </p:sp>
+      <p:pic>
+        <p:nvPicPr>
+          <p:cNvPr id="7" name="Image 6"/>
+          <p:cNvPicPr>
+            <a:picLocks noChangeAspect="1"/>
+          </p:cNvPicPr>
+          <p:nvPr/>
+        </p:nvPicPr>
+        <p:blipFill>
+          <a:blip r:embed="rId2"/>
+          <a:stretch>
+            <a:fillRect/>
+          </a:stretch>
+        </p:blipFill>
+        <p:spPr>
+          <a:xfrm>
+            <a:off x="6287960" y="2884374"/>
+            <a:ext cx="5542752" cy="3251434"/>
+          </a:xfrm>
+          <a:prstGeom prst="rect">
+            <a:avLst/>
+          </a:prstGeom>
+        </p:spPr>
+      </p:pic>
     </p:spTree>
     <p:extLst>
       <p:ext uri="{BB962C8B-B14F-4D97-AF65-F5344CB8AC3E}">
@@ -28865,6 +33595,11 @@
           <a:prstGeom prst="rect">
             <a:avLst/>
           </a:prstGeom>
+          <a:solidFill>
+            <a:schemeClr val="bg1">
+              <a:lumMod val="85000"/>
+            </a:schemeClr>
+          </a:solidFill>
         </p:spPr>
         <p:style>
           <a:lnRef idx="0">
@@ -28886,10 +33621,18 @@
           <a:p>
             <a:pPr algn="ctr"/>
             <a:r>
-              <a:rPr lang="fr-FR" dirty="0" smtClean="0"/>
+              <a:rPr lang="fr-FR" dirty="0" smtClean="0">
+                <a:solidFill>
+                  <a:schemeClr val="tx1"/>
+                </a:solidFill>
+              </a:rPr>
               <a:t>Liste des grilles</a:t>
             </a:r>
-            <a:endParaRPr lang="fr-FR" dirty="0"/>
+            <a:endParaRPr lang="fr-FR" dirty="0">
+              <a:solidFill>
+                <a:schemeClr val="tx1"/>
+              </a:solidFill>
+            </a:endParaRPr>
           </a:p>
         </p:txBody>
       </p:sp>
@@ -29733,84 +34476,6 @@
       </p:grpSpPr>
       <p:sp>
         <p:nvSpPr>
-          <p:cNvPr id="2" name="Titre 1"/>
-          <p:cNvSpPr>
-            <a:spLocks noGrp="1"/>
-          </p:cNvSpPr>
-          <p:nvPr>
-            <p:ph type="title"/>
-          </p:nvPr>
-        </p:nvSpPr>
-        <p:spPr/>
-        <p:txBody>
-          <a:bodyPr/>
-          <a:lstStyle/>
-          <a:p>
-            <a:r>
-              <a:rPr lang="fr-FR" dirty="0" smtClean="0"/>
-              <a:t>Créer / modifier grille</a:t>
-            </a:r>
-            <a:endParaRPr lang="fr-FR" dirty="0"/>
-          </a:p>
-        </p:txBody>
-      </p:sp>
-      <p:sp>
-        <p:nvSpPr>
-          <p:cNvPr id="3" name="Espace réservé du contenu 2"/>
-          <p:cNvSpPr>
-            <a:spLocks noGrp="1"/>
-          </p:cNvSpPr>
-          <p:nvPr>
-            <p:ph idx="1"/>
-          </p:nvPr>
-        </p:nvSpPr>
-        <p:spPr/>
-        <p:txBody>
-          <a:bodyPr/>
-          <a:lstStyle/>
-          <a:p>
-            <a:r>
-              <a:rPr lang="fr-FR" dirty="0" smtClean="0"/>
-              <a:t>DSS</a:t>
-            </a:r>
-            <a:endParaRPr lang="fr-FR" dirty="0"/>
-          </a:p>
-          <a:p>
-            <a:endParaRPr lang="fr-FR" dirty="0" smtClean="0"/>
-          </a:p>
-          <a:p>
-            <a:r>
-              <a:rPr lang="fr-FR" dirty="0" smtClean="0"/>
-              <a:t>(// expliquer ce qui ce passe</a:t>
-            </a:r>
-          </a:p>
-          <a:p>
-            <a:pPr marL="0" indent="0">
-              <a:buNone/>
-            </a:pPr>
-            <a:r>
-              <a:rPr lang="fr-FR" dirty="0" smtClean="0"/>
-              <a:t> au niveau de l’application (nb lignes</a:t>
-            </a:r>
-          </a:p>
-          <a:p>
-            <a:pPr marL="0" indent="0">
-              <a:buNone/>
-            </a:pPr>
-            <a:r>
-              <a:rPr lang="fr-FR" dirty="0" smtClean="0"/>
-              <a:t>Nb colonne pour créer grille</a:t>
-            </a:r>
-            <a:r>
-              <a:rPr lang="fr-FR" smtClean="0"/>
-              <a:t>, interaction)</a:t>
-            </a:r>
-            <a:endParaRPr lang="fr-FR" dirty="0"/>
-          </a:p>
-        </p:txBody>
-      </p:sp>
-      <p:sp>
-        <p:nvSpPr>
           <p:cNvPr id="4" name="Espace réservé du pied de page 3"/>
           <p:cNvSpPr>
             <a:spLocks noGrp="1"/>
@@ -29856,16 +34521,43 @@
           </a:p>
         </p:txBody>
       </p:sp>
+      <p:pic>
+        <p:nvPicPr>
+          <p:cNvPr id="6" name="Picture 7"/>
+          <p:cNvPicPr>
+            <a:picLocks/>
+          </p:cNvPicPr>
+          <p:nvPr/>
+        </p:nvPicPr>
+        <p:blipFill rotWithShape="1">
+          <a:blip r:embed="rId2"/>
+          <a:srcRect l="36592" t="4139" r="10148" b="56675"/>
+          <a:stretch/>
+        </p:blipFill>
+        <p:spPr bwMode="auto">
+          <a:xfrm rot="16200000">
+            <a:off x="3939655" y="-358879"/>
+            <a:ext cx="5537588" cy="7657030"/>
+          </a:xfrm>
+          <a:prstGeom prst="rect">
+            <a:avLst/>
+          </a:prstGeom>
+          <a:ln>
+            <a:noFill/>
+          </a:ln>
+          <a:extLst>
+            <a:ext uri="{53640926-AAD7-44D8-BBD7-CCE9431645EC}">
+              <a14:shadowObscured xmlns:a14="http://schemas.microsoft.com/office/drawing/2010/main"/>
+            </a:ext>
+          </a:extLst>
+        </p:spPr>
+      </p:pic>
       <p:graphicFrame>
         <p:nvGraphicFramePr>
-          <p:cNvPr id="6" name="Diagramme 5"/>
+          <p:cNvPr id="7" name="Diagramme 6"/>
           <p:cNvGraphicFramePr/>
           <p:nvPr>
-            <p:extLst>
-              <p:ext uri="{D42A27DB-BD31-4B8C-83A1-F6EECF244321}">
-                <p14:modId xmlns:p14="http://schemas.microsoft.com/office/powerpoint/2010/main" val="2260408208"/>
-              </p:ext>
-            </p:extLst>
+            <p:extLst/>
           </p:nvPr>
         </p:nvGraphicFramePr>
         <p:xfrm>
@@ -29874,44 +34566,14 @@
         </p:xfrm>
         <a:graphic>
           <a:graphicData uri="http://schemas.openxmlformats.org/drawingml/2006/diagram">
-            <dgm:relIds xmlns:dgm="http://schemas.openxmlformats.org/drawingml/2006/diagram" xmlns:r="http://schemas.openxmlformats.org/officeDocument/2006/relationships" r:dm="rId2" r:lo="rId3" r:qs="rId4" r:cs="rId5"/>
+            <dgm:relIds xmlns:dgm="http://schemas.openxmlformats.org/drawingml/2006/diagram" xmlns:r="http://schemas.openxmlformats.org/officeDocument/2006/relationships" r:dm="rId3" r:lo="rId4" r:qs="rId5" r:cs="rId6"/>
           </a:graphicData>
         </a:graphic>
       </p:graphicFrame>
-      <p:pic>
-        <p:nvPicPr>
-          <p:cNvPr id="7" name="Image 6"/>
-          <p:cNvPicPr>
-            <a:picLocks noChangeAspect="1"/>
-          </p:cNvPicPr>
-          <p:nvPr/>
-        </p:nvPicPr>
-        <p:blipFill>
-          <a:blip r:embed="rId7">
-            <a:extLst>
-              <a:ext uri="{28A0092B-C50C-407E-A947-70E740481C1C}">
-                <a14:useLocalDpi xmlns:a14="http://schemas.microsoft.com/office/drawing/2010/main" val="0"/>
-              </a:ext>
-            </a:extLst>
-          </a:blip>
-          <a:stretch>
-            <a:fillRect/>
-          </a:stretch>
-        </p:blipFill>
-        <p:spPr>
-          <a:xfrm>
-            <a:off x="7103113" y="1615440"/>
-            <a:ext cx="6212196" cy="4295782"/>
-          </a:xfrm>
-          <a:prstGeom prst="rect">
-            <a:avLst/>
-          </a:prstGeom>
-        </p:spPr>
-      </p:pic>
     </p:spTree>
     <p:extLst>
       <p:ext uri="{BB962C8B-B14F-4D97-AF65-F5344CB8AC3E}">
-        <p14:creationId xmlns:p14="http://schemas.microsoft.com/office/powerpoint/2010/main" val="2962596604"/>
+        <p14:creationId xmlns:p14="http://schemas.microsoft.com/office/powerpoint/2010/main" val="3588581620"/>
       </p:ext>
     </p:extLst>
   </p:cSld>
@@ -29930,6 +34592,13 @@
       </p:transition>
     </mc:Fallback>
   </mc:AlternateContent>
+  <p:timing>
+    <p:tnLst>
+      <p:par>
+        <p:cTn id="1" dur="indefinite" restart="never" nodeType="tmRoot"/>
+      </p:par>
+    </p:tnLst>
+  </p:timing>
 </p:sld>
 </file>
 

--- a/IHearISay/I_HEAR_I_SAY_Points_Techniques.pptx
+++ b/IHearISay/I_HEAR_I_SAY_Points_Techniques.pptx
@@ -5,7 +5,7 @@
     <p:sldMasterId id="2147483648" r:id="rId1"/>
   </p:sldMasterIdLst>
   <p:notesMasterIdLst>
-    <p:notesMasterId r:id="rId14"/>
+    <p:notesMasterId r:id="rId15"/>
   </p:notesMasterIdLst>
   <p:sldIdLst>
     <p:sldId id="256" r:id="rId2"/>
@@ -17,9 +17,10 @@
     <p:sldId id="266" r:id="rId8"/>
     <p:sldId id="257" r:id="rId9"/>
     <p:sldId id="267" r:id="rId10"/>
-    <p:sldId id="259" r:id="rId11"/>
-    <p:sldId id="269" r:id="rId12"/>
-    <p:sldId id="260" r:id="rId13"/>
+    <p:sldId id="270" r:id="rId11"/>
+    <p:sldId id="259" r:id="rId12"/>
+    <p:sldId id="269" r:id="rId13"/>
+    <p:sldId id="260" r:id="rId14"/>
   </p:sldIdLst>
   <p:sldSz cx="12192000" cy="6858000"/>
   <p:notesSz cx="6858000" cy="9144000"/>
@@ -127,6 +128,753 @@
 </file>
 
 <file path=ppt/diagrams/colors1.xml><?xml version="1.0" encoding="utf-8"?>
+<dgm:colorsDef xmlns:dgm="http://schemas.openxmlformats.org/drawingml/2006/diagram" xmlns:a="http://schemas.openxmlformats.org/drawingml/2006/main" uniqueId="urn:microsoft.com/office/officeart/2005/8/colors/accent1_2">
+  <dgm:title val=""/>
+  <dgm:desc val=""/>
+  <dgm:catLst>
+    <dgm:cat type="accent1" pri="11200"/>
+  </dgm:catLst>
+  <dgm:styleLbl name="node0">
+    <dgm:fillClrLst meth="repeat">
+      <a:schemeClr val="accent1"/>
+    </dgm:fillClrLst>
+    <dgm:linClrLst meth="repeat">
+      <a:schemeClr val="lt1"/>
+    </dgm:linClrLst>
+    <dgm:effectClrLst/>
+    <dgm:txLinClrLst/>
+    <dgm:txFillClrLst/>
+    <dgm:txEffectClrLst/>
+  </dgm:styleLbl>
+  <dgm:styleLbl name="alignNode1">
+    <dgm:fillClrLst meth="repeat">
+      <a:schemeClr val="accent1"/>
+    </dgm:fillClrLst>
+    <dgm:linClrLst meth="repeat">
+      <a:schemeClr val="accent1"/>
+    </dgm:linClrLst>
+    <dgm:effectClrLst/>
+    <dgm:txLinClrLst/>
+    <dgm:txFillClrLst/>
+    <dgm:txEffectClrLst/>
+  </dgm:styleLbl>
+  <dgm:styleLbl name="node1">
+    <dgm:fillClrLst meth="repeat">
+      <a:schemeClr val="accent1"/>
+    </dgm:fillClrLst>
+    <dgm:linClrLst meth="repeat">
+      <a:schemeClr val="lt1"/>
+    </dgm:linClrLst>
+    <dgm:effectClrLst/>
+    <dgm:txLinClrLst/>
+    <dgm:txFillClrLst/>
+    <dgm:txEffectClrLst/>
+  </dgm:styleLbl>
+  <dgm:styleLbl name="lnNode1">
+    <dgm:fillClrLst meth="repeat">
+      <a:schemeClr val="accent1"/>
+    </dgm:fillClrLst>
+    <dgm:linClrLst meth="repeat">
+      <a:schemeClr val="lt1"/>
+    </dgm:linClrLst>
+    <dgm:effectClrLst/>
+    <dgm:txLinClrLst/>
+    <dgm:txFillClrLst/>
+    <dgm:txEffectClrLst/>
+  </dgm:styleLbl>
+  <dgm:styleLbl name="vennNode1">
+    <dgm:fillClrLst meth="repeat">
+      <a:schemeClr val="accent1">
+        <a:alpha val="50000"/>
+      </a:schemeClr>
+    </dgm:fillClrLst>
+    <dgm:linClrLst meth="repeat">
+      <a:schemeClr val="lt1"/>
+    </dgm:linClrLst>
+    <dgm:effectClrLst/>
+    <dgm:txLinClrLst/>
+    <dgm:txFillClrLst/>
+    <dgm:txEffectClrLst/>
+  </dgm:styleLbl>
+  <dgm:styleLbl name="node2">
+    <dgm:fillClrLst meth="repeat">
+      <a:schemeClr val="accent1"/>
+    </dgm:fillClrLst>
+    <dgm:linClrLst meth="repeat">
+      <a:schemeClr val="lt1"/>
+    </dgm:linClrLst>
+    <dgm:effectClrLst/>
+    <dgm:txLinClrLst/>
+    <dgm:txFillClrLst/>
+    <dgm:txEffectClrLst/>
+  </dgm:styleLbl>
+  <dgm:styleLbl name="node3">
+    <dgm:fillClrLst meth="repeat">
+      <a:schemeClr val="accent1"/>
+    </dgm:fillClrLst>
+    <dgm:linClrLst meth="repeat">
+      <a:schemeClr val="lt1"/>
+    </dgm:linClrLst>
+    <dgm:effectClrLst/>
+    <dgm:txLinClrLst/>
+    <dgm:txFillClrLst/>
+    <dgm:txEffectClrLst/>
+  </dgm:styleLbl>
+  <dgm:styleLbl name="node4">
+    <dgm:fillClrLst meth="repeat">
+      <a:schemeClr val="accent1"/>
+    </dgm:fillClrLst>
+    <dgm:linClrLst meth="repeat">
+      <a:schemeClr val="lt1"/>
+    </dgm:linClrLst>
+    <dgm:effectClrLst/>
+    <dgm:txLinClrLst/>
+    <dgm:txFillClrLst/>
+    <dgm:txEffectClrLst/>
+  </dgm:styleLbl>
+  <dgm:styleLbl name="fgImgPlace1">
+    <dgm:fillClrLst meth="repeat">
+      <a:schemeClr val="accent1">
+        <a:tint val="50000"/>
+      </a:schemeClr>
+    </dgm:fillClrLst>
+    <dgm:linClrLst meth="repeat">
+      <a:schemeClr val="lt1"/>
+    </dgm:linClrLst>
+    <dgm:effectClrLst/>
+    <dgm:txLinClrLst/>
+    <dgm:txFillClrLst meth="repeat">
+      <a:schemeClr val="lt1"/>
+    </dgm:txFillClrLst>
+    <dgm:txEffectClrLst/>
+  </dgm:styleLbl>
+  <dgm:styleLbl name="alignImgPlace1">
+    <dgm:fillClrLst meth="repeat">
+      <a:schemeClr val="accent1">
+        <a:tint val="50000"/>
+      </a:schemeClr>
+    </dgm:fillClrLst>
+    <dgm:linClrLst meth="repeat">
+      <a:schemeClr val="lt1"/>
+    </dgm:linClrLst>
+    <dgm:effectClrLst/>
+    <dgm:txLinClrLst/>
+    <dgm:txFillClrLst meth="repeat">
+      <a:schemeClr val="lt1"/>
+    </dgm:txFillClrLst>
+    <dgm:txEffectClrLst/>
+  </dgm:styleLbl>
+  <dgm:styleLbl name="bgImgPlace1">
+    <dgm:fillClrLst meth="repeat">
+      <a:schemeClr val="accent1">
+        <a:tint val="50000"/>
+      </a:schemeClr>
+    </dgm:fillClrLst>
+    <dgm:linClrLst meth="repeat">
+      <a:schemeClr val="lt1"/>
+    </dgm:linClrLst>
+    <dgm:effectClrLst/>
+    <dgm:txLinClrLst/>
+    <dgm:txFillClrLst meth="repeat">
+      <a:schemeClr val="lt1"/>
+    </dgm:txFillClrLst>
+    <dgm:txEffectClrLst/>
+  </dgm:styleLbl>
+  <dgm:styleLbl name="sibTrans2D1">
+    <dgm:fillClrLst meth="repeat">
+      <a:schemeClr val="accent1">
+        <a:tint val="60000"/>
+      </a:schemeClr>
+    </dgm:fillClrLst>
+    <dgm:linClrLst meth="repeat">
+      <a:schemeClr val="accent1">
+        <a:tint val="60000"/>
+      </a:schemeClr>
+    </dgm:linClrLst>
+    <dgm:effectClrLst/>
+    <dgm:txLinClrLst/>
+    <dgm:txFillClrLst/>
+    <dgm:txEffectClrLst/>
+  </dgm:styleLbl>
+  <dgm:styleLbl name="fgSibTrans2D1">
+    <dgm:fillClrLst meth="repeat">
+      <a:schemeClr val="accent1">
+        <a:tint val="60000"/>
+      </a:schemeClr>
+    </dgm:fillClrLst>
+    <dgm:linClrLst meth="repeat">
+      <a:schemeClr val="accent1">
+        <a:tint val="60000"/>
+      </a:schemeClr>
+    </dgm:linClrLst>
+    <dgm:effectClrLst/>
+    <dgm:txLinClrLst/>
+    <dgm:txFillClrLst/>
+    <dgm:txEffectClrLst/>
+  </dgm:styleLbl>
+  <dgm:styleLbl name="bgSibTrans2D1">
+    <dgm:fillClrLst meth="repeat">
+      <a:schemeClr val="accent1">
+        <a:tint val="60000"/>
+      </a:schemeClr>
+    </dgm:fillClrLst>
+    <dgm:linClrLst meth="repeat">
+      <a:schemeClr val="accent1">
+        <a:tint val="60000"/>
+      </a:schemeClr>
+    </dgm:linClrLst>
+    <dgm:effectClrLst/>
+    <dgm:txLinClrLst/>
+    <dgm:txFillClrLst/>
+    <dgm:txEffectClrLst/>
+  </dgm:styleLbl>
+  <dgm:styleLbl name="sibTrans1D1">
+    <dgm:fillClrLst meth="repeat">
+      <a:schemeClr val="accent1"/>
+    </dgm:fillClrLst>
+    <dgm:linClrLst meth="repeat">
+      <a:schemeClr val="accent1"/>
+    </dgm:linClrLst>
+    <dgm:effectClrLst/>
+    <dgm:txLinClrLst/>
+    <dgm:txFillClrLst meth="repeat">
+      <a:schemeClr val="tx1"/>
+    </dgm:txFillClrLst>
+    <dgm:txEffectClrLst/>
+  </dgm:styleLbl>
+  <dgm:styleLbl name="callout">
+    <dgm:fillClrLst meth="repeat">
+      <a:schemeClr val="accent1"/>
+    </dgm:fillClrLst>
+    <dgm:linClrLst meth="repeat">
+      <a:schemeClr val="accent1">
+        <a:tint val="50000"/>
+      </a:schemeClr>
+    </dgm:linClrLst>
+    <dgm:effectClrLst/>
+    <dgm:txLinClrLst/>
+    <dgm:txFillClrLst meth="repeat">
+      <a:schemeClr val="tx1"/>
+    </dgm:txFillClrLst>
+    <dgm:txEffectClrLst/>
+  </dgm:styleLbl>
+  <dgm:styleLbl name="asst0">
+    <dgm:fillClrLst meth="repeat">
+      <a:schemeClr val="accent1"/>
+    </dgm:fillClrLst>
+    <dgm:linClrLst meth="repeat">
+      <a:schemeClr val="lt1"/>
+    </dgm:linClrLst>
+    <dgm:effectClrLst/>
+    <dgm:txLinClrLst/>
+    <dgm:txFillClrLst/>
+    <dgm:txEffectClrLst/>
+  </dgm:styleLbl>
+  <dgm:styleLbl name="asst1">
+    <dgm:fillClrLst meth="repeat">
+      <a:schemeClr val="accent1"/>
+    </dgm:fillClrLst>
+    <dgm:linClrLst meth="repeat">
+      <a:schemeClr val="lt1"/>
+    </dgm:linClrLst>
+    <dgm:effectClrLst/>
+    <dgm:txLinClrLst/>
+    <dgm:txFillClrLst/>
+    <dgm:txEffectClrLst/>
+  </dgm:styleLbl>
+  <dgm:styleLbl name="asst2">
+    <dgm:fillClrLst meth="repeat">
+      <a:schemeClr val="accent1"/>
+    </dgm:fillClrLst>
+    <dgm:linClrLst meth="repeat">
+      <a:schemeClr val="lt1"/>
+    </dgm:linClrLst>
+    <dgm:effectClrLst/>
+    <dgm:txLinClrLst/>
+    <dgm:txFillClrLst/>
+    <dgm:txEffectClrLst/>
+  </dgm:styleLbl>
+  <dgm:styleLbl name="asst3">
+    <dgm:fillClrLst meth="repeat">
+      <a:schemeClr val="accent1"/>
+    </dgm:fillClrLst>
+    <dgm:linClrLst meth="repeat">
+      <a:schemeClr val="lt1"/>
+    </dgm:linClrLst>
+    <dgm:effectClrLst/>
+    <dgm:txLinClrLst/>
+    <dgm:txFillClrLst/>
+    <dgm:txEffectClrLst/>
+  </dgm:styleLbl>
+  <dgm:styleLbl name="asst4">
+    <dgm:fillClrLst meth="repeat">
+      <a:schemeClr val="accent1"/>
+    </dgm:fillClrLst>
+    <dgm:linClrLst meth="repeat">
+      <a:schemeClr val="lt1"/>
+    </dgm:linClrLst>
+    <dgm:effectClrLst/>
+    <dgm:txLinClrLst/>
+    <dgm:txFillClrLst/>
+    <dgm:txEffectClrLst/>
+  </dgm:styleLbl>
+  <dgm:styleLbl name="parChTrans2D1">
+    <dgm:fillClrLst meth="repeat">
+      <a:schemeClr val="accent1">
+        <a:tint val="60000"/>
+      </a:schemeClr>
+    </dgm:fillClrLst>
+    <dgm:linClrLst meth="repeat">
+      <a:schemeClr val="accent1">
+        <a:tint val="60000"/>
+      </a:schemeClr>
+    </dgm:linClrLst>
+    <dgm:effectClrLst/>
+    <dgm:txLinClrLst/>
+    <dgm:txFillClrLst meth="repeat">
+      <a:schemeClr val="lt1"/>
+    </dgm:txFillClrLst>
+    <dgm:txEffectClrLst/>
+  </dgm:styleLbl>
+  <dgm:styleLbl name="parChTrans2D2">
+    <dgm:fillClrLst meth="repeat">
+      <a:schemeClr val="accent1"/>
+    </dgm:fillClrLst>
+    <dgm:linClrLst meth="repeat">
+      <a:schemeClr val="accent1"/>
+    </dgm:linClrLst>
+    <dgm:effectClrLst/>
+    <dgm:txLinClrLst/>
+    <dgm:txFillClrLst meth="repeat">
+      <a:schemeClr val="lt1"/>
+    </dgm:txFillClrLst>
+    <dgm:txEffectClrLst/>
+  </dgm:styleLbl>
+  <dgm:styleLbl name="parChTrans2D3">
+    <dgm:fillClrLst meth="repeat">
+      <a:schemeClr val="accent1"/>
+    </dgm:fillClrLst>
+    <dgm:linClrLst meth="repeat">
+      <a:schemeClr val="accent1"/>
+    </dgm:linClrLst>
+    <dgm:effectClrLst/>
+    <dgm:txLinClrLst/>
+    <dgm:txFillClrLst meth="repeat">
+      <a:schemeClr val="lt1"/>
+    </dgm:txFillClrLst>
+    <dgm:txEffectClrLst/>
+  </dgm:styleLbl>
+  <dgm:styleLbl name="parChTrans2D4">
+    <dgm:fillClrLst meth="repeat">
+      <a:schemeClr val="accent1"/>
+    </dgm:fillClrLst>
+    <dgm:linClrLst meth="repeat">
+      <a:schemeClr val="accent1"/>
+    </dgm:linClrLst>
+    <dgm:effectClrLst/>
+    <dgm:txLinClrLst/>
+    <dgm:txFillClrLst meth="repeat">
+      <a:schemeClr val="lt1"/>
+    </dgm:txFillClrLst>
+    <dgm:txEffectClrLst/>
+  </dgm:styleLbl>
+  <dgm:styleLbl name="parChTrans1D1">
+    <dgm:fillClrLst meth="repeat">
+      <a:schemeClr val="accent1"/>
+    </dgm:fillClrLst>
+    <dgm:linClrLst meth="repeat">
+      <a:schemeClr val="accent1">
+        <a:shade val="60000"/>
+      </a:schemeClr>
+    </dgm:linClrLst>
+    <dgm:effectClrLst/>
+    <dgm:txLinClrLst/>
+    <dgm:txFillClrLst meth="repeat">
+      <a:schemeClr val="tx1"/>
+    </dgm:txFillClrLst>
+    <dgm:txEffectClrLst/>
+  </dgm:styleLbl>
+  <dgm:styleLbl name="parChTrans1D2">
+    <dgm:fillClrLst meth="repeat">
+      <a:schemeClr val="accent1"/>
+    </dgm:fillClrLst>
+    <dgm:linClrLst meth="repeat">
+      <a:schemeClr val="accent1">
+        <a:shade val="60000"/>
+      </a:schemeClr>
+    </dgm:linClrLst>
+    <dgm:effectClrLst/>
+    <dgm:txLinClrLst/>
+    <dgm:txFillClrLst meth="repeat">
+      <a:schemeClr val="tx1"/>
+    </dgm:txFillClrLst>
+    <dgm:txEffectClrLst/>
+  </dgm:styleLbl>
+  <dgm:styleLbl name="parChTrans1D3">
+    <dgm:fillClrLst meth="repeat">
+      <a:schemeClr val="accent1"/>
+    </dgm:fillClrLst>
+    <dgm:linClrLst meth="repeat">
+      <a:schemeClr val="accent1">
+        <a:shade val="80000"/>
+      </a:schemeClr>
+    </dgm:linClrLst>
+    <dgm:effectClrLst/>
+    <dgm:txLinClrLst/>
+    <dgm:txFillClrLst meth="repeat">
+      <a:schemeClr val="tx1"/>
+    </dgm:txFillClrLst>
+    <dgm:txEffectClrLst/>
+  </dgm:styleLbl>
+  <dgm:styleLbl name="parChTrans1D4">
+    <dgm:fillClrLst meth="repeat">
+      <a:schemeClr val="accent1"/>
+    </dgm:fillClrLst>
+    <dgm:linClrLst meth="repeat">
+      <a:schemeClr val="accent1">
+        <a:shade val="80000"/>
+      </a:schemeClr>
+    </dgm:linClrLst>
+    <dgm:effectClrLst/>
+    <dgm:txLinClrLst/>
+    <dgm:txFillClrLst meth="repeat">
+      <a:schemeClr val="tx1"/>
+    </dgm:txFillClrLst>
+    <dgm:txEffectClrLst/>
+  </dgm:styleLbl>
+  <dgm:styleLbl name="fgAcc1">
+    <dgm:fillClrLst meth="repeat">
+      <a:schemeClr val="lt1">
+        <a:alpha val="90000"/>
+      </a:schemeClr>
+    </dgm:fillClrLst>
+    <dgm:linClrLst meth="repeat">
+      <a:schemeClr val="accent1"/>
+    </dgm:linClrLst>
+    <dgm:effectClrLst/>
+    <dgm:txLinClrLst/>
+    <dgm:txFillClrLst meth="repeat">
+      <a:schemeClr val="dk1"/>
+    </dgm:txFillClrLst>
+    <dgm:txEffectClrLst/>
+  </dgm:styleLbl>
+  <dgm:styleLbl name="conFgAcc1">
+    <dgm:fillClrLst meth="repeat">
+      <a:schemeClr val="lt1">
+        <a:alpha val="90000"/>
+      </a:schemeClr>
+    </dgm:fillClrLst>
+    <dgm:linClrLst meth="repeat">
+      <a:schemeClr val="accent1"/>
+    </dgm:linClrLst>
+    <dgm:effectClrLst/>
+    <dgm:txLinClrLst/>
+    <dgm:txFillClrLst meth="repeat">
+      <a:schemeClr val="dk1"/>
+    </dgm:txFillClrLst>
+    <dgm:txEffectClrLst/>
+  </dgm:styleLbl>
+  <dgm:styleLbl name="alignAcc1">
+    <dgm:fillClrLst meth="repeat">
+      <a:schemeClr val="lt1">
+        <a:alpha val="90000"/>
+      </a:schemeClr>
+    </dgm:fillClrLst>
+    <dgm:linClrLst meth="repeat">
+      <a:schemeClr val="accent1"/>
+    </dgm:linClrLst>
+    <dgm:effectClrLst/>
+    <dgm:txLinClrLst/>
+    <dgm:txFillClrLst meth="repeat">
+      <a:schemeClr val="dk1"/>
+    </dgm:txFillClrLst>
+    <dgm:txEffectClrLst/>
+  </dgm:styleLbl>
+  <dgm:styleLbl name="trAlignAcc1">
+    <dgm:fillClrLst meth="repeat">
+      <a:schemeClr val="lt1">
+        <a:alpha val="40000"/>
+      </a:schemeClr>
+    </dgm:fillClrLst>
+    <dgm:linClrLst meth="repeat">
+      <a:schemeClr val="accent1"/>
+    </dgm:linClrLst>
+    <dgm:effectClrLst/>
+    <dgm:txLinClrLst/>
+    <dgm:txFillClrLst meth="repeat">
+      <a:schemeClr val="dk1"/>
+    </dgm:txFillClrLst>
+    <dgm:txEffectClrLst/>
+  </dgm:styleLbl>
+  <dgm:styleLbl name="bgAcc1">
+    <dgm:fillClrLst meth="repeat">
+      <a:schemeClr val="lt1">
+        <a:alpha val="90000"/>
+      </a:schemeClr>
+    </dgm:fillClrLst>
+    <dgm:linClrLst meth="repeat">
+      <a:schemeClr val="accent1"/>
+    </dgm:linClrLst>
+    <dgm:effectClrLst/>
+    <dgm:txLinClrLst/>
+    <dgm:txFillClrLst meth="repeat">
+      <a:schemeClr val="dk1"/>
+    </dgm:txFillClrLst>
+    <dgm:txEffectClrLst/>
+  </dgm:styleLbl>
+  <dgm:styleLbl name="solidFgAcc1">
+    <dgm:fillClrLst meth="repeat">
+      <a:schemeClr val="lt1"/>
+    </dgm:fillClrLst>
+    <dgm:linClrLst meth="repeat">
+      <a:schemeClr val="accent1"/>
+    </dgm:linClrLst>
+    <dgm:effectClrLst/>
+    <dgm:txLinClrLst/>
+    <dgm:txFillClrLst meth="repeat">
+      <a:schemeClr val="dk1"/>
+    </dgm:txFillClrLst>
+    <dgm:txEffectClrLst/>
+  </dgm:styleLbl>
+  <dgm:styleLbl name="solidAlignAcc1">
+    <dgm:fillClrLst meth="repeat">
+      <a:schemeClr val="lt1"/>
+    </dgm:fillClrLst>
+    <dgm:linClrLst meth="repeat">
+      <a:schemeClr val="accent1"/>
+    </dgm:linClrLst>
+    <dgm:effectClrLst/>
+    <dgm:txLinClrLst/>
+    <dgm:txFillClrLst meth="repeat">
+      <a:schemeClr val="dk1"/>
+    </dgm:txFillClrLst>
+    <dgm:txEffectClrLst/>
+  </dgm:styleLbl>
+  <dgm:styleLbl name="solidBgAcc1">
+    <dgm:fillClrLst meth="repeat">
+      <a:schemeClr val="lt1"/>
+    </dgm:fillClrLst>
+    <dgm:linClrLst meth="repeat">
+      <a:schemeClr val="accent1"/>
+    </dgm:linClrLst>
+    <dgm:effectClrLst/>
+    <dgm:txLinClrLst/>
+    <dgm:txFillClrLst meth="repeat">
+      <a:schemeClr val="dk1"/>
+    </dgm:txFillClrLst>
+    <dgm:txEffectClrLst/>
+  </dgm:styleLbl>
+  <dgm:styleLbl name="fgAccFollowNode1">
+    <dgm:fillClrLst meth="repeat">
+      <a:schemeClr val="accent1">
+        <a:alpha val="90000"/>
+        <a:tint val="40000"/>
+      </a:schemeClr>
+    </dgm:fillClrLst>
+    <dgm:linClrLst meth="repeat">
+      <a:schemeClr val="accent1">
+        <a:alpha val="90000"/>
+        <a:tint val="40000"/>
+      </a:schemeClr>
+    </dgm:linClrLst>
+    <dgm:effectClrLst/>
+    <dgm:txLinClrLst/>
+    <dgm:txFillClrLst meth="repeat">
+      <a:schemeClr val="dk1"/>
+    </dgm:txFillClrLst>
+    <dgm:txEffectClrLst/>
+  </dgm:styleLbl>
+  <dgm:styleLbl name="alignAccFollowNode1">
+    <dgm:fillClrLst meth="repeat">
+      <a:schemeClr val="accent1">
+        <a:alpha val="90000"/>
+        <a:tint val="40000"/>
+      </a:schemeClr>
+    </dgm:fillClrLst>
+    <dgm:linClrLst meth="repeat">
+      <a:schemeClr val="accent1">
+        <a:alpha val="90000"/>
+        <a:tint val="40000"/>
+      </a:schemeClr>
+    </dgm:linClrLst>
+    <dgm:effectClrLst/>
+    <dgm:txLinClrLst/>
+    <dgm:txFillClrLst meth="repeat">
+      <a:schemeClr val="dk1"/>
+    </dgm:txFillClrLst>
+    <dgm:txEffectClrLst/>
+  </dgm:styleLbl>
+  <dgm:styleLbl name="bgAccFollowNode1">
+    <dgm:fillClrLst meth="repeat">
+      <a:schemeClr val="accent1">
+        <a:alpha val="90000"/>
+        <a:tint val="40000"/>
+      </a:schemeClr>
+    </dgm:fillClrLst>
+    <dgm:linClrLst meth="repeat">
+      <a:schemeClr val="accent1">
+        <a:alpha val="90000"/>
+        <a:tint val="40000"/>
+      </a:schemeClr>
+    </dgm:linClrLst>
+    <dgm:effectClrLst/>
+    <dgm:txLinClrLst/>
+    <dgm:txFillClrLst meth="repeat">
+      <a:schemeClr val="dk1"/>
+    </dgm:txFillClrLst>
+    <dgm:txEffectClrLst/>
+  </dgm:styleLbl>
+  <dgm:styleLbl name="fgAcc0">
+    <dgm:fillClrLst meth="repeat">
+      <a:schemeClr val="lt1">
+        <a:alpha val="90000"/>
+      </a:schemeClr>
+    </dgm:fillClrLst>
+    <dgm:linClrLst meth="repeat">
+      <a:schemeClr val="accent1"/>
+    </dgm:linClrLst>
+    <dgm:effectClrLst/>
+    <dgm:txLinClrLst/>
+    <dgm:txFillClrLst meth="repeat">
+      <a:schemeClr val="dk1"/>
+    </dgm:txFillClrLst>
+    <dgm:txEffectClrLst/>
+  </dgm:styleLbl>
+  <dgm:styleLbl name="fgAcc2">
+    <dgm:fillClrLst meth="repeat">
+      <a:schemeClr val="lt1">
+        <a:alpha val="90000"/>
+      </a:schemeClr>
+    </dgm:fillClrLst>
+    <dgm:linClrLst meth="repeat">
+      <a:schemeClr val="accent1"/>
+    </dgm:linClrLst>
+    <dgm:effectClrLst/>
+    <dgm:txLinClrLst/>
+    <dgm:txFillClrLst meth="repeat">
+      <a:schemeClr val="dk1"/>
+    </dgm:txFillClrLst>
+    <dgm:txEffectClrLst/>
+  </dgm:styleLbl>
+  <dgm:styleLbl name="fgAcc3">
+    <dgm:fillClrLst meth="repeat">
+      <a:schemeClr val="lt1">
+        <a:alpha val="90000"/>
+      </a:schemeClr>
+    </dgm:fillClrLst>
+    <dgm:linClrLst meth="repeat">
+      <a:schemeClr val="accent1"/>
+    </dgm:linClrLst>
+    <dgm:effectClrLst/>
+    <dgm:txLinClrLst/>
+    <dgm:txFillClrLst meth="repeat">
+      <a:schemeClr val="dk1"/>
+    </dgm:txFillClrLst>
+    <dgm:txEffectClrLst/>
+  </dgm:styleLbl>
+  <dgm:styleLbl name="fgAcc4">
+    <dgm:fillClrLst meth="repeat">
+      <a:schemeClr val="lt1">
+        <a:alpha val="90000"/>
+      </a:schemeClr>
+    </dgm:fillClrLst>
+    <dgm:linClrLst meth="repeat">
+      <a:schemeClr val="accent1"/>
+    </dgm:linClrLst>
+    <dgm:effectClrLst/>
+    <dgm:txLinClrLst/>
+    <dgm:txFillClrLst meth="repeat">
+      <a:schemeClr val="dk1"/>
+    </dgm:txFillClrLst>
+    <dgm:txEffectClrLst/>
+  </dgm:styleLbl>
+  <dgm:styleLbl name="bgShp">
+    <dgm:fillClrLst meth="repeat">
+      <a:schemeClr val="accent1">
+        <a:tint val="40000"/>
+      </a:schemeClr>
+    </dgm:fillClrLst>
+    <dgm:linClrLst meth="repeat">
+      <a:schemeClr val="accent1"/>
+    </dgm:linClrLst>
+    <dgm:effectClrLst/>
+    <dgm:txLinClrLst/>
+    <dgm:txFillClrLst meth="repeat">
+      <a:schemeClr val="dk1"/>
+    </dgm:txFillClrLst>
+    <dgm:txEffectClrLst/>
+  </dgm:styleLbl>
+  <dgm:styleLbl name="dkBgShp">
+    <dgm:fillClrLst meth="repeat">
+      <a:schemeClr val="accent1">
+        <a:shade val="80000"/>
+      </a:schemeClr>
+    </dgm:fillClrLst>
+    <dgm:linClrLst meth="repeat">
+      <a:schemeClr val="accent1"/>
+    </dgm:linClrLst>
+    <dgm:effectClrLst/>
+    <dgm:txLinClrLst/>
+    <dgm:txFillClrLst meth="repeat">
+      <a:schemeClr val="lt1"/>
+    </dgm:txFillClrLst>
+    <dgm:txEffectClrLst/>
+  </dgm:styleLbl>
+  <dgm:styleLbl name="trBgShp">
+    <dgm:fillClrLst meth="repeat">
+      <a:schemeClr val="accent1">
+        <a:tint val="50000"/>
+        <a:alpha val="40000"/>
+      </a:schemeClr>
+    </dgm:fillClrLst>
+    <dgm:linClrLst meth="repeat">
+      <a:schemeClr val="accent1"/>
+    </dgm:linClrLst>
+    <dgm:effectClrLst/>
+    <dgm:txLinClrLst/>
+    <dgm:txFillClrLst meth="repeat">
+      <a:schemeClr val="lt1"/>
+    </dgm:txFillClrLst>
+    <dgm:txEffectClrLst/>
+  </dgm:styleLbl>
+  <dgm:styleLbl name="fgShp">
+    <dgm:fillClrLst meth="repeat">
+      <a:schemeClr val="accent1">
+        <a:tint val="60000"/>
+      </a:schemeClr>
+    </dgm:fillClrLst>
+    <dgm:linClrLst meth="repeat">
+      <a:schemeClr val="lt1"/>
+    </dgm:linClrLst>
+    <dgm:effectClrLst/>
+    <dgm:txLinClrLst/>
+    <dgm:txFillClrLst meth="repeat">
+      <a:schemeClr val="dk1"/>
+    </dgm:txFillClrLst>
+    <dgm:txEffectClrLst/>
+  </dgm:styleLbl>
+  <dgm:styleLbl name="revTx">
+    <dgm:fillClrLst meth="repeat">
+      <a:schemeClr val="lt1">
+        <a:alpha val="0"/>
+      </a:schemeClr>
+    </dgm:fillClrLst>
+    <dgm:linClrLst meth="repeat">
+      <a:schemeClr val="dk1">
+        <a:alpha val="0"/>
+      </a:schemeClr>
+    </dgm:linClrLst>
+    <dgm:effectClrLst/>
+    <dgm:txLinClrLst/>
+    <dgm:txFillClrLst meth="repeat">
+      <a:schemeClr val="tx1"/>
+    </dgm:txFillClrLst>
+    <dgm:txEffectClrLst/>
+  </dgm:styleLbl>
+</dgm:colorsDef>
+</file>
+
+<file path=ppt/diagrams/colors10.xml><?xml version="1.0" encoding="utf-8"?>
 <dgm:colorsDef xmlns:dgm="http://schemas.openxmlformats.org/drawingml/2006/diagram" xmlns:a="http://schemas.openxmlformats.org/drawingml/2006/main" uniqueId="urn:microsoft.com/office/officeart/2005/8/colors/accent1_2">
   <dgm:title val=""/>
   <dgm:desc val=""/>
@@ -7064,6 +7812,226 @@
   <dgm:extLst>
     <a:ext uri="http://schemas.microsoft.com/office/drawing/2008/diagram">
       <dsp:dataModelExt xmlns:dsp="http://schemas.microsoft.com/office/drawing/2008/diagram" relId="rId7" minVer="http://schemas.openxmlformats.org/drawingml/2006/diagram"/>
+    </a:ext>
+  </dgm:extLst>
+</dgm:dataModel>
+</file>
+
+<file path=ppt/diagrams/data10.xml><?xml version="1.0" encoding="utf-8"?>
+<dgm:dataModel xmlns:dgm="http://schemas.openxmlformats.org/drawingml/2006/diagram" xmlns:a="http://schemas.openxmlformats.org/drawingml/2006/main">
+  <dgm:ptLst>
+    <dgm:pt modelId="{2A76A016-75FB-4EB8-A025-6ACD7A3F5B7D}" type="doc">
+      <dgm:prSet loTypeId="urn:microsoft.com/office/officeart/2005/8/layout/chevron1" loCatId="process" qsTypeId="urn:microsoft.com/office/officeart/2005/8/quickstyle/simple1" qsCatId="simple" csTypeId="urn:microsoft.com/office/officeart/2005/8/colors/accent1_2" csCatId="accent1" phldr="1"/>
+      <dgm:spPr/>
+    </dgm:pt>
+    <dgm:pt modelId="{0259D84A-4796-4366-BA60-D7065EA96C71}">
+      <dgm:prSet phldrT="[Texte]"/>
+      <dgm:spPr/>
+      <dgm:t>
+        <a:bodyPr/>
+        <a:lstStyle/>
+        <a:p>
+          <a:r>
+            <a:rPr lang="fr-FR" dirty="0" smtClean="0"/>
+            <a:t>Bilan</a:t>
+          </a:r>
+          <a:endParaRPr lang="fr-FR" dirty="0"/>
+        </a:p>
+      </dgm:t>
+    </dgm:pt>
+    <dgm:pt modelId="{CA49B43B-3BCA-497E-B500-5523E9DB4D6C}" type="sibTrans" cxnId="{6C3F1AC4-298B-4D68-A3B6-46A3E4B5E6DC}">
+      <dgm:prSet/>
+      <dgm:spPr/>
+      <dgm:t>
+        <a:bodyPr/>
+        <a:lstStyle/>
+        <a:p>
+          <a:endParaRPr lang="fr-FR"/>
+        </a:p>
+      </dgm:t>
+    </dgm:pt>
+    <dgm:pt modelId="{2844B534-BEBF-43CF-B484-5CFCA8900E85}" type="parTrans" cxnId="{6C3F1AC4-298B-4D68-A3B6-46A3E4B5E6DC}">
+      <dgm:prSet/>
+      <dgm:spPr/>
+      <dgm:t>
+        <a:bodyPr/>
+        <a:lstStyle/>
+        <a:p>
+          <a:endParaRPr lang="fr-FR"/>
+        </a:p>
+      </dgm:t>
+    </dgm:pt>
+    <dgm:pt modelId="{68E789BA-346D-43BD-9465-734B217059F0}">
+      <dgm:prSet phldrT="[Texte]"/>
+      <dgm:spPr>
+        <a:solidFill>
+          <a:srgbClr val="FF0000"/>
+        </a:solidFill>
+      </dgm:spPr>
+      <dgm:t>
+        <a:bodyPr/>
+        <a:lstStyle/>
+        <a:p>
+          <a:r>
+            <a:rPr lang="fr-FR" dirty="0" smtClean="0"/>
+            <a:t>Technique</a:t>
+          </a:r>
+          <a:endParaRPr lang="fr-FR" dirty="0"/>
+        </a:p>
+      </dgm:t>
+    </dgm:pt>
+    <dgm:pt modelId="{C9B12BE5-522A-43A8-A491-AC2795BA9602}" type="sibTrans" cxnId="{54CD1257-05B7-4992-90E1-19728B5A48CD}">
+      <dgm:prSet/>
+      <dgm:spPr/>
+      <dgm:t>
+        <a:bodyPr/>
+        <a:lstStyle/>
+        <a:p>
+          <a:endParaRPr lang="fr-FR"/>
+        </a:p>
+      </dgm:t>
+    </dgm:pt>
+    <dgm:pt modelId="{BFCF06E6-B9DC-4E18-9537-7296BC3BCBA2}" type="parTrans" cxnId="{54CD1257-05B7-4992-90E1-19728B5A48CD}">
+      <dgm:prSet/>
+      <dgm:spPr/>
+      <dgm:t>
+        <a:bodyPr/>
+        <a:lstStyle/>
+        <a:p>
+          <a:endParaRPr lang="fr-FR"/>
+        </a:p>
+      </dgm:t>
+    </dgm:pt>
+    <dgm:pt modelId="{6C099256-A3F1-42A6-931A-474918379EC3}">
+      <dgm:prSet phldrT="[Texte]"/>
+      <dgm:spPr>
+        <a:solidFill>
+          <a:schemeClr val="accent1"/>
+        </a:solidFill>
+      </dgm:spPr>
+      <dgm:t>
+        <a:bodyPr/>
+        <a:lstStyle/>
+        <a:p>
+          <a:r>
+            <a:rPr lang="fr-FR" dirty="0" smtClean="0"/>
+            <a:t>Introduction</a:t>
+          </a:r>
+          <a:endParaRPr lang="fr-FR" dirty="0"/>
+        </a:p>
+      </dgm:t>
+    </dgm:pt>
+    <dgm:pt modelId="{148C0DA2-0218-4FFE-8809-25F2D2ED809C}" type="sibTrans" cxnId="{469C87CF-F5DF-49FE-99F1-2B80000E8C7F}">
+      <dgm:prSet/>
+      <dgm:spPr/>
+      <dgm:t>
+        <a:bodyPr/>
+        <a:lstStyle/>
+        <a:p>
+          <a:endParaRPr lang="fr-FR"/>
+        </a:p>
+      </dgm:t>
+    </dgm:pt>
+    <dgm:pt modelId="{7AC3B3FF-A9FA-4238-87B0-F8A658AD7018}" type="parTrans" cxnId="{469C87CF-F5DF-49FE-99F1-2B80000E8C7F}">
+      <dgm:prSet/>
+      <dgm:spPr/>
+      <dgm:t>
+        <a:bodyPr/>
+        <a:lstStyle/>
+        <a:p>
+          <a:endParaRPr lang="fr-FR"/>
+        </a:p>
+      </dgm:t>
+    </dgm:pt>
+    <dgm:pt modelId="{2DFC64A5-769C-4372-9615-1FA4B1491470}" type="pres">
+      <dgm:prSet presAssocID="{2A76A016-75FB-4EB8-A025-6ACD7A3F5B7D}" presName="Name0" presStyleCnt="0">
+        <dgm:presLayoutVars>
+          <dgm:dir/>
+          <dgm:animLvl val="lvl"/>
+          <dgm:resizeHandles val="exact"/>
+        </dgm:presLayoutVars>
+      </dgm:prSet>
+      <dgm:spPr/>
+    </dgm:pt>
+    <dgm:pt modelId="{1F6056EB-C534-4970-B58E-AD722CC6900E}" type="pres">
+      <dgm:prSet presAssocID="{6C099256-A3F1-42A6-931A-474918379EC3}" presName="parTxOnly" presStyleLbl="node1" presStyleIdx="0" presStyleCnt="3">
+        <dgm:presLayoutVars>
+          <dgm:chMax val="0"/>
+          <dgm:chPref val="0"/>
+          <dgm:bulletEnabled val="1"/>
+        </dgm:presLayoutVars>
+      </dgm:prSet>
+      <dgm:spPr/>
+      <dgm:t>
+        <a:bodyPr/>
+        <a:lstStyle/>
+        <a:p>
+          <a:endParaRPr lang="fr-FR"/>
+        </a:p>
+      </dgm:t>
+    </dgm:pt>
+    <dgm:pt modelId="{C077A35C-7EC3-45E8-86F1-4EB37DB15503}" type="pres">
+      <dgm:prSet presAssocID="{148C0DA2-0218-4FFE-8809-25F2D2ED809C}" presName="parTxOnlySpace" presStyleCnt="0"/>
+      <dgm:spPr/>
+    </dgm:pt>
+    <dgm:pt modelId="{1AA5F17D-B47A-4297-B5BB-8C6B99E6C5DA}" type="pres">
+      <dgm:prSet presAssocID="{68E789BA-346D-43BD-9465-734B217059F0}" presName="parTxOnly" presStyleLbl="node1" presStyleIdx="1" presStyleCnt="3">
+        <dgm:presLayoutVars>
+          <dgm:chMax val="0"/>
+          <dgm:chPref val="0"/>
+          <dgm:bulletEnabled val="1"/>
+        </dgm:presLayoutVars>
+      </dgm:prSet>
+      <dgm:spPr/>
+      <dgm:t>
+        <a:bodyPr/>
+        <a:lstStyle/>
+        <a:p>
+          <a:endParaRPr lang="fr-FR"/>
+        </a:p>
+      </dgm:t>
+    </dgm:pt>
+    <dgm:pt modelId="{4AB4D21E-58BB-49F4-9B51-BB842C62FFF9}" type="pres">
+      <dgm:prSet presAssocID="{C9B12BE5-522A-43A8-A491-AC2795BA9602}" presName="parTxOnlySpace" presStyleCnt="0"/>
+      <dgm:spPr/>
+    </dgm:pt>
+    <dgm:pt modelId="{DF757741-D2C4-47CD-B81F-0494B81FB4EA}" type="pres">
+      <dgm:prSet presAssocID="{0259D84A-4796-4366-BA60-D7065EA96C71}" presName="parTxOnly" presStyleLbl="node1" presStyleIdx="2" presStyleCnt="3">
+        <dgm:presLayoutVars>
+          <dgm:chMax val="0"/>
+          <dgm:chPref val="0"/>
+          <dgm:bulletEnabled val="1"/>
+        </dgm:presLayoutVars>
+      </dgm:prSet>
+      <dgm:spPr/>
+      <dgm:t>
+        <a:bodyPr/>
+        <a:lstStyle/>
+        <a:p>
+          <a:endParaRPr lang="fr-FR"/>
+        </a:p>
+      </dgm:t>
+    </dgm:pt>
+  </dgm:ptLst>
+  <dgm:cxnLst>
+    <dgm:cxn modelId="{6C3F1AC4-298B-4D68-A3B6-46A3E4B5E6DC}" srcId="{2A76A016-75FB-4EB8-A025-6ACD7A3F5B7D}" destId="{0259D84A-4796-4366-BA60-D7065EA96C71}" srcOrd="2" destOrd="0" parTransId="{2844B534-BEBF-43CF-B484-5CFCA8900E85}" sibTransId="{CA49B43B-3BCA-497E-B500-5523E9DB4D6C}"/>
+    <dgm:cxn modelId="{648826F5-2316-47BF-A346-10E83ECCE585}" type="presOf" srcId="{2A76A016-75FB-4EB8-A025-6ACD7A3F5B7D}" destId="{2DFC64A5-769C-4372-9615-1FA4B1491470}" srcOrd="0" destOrd="0" presId="urn:microsoft.com/office/officeart/2005/8/layout/chevron1"/>
+    <dgm:cxn modelId="{F8CB08BF-C393-4A30-94E9-2BA1F405B966}" type="presOf" srcId="{68E789BA-346D-43BD-9465-734B217059F0}" destId="{1AA5F17D-B47A-4297-B5BB-8C6B99E6C5DA}" srcOrd="0" destOrd="0" presId="urn:microsoft.com/office/officeart/2005/8/layout/chevron1"/>
+    <dgm:cxn modelId="{54CD1257-05B7-4992-90E1-19728B5A48CD}" srcId="{2A76A016-75FB-4EB8-A025-6ACD7A3F5B7D}" destId="{68E789BA-346D-43BD-9465-734B217059F0}" srcOrd="1" destOrd="0" parTransId="{BFCF06E6-B9DC-4E18-9537-7296BC3BCBA2}" sibTransId="{C9B12BE5-522A-43A8-A491-AC2795BA9602}"/>
+    <dgm:cxn modelId="{469C87CF-F5DF-49FE-99F1-2B80000E8C7F}" srcId="{2A76A016-75FB-4EB8-A025-6ACD7A3F5B7D}" destId="{6C099256-A3F1-42A6-931A-474918379EC3}" srcOrd="0" destOrd="0" parTransId="{7AC3B3FF-A9FA-4238-87B0-F8A658AD7018}" sibTransId="{148C0DA2-0218-4FFE-8809-25F2D2ED809C}"/>
+    <dgm:cxn modelId="{708F42A7-5008-404E-9322-26848C3C91AC}" type="presOf" srcId="{6C099256-A3F1-42A6-931A-474918379EC3}" destId="{1F6056EB-C534-4970-B58E-AD722CC6900E}" srcOrd="0" destOrd="0" presId="urn:microsoft.com/office/officeart/2005/8/layout/chevron1"/>
+    <dgm:cxn modelId="{77FAF754-A492-46BB-B3D6-D02A2263C7C1}" type="presOf" srcId="{0259D84A-4796-4366-BA60-D7065EA96C71}" destId="{DF757741-D2C4-47CD-B81F-0494B81FB4EA}" srcOrd="0" destOrd="0" presId="urn:microsoft.com/office/officeart/2005/8/layout/chevron1"/>
+    <dgm:cxn modelId="{F7BE3396-F3A9-4FAA-9D06-90D1DA67D79C}" type="presParOf" srcId="{2DFC64A5-769C-4372-9615-1FA4B1491470}" destId="{1F6056EB-C534-4970-B58E-AD722CC6900E}" srcOrd="0" destOrd="0" presId="urn:microsoft.com/office/officeart/2005/8/layout/chevron1"/>
+    <dgm:cxn modelId="{C860C471-F4F8-468C-A4C9-A52EBE8FCAAA}" type="presParOf" srcId="{2DFC64A5-769C-4372-9615-1FA4B1491470}" destId="{C077A35C-7EC3-45E8-86F1-4EB37DB15503}" srcOrd="1" destOrd="0" presId="urn:microsoft.com/office/officeart/2005/8/layout/chevron1"/>
+    <dgm:cxn modelId="{0F847273-4A7B-49E4-BB25-071DC0846F2A}" type="presParOf" srcId="{2DFC64A5-769C-4372-9615-1FA4B1491470}" destId="{1AA5F17D-B47A-4297-B5BB-8C6B99E6C5DA}" srcOrd="2" destOrd="0" presId="urn:microsoft.com/office/officeart/2005/8/layout/chevron1"/>
+    <dgm:cxn modelId="{23E8FF2C-27CD-4A11-A92C-CA72E1AE8F7E}" type="presParOf" srcId="{2DFC64A5-769C-4372-9615-1FA4B1491470}" destId="{4AB4D21E-58BB-49F4-9B51-BB842C62FFF9}" srcOrd="3" destOrd="0" presId="urn:microsoft.com/office/officeart/2005/8/layout/chevron1"/>
+    <dgm:cxn modelId="{3CF0BD46-7294-4970-8731-8A8804439F8E}" type="presParOf" srcId="{2DFC64A5-769C-4372-9615-1FA4B1491470}" destId="{DF757741-D2C4-47CD-B81F-0494B81FB4EA}" srcOrd="4" destOrd="0" presId="urn:microsoft.com/office/officeart/2005/8/layout/chevron1"/>
+  </dgm:cxnLst>
+  <dgm:bg/>
+  <dgm:whole/>
+  <dgm:extLst>
+    <a:ext uri="http://schemas.microsoft.com/office/drawing/2008/diagram">
+      <dsp:dataModelExt xmlns:dsp="http://schemas.microsoft.com/office/drawing/2008/diagram" relId="rId6" minVer="http://schemas.openxmlformats.org/drawingml/2006/diagram"/>
     </a:ext>
   </dgm:extLst>
 </dgm:dataModel>
@@ -7708,8 +8676,8 @@
   <dgm:cxnLst>
     <dgm:cxn modelId="{D99D8AC0-C31E-444D-BFA2-80BF53B9BE7A}" type="presOf" srcId="{2A76A016-75FB-4EB8-A025-6ACD7A3F5B7D}" destId="{2DFC64A5-769C-4372-9615-1FA4B1491470}" srcOrd="0" destOrd="0" presId="urn:microsoft.com/office/officeart/2005/8/layout/chevron1"/>
     <dgm:cxn modelId="{6C3F1AC4-298B-4D68-A3B6-46A3E4B5E6DC}" srcId="{2A76A016-75FB-4EB8-A025-6ACD7A3F5B7D}" destId="{0259D84A-4796-4366-BA60-D7065EA96C71}" srcOrd="2" destOrd="0" parTransId="{2844B534-BEBF-43CF-B484-5CFCA8900E85}" sibTransId="{CA49B43B-3BCA-497E-B500-5523E9DB4D6C}"/>
+    <dgm:cxn modelId="{54CD1257-05B7-4992-90E1-19728B5A48CD}" srcId="{2A76A016-75FB-4EB8-A025-6ACD7A3F5B7D}" destId="{68E789BA-346D-43BD-9465-734B217059F0}" srcOrd="1" destOrd="0" parTransId="{BFCF06E6-B9DC-4E18-9537-7296BC3BCBA2}" sibTransId="{C9B12BE5-522A-43A8-A491-AC2795BA9602}"/>
     <dgm:cxn modelId="{469C87CF-F5DF-49FE-99F1-2B80000E8C7F}" srcId="{2A76A016-75FB-4EB8-A025-6ACD7A3F5B7D}" destId="{6C099256-A3F1-42A6-931A-474918379EC3}" srcOrd="0" destOrd="0" parTransId="{7AC3B3FF-A9FA-4238-87B0-F8A658AD7018}" sibTransId="{148C0DA2-0218-4FFE-8809-25F2D2ED809C}"/>
-    <dgm:cxn modelId="{54CD1257-05B7-4992-90E1-19728B5A48CD}" srcId="{2A76A016-75FB-4EB8-A025-6ACD7A3F5B7D}" destId="{68E789BA-346D-43BD-9465-734B217059F0}" srcOrd="1" destOrd="0" parTransId="{BFCF06E6-B9DC-4E18-9537-7296BC3BCBA2}" sibTransId="{C9B12BE5-522A-43A8-A491-AC2795BA9602}"/>
     <dgm:cxn modelId="{EF8B8C3D-3B3D-420B-BB63-E46BFF2D529F}" type="presOf" srcId="{6C099256-A3F1-42A6-931A-474918379EC3}" destId="{1F6056EB-C534-4970-B58E-AD722CC6900E}" srcOrd="0" destOrd="0" presId="urn:microsoft.com/office/officeart/2005/8/layout/chevron1"/>
     <dgm:cxn modelId="{E4BBE322-DB19-4A72-BAFA-2442333F56D2}" type="presOf" srcId="{0259D84A-4796-4366-BA60-D7065EA96C71}" destId="{DF757741-D2C4-47CD-B81F-0494B81FB4EA}" srcOrd="0" destOrd="0" presId="urn:microsoft.com/office/officeart/2005/8/layout/chevron1"/>
     <dgm:cxn modelId="{FCCB12D5-1E18-400D-9C71-93FB647D6474}" type="presOf" srcId="{68E789BA-346D-43BD-9465-734B217059F0}" destId="{1AA5F17D-B47A-4297-B5BB-8C6B99E6C5DA}" srcOrd="0" destOrd="0" presId="urn:microsoft.com/office/officeart/2005/8/layout/chevron1"/>
@@ -8146,13 +9114,13 @@
     </dgm:pt>
   </dgm:ptLst>
   <dgm:cxnLst>
+    <dgm:cxn modelId="{629ECBAB-7439-4620-8086-6ADCF743F434}" type="presOf" srcId="{2A76A016-75FB-4EB8-A025-6ACD7A3F5B7D}" destId="{2DFC64A5-769C-4372-9615-1FA4B1491470}" srcOrd="0" destOrd="0" presId="urn:microsoft.com/office/officeart/2005/8/layout/chevron1"/>
+    <dgm:cxn modelId="{469C87CF-F5DF-49FE-99F1-2B80000E8C7F}" srcId="{2A76A016-75FB-4EB8-A025-6ACD7A3F5B7D}" destId="{6C099256-A3F1-42A6-931A-474918379EC3}" srcOrd="0" destOrd="0" parTransId="{7AC3B3FF-A9FA-4238-87B0-F8A658AD7018}" sibTransId="{148C0DA2-0218-4FFE-8809-25F2D2ED809C}"/>
     <dgm:cxn modelId="{6C3F1AC4-298B-4D68-A3B6-46A3E4B5E6DC}" srcId="{2A76A016-75FB-4EB8-A025-6ACD7A3F5B7D}" destId="{0259D84A-4796-4366-BA60-D7065EA96C71}" srcOrd="2" destOrd="0" parTransId="{2844B534-BEBF-43CF-B484-5CFCA8900E85}" sibTransId="{CA49B43B-3BCA-497E-B500-5523E9DB4D6C}"/>
+    <dgm:cxn modelId="{B8AF65D1-D3E8-472C-B74F-78CE2258F57E}" type="presOf" srcId="{0259D84A-4796-4366-BA60-D7065EA96C71}" destId="{DF757741-D2C4-47CD-B81F-0494B81FB4EA}" srcOrd="0" destOrd="0" presId="urn:microsoft.com/office/officeart/2005/8/layout/chevron1"/>
     <dgm:cxn modelId="{9FCBBDD8-A553-45E8-846A-C82C7F66C42F}" type="presOf" srcId="{6C099256-A3F1-42A6-931A-474918379EC3}" destId="{1F6056EB-C534-4970-B58E-AD722CC6900E}" srcOrd="0" destOrd="0" presId="urn:microsoft.com/office/officeart/2005/8/layout/chevron1"/>
     <dgm:cxn modelId="{54CD1257-05B7-4992-90E1-19728B5A48CD}" srcId="{2A76A016-75FB-4EB8-A025-6ACD7A3F5B7D}" destId="{68E789BA-346D-43BD-9465-734B217059F0}" srcOrd="1" destOrd="0" parTransId="{BFCF06E6-B9DC-4E18-9537-7296BC3BCBA2}" sibTransId="{C9B12BE5-522A-43A8-A491-AC2795BA9602}"/>
-    <dgm:cxn modelId="{B8AF65D1-D3E8-472C-B74F-78CE2258F57E}" type="presOf" srcId="{0259D84A-4796-4366-BA60-D7065EA96C71}" destId="{DF757741-D2C4-47CD-B81F-0494B81FB4EA}" srcOrd="0" destOrd="0" presId="urn:microsoft.com/office/officeart/2005/8/layout/chevron1"/>
-    <dgm:cxn modelId="{469C87CF-F5DF-49FE-99F1-2B80000E8C7F}" srcId="{2A76A016-75FB-4EB8-A025-6ACD7A3F5B7D}" destId="{6C099256-A3F1-42A6-931A-474918379EC3}" srcOrd="0" destOrd="0" parTransId="{7AC3B3FF-A9FA-4238-87B0-F8A658AD7018}" sibTransId="{148C0DA2-0218-4FFE-8809-25F2D2ED809C}"/>
     <dgm:cxn modelId="{16037A37-A283-4C13-A871-970147F9D96E}" type="presOf" srcId="{68E789BA-346D-43BD-9465-734B217059F0}" destId="{1AA5F17D-B47A-4297-B5BB-8C6B99E6C5DA}" srcOrd="0" destOrd="0" presId="urn:microsoft.com/office/officeart/2005/8/layout/chevron1"/>
-    <dgm:cxn modelId="{629ECBAB-7439-4620-8086-6ADCF743F434}" type="presOf" srcId="{2A76A016-75FB-4EB8-A025-6ACD7A3F5B7D}" destId="{2DFC64A5-769C-4372-9615-1FA4B1491470}" srcOrd="0" destOrd="0" presId="urn:microsoft.com/office/officeart/2005/8/layout/chevron1"/>
     <dgm:cxn modelId="{6A459D9F-CCE4-4E99-8532-4DC6A2570AFE}" type="presParOf" srcId="{2DFC64A5-769C-4372-9615-1FA4B1491470}" destId="{1F6056EB-C534-4970-B58E-AD722CC6900E}" srcOrd="0" destOrd="0" presId="urn:microsoft.com/office/officeart/2005/8/layout/chevron1"/>
     <dgm:cxn modelId="{3CF2AA78-CBD1-4EC4-9910-5E5C09F9574E}" type="presParOf" srcId="{2DFC64A5-769C-4372-9615-1FA4B1491470}" destId="{C077A35C-7EC3-45E8-86F1-4EB37DB15503}" srcOrd="1" destOrd="0" presId="urn:microsoft.com/office/officeart/2005/8/layout/chevron1"/>
     <dgm:cxn modelId="{38D0A45F-3BFC-4900-B29A-C27A1BCEFDFA}" type="presParOf" srcId="{2DFC64A5-769C-4372-9615-1FA4B1491470}" destId="{1AA5F17D-B47A-4297-B5BB-8C6B99E6C5DA}" srcOrd="2" destOrd="0" presId="urn:microsoft.com/office/officeart/2005/8/layout/chevron1"/>
@@ -8170,6 +9138,226 @@
 </file>
 
 <file path=ppt/diagrams/data7.xml><?xml version="1.0" encoding="utf-8"?>
+<dgm:dataModel xmlns:dgm="http://schemas.openxmlformats.org/drawingml/2006/diagram" xmlns:a="http://schemas.openxmlformats.org/drawingml/2006/main">
+  <dgm:ptLst>
+    <dgm:pt modelId="{2A76A016-75FB-4EB8-A025-6ACD7A3F5B7D}" type="doc">
+      <dgm:prSet loTypeId="urn:microsoft.com/office/officeart/2005/8/layout/chevron1" loCatId="process" qsTypeId="urn:microsoft.com/office/officeart/2005/8/quickstyle/simple1" qsCatId="simple" csTypeId="urn:microsoft.com/office/officeart/2005/8/colors/accent1_2" csCatId="accent1" phldr="1"/>
+      <dgm:spPr/>
+    </dgm:pt>
+    <dgm:pt modelId="{0259D84A-4796-4366-BA60-D7065EA96C71}">
+      <dgm:prSet phldrT="[Texte]"/>
+      <dgm:spPr/>
+      <dgm:t>
+        <a:bodyPr/>
+        <a:lstStyle/>
+        <a:p>
+          <a:r>
+            <a:rPr lang="fr-FR" dirty="0" smtClean="0"/>
+            <a:t>Bilan</a:t>
+          </a:r>
+          <a:endParaRPr lang="fr-FR" dirty="0"/>
+        </a:p>
+      </dgm:t>
+    </dgm:pt>
+    <dgm:pt modelId="{CA49B43B-3BCA-497E-B500-5523E9DB4D6C}" type="sibTrans" cxnId="{6C3F1AC4-298B-4D68-A3B6-46A3E4B5E6DC}">
+      <dgm:prSet/>
+      <dgm:spPr/>
+      <dgm:t>
+        <a:bodyPr/>
+        <a:lstStyle/>
+        <a:p>
+          <a:endParaRPr lang="fr-FR"/>
+        </a:p>
+      </dgm:t>
+    </dgm:pt>
+    <dgm:pt modelId="{2844B534-BEBF-43CF-B484-5CFCA8900E85}" type="parTrans" cxnId="{6C3F1AC4-298B-4D68-A3B6-46A3E4B5E6DC}">
+      <dgm:prSet/>
+      <dgm:spPr/>
+      <dgm:t>
+        <a:bodyPr/>
+        <a:lstStyle/>
+        <a:p>
+          <a:endParaRPr lang="fr-FR"/>
+        </a:p>
+      </dgm:t>
+    </dgm:pt>
+    <dgm:pt modelId="{68E789BA-346D-43BD-9465-734B217059F0}">
+      <dgm:prSet phldrT="[Texte]"/>
+      <dgm:spPr>
+        <a:solidFill>
+          <a:srgbClr val="FF0000"/>
+        </a:solidFill>
+      </dgm:spPr>
+      <dgm:t>
+        <a:bodyPr/>
+        <a:lstStyle/>
+        <a:p>
+          <a:r>
+            <a:rPr lang="fr-FR" dirty="0" smtClean="0"/>
+            <a:t>Technique</a:t>
+          </a:r>
+          <a:endParaRPr lang="fr-FR" dirty="0"/>
+        </a:p>
+      </dgm:t>
+    </dgm:pt>
+    <dgm:pt modelId="{C9B12BE5-522A-43A8-A491-AC2795BA9602}" type="sibTrans" cxnId="{54CD1257-05B7-4992-90E1-19728B5A48CD}">
+      <dgm:prSet/>
+      <dgm:spPr/>
+      <dgm:t>
+        <a:bodyPr/>
+        <a:lstStyle/>
+        <a:p>
+          <a:endParaRPr lang="fr-FR"/>
+        </a:p>
+      </dgm:t>
+    </dgm:pt>
+    <dgm:pt modelId="{BFCF06E6-B9DC-4E18-9537-7296BC3BCBA2}" type="parTrans" cxnId="{54CD1257-05B7-4992-90E1-19728B5A48CD}">
+      <dgm:prSet/>
+      <dgm:spPr/>
+      <dgm:t>
+        <a:bodyPr/>
+        <a:lstStyle/>
+        <a:p>
+          <a:endParaRPr lang="fr-FR"/>
+        </a:p>
+      </dgm:t>
+    </dgm:pt>
+    <dgm:pt modelId="{6C099256-A3F1-42A6-931A-474918379EC3}">
+      <dgm:prSet phldrT="[Texte]"/>
+      <dgm:spPr>
+        <a:solidFill>
+          <a:schemeClr val="accent1"/>
+        </a:solidFill>
+      </dgm:spPr>
+      <dgm:t>
+        <a:bodyPr/>
+        <a:lstStyle/>
+        <a:p>
+          <a:r>
+            <a:rPr lang="fr-FR" dirty="0" smtClean="0"/>
+            <a:t>Introduction</a:t>
+          </a:r>
+          <a:endParaRPr lang="fr-FR" dirty="0"/>
+        </a:p>
+      </dgm:t>
+    </dgm:pt>
+    <dgm:pt modelId="{148C0DA2-0218-4FFE-8809-25F2D2ED809C}" type="sibTrans" cxnId="{469C87CF-F5DF-49FE-99F1-2B80000E8C7F}">
+      <dgm:prSet/>
+      <dgm:spPr/>
+      <dgm:t>
+        <a:bodyPr/>
+        <a:lstStyle/>
+        <a:p>
+          <a:endParaRPr lang="fr-FR"/>
+        </a:p>
+      </dgm:t>
+    </dgm:pt>
+    <dgm:pt modelId="{7AC3B3FF-A9FA-4238-87B0-F8A658AD7018}" type="parTrans" cxnId="{469C87CF-F5DF-49FE-99F1-2B80000E8C7F}">
+      <dgm:prSet/>
+      <dgm:spPr/>
+      <dgm:t>
+        <a:bodyPr/>
+        <a:lstStyle/>
+        <a:p>
+          <a:endParaRPr lang="fr-FR"/>
+        </a:p>
+      </dgm:t>
+    </dgm:pt>
+    <dgm:pt modelId="{2DFC64A5-769C-4372-9615-1FA4B1491470}" type="pres">
+      <dgm:prSet presAssocID="{2A76A016-75FB-4EB8-A025-6ACD7A3F5B7D}" presName="Name0" presStyleCnt="0">
+        <dgm:presLayoutVars>
+          <dgm:dir/>
+          <dgm:animLvl val="lvl"/>
+          <dgm:resizeHandles val="exact"/>
+        </dgm:presLayoutVars>
+      </dgm:prSet>
+      <dgm:spPr/>
+    </dgm:pt>
+    <dgm:pt modelId="{1F6056EB-C534-4970-B58E-AD722CC6900E}" type="pres">
+      <dgm:prSet presAssocID="{6C099256-A3F1-42A6-931A-474918379EC3}" presName="parTxOnly" presStyleLbl="node1" presStyleIdx="0" presStyleCnt="3">
+        <dgm:presLayoutVars>
+          <dgm:chMax val="0"/>
+          <dgm:chPref val="0"/>
+          <dgm:bulletEnabled val="1"/>
+        </dgm:presLayoutVars>
+      </dgm:prSet>
+      <dgm:spPr/>
+      <dgm:t>
+        <a:bodyPr/>
+        <a:lstStyle/>
+        <a:p>
+          <a:endParaRPr lang="fr-FR"/>
+        </a:p>
+      </dgm:t>
+    </dgm:pt>
+    <dgm:pt modelId="{C077A35C-7EC3-45E8-86F1-4EB37DB15503}" type="pres">
+      <dgm:prSet presAssocID="{148C0DA2-0218-4FFE-8809-25F2D2ED809C}" presName="parTxOnlySpace" presStyleCnt="0"/>
+      <dgm:spPr/>
+    </dgm:pt>
+    <dgm:pt modelId="{1AA5F17D-B47A-4297-B5BB-8C6B99E6C5DA}" type="pres">
+      <dgm:prSet presAssocID="{68E789BA-346D-43BD-9465-734B217059F0}" presName="parTxOnly" presStyleLbl="node1" presStyleIdx="1" presStyleCnt="3">
+        <dgm:presLayoutVars>
+          <dgm:chMax val="0"/>
+          <dgm:chPref val="0"/>
+          <dgm:bulletEnabled val="1"/>
+        </dgm:presLayoutVars>
+      </dgm:prSet>
+      <dgm:spPr/>
+      <dgm:t>
+        <a:bodyPr/>
+        <a:lstStyle/>
+        <a:p>
+          <a:endParaRPr lang="fr-FR"/>
+        </a:p>
+      </dgm:t>
+    </dgm:pt>
+    <dgm:pt modelId="{4AB4D21E-58BB-49F4-9B51-BB842C62FFF9}" type="pres">
+      <dgm:prSet presAssocID="{C9B12BE5-522A-43A8-A491-AC2795BA9602}" presName="parTxOnlySpace" presStyleCnt="0"/>
+      <dgm:spPr/>
+    </dgm:pt>
+    <dgm:pt modelId="{DF757741-D2C4-47CD-B81F-0494B81FB4EA}" type="pres">
+      <dgm:prSet presAssocID="{0259D84A-4796-4366-BA60-D7065EA96C71}" presName="parTxOnly" presStyleLbl="node1" presStyleIdx="2" presStyleCnt="3">
+        <dgm:presLayoutVars>
+          <dgm:chMax val="0"/>
+          <dgm:chPref val="0"/>
+          <dgm:bulletEnabled val="1"/>
+        </dgm:presLayoutVars>
+      </dgm:prSet>
+      <dgm:spPr/>
+      <dgm:t>
+        <a:bodyPr/>
+        <a:lstStyle/>
+        <a:p>
+          <a:endParaRPr lang="fr-FR"/>
+        </a:p>
+      </dgm:t>
+    </dgm:pt>
+  </dgm:ptLst>
+  <dgm:cxnLst>
+    <dgm:cxn modelId="{6C3F1AC4-298B-4D68-A3B6-46A3E4B5E6DC}" srcId="{2A76A016-75FB-4EB8-A025-6ACD7A3F5B7D}" destId="{0259D84A-4796-4366-BA60-D7065EA96C71}" srcOrd="2" destOrd="0" parTransId="{2844B534-BEBF-43CF-B484-5CFCA8900E85}" sibTransId="{CA49B43B-3BCA-497E-B500-5523E9DB4D6C}"/>
+    <dgm:cxn modelId="{954C83FD-25F7-466D-A4CF-1F92CB8D665F}" type="presOf" srcId="{2A76A016-75FB-4EB8-A025-6ACD7A3F5B7D}" destId="{2DFC64A5-769C-4372-9615-1FA4B1491470}" srcOrd="0" destOrd="0" presId="urn:microsoft.com/office/officeart/2005/8/layout/chevron1"/>
+    <dgm:cxn modelId="{54CD1257-05B7-4992-90E1-19728B5A48CD}" srcId="{2A76A016-75FB-4EB8-A025-6ACD7A3F5B7D}" destId="{68E789BA-346D-43BD-9465-734B217059F0}" srcOrd="1" destOrd="0" parTransId="{BFCF06E6-B9DC-4E18-9537-7296BC3BCBA2}" sibTransId="{C9B12BE5-522A-43A8-A491-AC2795BA9602}"/>
+    <dgm:cxn modelId="{1D107556-8CFB-4CAC-B98B-D618FC6E3F19}" type="presOf" srcId="{0259D84A-4796-4366-BA60-D7065EA96C71}" destId="{DF757741-D2C4-47CD-B81F-0494B81FB4EA}" srcOrd="0" destOrd="0" presId="urn:microsoft.com/office/officeart/2005/8/layout/chevron1"/>
+    <dgm:cxn modelId="{469C87CF-F5DF-49FE-99F1-2B80000E8C7F}" srcId="{2A76A016-75FB-4EB8-A025-6ACD7A3F5B7D}" destId="{6C099256-A3F1-42A6-931A-474918379EC3}" srcOrd="0" destOrd="0" parTransId="{7AC3B3FF-A9FA-4238-87B0-F8A658AD7018}" sibTransId="{148C0DA2-0218-4FFE-8809-25F2D2ED809C}"/>
+    <dgm:cxn modelId="{B188B8EF-F5B9-461A-A2A5-3FB7CCB6FEF6}" type="presOf" srcId="{6C099256-A3F1-42A6-931A-474918379EC3}" destId="{1F6056EB-C534-4970-B58E-AD722CC6900E}" srcOrd="0" destOrd="0" presId="urn:microsoft.com/office/officeart/2005/8/layout/chevron1"/>
+    <dgm:cxn modelId="{AA703402-76F3-4721-B0AC-8CFDCAB56E18}" type="presOf" srcId="{68E789BA-346D-43BD-9465-734B217059F0}" destId="{1AA5F17D-B47A-4297-B5BB-8C6B99E6C5DA}" srcOrd="0" destOrd="0" presId="urn:microsoft.com/office/officeart/2005/8/layout/chevron1"/>
+    <dgm:cxn modelId="{35BDE111-8339-4A6F-9CB0-EC72D06EED68}" type="presParOf" srcId="{2DFC64A5-769C-4372-9615-1FA4B1491470}" destId="{1F6056EB-C534-4970-B58E-AD722CC6900E}" srcOrd="0" destOrd="0" presId="urn:microsoft.com/office/officeart/2005/8/layout/chevron1"/>
+    <dgm:cxn modelId="{42D9C07A-B52E-443A-B8DB-B0F2ED2D56F9}" type="presParOf" srcId="{2DFC64A5-769C-4372-9615-1FA4B1491470}" destId="{C077A35C-7EC3-45E8-86F1-4EB37DB15503}" srcOrd="1" destOrd="0" presId="urn:microsoft.com/office/officeart/2005/8/layout/chevron1"/>
+    <dgm:cxn modelId="{4F8C7957-33BB-48A5-B9CE-67F4F2569F07}" type="presParOf" srcId="{2DFC64A5-769C-4372-9615-1FA4B1491470}" destId="{1AA5F17D-B47A-4297-B5BB-8C6B99E6C5DA}" srcOrd="2" destOrd="0" presId="urn:microsoft.com/office/officeart/2005/8/layout/chevron1"/>
+    <dgm:cxn modelId="{D7DF86B3-54E5-44FF-8935-11124E3933AC}" type="presParOf" srcId="{2DFC64A5-769C-4372-9615-1FA4B1491470}" destId="{4AB4D21E-58BB-49F4-9B51-BB842C62FFF9}" srcOrd="3" destOrd="0" presId="urn:microsoft.com/office/officeart/2005/8/layout/chevron1"/>
+    <dgm:cxn modelId="{C7B8293A-4CF2-4DE6-8016-6B4835376E80}" type="presParOf" srcId="{2DFC64A5-769C-4372-9615-1FA4B1491470}" destId="{DF757741-D2C4-47CD-B81F-0494B81FB4EA}" srcOrd="4" destOrd="0" presId="urn:microsoft.com/office/officeart/2005/8/layout/chevron1"/>
+  </dgm:cxnLst>
+  <dgm:bg/>
+  <dgm:whole/>
+  <dgm:extLst>
+    <a:ext uri="http://schemas.microsoft.com/office/drawing/2008/diagram">
+      <dsp:dataModelExt xmlns:dsp="http://schemas.microsoft.com/office/drawing/2008/diagram" relId="rId7" minVer="http://schemas.openxmlformats.org/drawingml/2006/diagram"/>
+    </a:ext>
+  </dgm:extLst>
+</dgm:dataModel>
+</file>
+
+<file path=ppt/diagrams/data8.xml><?xml version="1.0" encoding="utf-8"?>
 <dgm:dataModel xmlns:dgm="http://schemas.openxmlformats.org/drawingml/2006/diagram" xmlns:a="http://schemas.openxmlformats.org/drawingml/2006/main">
   <dgm:ptLst>
     <dgm:pt modelId="{2A76A016-75FB-4EB8-A025-6ACD7A3F5B7D}" type="doc">
@@ -8389,7 +9577,7 @@
 </dgm:dataModel>
 </file>
 
-<file path=ppt/diagrams/data8.xml><?xml version="1.0" encoding="utf-8"?>
+<file path=ppt/diagrams/data9.xml><?xml version="1.0" encoding="utf-8"?>
 <dgm:dataModel xmlns:dgm="http://schemas.openxmlformats.org/drawingml/2006/diagram" xmlns:a="http://schemas.openxmlformats.org/drawingml/2006/main">
   <dgm:ptLst>
     <dgm:pt modelId="{2A76A016-75FB-4EB8-A025-6ACD7A3F5B7D}" type="doc">
@@ -8588,8 +9776,8 @@
   <dgm:cxnLst>
     <dgm:cxn modelId="{2D9E7C5F-9EF8-4343-B8ED-8F1937F5BA6D}" type="presOf" srcId="{6C099256-A3F1-42A6-931A-474918379EC3}" destId="{1F6056EB-C534-4970-B58E-AD722CC6900E}" srcOrd="0" destOrd="0" presId="urn:microsoft.com/office/officeart/2005/8/layout/chevron1"/>
     <dgm:cxn modelId="{6C3F1AC4-298B-4D68-A3B6-46A3E4B5E6DC}" srcId="{2A76A016-75FB-4EB8-A025-6ACD7A3F5B7D}" destId="{0259D84A-4796-4366-BA60-D7065EA96C71}" srcOrd="2" destOrd="0" parTransId="{2844B534-BEBF-43CF-B484-5CFCA8900E85}" sibTransId="{CA49B43B-3BCA-497E-B500-5523E9DB4D6C}"/>
+    <dgm:cxn modelId="{54CD1257-05B7-4992-90E1-19728B5A48CD}" srcId="{2A76A016-75FB-4EB8-A025-6ACD7A3F5B7D}" destId="{68E789BA-346D-43BD-9465-734B217059F0}" srcOrd="1" destOrd="0" parTransId="{BFCF06E6-B9DC-4E18-9537-7296BC3BCBA2}" sibTransId="{C9B12BE5-522A-43A8-A491-AC2795BA9602}"/>
     <dgm:cxn modelId="{469C87CF-F5DF-49FE-99F1-2B80000E8C7F}" srcId="{2A76A016-75FB-4EB8-A025-6ACD7A3F5B7D}" destId="{6C099256-A3F1-42A6-931A-474918379EC3}" srcOrd="0" destOrd="0" parTransId="{7AC3B3FF-A9FA-4238-87B0-F8A658AD7018}" sibTransId="{148C0DA2-0218-4FFE-8809-25F2D2ED809C}"/>
-    <dgm:cxn modelId="{54CD1257-05B7-4992-90E1-19728B5A48CD}" srcId="{2A76A016-75FB-4EB8-A025-6ACD7A3F5B7D}" destId="{68E789BA-346D-43BD-9465-734B217059F0}" srcOrd="1" destOrd="0" parTransId="{BFCF06E6-B9DC-4E18-9537-7296BC3BCBA2}" sibTransId="{C9B12BE5-522A-43A8-A491-AC2795BA9602}"/>
     <dgm:cxn modelId="{8E9E08AB-4CE6-4194-A827-33FFDBBAD5AF}" type="presOf" srcId="{0259D84A-4796-4366-BA60-D7065EA96C71}" destId="{DF757741-D2C4-47CD-B81F-0494B81FB4EA}" srcOrd="0" destOrd="0" presId="urn:microsoft.com/office/officeart/2005/8/layout/chevron1"/>
     <dgm:cxn modelId="{C186CC4F-22BA-4DA4-8CCA-660EAC9F2618}" type="presOf" srcId="{2A76A016-75FB-4EB8-A025-6ACD7A3F5B7D}" destId="{2DFC64A5-769C-4372-9615-1FA4B1491470}" srcOrd="0" destOrd="0" presId="urn:microsoft.com/office/officeart/2005/8/layout/chevron1"/>
     <dgm:cxn modelId="{26FA5B31-C6D0-4704-950B-7CFA0FF98AFF}" type="presOf" srcId="{68E789BA-346D-43BD-9465-734B217059F0}" destId="{1AA5F17D-B47A-4297-B5BB-8C6B99E6C5DA}" srcOrd="0" destOrd="0" presId="urn:microsoft.com/office/officeart/2005/8/layout/chevron1"/>
@@ -8609,227 +9797,19 @@
 </dgm:dataModel>
 </file>
 
-<file path=ppt/diagrams/data9.xml><?xml version="1.0" encoding="utf-8"?>
-<dgm:dataModel xmlns:dgm="http://schemas.openxmlformats.org/drawingml/2006/diagram" xmlns:a="http://schemas.openxmlformats.org/drawingml/2006/main">
-  <dgm:ptLst>
-    <dgm:pt modelId="{2A76A016-75FB-4EB8-A025-6ACD7A3F5B7D}" type="doc">
-      <dgm:prSet loTypeId="urn:microsoft.com/office/officeart/2005/8/layout/chevron1" loCatId="process" qsTypeId="urn:microsoft.com/office/officeart/2005/8/quickstyle/simple1" qsCatId="simple" csTypeId="urn:microsoft.com/office/officeart/2005/8/colors/accent1_2" csCatId="accent1" phldr="1"/>
-      <dgm:spPr/>
-    </dgm:pt>
-    <dgm:pt modelId="{0259D84A-4796-4366-BA60-D7065EA96C71}">
-      <dgm:prSet phldrT="[Texte]"/>
-      <dgm:spPr/>
-      <dgm:t>
-        <a:bodyPr/>
-        <a:lstStyle/>
-        <a:p>
-          <a:r>
-            <a:rPr lang="fr-FR" dirty="0" smtClean="0"/>
-            <a:t>Bilan</a:t>
-          </a:r>
-          <a:endParaRPr lang="fr-FR" dirty="0"/>
-        </a:p>
-      </dgm:t>
-    </dgm:pt>
-    <dgm:pt modelId="{CA49B43B-3BCA-497E-B500-5523E9DB4D6C}" type="sibTrans" cxnId="{6C3F1AC4-298B-4D68-A3B6-46A3E4B5E6DC}">
-      <dgm:prSet/>
-      <dgm:spPr/>
-      <dgm:t>
-        <a:bodyPr/>
-        <a:lstStyle/>
-        <a:p>
-          <a:endParaRPr lang="fr-FR"/>
-        </a:p>
-      </dgm:t>
-    </dgm:pt>
-    <dgm:pt modelId="{2844B534-BEBF-43CF-B484-5CFCA8900E85}" type="parTrans" cxnId="{6C3F1AC4-298B-4D68-A3B6-46A3E4B5E6DC}">
-      <dgm:prSet/>
-      <dgm:spPr/>
-      <dgm:t>
-        <a:bodyPr/>
-        <a:lstStyle/>
-        <a:p>
-          <a:endParaRPr lang="fr-FR"/>
-        </a:p>
-      </dgm:t>
-    </dgm:pt>
-    <dgm:pt modelId="{68E789BA-346D-43BD-9465-734B217059F0}">
-      <dgm:prSet phldrT="[Texte]"/>
-      <dgm:spPr>
-        <a:solidFill>
-          <a:srgbClr val="FF0000"/>
-        </a:solidFill>
-      </dgm:spPr>
-      <dgm:t>
-        <a:bodyPr/>
-        <a:lstStyle/>
-        <a:p>
-          <a:r>
-            <a:rPr lang="fr-FR" dirty="0" smtClean="0"/>
-            <a:t>Technique</a:t>
-          </a:r>
-          <a:endParaRPr lang="fr-FR" dirty="0"/>
-        </a:p>
-      </dgm:t>
-    </dgm:pt>
-    <dgm:pt modelId="{C9B12BE5-522A-43A8-A491-AC2795BA9602}" type="sibTrans" cxnId="{54CD1257-05B7-4992-90E1-19728B5A48CD}">
-      <dgm:prSet/>
-      <dgm:spPr/>
-      <dgm:t>
-        <a:bodyPr/>
-        <a:lstStyle/>
-        <a:p>
-          <a:endParaRPr lang="fr-FR"/>
-        </a:p>
-      </dgm:t>
-    </dgm:pt>
-    <dgm:pt modelId="{BFCF06E6-B9DC-4E18-9537-7296BC3BCBA2}" type="parTrans" cxnId="{54CD1257-05B7-4992-90E1-19728B5A48CD}">
-      <dgm:prSet/>
-      <dgm:spPr/>
-      <dgm:t>
-        <a:bodyPr/>
-        <a:lstStyle/>
-        <a:p>
-          <a:endParaRPr lang="fr-FR"/>
-        </a:p>
-      </dgm:t>
-    </dgm:pt>
-    <dgm:pt modelId="{6C099256-A3F1-42A6-931A-474918379EC3}">
-      <dgm:prSet phldrT="[Texte]"/>
-      <dgm:spPr>
-        <a:solidFill>
-          <a:schemeClr val="accent1"/>
-        </a:solidFill>
-      </dgm:spPr>
-      <dgm:t>
-        <a:bodyPr/>
-        <a:lstStyle/>
-        <a:p>
-          <a:r>
-            <a:rPr lang="fr-FR" dirty="0" smtClean="0"/>
-            <a:t>Introduction</a:t>
-          </a:r>
-          <a:endParaRPr lang="fr-FR" dirty="0"/>
-        </a:p>
-      </dgm:t>
-    </dgm:pt>
-    <dgm:pt modelId="{148C0DA2-0218-4FFE-8809-25F2D2ED809C}" type="sibTrans" cxnId="{469C87CF-F5DF-49FE-99F1-2B80000E8C7F}">
-      <dgm:prSet/>
-      <dgm:spPr/>
-      <dgm:t>
-        <a:bodyPr/>
-        <a:lstStyle/>
-        <a:p>
-          <a:endParaRPr lang="fr-FR"/>
-        </a:p>
-      </dgm:t>
-    </dgm:pt>
-    <dgm:pt modelId="{7AC3B3FF-A9FA-4238-87B0-F8A658AD7018}" type="parTrans" cxnId="{469C87CF-F5DF-49FE-99F1-2B80000E8C7F}">
-      <dgm:prSet/>
-      <dgm:spPr/>
-      <dgm:t>
-        <a:bodyPr/>
-        <a:lstStyle/>
-        <a:p>
-          <a:endParaRPr lang="fr-FR"/>
-        </a:p>
-      </dgm:t>
-    </dgm:pt>
-    <dgm:pt modelId="{2DFC64A5-769C-4372-9615-1FA4B1491470}" type="pres">
-      <dgm:prSet presAssocID="{2A76A016-75FB-4EB8-A025-6ACD7A3F5B7D}" presName="Name0" presStyleCnt="0">
-        <dgm:presLayoutVars>
-          <dgm:dir/>
-          <dgm:animLvl val="lvl"/>
-          <dgm:resizeHandles val="exact"/>
-        </dgm:presLayoutVars>
-      </dgm:prSet>
-      <dgm:spPr/>
-    </dgm:pt>
-    <dgm:pt modelId="{1F6056EB-C534-4970-B58E-AD722CC6900E}" type="pres">
-      <dgm:prSet presAssocID="{6C099256-A3F1-42A6-931A-474918379EC3}" presName="parTxOnly" presStyleLbl="node1" presStyleIdx="0" presStyleCnt="3">
-        <dgm:presLayoutVars>
-          <dgm:chMax val="0"/>
-          <dgm:chPref val="0"/>
-          <dgm:bulletEnabled val="1"/>
-        </dgm:presLayoutVars>
-      </dgm:prSet>
-      <dgm:spPr/>
-      <dgm:t>
-        <a:bodyPr/>
-        <a:lstStyle/>
-        <a:p>
-          <a:endParaRPr lang="fr-FR"/>
-        </a:p>
-      </dgm:t>
-    </dgm:pt>
-    <dgm:pt modelId="{C077A35C-7EC3-45E8-86F1-4EB37DB15503}" type="pres">
-      <dgm:prSet presAssocID="{148C0DA2-0218-4FFE-8809-25F2D2ED809C}" presName="parTxOnlySpace" presStyleCnt="0"/>
-      <dgm:spPr/>
-    </dgm:pt>
-    <dgm:pt modelId="{1AA5F17D-B47A-4297-B5BB-8C6B99E6C5DA}" type="pres">
-      <dgm:prSet presAssocID="{68E789BA-346D-43BD-9465-734B217059F0}" presName="parTxOnly" presStyleLbl="node1" presStyleIdx="1" presStyleCnt="3">
-        <dgm:presLayoutVars>
-          <dgm:chMax val="0"/>
-          <dgm:chPref val="0"/>
-          <dgm:bulletEnabled val="1"/>
-        </dgm:presLayoutVars>
-      </dgm:prSet>
-      <dgm:spPr/>
-      <dgm:t>
-        <a:bodyPr/>
-        <a:lstStyle/>
-        <a:p>
-          <a:endParaRPr lang="fr-FR"/>
-        </a:p>
-      </dgm:t>
-    </dgm:pt>
-    <dgm:pt modelId="{4AB4D21E-58BB-49F4-9B51-BB842C62FFF9}" type="pres">
-      <dgm:prSet presAssocID="{C9B12BE5-522A-43A8-A491-AC2795BA9602}" presName="parTxOnlySpace" presStyleCnt="0"/>
-      <dgm:spPr/>
-    </dgm:pt>
-    <dgm:pt modelId="{DF757741-D2C4-47CD-B81F-0494B81FB4EA}" type="pres">
-      <dgm:prSet presAssocID="{0259D84A-4796-4366-BA60-D7065EA96C71}" presName="parTxOnly" presStyleLbl="node1" presStyleIdx="2" presStyleCnt="3">
-        <dgm:presLayoutVars>
-          <dgm:chMax val="0"/>
-          <dgm:chPref val="0"/>
-          <dgm:bulletEnabled val="1"/>
-        </dgm:presLayoutVars>
-      </dgm:prSet>
-      <dgm:spPr/>
-      <dgm:t>
-        <a:bodyPr/>
-        <a:lstStyle/>
-        <a:p>
-          <a:endParaRPr lang="fr-FR"/>
-        </a:p>
-      </dgm:t>
-    </dgm:pt>
-  </dgm:ptLst>
-  <dgm:cxnLst>
-    <dgm:cxn modelId="{6C3F1AC4-298B-4D68-A3B6-46A3E4B5E6DC}" srcId="{2A76A016-75FB-4EB8-A025-6ACD7A3F5B7D}" destId="{0259D84A-4796-4366-BA60-D7065EA96C71}" srcOrd="2" destOrd="0" parTransId="{2844B534-BEBF-43CF-B484-5CFCA8900E85}" sibTransId="{CA49B43B-3BCA-497E-B500-5523E9DB4D6C}"/>
-    <dgm:cxn modelId="{648826F5-2316-47BF-A346-10E83ECCE585}" type="presOf" srcId="{2A76A016-75FB-4EB8-A025-6ACD7A3F5B7D}" destId="{2DFC64A5-769C-4372-9615-1FA4B1491470}" srcOrd="0" destOrd="0" presId="urn:microsoft.com/office/officeart/2005/8/layout/chevron1"/>
-    <dgm:cxn modelId="{F8CB08BF-C393-4A30-94E9-2BA1F405B966}" type="presOf" srcId="{68E789BA-346D-43BD-9465-734B217059F0}" destId="{1AA5F17D-B47A-4297-B5BB-8C6B99E6C5DA}" srcOrd="0" destOrd="0" presId="urn:microsoft.com/office/officeart/2005/8/layout/chevron1"/>
-    <dgm:cxn modelId="{54CD1257-05B7-4992-90E1-19728B5A48CD}" srcId="{2A76A016-75FB-4EB8-A025-6ACD7A3F5B7D}" destId="{68E789BA-346D-43BD-9465-734B217059F0}" srcOrd="1" destOrd="0" parTransId="{BFCF06E6-B9DC-4E18-9537-7296BC3BCBA2}" sibTransId="{C9B12BE5-522A-43A8-A491-AC2795BA9602}"/>
-    <dgm:cxn modelId="{469C87CF-F5DF-49FE-99F1-2B80000E8C7F}" srcId="{2A76A016-75FB-4EB8-A025-6ACD7A3F5B7D}" destId="{6C099256-A3F1-42A6-931A-474918379EC3}" srcOrd="0" destOrd="0" parTransId="{7AC3B3FF-A9FA-4238-87B0-F8A658AD7018}" sibTransId="{148C0DA2-0218-4FFE-8809-25F2D2ED809C}"/>
-    <dgm:cxn modelId="{708F42A7-5008-404E-9322-26848C3C91AC}" type="presOf" srcId="{6C099256-A3F1-42A6-931A-474918379EC3}" destId="{1F6056EB-C534-4970-B58E-AD722CC6900E}" srcOrd="0" destOrd="0" presId="urn:microsoft.com/office/officeart/2005/8/layout/chevron1"/>
-    <dgm:cxn modelId="{77FAF754-A492-46BB-B3D6-D02A2263C7C1}" type="presOf" srcId="{0259D84A-4796-4366-BA60-D7065EA96C71}" destId="{DF757741-D2C4-47CD-B81F-0494B81FB4EA}" srcOrd="0" destOrd="0" presId="urn:microsoft.com/office/officeart/2005/8/layout/chevron1"/>
-    <dgm:cxn modelId="{F7BE3396-F3A9-4FAA-9D06-90D1DA67D79C}" type="presParOf" srcId="{2DFC64A5-769C-4372-9615-1FA4B1491470}" destId="{1F6056EB-C534-4970-B58E-AD722CC6900E}" srcOrd="0" destOrd="0" presId="urn:microsoft.com/office/officeart/2005/8/layout/chevron1"/>
-    <dgm:cxn modelId="{C860C471-F4F8-468C-A4C9-A52EBE8FCAAA}" type="presParOf" srcId="{2DFC64A5-769C-4372-9615-1FA4B1491470}" destId="{C077A35C-7EC3-45E8-86F1-4EB37DB15503}" srcOrd="1" destOrd="0" presId="urn:microsoft.com/office/officeart/2005/8/layout/chevron1"/>
-    <dgm:cxn modelId="{0F847273-4A7B-49E4-BB25-071DC0846F2A}" type="presParOf" srcId="{2DFC64A5-769C-4372-9615-1FA4B1491470}" destId="{1AA5F17D-B47A-4297-B5BB-8C6B99E6C5DA}" srcOrd="2" destOrd="0" presId="urn:microsoft.com/office/officeart/2005/8/layout/chevron1"/>
-    <dgm:cxn modelId="{23E8FF2C-27CD-4A11-A92C-CA72E1AE8F7E}" type="presParOf" srcId="{2DFC64A5-769C-4372-9615-1FA4B1491470}" destId="{4AB4D21E-58BB-49F4-9B51-BB842C62FFF9}" srcOrd="3" destOrd="0" presId="urn:microsoft.com/office/officeart/2005/8/layout/chevron1"/>
-    <dgm:cxn modelId="{3CF0BD46-7294-4970-8731-8A8804439F8E}" type="presParOf" srcId="{2DFC64A5-769C-4372-9615-1FA4B1491470}" destId="{DF757741-D2C4-47CD-B81F-0494B81FB4EA}" srcOrd="4" destOrd="0" presId="urn:microsoft.com/office/officeart/2005/8/layout/chevron1"/>
-  </dgm:cxnLst>
-  <dgm:bg/>
-  <dgm:whole/>
-  <dgm:extLst>
-    <a:ext uri="http://schemas.microsoft.com/office/drawing/2008/diagram">
-      <dsp:dataModelExt xmlns:dsp="http://schemas.microsoft.com/office/drawing/2008/diagram" relId="rId6" minVer="http://schemas.openxmlformats.org/drawingml/2006/diagram"/>
-    </a:ext>
-  </dgm:extLst>
-</dgm:dataModel>
+<file path=ppt/diagrams/drawing1.xml><?xml version="1.0" encoding="utf-8"?>
+<dsp:drawing xmlns:dgm="http://schemas.openxmlformats.org/drawingml/2006/diagram" xmlns:dsp="http://schemas.microsoft.com/office/drawing/2008/diagram" xmlns:a="http://schemas.openxmlformats.org/drawingml/2006/main">
+  <dsp:spTree>
+    <dsp:nvGrpSpPr>
+      <dsp:cNvPr id="0" name=""/>
+      <dsp:cNvGrpSpPr/>
+    </dsp:nvGrpSpPr>
+    <dsp:grpSpPr/>
+  </dsp:spTree>
+</dsp:drawing>
 </file>
 
-<file path=ppt/diagrams/drawing1.xml><?xml version="1.0" encoding="utf-8"?>
+<file path=ppt/diagrams/drawing10.xml><?xml version="1.0" encoding="utf-8"?>
 <dsp:drawing xmlns:dgm="http://schemas.openxmlformats.org/drawingml/2006/diagram" xmlns:dsp="http://schemas.microsoft.com/office/drawing/2008/diagram" xmlns:a="http://schemas.openxmlformats.org/drawingml/2006/main">
   <dsp:spTree>
     <dsp:nvGrpSpPr>
@@ -9070,227 +10050,6 @@
       <dsp:cNvGrpSpPr/>
     </dsp:nvGrpSpPr>
     <dsp:grpSpPr/>
-    <dsp:sp modelId="{1F6056EB-C534-4970-B58E-AD722CC6900E}">
-      <dsp:nvSpPr>
-        <dsp:cNvPr id="0" name=""/>
-        <dsp:cNvSpPr/>
-      </dsp:nvSpPr>
-      <dsp:spPr>
-        <a:xfrm>
-          <a:off x="1673" y="0"/>
-          <a:ext cx="2039194" cy="410198"/>
-        </a:xfrm>
-        <a:prstGeom prst="chevron">
-          <a:avLst/>
-        </a:prstGeom>
-        <a:solidFill>
-          <a:schemeClr val="accent1"/>
-        </a:solidFill>
-        <a:ln w="15875" cap="rnd" cmpd="sng" algn="ctr">
-          <a:solidFill>
-            <a:schemeClr val="lt1">
-              <a:hueOff val="0"/>
-              <a:satOff val="0"/>
-              <a:lumOff val="0"/>
-              <a:alphaOff val="0"/>
-            </a:schemeClr>
-          </a:solidFill>
-          <a:prstDash val="solid"/>
-        </a:ln>
-        <a:effectLst/>
-      </dsp:spPr>
-      <dsp:style>
-        <a:lnRef idx="2">
-          <a:scrgbClr r="0" g="0" b="0"/>
-        </a:lnRef>
-        <a:fillRef idx="1">
-          <a:scrgbClr r="0" g="0" b="0"/>
-        </a:fillRef>
-        <a:effectRef idx="0">
-          <a:scrgbClr r="0" g="0" b="0"/>
-        </a:effectRef>
-        <a:fontRef idx="minor">
-          <a:schemeClr val="lt1"/>
-        </a:fontRef>
-      </dsp:style>
-      <dsp:txBody>
-        <a:bodyPr spcFirstLastPara="0" vert="horz" wrap="square" lIns="80010" tIns="26670" rIns="26670" bIns="26670" numCol="1" spcCol="1270" anchor="ctr" anchorCtr="0">
-          <a:noAutofit/>
-        </a:bodyPr>
-        <a:lstStyle/>
-        <a:p>
-          <a:pPr lvl="0" algn="ctr" defTabSz="889000">
-            <a:lnSpc>
-              <a:spcPct val="90000"/>
-            </a:lnSpc>
-            <a:spcBef>
-              <a:spcPct val="0"/>
-            </a:spcBef>
-            <a:spcAft>
-              <a:spcPct val="35000"/>
-            </a:spcAft>
-          </a:pPr>
-          <a:r>
-            <a:rPr lang="fr-FR" sz="2000" kern="1200" dirty="0" smtClean="0"/>
-            <a:t>Introduction</a:t>
-          </a:r>
-          <a:endParaRPr lang="fr-FR" sz="2000" kern="1200" dirty="0"/>
-        </a:p>
-      </dsp:txBody>
-      <dsp:txXfrm>
-        <a:off x="206772" y="0"/>
-        <a:ext cx="1628996" cy="410198"/>
-      </dsp:txXfrm>
-    </dsp:sp>
-    <dsp:sp modelId="{1AA5F17D-B47A-4297-B5BB-8C6B99E6C5DA}">
-      <dsp:nvSpPr>
-        <dsp:cNvPr id="0" name=""/>
-        <dsp:cNvSpPr/>
-      </dsp:nvSpPr>
-      <dsp:spPr>
-        <a:xfrm>
-          <a:off x="1836948" y="0"/>
-          <a:ext cx="2039194" cy="410198"/>
-        </a:xfrm>
-        <a:prstGeom prst="chevron">
-          <a:avLst/>
-        </a:prstGeom>
-        <a:solidFill>
-          <a:srgbClr val="FF0000"/>
-        </a:solidFill>
-        <a:ln w="15875" cap="rnd" cmpd="sng" algn="ctr">
-          <a:solidFill>
-            <a:schemeClr val="lt1">
-              <a:hueOff val="0"/>
-              <a:satOff val="0"/>
-              <a:lumOff val="0"/>
-              <a:alphaOff val="0"/>
-            </a:schemeClr>
-          </a:solidFill>
-          <a:prstDash val="solid"/>
-        </a:ln>
-        <a:effectLst/>
-      </dsp:spPr>
-      <dsp:style>
-        <a:lnRef idx="2">
-          <a:scrgbClr r="0" g="0" b="0"/>
-        </a:lnRef>
-        <a:fillRef idx="1">
-          <a:scrgbClr r="0" g="0" b="0"/>
-        </a:fillRef>
-        <a:effectRef idx="0">
-          <a:scrgbClr r="0" g="0" b="0"/>
-        </a:effectRef>
-        <a:fontRef idx="minor">
-          <a:schemeClr val="lt1"/>
-        </a:fontRef>
-      </dsp:style>
-      <dsp:txBody>
-        <a:bodyPr spcFirstLastPara="0" vert="horz" wrap="square" lIns="80010" tIns="26670" rIns="26670" bIns="26670" numCol="1" spcCol="1270" anchor="ctr" anchorCtr="0">
-          <a:noAutofit/>
-        </a:bodyPr>
-        <a:lstStyle/>
-        <a:p>
-          <a:pPr lvl="0" algn="ctr" defTabSz="889000">
-            <a:lnSpc>
-              <a:spcPct val="90000"/>
-            </a:lnSpc>
-            <a:spcBef>
-              <a:spcPct val="0"/>
-            </a:spcBef>
-            <a:spcAft>
-              <a:spcPct val="35000"/>
-            </a:spcAft>
-          </a:pPr>
-          <a:r>
-            <a:rPr lang="fr-FR" sz="2000" kern="1200" dirty="0" smtClean="0"/>
-            <a:t>Technique</a:t>
-          </a:r>
-          <a:endParaRPr lang="fr-FR" sz="2000" kern="1200" dirty="0"/>
-        </a:p>
-      </dsp:txBody>
-      <dsp:txXfrm>
-        <a:off x="2042047" y="0"/>
-        <a:ext cx="1628996" cy="410198"/>
-      </dsp:txXfrm>
-    </dsp:sp>
-    <dsp:sp modelId="{DF757741-D2C4-47CD-B81F-0494B81FB4EA}">
-      <dsp:nvSpPr>
-        <dsp:cNvPr id="0" name=""/>
-        <dsp:cNvSpPr/>
-      </dsp:nvSpPr>
-      <dsp:spPr>
-        <a:xfrm>
-          <a:off x="3672223" y="0"/>
-          <a:ext cx="2039194" cy="410198"/>
-        </a:xfrm>
-        <a:prstGeom prst="chevron">
-          <a:avLst/>
-        </a:prstGeom>
-        <a:solidFill>
-          <a:schemeClr val="accent1">
-            <a:hueOff val="0"/>
-            <a:satOff val="0"/>
-            <a:lumOff val="0"/>
-            <a:alphaOff val="0"/>
-          </a:schemeClr>
-        </a:solidFill>
-        <a:ln w="15875" cap="rnd" cmpd="sng" algn="ctr">
-          <a:solidFill>
-            <a:schemeClr val="lt1">
-              <a:hueOff val="0"/>
-              <a:satOff val="0"/>
-              <a:lumOff val="0"/>
-              <a:alphaOff val="0"/>
-            </a:schemeClr>
-          </a:solidFill>
-          <a:prstDash val="solid"/>
-        </a:ln>
-        <a:effectLst/>
-      </dsp:spPr>
-      <dsp:style>
-        <a:lnRef idx="2">
-          <a:scrgbClr r="0" g="0" b="0"/>
-        </a:lnRef>
-        <a:fillRef idx="1">
-          <a:scrgbClr r="0" g="0" b="0"/>
-        </a:fillRef>
-        <a:effectRef idx="0">
-          <a:scrgbClr r="0" g="0" b="0"/>
-        </a:effectRef>
-        <a:fontRef idx="minor">
-          <a:schemeClr val="lt1"/>
-        </a:fontRef>
-      </dsp:style>
-      <dsp:txBody>
-        <a:bodyPr spcFirstLastPara="0" vert="horz" wrap="square" lIns="80010" tIns="26670" rIns="26670" bIns="26670" numCol="1" spcCol="1270" anchor="ctr" anchorCtr="0">
-          <a:noAutofit/>
-        </a:bodyPr>
-        <a:lstStyle/>
-        <a:p>
-          <a:pPr lvl="0" algn="ctr" defTabSz="889000">
-            <a:lnSpc>
-              <a:spcPct val="90000"/>
-            </a:lnSpc>
-            <a:spcBef>
-              <a:spcPct val="0"/>
-            </a:spcBef>
-            <a:spcAft>
-              <a:spcPct val="35000"/>
-            </a:spcAft>
-          </a:pPr>
-          <a:r>
-            <a:rPr lang="fr-FR" sz="2000" kern="1200" dirty="0" smtClean="0"/>
-            <a:t>Bilan</a:t>
-          </a:r>
-          <a:endParaRPr lang="fr-FR" sz="2000" kern="1200" dirty="0"/>
-        </a:p>
-      </dsp:txBody>
-      <dsp:txXfrm>
-        <a:off x="3877322" y="0"/>
-        <a:ext cx="1628996" cy="410198"/>
-      </dsp:txXfrm>
-    </dsp:sp>
   </dsp:spTree>
 </dsp:drawing>
 </file>
@@ -9303,227 +10062,6 @@
       <dsp:cNvGrpSpPr/>
     </dsp:nvGrpSpPr>
     <dsp:grpSpPr/>
-    <dsp:sp modelId="{1F6056EB-C534-4970-B58E-AD722CC6900E}">
-      <dsp:nvSpPr>
-        <dsp:cNvPr id="0" name=""/>
-        <dsp:cNvSpPr/>
-      </dsp:nvSpPr>
-      <dsp:spPr>
-        <a:xfrm>
-          <a:off x="1673" y="0"/>
-          <a:ext cx="2039194" cy="410198"/>
-        </a:xfrm>
-        <a:prstGeom prst="chevron">
-          <a:avLst/>
-        </a:prstGeom>
-        <a:solidFill>
-          <a:schemeClr val="accent1"/>
-        </a:solidFill>
-        <a:ln w="15875" cap="rnd" cmpd="sng" algn="ctr">
-          <a:solidFill>
-            <a:schemeClr val="lt1">
-              <a:hueOff val="0"/>
-              <a:satOff val="0"/>
-              <a:lumOff val="0"/>
-              <a:alphaOff val="0"/>
-            </a:schemeClr>
-          </a:solidFill>
-          <a:prstDash val="solid"/>
-        </a:ln>
-        <a:effectLst/>
-      </dsp:spPr>
-      <dsp:style>
-        <a:lnRef idx="2">
-          <a:scrgbClr r="0" g="0" b="0"/>
-        </a:lnRef>
-        <a:fillRef idx="1">
-          <a:scrgbClr r="0" g="0" b="0"/>
-        </a:fillRef>
-        <a:effectRef idx="0">
-          <a:scrgbClr r="0" g="0" b="0"/>
-        </a:effectRef>
-        <a:fontRef idx="minor">
-          <a:schemeClr val="lt1"/>
-        </a:fontRef>
-      </dsp:style>
-      <dsp:txBody>
-        <a:bodyPr spcFirstLastPara="0" vert="horz" wrap="square" lIns="80010" tIns="26670" rIns="26670" bIns="26670" numCol="1" spcCol="1270" anchor="ctr" anchorCtr="0">
-          <a:noAutofit/>
-        </a:bodyPr>
-        <a:lstStyle/>
-        <a:p>
-          <a:pPr lvl="0" algn="ctr" defTabSz="889000">
-            <a:lnSpc>
-              <a:spcPct val="90000"/>
-            </a:lnSpc>
-            <a:spcBef>
-              <a:spcPct val="0"/>
-            </a:spcBef>
-            <a:spcAft>
-              <a:spcPct val="35000"/>
-            </a:spcAft>
-          </a:pPr>
-          <a:r>
-            <a:rPr lang="fr-FR" sz="2000" kern="1200" dirty="0" smtClean="0"/>
-            <a:t>Introduction</a:t>
-          </a:r>
-          <a:endParaRPr lang="fr-FR" sz="2000" kern="1200" dirty="0"/>
-        </a:p>
-      </dsp:txBody>
-      <dsp:txXfrm>
-        <a:off x="206772" y="0"/>
-        <a:ext cx="1628996" cy="410198"/>
-      </dsp:txXfrm>
-    </dsp:sp>
-    <dsp:sp modelId="{1AA5F17D-B47A-4297-B5BB-8C6B99E6C5DA}">
-      <dsp:nvSpPr>
-        <dsp:cNvPr id="0" name=""/>
-        <dsp:cNvSpPr/>
-      </dsp:nvSpPr>
-      <dsp:spPr>
-        <a:xfrm>
-          <a:off x="1836948" y="0"/>
-          <a:ext cx="2039194" cy="410198"/>
-        </a:xfrm>
-        <a:prstGeom prst="chevron">
-          <a:avLst/>
-        </a:prstGeom>
-        <a:solidFill>
-          <a:srgbClr val="FF0000"/>
-        </a:solidFill>
-        <a:ln w="15875" cap="rnd" cmpd="sng" algn="ctr">
-          <a:solidFill>
-            <a:schemeClr val="lt1">
-              <a:hueOff val="0"/>
-              <a:satOff val="0"/>
-              <a:lumOff val="0"/>
-              <a:alphaOff val="0"/>
-            </a:schemeClr>
-          </a:solidFill>
-          <a:prstDash val="solid"/>
-        </a:ln>
-        <a:effectLst/>
-      </dsp:spPr>
-      <dsp:style>
-        <a:lnRef idx="2">
-          <a:scrgbClr r="0" g="0" b="0"/>
-        </a:lnRef>
-        <a:fillRef idx="1">
-          <a:scrgbClr r="0" g="0" b="0"/>
-        </a:fillRef>
-        <a:effectRef idx="0">
-          <a:scrgbClr r="0" g="0" b="0"/>
-        </a:effectRef>
-        <a:fontRef idx="minor">
-          <a:schemeClr val="lt1"/>
-        </a:fontRef>
-      </dsp:style>
-      <dsp:txBody>
-        <a:bodyPr spcFirstLastPara="0" vert="horz" wrap="square" lIns="80010" tIns="26670" rIns="26670" bIns="26670" numCol="1" spcCol="1270" anchor="ctr" anchorCtr="0">
-          <a:noAutofit/>
-        </a:bodyPr>
-        <a:lstStyle/>
-        <a:p>
-          <a:pPr lvl="0" algn="ctr" defTabSz="889000">
-            <a:lnSpc>
-              <a:spcPct val="90000"/>
-            </a:lnSpc>
-            <a:spcBef>
-              <a:spcPct val="0"/>
-            </a:spcBef>
-            <a:spcAft>
-              <a:spcPct val="35000"/>
-            </a:spcAft>
-          </a:pPr>
-          <a:r>
-            <a:rPr lang="fr-FR" sz="2000" kern="1200" dirty="0" smtClean="0"/>
-            <a:t>Technique</a:t>
-          </a:r>
-          <a:endParaRPr lang="fr-FR" sz="2000" kern="1200" dirty="0"/>
-        </a:p>
-      </dsp:txBody>
-      <dsp:txXfrm>
-        <a:off x="2042047" y="0"/>
-        <a:ext cx="1628996" cy="410198"/>
-      </dsp:txXfrm>
-    </dsp:sp>
-    <dsp:sp modelId="{DF757741-D2C4-47CD-B81F-0494B81FB4EA}">
-      <dsp:nvSpPr>
-        <dsp:cNvPr id="0" name=""/>
-        <dsp:cNvSpPr/>
-      </dsp:nvSpPr>
-      <dsp:spPr>
-        <a:xfrm>
-          <a:off x="3672223" y="0"/>
-          <a:ext cx="2039194" cy="410198"/>
-        </a:xfrm>
-        <a:prstGeom prst="chevron">
-          <a:avLst/>
-        </a:prstGeom>
-        <a:solidFill>
-          <a:schemeClr val="accent1">
-            <a:hueOff val="0"/>
-            <a:satOff val="0"/>
-            <a:lumOff val="0"/>
-            <a:alphaOff val="0"/>
-          </a:schemeClr>
-        </a:solidFill>
-        <a:ln w="15875" cap="rnd" cmpd="sng" algn="ctr">
-          <a:solidFill>
-            <a:schemeClr val="lt1">
-              <a:hueOff val="0"/>
-              <a:satOff val="0"/>
-              <a:lumOff val="0"/>
-              <a:alphaOff val="0"/>
-            </a:schemeClr>
-          </a:solidFill>
-          <a:prstDash val="solid"/>
-        </a:ln>
-        <a:effectLst/>
-      </dsp:spPr>
-      <dsp:style>
-        <a:lnRef idx="2">
-          <a:scrgbClr r="0" g="0" b="0"/>
-        </a:lnRef>
-        <a:fillRef idx="1">
-          <a:scrgbClr r="0" g="0" b="0"/>
-        </a:fillRef>
-        <a:effectRef idx="0">
-          <a:scrgbClr r="0" g="0" b="0"/>
-        </a:effectRef>
-        <a:fontRef idx="minor">
-          <a:schemeClr val="lt1"/>
-        </a:fontRef>
-      </dsp:style>
-      <dsp:txBody>
-        <a:bodyPr spcFirstLastPara="0" vert="horz" wrap="square" lIns="80010" tIns="26670" rIns="26670" bIns="26670" numCol="1" spcCol="1270" anchor="ctr" anchorCtr="0">
-          <a:noAutofit/>
-        </a:bodyPr>
-        <a:lstStyle/>
-        <a:p>
-          <a:pPr lvl="0" algn="ctr" defTabSz="889000">
-            <a:lnSpc>
-              <a:spcPct val="90000"/>
-            </a:lnSpc>
-            <a:spcBef>
-              <a:spcPct val="0"/>
-            </a:spcBef>
-            <a:spcAft>
-              <a:spcPct val="35000"/>
-            </a:spcAft>
-          </a:pPr>
-          <a:r>
-            <a:rPr lang="fr-FR" sz="2000" kern="1200" dirty="0" smtClean="0"/>
-            <a:t>Bilan</a:t>
-          </a:r>
-          <a:endParaRPr lang="fr-FR" sz="2000" kern="1200" dirty="0"/>
-        </a:p>
-      </dsp:txBody>
-      <dsp:txXfrm>
-        <a:off x="3877322" y="0"/>
-        <a:ext cx="1628996" cy="410198"/>
-      </dsp:txXfrm>
-    </dsp:sp>
   </dsp:spTree>
 </dsp:drawing>
 </file>
@@ -10927,6 +11465,289 @@
 </file>
 
 <file path=ppt/diagrams/layout1.xml><?xml version="1.0" encoding="utf-8"?>
+<dgm:layoutDef xmlns:dgm="http://schemas.openxmlformats.org/drawingml/2006/diagram" xmlns:a="http://schemas.openxmlformats.org/drawingml/2006/main" uniqueId="urn:microsoft.com/office/officeart/2005/8/layout/chevron1">
+  <dgm:title val=""/>
+  <dgm:desc val=""/>
+  <dgm:catLst>
+    <dgm:cat type="process" pri="9000"/>
+  </dgm:catLst>
+  <dgm:sampData useDef="1">
+    <dgm:dataModel>
+      <dgm:ptLst/>
+      <dgm:bg/>
+      <dgm:whole/>
+    </dgm:dataModel>
+  </dgm:sampData>
+  <dgm:styleData>
+    <dgm:dataModel>
+      <dgm:ptLst>
+        <dgm:pt modelId="0" type="doc"/>
+        <dgm:pt modelId="1"/>
+        <dgm:pt modelId="2"/>
+      </dgm:ptLst>
+      <dgm:cxnLst>
+        <dgm:cxn modelId="3" srcId="0" destId="1" srcOrd="0" destOrd="0"/>
+        <dgm:cxn modelId="4" srcId="0" destId="2" srcOrd="1" destOrd="0"/>
+      </dgm:cxnLst>
+      <dgm:bg/>
+      <dgm:whole/>
+    </dgm:dataModel>
+  </dgm:styleData>
+  <dgm:clrData>
+    <dgm:dataModel>
+      <dgm:ptLst>
+        <dgm:pt modelId="0" type="doc"/>
+        <dgm:pt modelId="1"/>
+        <dgm:pt modelId="2"/>
+        <dgm:pt modelId="3"/>
+        <dgm:pt modelId="4"/>
+      </dgm:ptLst>
+      <dgm:cxnLst>
+        <dgm:cxn modelId="5" srcId="0" destId="1" srcOrd="0" destOrd="0"/>
+        <dgm:cxn modelId="6" srcId="0" destId="2" srcOrd="1" destOrd="0"/>
+        <dgm:cxn modelId="7" srcId="0" destId="3" srcOrd="2" destOrd="0"/>
+        <dgm:cxn modelId="8" srcId="0" destId="4" srcOrd="3" destOrd="0"/>
+      </dgm:cxnLst>
+      <dgm:bg/>
+      <dgm:whole/>
+    </dgm:dataModel>
+  </dgm:clrData>
+  <dgm:layoutNode name="Name0">
+    <dgm:varLst>
+      <dgm:dir/>
+      <dgm:animLvl val="lvl"/>
+      <dgm:resizeHandles val="exact"/>
+    </dgm:varLst>
+    <dgm:choose name="Name1">
+      <dgm:if name="Name2" func="var" arg="dir" op="equ" val="norm">
+        <dgm:alg type="lin"/>
+      </dgm:if>
+      <dgm:else name="Name3">
+        <dgm:alg type="lin">
+          <dgm:param type="linDir" val="fromR"/>
+        </dgm:alg>
+      </dgm:else>
+    </dgm:choose>
+    <dgm:shape xmlns:r="http://schemas.openxmlformats.org/officeDocument/2006/relationships" r:blip="">
+      <dgm:adjLst/>
+    </dgm:shape>
+    <dgm:presOf/>
+    <dgm:choose name="Name4">
+      <dgm:if name="Name5" axis="des" func="maxDepth" op="gte" val="2">
+        <dgm:constrLst>
+          <dgm:constr type="h" for="ch" forName="composite" refType="h"/>
+          <dgm:constr type="w" for="ch" forName="composite" refType="w"/>
+          <dgm:constr type="w" for="des" forName="parTx"/>
+          <dgm:constr type="h" for="des" forName="parTx" op="equ"/>
+          <dgm:constr type="w" for="des" forName="desTx"/>
+          <dgm:constr type="h" for="des" forName="desTx" op="equ"/>
+          <dgm:constr type="primFontSz" for="des" forName="parTx" val="65"/>
+          <dgm:constr type="secFontSz" for="des" forName="desTx" refType="primFontSz" refFor="des" refForName="parTx" op="equ"/>
+          <dgm:constr type="h" for="des" forName="parTx" refType="primFontSz" refFor="des" refForName="parTx" fact="1.5"/>
+          <dgm:constr type="h" for="des" forName="desTx" refType="primFontSz" refFor="des" refForName="parTx" fact="0.5"/>
+          <dgm:constr type="w" for="ch" forName="space" op="equ" val="-6"/>
+        </dgm:constrLst>
+        <dgm:ruleLst>
+          <dgm:rule type="w" for="ch" forName="composite" val="0" fact="NaN" max="NaN"/>
+          <dgm:rule type="primFontSz" for="des" forName="parTx" val="5" fact="NaN" max="NaN"/>
+        </dgm:ruleLst>
+        <dgm:forEach name="Name6" axis="ch" ptType="node">
+          <dgm:layoutNode name="composite">
+            <dgm:alg type="composite"/>
+            <dgm:shape xmlns:r="http://schemas.openxmlformats.org/officeDocument/2006/relationships" r:blip="">
+              <dgm:adjLst/>
+            </dgm:shape>
+            <dgm:presOf/>
+            <dgm:choose name="Name7">
+              <dgm:if name="Name8" func="var" arg="dir" op="equ" val="norm">
+                <dgm:constrLst>
+                  <dgm:constr type="l" for="ch" forName="parTx"/>
+                  <dgm:constr type="w" for="ch" forName="parTx" refType="w"/>
+                  <dgm:constr type="t" for="ch" forName="parTx"/>
+                  <dgm:constr type="l" for="ch" forName="desTx"/>
+                  <dgm:constr type="w" for="ch" forName="desTx" refType="w" refFor="ch" refForName="parTx" fact="0.8"/>
+                  <dgm:constr type="t" for="ch" forName="desTx" refType="h" refFor="ch" refForName="parTx" fact="1.125"/>
+                </dgm:constrLst>
+              </dgm:if>
+              <dgm:else name="Name9">
+                <dgm:constrLst>
+                  <dgm:constr type="l" for="ch" forName="parTx"/>
+                  <dgm:constr type="w" for="ch" forName="parTx" refType="w"/>
+                  <dgm:constr type="t" for="ch" forName="parTx"/>
+                  <dgm:constr type="l" for="ch" forName="desTx" refType="w" fact="0.2"/>
+                  <dgm:constr type="w" for="ch" forName="desTx" refType="w" refFor="ch" refForName="parTx" fact="0.8"/>
+                  <dgm:constr type="t" for="ch" forName="desTx" refType="h" refFor="ch" refForName="parTx" fact="1.125"/>
+                </dgm:constrLst>
+              </dgm:else>
+            </dgm:choose>
+            <dgm:ruleLst>
+              <dgm:rule type="h" val="INF" fact="NaN" max="NaN"/>
+            </dgm:ruleLst>
+            <dgm:layoutNode name="parTx">
+              <dgm:varLst>
+                <dgm:chMax val="0"/>
+                <dgm:chPref val="0"/>
+                <dgm:bulletEnabled val="1"/>
+              </dgm:varLst>
+              <dgm:alg type="tx"/>
+              <dgm:choose name="Name10">
+                <dgm:if name="Name11" func="var" arg="dir" op="equ" val="norm">
+                  <dgm:shape xmlns:r="http://schemas.openxmlformats.org/officeDocument/2006/relationships" type="chevron" r:blip="">
+                    <dgm:adjLst/>
+                  </dgm:shape>
+                </dgm:if>
+                <dgm:else name="Name12">
+                  <dgm:shape xmlns:r="http://schemas.openxmlformats.org/officeDocument/2006/relationships" rot="180" type="chevron" r:blip="">
+                    <dgm:adjLst/>
+                  </dgm:shape>
+                </dgm:else>
+              </dgm:choose>
+              <dgm:presOf axis="self" ptType="node"/>
+              <dgm:choose name="Name13">
+                <dgm:if name="Name14" func="var" arg="dir" op="equ" val="norm">
+                  <dgm:constrLst>
+                    <dgm:constr type="h" refType="w" op="lte" fact="0.4"/>
+                    <dgm:constr type="h"/>
+                    <dgm:constr type="tMarg" refType="primFontSz" fact="0.105"/>
+                    <dgm:constr type="bMarg" refType="primFontSz" fact="0.105"/>
+                    <dgm:constr type="lMarg" refType="primFontSz" fact="0.315"/>
+                    <dgm:constr type="rMarg" refType="primFontSz" fact="0.105"/>
+                  </dgm:constrLst>
+                </dgm:if>
+                <dgm:else name="Name15">
+                  <dgm:constrLst>
+                    <dgm:constr type="h" refType="w" op="lte" fact="0.4"/>
+                    <dgm:constr type="h"/>
+                    <dgm:constr type="tMarg" refType="primFontSz" fact="0.105"/>
+                    <dgm:constr type="bMarg" refType="primFontSz" fact="0.105"/>
+                    <dgm:constr type="lMarg" refType="primFontSz" fact="0.105"/>
+                    <dgm:constr type="rMarg" refType="primFontSz" fact="0.315"/>
+                  </dgm:constrLst>
+                </dgm:else>
+              </dgm:choose>
+              <dgm:ruleLst>
+                <dgm:rule type="h" val="INF" fact="NaN" max="NaN"/>
+              </dgm:ruleLst>
+            </dgm:layoutNode>
+            <dgm:layoutNode name="desTx" styleLbl="revTx">
+              <dgm:varLst>
+                <dgm:bulletEnabled val="1"/>
+              </dgm:varLst>
+              <dgm:alg type="tx">
+                <dgm:param type="stBulletLvl" val="1"/>
+              </dgm:alg>
+              <dgm:choose name="Name16">
+                <dgm:if name="Name17" axis="ch" ptType="node" func="cnt" op="gte" val="1">
+                  <dgm:shape xmlns:r="http://schemas.openxmlformats.org/officeDocument/2006/relationships" type="rect" r:blip="">
+                    <dgm:adjLst/>
+                  </dgm:shape>
+                </dgm:if>
+                <dgm:else name="Name18">
+                  <dgm:shape xmlns:r="http://schemas.openxmlformats.org/officeDocument/2006/relationships" type="rect" r:blip="" hideGeom="1">
+                    <dgm:adjLst/>
+                  </dgm:shape>
+                </dgm:else>
+              </dgm:choose>
+              <dgm:presOf axis="des" ptType="node"/>
+              <dgm:constrLst>
+                <dgm:constr type="secFontSz" val="65"/>
+                <dgm:constr type="primFontSz" refType="secFontSz"/>
+                <dgm:constr type="h"/>
+                <dgm:constr type="tMarg"/>
+                <dgm:constr type="bMarg"/>
+                <dgm:constr type="rMarg"/>
+                <dgm:constr type="lMarg"/>
+              </dgm:constrLst>
+              <dgm:ruleLst>
+                <dgm:rule type="h" val="INF" fact="NaN" max="NaN"/>
+              </dgm:ruleLst>
+            </dgm:layoutNode>
+          </dgm:layoutNode>
+          <dgm:forEach name="Name19" axis="followSib" ptType="sibTrans" cnt="1">
+            <dgm:layoutNode name="space">
+              <dgm:alg type="sp"/>
+              <dgm:shape xmlns:r="http://schemas.openxmlformats.org/officeDocument/2006/relationships" r:blip="">
+                <dgm:adjLst/>
+              </dgm:shape>
+              <dgm:presOf/>
+              <dgm:constrLst/>
+              <dgm:ruleLst/>
+            </dgm:layoutNode>
+          </dgm:forEach>
+        </dgm:forEach>
+      </dgm:if>
+      <dgm:else name="Name20">
+        <dgm:constrLst>
+          <dgm:constr type="w" for="ch" forName="parTxOnly" refType="w"/>
+          <dgm:constr type="h" for="des" forName="parTxOnly" op="equ"/>
+          <dgm:constr type="primFontSz" for="des" forName="parTxOnly" op="equ" val="65"/>
+          <dgm:constr type="w" for="ch" forName="parTxOnlySpace" refType="w" refFor="ch" refForName="parTxOnly" fact="-0.1"/>
+        </dgm:constrLst>
+        <dgm:ruleLst/>
+        <dgm:forEach name="Name21" axis="ch" ptType="node">
+          <dgm:layoutNode name="parTxOnly">
+            <dgm:varLst>
+              <dgm:chMax val="0"/>
+              <dgm:chPref val="0"/>
+              <dgm:bulletEnabled val="1"/>
+            </dgm:varLst>
+            <dgm:alg type="tx"/>
+            <dgm:choose name="Name22">
+              <dgm:if name="Name23" func="var" arg="dir" op="equ" val="norm">
+                <dgm:shape xmlns:r="http://schemas.openxmlformats.org/officeDocument/2006/relationships" type="chevron" r:blip="">
+                  <dgm:adjLst/>
+                </dgm:shape>
+              </dgm:if>
+              <dgm:else name="Name24">
+                <dgm:shape xmlns:r="http://schemas.openxmlformats.org/officeDocument/2006/relationships" rot="180" type="chevron" r:blip="">
+                  <dgm:adjLst/>
+                </dgm:shape>
+              </dgm:else>
+            </dgm:choose>
+            <dgm:presOf axis="self" ptType="node"/>
+            <dgm:choose name="Name25">
+              <dgm:if name="Name26" func="var" arg="dir" op="equ" val="norm">
+                <dgm:constrLst>
+                  <dgm:constr type="h" refType="w" op="equ" fact="0.4"/>
+                  <dgm:constr type="tMarg" refType="primFontSz" fact="0.105"/>
+                  <dgm:constr type="bMarg" refType="primFontSz" fact="0.105"/>
+                  <dgm:constr type="lMarg" refType="primFontSz" fact="0.315"/>
+                  <dgm:constr type="rMarg" refType="primFontSz" fact="0.105"/>
+                </dgm:constrLst>
+              </dgm:if>
+              <dgm:else name="Name27">
+                <dgm:constrLst>
+                  <dgm:constr type="h" refType="w" op="equ" fact="0.4"/>
+                  <dgm:constr type="tMarg" refType="primFontSz" fact="0.105"/>
+                  <dgm:constr type="bMarg" refType="primFontSz" fact="0.105"/>
+                  <dgm:constr type="lMarg" refType="primFontSz" fact="0.105"/>
+                  <dgm:constr type="rMarg" refType="primFontSz" fact="0.315"/>
+                </dgm:constrLst>
+              </dgm:else>
+            </dgm:choose>
+            <dgm:ruleLst>
+              <dgm:rule type="primFontSz" val="5" fact="NaN" max="NaN"/>
+            </dgm:ruleLst>
+          </dgm:layoutNode>
+          <dgm:forEach name="Name28" axis="followSib" ptType="sibTrans" cnt="1">
+            <dgm:layoutNode name="parTxOnlySpace">
+              <dgm:alg type="sp"/>
+              <dgm:shape xmlns:r="http://schemas.openxmlformats.org/officeDocument/2006/relationships" r:blip="">
+                <dgm:adjLst/>
+              </dgm:shape>
+              <dgm:presOf/>
+              <dgm:constrLst/>
+              <dgm:ruleLst/>
+            </dgm:layoutNode>
+          </dgm:forEach>
+        </dgm:forEach>
+      </dgm:else>
+    </dgm:choose>
+  </dgm:layoutNode>
+</dgm:layoutDef>
+</file>
+
+<file path=ppt/diagrams/layout10.xml><?xml version="1.0" encoding="utf-8"?>
 <dgm:layoutDef xmlns:dgm="http://schemas.openxmlformats.org/drawingml/2006/diagram" xmlns:a="http://schemas.openxmlformats.org/drawingml/2006/main" uniqueId="urn:microsoft.com/office/officeart/2005/8/layout/chevron1">
   <dgm:title val=""/>
   <dgm:desc val=""/>
@@ -13474,6 +14295,1040 @@
 </file>
 
 <file path=ppt/diagrams/quickStyle1.xml><?xml version="1.0" encoding="utf-8"?>
+<dgm:styleDef xmlns:dgm="http://schemas.openxmlformats.org/drawingml/2006/diagram" xmlns:a="http://schemas.openxmlformats.org/drawingml/2006/main" uniqueId="urn:microsoft.com/office/officeart/2005/8/quickstyle/simple1">
+  <dgm:title val=""/>
+  <dgm:desc val=""/>
+  <dgm:catLst>
+    <dgm:cat type="simple" pri="10100"/>
+  </dgm:catLst>
+  <dgm:scene3d>
+    <a:camera prst="orthographicFront"/>
+    <a:lightRig rig="threePt" dir="t"/>
+  </dgm:scene3d>
+  <dgm:styleLbl name="node0">
+    <dgm:scene3d>
+      <a:camera prst="orthographicFront"/>
+      <a:lightRig rig="threePt" dir="t"/>
+    </dgm:scene3d>
+    <dgm:sp3d/>
+    <dgm:txPr/>
+    <dgm:style>
+      <a:lnRef idx="2">
+        <a:scrgbClr r="0" g="0" b="0"/>
+      </a:lnRef>
+      <a:fillRef idx="1">
+        <a:scrgbClr r="0" g="0" b="0"/>
+      </a:fillRef>
+      <a:effectRef idx="0">
+        <a:scrgbClr r="0" g="0" b="0"/>
+      </a:effectRef>
+      <a:fontRef idx="minor">
+        <a:schemeClr val="lt1"/>
+      </a:fontRef>
+    </dgm:style>
+  </dgm:styleLbl>
+  <dgm:styleLbl name="lnNode1">
+    <dgm:scene3d>
+      <a:camera prst="orthographicFront"/>
+      <a:lightRig rig="threePt" dir="t"/>
+    </dgm:scene3d>
+    <dgm:sp3d/>
+    <dgm:txPr/>
+    <dgm:style>
+      <a:lnRef idx="2">
+        <a:scrgbClr r="0" g="0" b="0"/>
+      </a:lnRef>
+      <a:fillRef idx="1">
+        <a:scrgbClr r="0" g="0" b="0"/>
+      </a:fillRef>
+      <a:effectRef idx="0">
+        <a:scrgbClr r="0" g="0" b="0"/>
+      </a:effectRef>
+      <a:fontRef idx="minor">
+        <a:schemeClr val="lt1"/>
+      </a:fontRef>
+    </dgm:style>
+  </dgm:styleLbl>
+  <dgm:styleLbl name="vennNode1">
+    <dgm:scene3d>
+      <a:camera prst="orthographicFront"/>
+      <a:lightRig rig="threePt" dir="t"/>
+    </dgm:scene3d>
+    <dgm:sp3d/>
+    <dgm:txPr/>
+    <dgm:style>
+      <a:lnRef idx="2">
+        <a:scrgbClr r="0" g="0" b="0"/>
+      </a:lnRef>
+      <a:fillRef idx="1">
+        <a:scrgbClr r="0" g="0" b="0"/>
+      </a:fillRef>
+      <a:effectRef idx="0">
+        <a:scrgbClr r="0" g="0" b="0"/>
+      </a:effectRef>
+      <a:fontRef idx="minor">
+        <a:schemeClr val="tx1"/>
+      </a:fontRef>
+    </dgm:style>
+  </dgm:styleLbl>
+  <dgm:styleLbl name="alignNode1">
+    <dgm:scene3d>
+      <a:camera prst="orthographicFront"/>
+      <a:lightRig rig="threePt" dir="t"/>
+    </dgm:scene3d>
+    <dgm:sp3d/>
+    <dgm:txPr/>
+    <dgm:style>
+      <a:lnRef idx="2">
+        <a:scrgbClr r="0" g="0" b="0"/>
+      </a:lnRef>
+      <a:fillRef idx="1">
+        <a:scrgbClr r="0" g="0" b="0"/>
+      </a:fillRef>
+      <a:effectRef idx="0">
+        <a:scrgbClr r="0" g="0" b="0"/>
+      </a:effectRef>
+      <a:fontRef idx="minor">
+        <a:schemeClr val="lt1"/>
+      </a:fontRef>
+    </dgm:style>
+  </dgm:styleLbl>
+  <dgm:styleLbl name="node1">
+    <dgm:scene3d>
+      <a:camera prst="orthographicFront"/>
+      <a:lightRig rig="threePt" dir="t"/>
+    </dgm:scene3d>
+    <dgm:sp3d/>
+    <dgm:txPr/>
+    <dgm:style>
+      <a:lnRef idx="2">
+        <a:scrgbClr r="0" g="0" b="0"/>
+      </a:lnRef>
+      <a:fillRef idx="1">
+        <a:scrgbClr r="0" g="0" b="0"/>
+      </a:fillRef>
+      <a:effectRef idx="0">
+        <a:scrgbClr r="0" g="0" b="0"/>
+      </a:effectRef>
+      <a:fontRef idx="minor">
+        <a:schemeClr val="lt1"/>
+      </a:fontRef>
+    </dgm:style>
+  </dgm:styleLbl>
+  <dgm:styleLbl name="node2">
+    <dgm:scene3d>
+      <a:camera prst="orthographicFront"/>
+      <a:lightRig rig="threePt" dir="t"/>
+    </dgm:scene3d>
+    <dgm:sp3d/>
+    <dgm:txPr/>
+    <dgm:style>
+      <a:lnRef idx="2">
+        <a:scrgbClr r="0" g="0" b="0"/>
+      </a:lnRef>
+      <a:fillRef idx="1">
+        <a:scrgbClr r="0" g="0" b="0"/>
+      </a:fillRef>
+      <a:effectRef idx="0">
+        <a:scrgbClr r="0" g="0" b="0"/>
+      </a:effectRef>
+      <a:fontRef idx="minor">
+        <a:schemeClr val="lt1"/>
+      </a:fontRef>
+    </dgm:style>
+  </dgm:styleLbl>
+  <dgm:styleLbl name="node3">
+    <dgm:scene3d>
+      <a:camera prst="orthographicFront"/>
+      <a:lightRig rig="threePt" dir="t"/>
+    </dgm:scene3d>
+    <dgm:sp3d/>
+    <dgm:txPr/>
+    <dgm:style>
+      <a:lnRef idx="2">
+        <a:scrgbClr r="0" g="0" b="0"/>
+      </a:lnRef>
+      <a:fillRef idx="1">
+        <a:scrgbClr r="0" g="0" b="0"/>
+      </a:fillRef>
+      <a:effectRef idx="0">
+        <a:scrgbClr r="0" g="0" b="0"/>
+      </a:effectRef>
+      <a:fontRef idx="minor">
+        <a:schemeClr val="lt1"/>
+      </a:fontRef>
+    </dgm:style>
+  </dgm:styleLbl>
+  <dgm:styleLbl name="node4">
+    <dgm:scene3d>
+      <a:camera prst="orthographicFront"/>
+      <a:lightRig rig="threePt" dir="t"/>
+    </dgm:scene3d>
+    <dgm:sp3d/>
+    <dgm:txPr/>
+    <dgm:style>
+      <a:lnRef idx="2">
+        <a:scrgbClr r="0" g="0" b="0"/>
+      </a:lnRef>
+      <a:fillRef idx="1">
+        <a:scrgbClr r="0" g="0" b="0"/>
+      </a:fillRef>
+      <a:effectRef idx="0">
+        <a:scrgbClr r="0" g="0" b="0"/>
+      </a:effectRef>
+      <a:fontRef idx="minor">
+        <a:schemeClr val="lt1"/>
+      </a:fontRef>
+    </dgm:style>
+  </dgm:styleLbl>
+  <dgm:styleLbl name="fgImgPlace1">
+    <dgm:scene3d>
+      <a:camera prst="orthographicFront"/>
+      <a:lightRig rig="threePt" dir="t"/>
+    </dgm:scene3d>
+    <dgm:sp3d/>
+    <dgm:txPr/>
+    <dgm:style>
+      <a:lnRef idx="2">
+        <a:scrgbClr r="0" g="0" b="0"/>
+      </a:lnRef>
+      <a:fillRef idx="1">
+        <a:scrgbClr r="0" g="0" b="0"/>
+      </a:fillRef>
+      <a:effectRef idx="0">
+        <a:scrgbClr r="0" g="0" b="0"/>
+      </a:effectRef>
+      <a:fontRef idx="minor"/>
+    </dgm:style>
+  </dgm:styleLbl>
+  <dgm:styleLbl name="alignImgPlace1">
+    <dgm:scene3d>
+      <a:camera prst="orthographicFront"/>
+      <a:lightRig rig="threePt" dir="t"/>
+    </dgm:scene3d>
+    <dgm:sp3d/>
+    <dgm:txPr/>
+    <dgm:style>
+      <a:lnRef idx="2">
+        <a:scrgbClr r="0" g="0" b="0"/>
+      </a:lnRef>
+      <a:fillRef idx="1">
+        <a:scrgbClr r="0" g="0" b="0"/>
+      </a:fillRef>
+      <a:effectRef idx="0">
+        <a:scrgbClr r="0" g="0" b="0"/>
+      </a:effectRef>
+      <a:fontRef idx="minor"/>
+    </dgm:style>
+  </dgm:styleLbl>
+  <dgm:styleLbl name="bgImgPlace1">
+    <dgm:scene3d>
+      <a:camera prst="orthographicFront"/>
+      <a:lightRig rig="threePt" dir="t"/>
+    </dgm:scene3d>
+    <dgm:sp3d/>
+    <dgm:txPr/>
+    <dgm:style>
+      <a:lnRef idx="2">
+        <a:scrgbClr r="0" g="0" b="0"/>
+      </a:lnRef>
+      <a:fillRef idx="1">
+        <a:scrgbClr r="0" g="0" b="0"/>
+      </a:fillRef>
+      <a:effectRef idx="0">
+        <a:scrgbClr r="0" g="0" b="0"/>
+      </a:effectRef>
+      <a:fontRef idx="minor"/>
+    </dgm:style>
+  </dgm:styleLbl>
+  <dgm:styleLbl name="sibTrans2D1">
+    <dgm:scene3d>
+      <a:camera prst="orthographicFront"/>
+      <a:lightRig rig="threePt" dir="t"/>
+    </dgm:scene3d>
+    <dgm:sp3d/>
+    <dgm:txPr/>
+    <dgm:style>
+      <a:lnRef idx="0">
+        <a:scrgbClr r="0" g="0" b="0"/>
+      </a:lnRef>
+      <a:fillRef idx="1">
+        <a:scrgbClr r="0" g="0" b="0"/>
+      </a:fillRef>
+      <a:effectRef idx="0">
+        <a:scrgbClr r="0" g="0" b="0"/>
+      </a:effectRef>
+      <a:fontRef idx="minor">
+        <a:schemeClr val="lt1"/>
+      </a:fontRef>
+    </dgm:style>
+  </dgm:styleLbl>
+  <dgm:styleLbl name="fgSibTrans2D1">
+    <dgm:scene3d>
+      <a:camera prst="orthographicFront"/>
+      <a:lightRig rig="threePt" dir="t"/>
+    </dgm:scene3d>
+    <dgm:sp3d/>
+    <dgm:txPr/>
+    <dgm:style>
+      <a:lnRef idx="0">
+        <a:scrgbClr r="0" g="0" b="0"/>
+      </a:lnRef>
+      <a:fillRef idx="1">
+        <a:scrgbClr r="0" g="0" b="0"/>
+      </a:fillRef>
+      <a:effectRef idx="0">
+        <a:scrgbClr r="0" g="0" b="0"/>
+      </a:effectRef>
+      <a:fontRef idx="minor">
+        <a:schemeClr val="lt1"/>
+      </a:fontRef>
+    </dgm:style>
+  </dgm:styleLbl>
+  <dgm:styleLbl name="bgSibTrans2D1">
+    <dgm:scene3d>
+      <a:camera prst="orthographicFront"/>
+      <a:lightRig rig="threePt" dir="t"/>
+    </dgm:scene3d>
+    <dgm:sp3d/>
+    <dgm:txPr/>
+    <dgm:style>
+      <a:lnRef idx="0">
+        <a:scrgbClr r="0" g="0" b="0"/>
+      </a:lnRef>
+      <a:fillRef idx="1">
+        <a:scrgbClr r="0" g="0" b="0"/>
+      </a:fillRef>
+      <a:effectRef idx="0">
+        <a:scrgbClr r="0" g="0" b="0"/>
+      </a:effectRef>
+      <a:fontRef idx="minor">
+        <a:schemeClr val="lt1"/>
+      </a:fontRef>
+    </dgm:style>
+  </dgm:styleLbl>
+  <dgm:styleLbl name="sibTrans1D1">
+    <dgm:scene3d>
+      <a:camera prst="orthographicFront"/>
+      <a:lightRig rig="threePt" dir="t"/>
+    </dgm:scene3d>
+    <dgm:sp3d/>
+    <dgm:txPr/>
+    <dgm:style>
+      <a:lnRef idx="1">
+        <a:scrgbClr r="0" g="0" b="0"/>
+      </a:lnRef>
+      <a:fillRef idx="0">
+        <a:scrgbClr r="0" g="0" b="0"/>
+      </a:fillRef>
+      <a:effectRef idx="0">
+        <a:scrgbClr r="0" g="0" b="0"/>
+      </a:effectRef>
+      <a:fontRef idx="minor"/>
+    </dgm:style>
+  </dgm:styleLbl>
+  <dgm:styleLbl name="callout">
+    <dgm:scene3d>
+      <a:camera prst="orthographicFront"/>
+      <a:lightRig rig="threePt" dir="t"/>
+    </dgm:scene3d>
+    <dgm:sp3d/>
+    <dgm:txPr/>
+    <dgm:style>
+      <a:lnRef idx="2">
+        <a:scrgbClr r="0" g="0" b="0"/>
+      </a:lnRef>
+      <a:fillRef idx="1">
+        <a:scrgbClr r="0" g="0" b="0"/>
+      </a:fillRef>
+      <a:effectRef idx="0">
+        <a:scrgbClr r="0" g="0" b="0"/>
+      </a:effectRef>
+      <a:fontRef idx="minor"/>
+    </dgm:style>
+  </dgm:styleLbl>
+  <dgm:styleLbl name="asst0">
+    <dgm:scene3d>
+      <a:camera prst="orthographicFront"/>
+      <a:lightRig rig="threePt" dir="t"/>
+    </dgm:scene3d>
+    <dgm:sp3d/>
+    <dgm:txPr/>
+    <dgm:style>
+      <a:lnRef idx="2">
+        <a:scrgbClr r="0" g="0" b="0"/>
+      </a:lnRef>
+      <a:fillRef idx="1">
+        <a:scrgbClr r="0" g="0" b="0"/>
+      </a:fillRef>
+      <a:effectRef idx="0">
+        <a:scrgbClr r="0" g="0" b="0"/>
+      </a:effectRef>
+      <a:fontRef idx="minor">
+        <a:schemeClr val="lt1"/>
+      </a:fontRef>
+    </dgm:style>
+  </dgm:styleLbl>
+  <dgm:styleLbl name="asst1">
+    <dgm:scene3d>
+      <a:camera prst="orthographicFront"/>
+      <a:lightRig rig="threePt" dir="t"/>
+    </dgm:scene3d>
+    <dgm:sp3d/>
+    <dgm:txPr/>
+    <dgm:style>
+      <a:lnRef idx="2">
+        <a:scrgbClr r="0" g="0" b="0"/>
+      </a:lnRef>
+      <a:fillRef idx="1">
+        <a:scrgbClr r="0" g="0" b="0"/>
+      </a:fillRef>
+      <a:effectRef idx="0">
+        <a:scrgbClr r="0" g="0" b="0"/>
+      </a:effectRef>
+      <a:fontRef idx="minor">
+        <a:schemeClr val="lt1"/>
+      </a:fontRef>
+    </dgm:style>
+  </dgm:styleLbl>
+  <dgm:styleLbl name="asst2">
+    <dgm:scene3d>
+      <a:camera prst="orthographicFront"/>
+      <a:lightRig rig="threePt" dir="t"/>
+    </dgm:scene3d>
+    <dgm:sp3d/>
+    <dgm:txPr/>
+    <dgm:style>
+      <a:lnRef idx="2">
+        <a:scrgbClr r="0" g="0" b="0"/>
+      </a:lnRef>
+      <a:fillRef idx="1">
+        <a:scrgbClr r="0" g="0" b="0"/>
+      </a:fillRef>
+      <a:effectRef idx="0">
+        <a:scrgbClr r="0" g="0" b="0"/>
+      </a:effectRef>
+      <a:fontRef idx="minor">
+        <a:schemeClr val="lt1"/>
+      </a:fontRef>
+    </dgm:style>
+  </dgm:styleLbl>
+  <dgm:styleLbl name="asst3">
+    <dgm:scene3d>
+      <a:camera prst="orthographicFront"/>
+      <a:lightRig rig="threePt" dir="t"/>
+    </dgm:scene3d>
+    <dgm:sp3d/>
+    <dgm:txPr/>
+    <dgm:style>
+      <a:lnRef idx="2">
+        <a:scrgbClr r="0" g="0" b="0"/>
+      </a:lnRef>
+      <a:fillRef idx="1">
+        <a:scrgbClr r="0" g="0" b="0"/>
+      </a:fillRef>
+      <a:effectRef idx="0">
+        <a:scrgbClr r="0" g="0" b="0"/>
+      </a:effectRef>
+      <a:fontRef idx="minor">
+        <a:schemeClr val="lt1"/>
+      </a:fontRef>
+    </dgm:style>
+  </dgm:styleLbl>
+  <dgm:styleLbl name="asst4">
+    <dgm:scene3d>
+      <a:camera prst="orthographicFront"/>
+      <a:lightRig rig="threePt" dir="t"/>
+    </dgm:scene3d>
+    <dgm:sp3d/>
+    <dgm:txPr/>
+    <dgm:style>
+      <a:lnRef idx="2">
+        <a:scrgbClr r="0" g="0" b="0"/>
+      </a:lnRef>
+      <a:fillRef idx="1">
+        <a:scrgbClr r="0" g="0" b="0"/>
+      </a:fillRef>
+      <a:effectRef idx="0">
+        <a:scrgbClr r="0" g="0" b="0"/>
+      </a:effectRef>
+      <a:fontRef idx="minor">
+        <a:schemeClr val="lt1"/>
+      </a:fontRef>
+    </dgm:style>
+  </dgm:styleLbl>
+  <dgm:styleLbl name="parChTrans2D1">
+    <dgm:scene3d>
+      <a:camera prst="orthographicFront"/>
+      <a:lightRig rig="threePt" dir="t"/>
+    </dgm:scene3d>
+    <dgm:sp3d/>
+    <dgm:txPr/>
+    <dgm:style>
+      <a:lnRef idx="2">
+        <a:scrgbClr r="0" g="0" b="0"/>
+      </a:lnRef>
+      <a:fillRef idx="1">
+        <a:scrgbClr r="0" g="0" b="0"/>
+      </a:fillRef>
+      <a:effectRef idx="0">
+        <a:scrgbClr r="0" g="0" b="0"/>
+      </a:effectRef>
+      <a:fontRef idx="minor">
+        <a:schemeClr val="lt1"/>
+      </a:fontRef>
+    </dgm:style>
+  </dgm:styleLbl>
+  <dgm:styleLbl name="parChTrans2D2">
+    <dgm:scene3d>
+      <a:camera prst="orthographicFront"/>
+      <a:lightRig rig="threePt" dir="t"/>
+    </dgm:scene3d>
+    <dgm:sp3d/>
+    <dgm:txPr/>
+    <dgm:style>
+      <a:lnRef idx="2">
+        <a:scrgbClr r="0" g="0" b="0"/>
+      </a:lnRef>
+      <a:fillRef idx="1">
+        <a:scrgbClr r="0" g="0" b="0"/>
+      </a:fillRef>
+      <a:effectRef idx="0">
+        <a:scrgbClr r="0" g="0" b="0"/>
+      </a:effectRef>
+      <a:fontRef idx="minor">
+        <a:schemeClr val="lt1"/>
+      </a:fontRef>
+    </dgm:style>
+  </dgm:styleLbl>
+  <dgm:styleLbl name="parChTrans2D3">
+    <dgm:scene3d>
+      <a:camera prst="orthographicFront"/>
+      <a:lightRig rig="threePt" dir="t"/>
+    </dgm:scene3d>
+    <dgm:sp3d/>
+    <dgm:txPr/>
+    <dgm:style>
+      <a:lnRef idx="2">
+        <a:scrgbClr r="0" g="0" b="0"/>
+      </a:lnRef>
+      <a:fillRef idx="1">
+        <a:scrgbClr r="0" g="0" b="0"/>
+      </a:fillRef>
+      <a:effectRef idx="0">
+        <a:scrgbClr r="0" g="0" b="0"/>
+      </a:effectRef>
+      <a:fontRef idx="minor">
+        <a:schemeClr val="lt1"/>
+      </a:fontRef>
+    </dgm:style>
+  </dgm:styleLbl>
+  <dgm:styleLbl name="parChTrans2D4">
+    <dgm:scene3d>
+      <a:camera prst="orthographicFront"/>
+      <a:lightRig rig="threePt" dir="t"/>
+    </dgm:scene3d>
+    <dgm:sp3d/>
+    <dgm:txPr/>
+    <dgm:style>
+      <a:lnRef idx="2">
+        <a:scrgbClr r="0" g="0" b="0"/>
+      </a:lnRef>
+      <a:fillRef idx="1">
+        <a:scrgbClr r="0" g="0" b="0"/>
+      </a:fillRef>
+      <a:effectRef idx="0">
+        <a:scrgbClr r="0" g="0" b="0"/>
+      </a:effectRef>
+      <a:fontRef idx="minor">
+        <a:schemeClr val="lt1"/>
+      </a:fontRef>
+    </dgm:style>
+  </dgm:styleLbl>
+  <dgm:styleLbl name="parChTrans1D1">
+    <dgm:scene3d>
+      <a:camera prst="orthographicFront"/>
+      <a:lightRig rig="threePt" dir="t"/>
+    </dgm:scene3d>
+    <dgm:sp3d/>
+    <dgm:txPr/>
+    <dgm:style>
+      <a:lnRef idx="2">
+        <a:scrgbClr r="0" g="0" b="0"/>
+      </a:lnRef>
+      <a:fillRef idx="0">
+        <a:scrgbClr r="0" g="0" b="0"/>
+      </a:fillRef>
+      <a:effectRef idx="0">
+        <a:scrgbClr r="0" g="0" b="0"/>
+      </a:effectRef>
+      <a:fontRef idx="minor"/>
+    </dgm:style>
+  </dgm:styleLbl>
+  <dgm:styleLbl name="parChTrans1D2">
+    <dgm:scene3d>
+      <a:camera prst="orthographicFront"/>
+      <a:lightRig rig="threePt" dir="t"/>
+    </dgm:scene3d>
+    <dgm:sp3d/>
+    <dgm:txPr/>
+    <dgm:style>
+      <a:lnRef idx="2">
+        <a:scrgbClr r="0" g="0" b="0"/>
+      </a:lnRef>
+      <a:fillRef idx="0">
+        <a:scrgbClr r="0" g="0" b="0"/>
+      </a:fillRef>
+      <a:effectRef idx="0">
+        <a:scrgbClr r="0" g="0" b="0"/>
+      </a:effectRef>
+      <a:fontRef idx="minor"/>
+    </dgm:style>
+  </dgm:styleLbl>
+  <dgm:styleLbl name="parChTrans1D3">
+    <dgm:scene3d>
+      <a:camera prst="orthographicFront"/>
+      <a:lightRig rig="threePt" dir="t"/>
+    </dgm:scene3d>
+    <dgm:sp3d/>
+    <dgm:txPr/>
+    <dgm:style>
+      <a:lnRef idx="2">
+        <a:scrgbClr r="0" g="0" b="0"/>
+      </a:lnRef>
+      <a:fillRef idx="0">
+        <a:scrgbClr r="0" g="0" b="0"/>
+      </a:fillRef>
+      <a:effectRef idx="0">
+        <a:scrgbClr r="0" g="0" b="0"/>
+      </a:effectRef>
+      <a:fontRef idx="minor"/>
+    </dgm:style>
+  </dgm:styleLbl>
+  <dgm:styleLbl name="parChTrans1D4">
+    <dgm:scene3d>
+      <a:camera prst="orthographicFront"/>
+      <a:lightRig rig="threePt" dir="t"/>
+    </dgm:scene3d>
+    <dgm:sp3d/>
+    <dgm:txPr/>
+    <dgm:style>
+      <a:lnRef idx="2">
+        <a:scrgbClr r="0" g="0" b="0"/>
+      </a:lnRef>
+      <a:fillRef idx="0">
+        <a:scrgbClr r="0" g="0" b="0"/>
+      </a:fillRef>
+      <a:effectRef idx="0">
+        <a:scrgbClr r="0" g="0" b="0"/>
+      </a:effectRef>
+      <a:fontRef idx="minor"/>
+    </dgm:style>
+  </dgm:styleLbl>
+  <dgm:styleLbl name="fgAcc1">
+    <dgm:scene3d>
+      <a:camera prst="orthographicFront"/>
+      <a:lightRig rig="threePt" dir="t"/>
+    </dgm:scene3d>
+    <dgm:sp3d/>
+    <dgm:txPr/>
+    <dgm:style>
+      <a:lnRef idx="2">
+        <a:scrgbClr r="0" g="0" b="0"/>
+      </a:lnRef>
+      <a:fillRef idx="1">
+        <a:scrgbClr r="0" g="0" b="0"/>
+      </a:fillRef>
+      <a:effectRef idx="0">
+        <a:scrgbClr r="0" g="0" b="0"/>
+      </a:effectRef>
+      <a:fontRef idx="minor"/>
+    </dgm:style>
+  </dgm:styleLbl>
+  <dgm:styleLbl name="conFgAcc1">
+    <dgm:scene3d>
+      <a:camera prst="orthographicFront"/>
+      <a:lightRig rig="threePt" dir="t"/>
+    </dgm:scene3d>
+    <dgm:sp3d/>
+    <dgm:txPr/>
+    <dgm:style>
+      <a:lnRef idx="2">
+        <a:scrgbClr r="0" g="0" b="0"/>
+      </a:lnRef>
+      <a:fillRef idx="1">
+        <a:scrgbClr r="0" g="0" b="0"/>
+      </a:fillRef>
+      <a:effectRef idx="0">
+        <a:scrgbClr r="0" g="0" b="0"/>
+      </a:effectRef>
+      <a:fontRef idx="minor"/>
+    </dgm:style>
+  </dgm:styleLbl>
+  <dgm:styleLbl name="alignAcc1">
+    <dgm:scene3d>
+      <a:camera prst="orthographicFront"/>
+      <a:lightRig rig="threePt" dir="t"/>
+    </dgm:scene3d>
+    <dgm:sp3d/>
+    <dgm:txPr/>
+    <dgm:style>
+      <a:lnRef idx="2">
+        <a:scrgbClr r="0" g="0" b="0"/>
+      </a:lnRef>
+      <a:fillRef idx="1">
+        <a:scrgbClr r="0" g="0" b="0"/>
+      </a:fillRef>
+      <a:effectRef idx="0">
+        <a:scrgbClr r="0" g="0" b="0"/>
+      </a:effectRef>
+      <a:fontRef idx="minor"/>
+    </dgm:style>
+  </dgm:styleLbl>
+  <dgm:styleLbl name="trAlignAcc1">
+    <dgm:scene3d>
+      <a:camera prst="orthographicFront"/>
+      <a:lightRig rig="threePt" dir="t"/>
+    </dgm:scene3d>
+    <dgm:sp3d/>
+    <dgm:txPr/>
+    <dgm:style>
+      <a:lnRef idx="1">
+        <a:scrgbClr r="0" g="0" b="0"/>
+      </a:lnRef>
+      <a:fillRef idx="1">
+        <a:scrgbClr r="0" g="0" b="0"/>
+      </a:fillRef>
+      <a:effectRef idx="0">
+        <a:scrgbClr r="0" g="0" b="0"/>
+      </a:effectRef>
+      <a:fontRef idx="minor"/>
+    </dgm:style>
+  </dgm:styleLbl>
+  <dgm:styleLbl name="bgAcc1">
+    <dgm:scene3d>
+      <a:camera prst="orthographicFront"/>
+      <a:lightRig rig="threePt" dir="t"/>
+    </dgm:scene3d>
+    <dgm:sp3d/>
+    <dgm:txPr/>
+    <dgm:style>
+      <a:lnRef idx="2">
+        <a:scrgbClr r="0" g="0" b="0"/>
+      </a:lnRef>
+      <a:fillRef idx="1">
+        <a:scrgbClr r="0" g="0" b="0"/>
+      </a:fillRef>
+      <a:effectRef idx="0">
+        <a:scrgbClr r="0" g="0" b="0"/>
+      </a:effectRef>
+      <a:fontRef idx="minor"/>
+    </dgm:style>
+  </dgm:styleLbl>
+  <dgm:styleLbl name="solidFgAcc1">
+    <dgm:scene3d>
+      <a:camera prst="orthographicFront"/>
+      <a:lightRig rig="threePt" dir="t"/>
+    </dgm:scene3d>
+    <dgm:sp3d/>
+    <dgm:txPr/>
+    <dgm:style>
+      <a:lnRef idx="2">
+        <a:scrgbClr r="0" g="0" b="0"/>
+      </a:lnRef>
+      <a:fillRef idx="1">
+        <a:scrgbClr r="0" g="0" b="0"/>
+      </a:fillRef>
+      <a:effectRef idx="0">
+        <a:scrgbClr r="0" g="0" b="0"/>
+      </a:effectRef>
+      <a:fontRef idx="minor"/>
+    </dgm:style>
+  </dgm:styleLbl>
+  <dgm:styleLbl name="solidAlignAcc1">
+    <dgm:scene3d>
+      <a:camera prst="orthographicFront"/>
+      <a:lightRig rig="threePt" dir="t"/>
+    </dgm:scene3d>
+    <dgm:sp3d/>
+    <dgm:txPr/>
+    <dgm:style>
+      <a:lnRef idx="2">
+        <a:scrgbClr r="0" g="0" b="0"/>
+      </a:lnRef>
+      <a:fillRef idx="1">
+        <a:scrgbClr r="0" g="0" b="0"/>
+      </a:fillRef>
+      <a:effectRef idx="0">
+        <a:scrgbClr r="0" g="0" b="0"/>
+      </a:effectRef>
+      <a:fontRef idx="minor"/>
+    </dgm:style>
+  </dgm:styleLbl>
+  <dgm:styleLbl name="solidBgAcc1">
+    <dgm:scene3d>
+      <a:camera prst="orthographicFront"/>
+      <a:lightRig rig="threePt" dir="t"/>
+    </dgm:scene3d>
+    <dgm:sp3d/>
+    <dgm:txPr/>
+    <dgm:style>
+      <a:lnRef idx="2">
+        <a:scrgbClr r="0" g="0" b="0"/>
+      </a:lnRef>
+      <a:fillRef idx="1">
+        <a:scrgbClr r="0" g="0" b="0"/>
+      </a:fillRef>
+      <a:effectRef idx="0">
+        <a:scrgbClr r="0" g="0" b="0"/>
+      </a:effectRef>
+      <a:fontRef idx="minor"/>
+    </dgm:style>
+  </dgm:styleLbl>
+  <dgm:styleLbl name="fgAccFollowNode1">
+    <dgm:scene3d>
+      <a:camera prst="orthographicFront"/>
+      <a:lightRig rig="threePt" dir="t"/>
+    </dgm:scene3d>
+    <dgm:sp3d/>
+    <dgm:txPr/>
+    <dgm:style>
+      <a:lnRef idx="2">
+        <a:scrgbClr r="0" g="0" b="0"/>
+      </a:lnRef>
+      <a:fillRef idx="1">
+        <a:scrgbClr r="0" g="0" b="0"/>
+      </a:fillRef>
+      <a:effectRef idx="0">
+        <a:scrgbClr r="0" g="0" b="0"/>
+      </a:effectRef>
+      <a:fontRef idx="minor"/>
+    </dgm:style>
+  </dgm:styleLbl>
+  <dgm:styleLbl name="alignAccFollowNode1">
+    <dgm:scene3d>
+      <a:camera prst="orthographicFront"/>
+      <a:lightRig rig="threePt" dir="t"/>
+    </dgm:scene3d>
+    <dgm:sp3d/>
+    <dgm:txPr/>
+    <dgm:style>
+      <a:lnRef idx="2">
+        <a:scrgbClr r="0" g="0" b="0"/>
+      </a:lnRef>
+      <a:fillRef idx="1">
+        <a:scrgbClr r="0" g="0" b="0"/>
+      </a:fillRef>
+      <a:effectRef idx="0">
+        <a:scrgbClr r="0" g="0" b="0"/>
+      </a:effectRef>
+      <a:fontRef idx="minor"/>
+    </dgm:style>
+  </dgm:styleLbl>
+  <dgm:styleLbl name="bgAccFollowNode1">
+    <dgm:scene3d>
+      <a:camera prst="orthographicFront"/>
+      <a:lightRig rig="threePt" dir="t"/>
+    </dgm:scene3d>
+    <dgm:sp3d/>
+    <dgm:txPr/>
+    <dgm:style>
+      <a:lnRef idx="2">
+        <a:scrgbClr r="0" g="0" b="0"/>
+      </a:lnRef>
+      <a:fillRef idx="1">
+        <a:scrgbClr r="0" g="0" b="0"/>
+      </a:fillRef>
+      <a:effectRef idx="0">
+        <a:scrgbClr r="0" g="0" b="0"/>
+      </a:effectRef>
+      <a:fontRef idx="minor"/>
+    </dgm:style>
+  </dgm:styleLbl>
+  <dgm:styleLbl name="fgAcc0">
+    <dgm:scene3d>
+      <a:camera prst="orthographicFront"/>
+      <a:lightRig rig="threePt" dir="t"/>
+    </dgm:scene3d>
+    <dgm:sp3d/>
+    <dgm:txPr/>
+    <dgm:style>
+      <a:lnRef idx="2">
+        <a:scrgbClr r="0" g="0" b="0"/>
+      </a:lnRef>
+      <a:fillRef idx="1">
+        <a:scrgbClr r="0" g="0" b="0"/>
+      </a:fillRef>
+      <a:effectRef idx="0">
+        <a:scrgbClr r="0" g="0" b="0"/>
+      </a:effectRef>
+      <a:fontRef idx="minor"/>
+    </dgm:style>
+  </dgm:styleLbl>
+  <dgm:styleLbl name="fgAcc2">
+    <dgm:scene3d>
+      <a:camera prst="orthographicFront"/>
+      <a:lightRig rig="threePt" dir="t"/>
+    </dgm:scene3d>
+    <dgm:sp3d/>
+    <dgm:txPr/>
+    <dgm:style>
+      <a:lnRef idx="2">
+        <a:scrgbClr r="0" g="0" b="0"/>
+      </a:lnRef>
+      <a:fillRef idx="1">
+        <a:scrgbClr r="0" g="0" b="0"/>
+      </a:fillRef>
+      <a:effectRef idx="0">
+        <a:scrgbClr r="0" g="0" b="0"/>
+      </a:effectRef>
+      <a:fontRef idx="minor"/>
+    </dgm:style>
+  </dgm:styleLbl>
+  <dgm:styleLbl name="fgAcc3">
+    <dgm:scene3d>
+      <a:camera prst="orthographicFront"/>
+      <a:lightRig rig="threePt" dir="t"/>
+    </dgm:scene3d>
+    <dgm:sp3d/>
+    <dgm:txPr/>
+    <dgm:style>
+      <a:lnRef idx="2">
+        <a:scrgbClr r="0" g="0" b="0"/>
+      </a:lnRef>
+      <a:fillRef idx="1">
+        <a:scrgbClr r="0" g="0" b="0"/>
+      </a:fillRef>
+      <a:effectRef idx="0">
+        <a:scrgbClr r="0" g="0" b="0"/>
+      </a:effectRef>
+      <a:fontRef idx="minor"/>
+    </dgm:style>
+  </dgm:styleLbl>
+  <dgm:styleLbl name="fgAcc4">
+    <dgm:scene3d>
+      <a:camera prst="orthographicFront"/>
+      <a:lightRig rig="threePt" dir="t"/>
+    </dgm:scene3d>
+    <dgm:sp3d/>
+    <dgm:txPr/>
+    <dgm:style>
+      <a:lnRef idx="2">
+        <a:scrgbClr r="0" g="0" b="0"/>
+      </a:lnRef>
+      <a:fillRef idx="1">
+        <a:scrgbClr r="0" g="0" b="0"/>
+      </a:fillRef>
+      <a:effectRef idx="0">
+        <a:scrgbClr r="0" g="0" b="0"/>
+      </a:effectRef>
+      <a:fontRef idx="minor"/>
+    </dgm:style>
+  </dgm:styleLbl>
+  <dgm:styleLbl name="bgShp">
+    <dgm:scene3d>
+      <a:camera prst="orthographicFront"/>
+      <a:lightRig rig="threePt" dir="t"/>
+    </dgm:scene3d>
+    <dgm:sp3d/>
+    <dgm:txPr/>
+    <dgm:style>
+      <a:lnRef idx="0">
+        <a:scrgbClr r="0" g="0" b="0"/>
+      </a:lnRef>
+      <a:fillRef idx="1">
+        <a:scrgbClr r="0" g="0" b="0"/>
+      </a:fillRef>
+      <a:effectRef idx="0">
+        <a:scrgbClr r="0" g="0" b="0"/>
+      </a:effectRef>
+      <a:fontRef idx="minor"/>
+    </dgm:style>
+  </dgm:styleLbl>
+  <dgm:styleLbl name="dkBgShp">
+    <dgm:scene3d>
+      <a:camera prst="orthographicFront"/>
+      <a:lightRig rig="threePt" dir="t"/>
+    </dgm:scene3d>
+    <dgm:sp3d/>
+    <dgm:txPr/>
+    <dgm:style>
+      <a:lnRef idx="0">
+        <a:scrgbClr r="0" g="0" b="0"/>
+      </a:lnRef>
+      <a:fillRef idx="1">
+        <a:scrgbClr r="0" g="0" b="0"/>
+      </a:fillRef>
+      <a:effectRef idx="0">
+        <a:scrgbClr r="0" g="0" b="0"/>
+      </a:effectRef>
+      <a:fontRef idx="minor"/>
+    </dgm:style>
+  </dgm:styleLbl>
+  <dgm:styleLbl name="trBgShp">
+    <dgm:scene3d>
+      <a:camera prst="orthographicFront"/>
+      <a:lightRig rig="threePt" dir="t"/>
+    </dgm:scene3d>
+    <dgm:sp3d/>
+    <dgm:txPr/>
+    <dgm:style>
+      <a:lnRef idx="0">
+        <a:scrgbClr r="0" g="0" b="0"/>
+      </a:lnRef>
+      <a:fillRef idx="1">
+        <a:scrgbClr r="0" g="0" b="0"/>
+      </a:fillRef>
+      <a:effectRef idx="0">
+        <a:scrgbClr r="0" g="0" b="0"/>
+      </a:effectRef>
+      <a:fontRef idx="minor"/>
+    </dgm:style>
+  </dgm:styleLbl>
+  <dgm:styleLbl name="fgShp">
+    <dgm:scene3d>
+      <a:camera prst="orthographicFront"/>
+      <a:lightRig rig="threePt" dir="t"/>
+    </dgm:scene3d>
+    <dgm:sp3d/>
+    <dgm:txPr/>
+    <dgm:style>
+      <a:lnRef idx="2">
+        <a:scrgbClr r="0" g="0" b="0"/>
+      </a:lnRef>
+      <a:fillRef idx="1">
+        <a:scrgbClr r="0" g="0" b="0"/>
+      </a:fillRef>
+      <a:effectRef idx="0">
+        <a:scrgbClr r="0" g="0" b="0"/>
+      </a:effectRef>
+      <a:fontRef idx="minor"/>
+    </dgm:style>
+  </dgm:styleLbl>
+  <dgm:styleLbl name="revTx">
+    <dgm:scene3d>
+      <a:camera prst="orthographicFront"/>
+      <a:lightRig rig="threePt" dir="t"/>
+    </dgm:scene3d>
+    <dgm:sp3d/>
+    <dgm:txPr/>
+    <dgm:style>
+      <a:lnRef idx="0">
+        <a:scrgbClr r="0" g="0" b="0"/>
+      </a:lnRef>
+      <a:fillRef idx="0">
+        <a:scrgbClr r="0" g="0" b="0"/>
+      </a:fillRef>
+      <a:effectRef idx="0">
+        <a:scrgbClr r="0" g="0" b="0"/>
+      </a:effectRef>
+      <a:fontRef idx="minor"/>
+    </dgm:style>
+  </dgm:styleLbl>
+</dgm:styleDef>
+</file>
+
+<file path=ppt/diagrams/quickStyle10.xml><?xml version="1.0" encoding="utf-8"?>
 <dgm:styleDef xmlns:dgm="http://schemas.openxmlformats.org/drawingml/2006/diagram" xmlns:a="http://schemas.openxmlformats.org/drawingml/2006/main" uniqueId="urn:microsoft.com/office/officeart/2005/8/quickstyle/simple1">
   <dgm:title val=""/>
   <dgm:desc val=""/>
@@ -31062,11 +32917,7 @@
             </a:r>
             <a:r>
               <a:rPr lang="fr-FR" dirty="0" smtClean="0"/>
-              <a:t>-Giraud </a:t>
-            </a:r>
-            <a:r>
-              <a:rPr lang="fr-FR" dirty="0" smtClean="0"/>
-              <a:t>– Guillaume Robert 1A</a:t>
+              <a:t>-Giraud – Guillaume Robert 1A</a:t>
             </a:r>
           </a:p>
           <a:p>
@@ -31180,32 +33031,8 @@
           <a:p>
             <a:r>
               <a:rPr lang="fr-FR" dirty="0" smtClean="0"/>
-              <a:t>Créer / modifier grille</a:t>
+              <a:t>Diagramme de Classe</a:t>
             </a:r>
-            <a:endParaRPr lang="fr-FR" dirty="0"/>
-          </a:p>
-        </p:txBody>
-      </p:sp>
-      <p:sp>
-        <p:nvSpPr>
-          <p:cNvPr id="3" name="Espace réservé du contenu 2"/>
-          <p:cNvSpPr>
-            <a:spLocks noGrp="1"/>
-          </p:cNvSpPr>
-          <p:nvPr>
-            <p:ph idx="1"/>
-          </p:nvPr>
-        </p:nvSpPr>
-        <p:spPr>
-          <a:xfrm>
-            <a:off x="1486130" y="1720113"/>
-            <a:ext cx="8915400" cy="3777622"/>
-          </a:xfrm>
-        </p:spPr>
-        <p:txBody>
-          <a:bodyPr/>
-          <a:lstStyle/>
-          <a:p>
             <a:endParaRPr lang="fr-FR" dirty="0"/>
           </a:p>
         </p:txBody>
@@ -31257,16 +33084,55 @@
           </a:p>
         </p:txBody>
       </p:sp>
+      <p:pic>
+        <p:nvPicPr>
+          <p:cNvPr id="3074" name="Picture 2" descr="https://scontent-cdg2-1.xx.fbcdn.net/v/t34.0-12/15415911_10209995212350243_1256995407_n.png?oh=b61eb3c705daf835476245a62a65c5f7&amp;oe=584A1573"/>
+          <p:cNvPicPr>
+            <a:picLocks noGrp="1" noChangeAspect="1" noChangeArrowheads="1"/>
+          </p:cNvPicPr>
+          <p:nvPr>
+            <p:ph idx="1"/>
+          </p:nvPr>
+        </p:nvPicPr>
+        <p:blipFill>
+          <a:blip r:embed="rId2">
+            <a:extLst>
+              <a:ext uri="{28A0092B-C50C-407E-A947-70E740481C1C}">
+                <a14:useLocalDpi xmlns:a14="http://schemas.microsoft.com/office/drawing/2010/main" val="0"/>
+              </a:ext>
+            </a:extLst>
+          </a:blip>
+          <a:srcRect/>
+          <a:stretch>
+            <a:fillRect/>
+          </a:stretch>
+        </p:blipFill>
+        <p:spPr bwMode="auto">
+          <a:xfrm>
+            <a:off x="3807603" y="2544029"/>
+            <a:ext cx="5305425" cy="2952750"/>
+          </a:xfrm>
+          <a:prstGeom prst="rect">
+            <a:avLst/>
+          </a:prstGeom>
+          <a:noFill/>
+          <a:extLst>
+            <a:ext uri="{909E8E84-426E-40DD-AFC4-6F175D3DCCD1}">
+              <a14:hiddenFill xmlns:a14="http://schemas.microsoft.com/office/drawing/2010/main">
+                <a:solidFill>
+                  <a:srgbClr val="FFFFFF"/>
+                </a:solidFill>
+              </a14:hiddenFill>
+            </a:ext>
+          </a:extLst>
+        </p:spPr>
+      </p:pic>
       <p:graphicFrame>
         <p:nvGraphicFramePr>
-          <p:cNvPr id="6" name="Diagramme 5"/>
+          <p:cNvPr id="7" name="Diagramme 6"/>
           <p:cNvGraphicFramePr/>
           <p:nvPr>
-            <p:extLst>
-              <p:ext uri="{D42A27DB-BD31-4B8C-83A1-F6EECF244321}">
-                <p14:modId xmlns:p14="http://schemas.microsoft.com/office/powerpoint/2010/main" val="2260408208"/>
-              </p:ext>
-            </p:extLst>
+            <p:extLst/>
           </p:nvPr>
         </p:nvGraphicFramePr>
         <p:xfrm>
@@ -31275,57 +33141,27 @@
         </p:xfrm>
         <a:graphic>
           <a:graphicData uri="http://schemas.openxmlformats.org/drawingml/2006/diagram">
-            <dgm:relIds xmlns:dgm="http://schemas.openxmlformats.org/drawingml/2006/diagram" xmlns:r="http://schemas.openxmlformats.org/officeDocument/2006/relationships" r:dm="rId2" r:lo="rId3" r:qs="rId4" r:cs="rId5"/>
+            <dgm:relIds xmlns:dgm="http://schemas.openxmlformats.org/drawingml/2006/diagram" xmlns:r="http://schemas.openxmlformats.org/officeDocument/2006/relationships" r:dm="rId3" r:lo="rId4" r:qs="rId5" r:cs="rId6"/>
           </a:graphicData>
         </a:graphic>
       </p:graphicFrame>
-      <p:pic>
-        <p:nvPicPr>
-          <p:cNvPr id="7" name="Image 6"/>
-          <p:cNvPicPr>
-            <a:picLocks noChangeAspect="1"/>
-          </p:cNvPicPr>
-          <p:nvPr/>
-        </p:nvPicPr>
-        <p:blipFill>
-          <a:blip r:embed="rId7">
-            <a:extLst>
-              <a:ext uri="{28A0092B-C50C-407E-A947-70E740481C1C}">
-                <a14:useLocalDpi xmlns:a14="http://schemas.microsoft.com/office/drawing/2010/main" val="0"/>
-              </a:ext>
-            </a:extLst>
-          </a:blip>
-          <a:stretch>
-            <a:fillRect/>
-          </a:stretch>
-        </p:blipFill>
-        <p:spPr>
-          <a:xfrm>
-            <a:off x="6124891" y="1561361"/>
-            <a:ext cx="6067109" cy="4195453"/>
-          </a:xfrm>
-          <a:prstGeom prst="rect">
-            <a:avLst/>
-          </a:prstGeom>
-        </p:spPr>
-      </p:pic>
     </p:spTree>
     <p:extLst>
       <p:ext uri="{BB962C8B-B14F-4D97-AF65-F5344CB8AC3E}">
-        <p14:creationId xmlns:p14="http://schemas.microsoft.com/office/powerpoint/2010/main" val="2962596604"/>
+        <p14:creationId xmlns:p14="http://schemas.microsoft.com/office/powerpoint/2010/main" val="3446777338"/>
       </p:ext>
     </p:extLst>
   </p:cSld>
   <p:clrMapOvr>
     <a:masterClrMapping/>
   </p:clrMapOvr>
-  <mc:AlternateContent xmlns:mc="http://schemas.openxmlformats.org/markup-compatibility/2006" xmlns:p14="http://schemas.microsoft.com/office/powerpoint/2010/main">
-    <mc:Choice Requires="p14">
+  <mc:AlternateContent xmlns:mc="http://schemas.openxmlformats.org/markup-compatibility/2006">
+    <mc:Choice xmlns:p14="http://schemas.microsoft.com/office/powerpoint/2010/main" Requires="p14">
       <p:transition spd="slow" p14:dur="1250">
         <p14:switch dir="r"/>
       </p:transition>
     </mc:Choice>
-    <mc:Fallback xmlns="">
+    <mc:Fallback>
       <p:transition spd="slow">
         <p:fade/>
       </p:transition>
@@ -31369,34 +33205,6 @@
             <a:r>
               <a:rPr lang="fr-FR" dirty="0" smtClean="0"/>
               <a:t>Créer / modifier grille</a:t>
-            </a:r>
-            <a:endParaRPr lang="fr-FR" dirty="0"/>
-          </a:p>
-        </p:txBody>
-      </p:sp>
-      <p:sp>
-        <p:nvSpPr>
-          <p:cNvPr id="3" name="Espace réservé du contenu 2"/>
-          <p:cNvSpPr>
-            <a:spLocks noGrp="1"/>
-          </p:cNvSpPr>
-          <p:nvPr>
-            <p:ph idx="1"/>
-          </p:nvPr>
-        </p:nvSpPr>
-        <p:spPr>
-          <a:xfrm>
-            <a:off x="1486130" y="1720113"/>
-            <a:ext cx="8915400" cy="3777622"/>
-          </a:xfrm>
-        </p:spPr>
-        <p:txBody>
-          <a:bodyPr/>
-          <a:lstStyle/>
-          <a:p>
-            <a:r>
-              <a:rPr lang="fr-FR" dirty="0" smtClean="0"/>
-              <a:t>Digramme de séquence de la fonctionnalité Créer grille</a:t>
             </a:r>
             <a:endParaRPr lang="fr-FR" dirty="0"/>
           </a:p>
@@ -31454,7 +33262,11 @@
           <p:cNvPr id="6" name="Diagramme 5"/>
           <p:cNvGraphicFramePr/>
           <p:nvPr>
-            <p:extLst/>
+            <p:extLst>
+              <p:ext uri="{D42A27DB-BD31-4B8C-83A1-F6EECF244321}">
+                <p14:modId xmlns:p14="http://schemas.microsoft.com/office/powerpoint/2010/main" val="2260408208"/>
+              </p:ext>
+            </p:extLst>
           </p:nvPr>
         </p:nvGraphicFramePr>
         <p:xfrm>
@@ -31467,10 +33279,40 @@
           </a:graphicData>
         </a:graphic>
       </p:graphicFrame>
+      <p:pic>
+        <p:nvPicPr>
+          <p:cNvPr id="7" name="Image 6"/>
+          <p:cNvPicPr>
+            <a:picLocks noChangeAspect="1"/>
+          </p:cNvPicPr>
+          <p:nvPr/>
+        </p:nvPicPr>
+        <p:blipFill>
+          <a:blip r:embed="rId7">
+            <a:extLst>
+              <a:ext uri="{28A0092B-C50C-407E-A947-70E740481C1C}">
+                <a14:useLocalDpi xmlns:a14="http://schemas.microsoft.com/office/drawing/2010/main" val="0"/>
+              </a:ext>
+            </a:extLst>
+          </a:blip>
+          <a:stretch>
+            <a:fillRect/>
+          </a:stretch>
+        </p:blipFill>
+        <p:spPr>
+          <a:xfrm>
+            <a:off x="2217125" y="1603641"/>
+            <a:ext cx="6067109" cy="4195453"/>
+          </a:xfrm>
+          <a:prstGeom prst="rect">
+            <a:avLst/>
+          </a:prstGeom>
+        </p:spPr>
+      </p:pic>
     </p:spTree>
     <p:extLst>
       <p:ext uri="{BB962C8B-B14F-4D97-AF65-F5344CB8AC3E}">
-        <p14:creationId xmlns:p14="http://schemas.microsoft.com/office/powerpoint/2010/main" val="3639119508"/>
+        <p14:creationId xmlns:p14="http://schemas.microsoft.com/office/powerpoint/2010/main" val="2962596604"/>
       </p:ext>
     </p:extLst>
   </p:cSld>
@@ -31526,6 +33368,177 @@
           <a:p>
             <a:r>
               <a:rPr lang="fr-FR" dirty="0" smtClean="0"/>
+              <a:t>Créer / modifier grille</a:t>
+            </a:r>
+            <a:endParaRPr lang="fr-FR" dirty="0"/>
+          </a:p>
+        </p:txBody>
+      </p:sp>
+      <p:sp>
+        <p:nvSpPr>
+          <p:cNvPr id="4" name="Espace réservé du pied de page 3"/>
+          <p:cNvSpPr>
+            <a:spLocks noGrp="1"/>
+          </p:cNvSpPr>
+          <p:nvPr>
+            <p:ph type="ftr" sz="quarter" idx="11"/>
+          </p:nvPr>
+        </p:nvSpPr>
+        <p:spPr/>
+        <p:txBody>
+          <a:bodyPr/>
+          <a:lstStyle/>
+          <a:p>
+            <a:r>
+              <a:rPr lang="en-US" smtClean="0"/>
+              <a:t>Yoann Gathignol - Titouan Bouete-Giraud - Guillaume Robert - 1A</a:t>
+            </a:r>
+            <a:endParaRPr lang="en-US" dirty="0"/>
+          </a:p>
+        </p:txBody>
+      </p:sp>
+      <p:sp>
+        <p:nvSpPr>
+          <p:cNvPr id="5" name="Espace réservé du numéro de diapositive 4"/>
+          <p:cNvSpPr>
+            <a:spLocks noGrp="1"/>
+          </p:cNvSpPr>
+          <p:nvPr>
+            <p:ph type="sldNum" sz="quarter" idx="12"/>
+          </p:nvPr>
+        </p:nvSpPr>
+        <p:spPr/>
+        <p:txBody>
+          <a:bodyPr/>
+          <a:lstStyle/>
+          <a:p>
+            <a:fld id="{D57F1E4F-1CFF-5643-939E-217C01CDF565}" type="slidenum">
+              <a:rPr lang="en-US" smtClean="0"/>
+              <a:pPr/>
+              <a:t>12</a:t>
+            </a:fld>
+            <a:endParaRPr lang="en-US" dirty="0"/>
+          </a:p>
+        </p:txBody>
+      </p:sp>
+      <p:graphicFrame>
+        <p:nvGraphicFramePr>
+          <p:cNvPr id="6" name="Diagramme 5"/>
+          <p:cNvGraphicFramePr/>
+          <p:nvPr>
+            <p:extLst/>
+          </p:nvPr>
+        </p:nvGraphicFramePr>
+        <p:xfrm>
+          <a:off x="6298250" y="111096"/>
+          <a:ext cx="5713091" cy="410198"/>
+        </p:xfrm>
+        <a:graphic>
+          <a:graphicData uri="http://schemas.openxmlformats.org/drawingml/2006/diagram">
+            <dgm:relIds xmlns:dgm="http://schemas.openxmlformats.org/drawingml/2006/diagram" xmlns:r="http://schemas.openxmlformats.org/officeDocument/2006/relationships" r:dm="rId2" r:lo="rId3" r:qs="rId4" r:cs="rId5"/>
+          </a:graphicData>
+        </a:graphic>
+      </p:graphicFrame>
+      <p:pic>
+        <p:nvPicPr>
+          <p:cNvPr id="1026" name="Picture 2" descr="https://scontent-cdg2-1.xx.fbcdn.net/v/t34.0-12/15416193_10209994947423620_202044250_n.png?oh=aad455439f2047063e304d1c4b59c15d&amp;oe=584AE667"/>
+          <p:cNvPicPr>
+            <a:picLocks noChangeAspect="1" noChangeArrowheads="1"/>
+          </p:cNvPicPr>
+          <p:nvPr/>
+        </p:nvPicPr>
+        <p:blipFill>
+          <a:blip r:embed="rId7">
+            <a:extLst>
+              <a:ext uri="{28A0092B-C50C-407E-A947-70E740481C1C}">
+                <a14:useLocalDpi xmlns:a14="http://schemas.microsoft.com/office/drawing/2010/main" val="0"/>
+              </a:ext>
+            </a:extLst>
+          </a:blip>
+          <a:srcRect/>
+          <a:stretch>
+            <a:fillRect/>
+          </a:stretch>
+        </p:blipFill>
+        <p:spPr bwMode="auto">
+          <a:xfrm>
+            <a:off x="2744487" y="1640008"/>
+            <a:ext cx="4657725" cy="4495800"/>
+          </a:xfrm>
+          <a:prstGeom prst="rect">
+            <a:avLst/>
+          </a:prstGeom>
+          <a:noFill/>
+          <a:extLst>
+            <a:ext uri="{909E8E84-426E-40DD-AFC4-6F175D3DCCD1}">
+              <a14:hiddenFill xmlns:a14="http://schemas.microsoft.com/office/drawing/2010/main">
+                <a:solidFill>
+                  <a:srgbClr val="FFFFFF"/>
+                </a:solidFill>
+              </a14:hiddenFill>
+            </a:ext>
+          </a:extLst>
+        </p:spPr>
+      </p:pic>
+    </p:spTree>
+    <p:extLst>
+      <p:ext uri="{BB962C8B-B14F-4D97-AF65-F5344CB8AC3E}">
+        <p14:creationId xmlns:p14="http://schemas.microsoft.com/office/powerpoint/2010/main" val="3639119508"/>
+      </p:ext>
+    </p:extLst>
+  </p:cSld>
+  <p:clrMapOvr>
+    <a:masterClrMapping/>
+  </p:clrMapOvr>
+  <mc:AlternateContent xmlns:mc="http://schemas.openxmlformats.org/markup-compatibility/2006" xmlns:p14="http://schemas.microsoft.com/office/powerpoint/2010/main">
+    <mc:Choice Requires="p14">
+      <p:transition spd="slow" p14:dur="1250">
+        <p14:switch dir="r"/>
+      </p:transition>
+    </mc:Choice>
+    <mc:Fallback xmlns="">
+      <p:transition spd="slow">
+        <p:fade/>
+      </p:transition>
+    </mc:Fallback>
+  </mc:AlternateContent>
+</p:sld>
+</file>
+
+<file path=ppt/slides/slide13.xml><?xml version="1.0" encoding="utf-8"?>
+<p:sld xmlns:a="http://schemas.openxmlformats.org/drawingml/2006/main" xmlns:r="http://schemas.openxmlformats.org/officeDocument/2006/relationships" xmlns:p="http://schemas.openxmlformats.org/presentationml/2006/main">
+  <p:cSld>
+    <p:spTree>
+      <p:nvGrpSpPr>
+        <p:cNvPr id="1" name=""/>
+        <p:cNvGrpSpPr/>
+        <p:nvPr/>
+      </p:nvGrpSpPr>
+      <p:grpSpPr>
+        <a:xfrm>
+          <a:off x="0" y="0"/>
+          <a:ext cx="0" cy="0"/>
+          <a:chOff x="0" y="0"/>
+          <a:chExt cx="0" cy="0"/>
+        </a:xfrm>
+      </p:grpSpPr>
+      <p:sp>
+        <p:nvSpPr>
+          <p:cNvPr id="2" name="Titre 1"/>
+          <p:cNvSpPr>
+            <a:spLocks noGrp="1"/>
+          </p:cNvSpPr>
+          <p:nvPr>
+            <p:ph type="title"/>
+          </p:nvPr>
+        </p:nvSpPr>
+        <p:spPr/>
+        <p:txBody>
+          <a:bodyPr/>
+          <a:lstStyle/>
+          <a:p>
+            <a:r>
+              <a:rPr lang="fr-FR" dirty="0" smtClean="0"/>
               <a:t>Importer / Exporter</a:t>
             </a:r>
             <a:endParaRPr lang="fr-FR" dirty="0"/>
@@ -31544,7 +33557,7 @@
         </p:nvSpPr>
         <p:spPr>
           <a:xfrm>
-            <a:off x="1840550" y="1776898"/>
+            <a:off x="1780165" y="2540748"/>
             <a:ext cx="8915400" cy="3777622"/>
           </a:xfrm>
         </p:spPr>
@@ -31637,7 +33650,7 @@
             <a:fld id="{D57F1E4F-1CFF-5643-939E-217C01CDF565}" type="slidenum">
               <a:rPr lang="en-US" smtClean="0"/>
               <a:pPr/>
-              <a:t>12</a:t>
+              <a:t>13</a:t>
             </a:fld>
             <a:endParaRPr lang="en-US" dirty="0"/>
           </a:p>
@@ -31681,7 +33694,7 @@
         </p:blipFill>
         <p:spPr>
           <a:xfrm>
-            <a:off x="6455726" y="1412190"/>
+            <a:off x="6468589" y="2007816"/>
             <a:ext cx="5542752" cy="3251434"/>
           </a:xfrm>
           <a:prstGeom prst="rect">
@@ -32230,11 +34243,7 @@
           <a:p>
             <a:r>
               <a:rPr lang="fr-FR" dirty="0" smtClean="0"/>
-              <a:t>Modification </a:t>
-            </a:r>
-            <a:r>
-              <a:rPr lang="fr-FR" dirty="0" smtClean="0"/>
-              <a:t>compliquée</a:t>
+              <a:t>Modification compliquée</a:t>
             </a:r>
           </a:p>
           <a:p>
@@ -32756,13 +34765,13 @@
   <p:clrMapOvr>
     <a:masterClrMapping/>
   </p:clrMapOvr>
-  <mc:AlternateContent xmlns:mc="http://schemas.openxmlformats.org/markup-compatibility/2006">
-    <mc:Choice xmlns:p14="http://schemas.microsoft.com/office/powerpoint/2010/main" Requires="p14">
+  <mc:AlternateContent xmlns:mc="http://schemas.openxmlformats.org/markup-compatibility/2006" xmlns:p14="http://schemas.microsoft.com/office/powerpoint/2010/main">
+    <mc:Choice Requires="p14">
       <p:transition spd="slow" p14:dur="1250">
         <p14:switch dir="r"/>
       </p:transition>
     </mc:Choice>
-    <mc:Fallback>
+    <mc:Fallback xmlns="">
       <p:transition spd="slow">
         <p:fade/>
       </p:transition>
@@ -32986,15 +34995,7 @@
             <a:pPr lvl="1"/>
             <a:r>
               <a:rPr lang="fr-FR" dirty="0" smtClean="0"/>
-              <a:t>Librairies Interfaces </a:t>
-            </a:r>
-            <a:r>
-              <a:rPr lang="fr-FR" dirty="0" smtClean="0"/>
-              <a:t>graphiques (code </a:t>
-            </a:r>
-            <a:r>
-              <a:rPr lang="fr-FR" dirty="0" smtClean="0"/>
-              <a:t>existant)</a:t>
+              <a:t>Librairies Interfaces graphiques (code existant)</a:t>
             </a:r>
           </a:p>
           <a:p>
@@ -33010,26 +35011,14 @@
             <a:pPr lvl="1"/>
             <a:r>
               <a:rPr lang="fr-FR" dirty="0" smtClean="0"/>
-              <a:t>Stockage de </a:t>
-            </a:r>
-            <a:r>
-              <a:rPr lang="fr-FR" dirty="0" smtClean="0"/>
-              <a:t>données</a:t>
+              <a:t>Stockage de données</a:t>
             </a:r>
           </a:p>
           <a:p>
             <a:pPr lvl="1"/>
             <a:r>
               <a:rPr lang="fr-FR" dirty="0" smtClean="0"/>
-              <a:t>Facilement </a:t>
-            </a:r>
-            <a:r>
-              <a:rPr lang="fr-FR" dirty="0" smtClean="0"/>
-              <a:t>utilisable en </a:t>
-            </a:r>
-            <a:r>
-              <a:rPr lang="fr-FR" dirty="0" smtClean="0"/>
-              <a:t>java</a:t>
+              <a:t>Facilement utilisable en java</a:t>
             </a:r>
           </a:p>
           <a:p>

--- a/IHearISay/I_HEAR_I_SAY_Points_Techniques.pptx
+++ b/IHearISay/I_HEAR_I_SAY_Points_Techniques.pptx
@@ -9,7 +9,7 @@
   </p:notesMasterIdLst>
   <p:sldIdLst>
     <p:sldId id="256" r:id="rId2"/>
-    <p:sldId id="258" r:id="rId3"/>
+    <p:sldId id="273" r:id="rId3"/>
     <p:sldId id="261" r:id="rId4"/>
     <p:sldId id="263" r:id="rId5"/>
     <p:sldId id="268" r:id="rId6"/>
@@ -10594,7 +10594,11 @@
     </dgm:pt>
     <dgm:pt modelId="{0259D84A-4796-4366-BA60-D7065EA96C71}">
       <dgm:prSet phldrT="[Texte]"/>
-      <dgm:spPr/>
+      <dgm:spPr>
+        <a:solidFill>
+          <a:srgbClr val="FF0000"/>
+        </a:solidFill>
+      </dgm:spPr>
       <dgm:t>
         <a:bodyPr/>
         <a:lstStyle/>
@@ -10711,7 +10715,7 @@
       <dgm:prSet phldrT="[Texte]"/>
       <dgm:spPr>
         <a:solidFill>
-          <a:srgbClr val="FF0000"/>
+          <a:schemeClr val="accent1"/>
         </a:solidFill>
       </dgm:spPr>
       <dgm:t>
@@ -10898,26 +10902,26 @@
     </dgm:pt>
   </dgm:ptLst>
   <dgm:cxnLst>
+    <dgm:cxn modelId="{F1B01264-AEF9-47E4-A821-3CA9CFE243C8}" type="presOf" srcId="{68E789BA-346D-43BD-9465-734B217059F0}" destId="{1AA5F17D-B47A-4297-B5BB-8C6B99E6C5DA}" srcOrd="0" destOrd="0" presId="urn:microsoft.com/office/officeart/2005/8/layout/chevron1"/>
     <dgm:cxn modelId="{469C87CF-F5DF-49FE-99F1-2B80000E8C7F}" srcId="{2A76A016-75FB-4EB8-A025-6ACD7A3F5B7D}" destId="{6C099256-A3F1-42A6-931A-474918379EC3}" srcOrd="0" destOrd="0" parTransId="{7AC3B3FF-A9FA-4238-87B0-F8A658AD7018}" sibTransId="{148C0DA2-0218-4FFE-8809-25F2D2ED809C}"/>
+    <dgm:cxn modelId="{4A1C9F46-E4AF-4008-9B45-F83E2ADDA662}" type="presOf" srcId="{141F5721-50D1-4463-BE0E-D2740313485D}" destId="{1137F16A-3FBD-40A3-8437-7FEA55E131EF}" srcOrd="0" destOrd="0" presId="urn:microsoft.com/office/officeart/2005/8/layout/chevron1"/>
     <dgm:cxn modelId="{6C3F1AC4-298B-4D68-A3B6-46A3E4B5E6DC}" srcId="{2A76A016-75FB-4EB8-A025-6ACD7A3F5B7D}" destId="{0259D84A-4796-4366-BA60-D7065EA96C71}" srcOrd="3" destOrd="0" parTransId="{2844B534-BEBF-43CF-B484-5CFCA8900E85}" sibTransId="{CA49B43B-3BCA-497E-B500-5523E9DB4D6C}"/>
-    <dgm:cxn modelId="{051BC218-02FA-4D55-9339-D5230C1B2AEC}" type="presOf" srcId="{6C099256-A3F1-42A6-931A-474918379EC3}" destId="{1F6056EB-C534-4970-B58E-AD722CC6900E}" srcOrd="0" destOrd="0" presId="urn:microsoft.com/office/officeart/2005/8/layout/chevron1"/>
-    <dgm:cxn modelId="{A092C576-4461-427F-A717-2B72DA20A054}" type="presOf" srcId="{0259D84A-4796-4366-BA60-D7065EA96C71}" destId="{DF757741-D2C4-47CD-B81F-0494B81FB4EA}" srcOrd="0" destOrd="0" presId="urn:microsoft.com/office/officeart/2005/8/layout/chevron1"/>
-    <dgm:cxn modelId="{F07E0017-3F29-4D84-BC62-5DC6BDD5C7A6}" type="presOf" srcId="{68E789BA-346D-43BD-9465-734B217059F0}" destId="{1AA5F17D-B47A-4297-B5BB-8C6B99E6C5DA}" srcOrd="0" destOrd="0" presId="urn:microsoft.com/office/officeart/2005/8/layout/chevron1"/>
+    <dgm:cxn modelId="{AB58B78D-EB1C-4C75-8E2F-9C9233B8D4E3}" type="presOf" srcId="{80E5E9DF-95FB-48E6-BD6C-ADC19D57C0A3}" destId="{624C66D0-AA35-4C2D-8400-996503DFD2AE}" srcOrd="0" destOrd="0" presId="urn:microsoft.com/office/officeart/2005/8/layout/chevron1"/>
+    <dgm:cxn modelId="{F666A65F-9201-4F34-849F-F7548B09ADC2}" type="presOf" srcId="{6C099256-A3F1-42A6-931A-474918379EC3}" destId="{1F6056EB-C534-4970-B58E-AD722CC6900E}" srcOrd="0" destOrd="0" presId="urn:microsoft.com/office/officeart/2005/8/layout/chevron1"/>
     <dgm:cxn modelId="{54CD1257-05B7-4992-90E1-19728B5A48CD}" srcId="{2A76A016-75FB-4EB8-A025-6ACD7A3F5B7D}" destId="{68E789BA-346D-43BD-9465-734B217059F0}" srcOrd="1" destOrd="0" parTransId="{BFCF06E6-B9DC-4E18-9537-7296BC3BCBA2}" sibTransId="{C9B12BE5-522A-43A8-A491-AC2795BA9602}"/>
-    <dgm:cxn modelId="{68A430D6-3AF0-48DD-A771-C18D7A581454}" type="presOf" srcId="{2A76A016-75FB-4EB8-A025-6ACD7A3F5B7D}" destId="{2DFC64A5-769C-4372-9615-1FA4B1491470}" srcOrd="0" destOrd="0" presId="urn:microsoft.com/office/officeart/2005/8/layout/chevron1"/>
-    <dgm:cxn modelId="{52AF30FC-BD20-4FD8-9F7C-0E9DA22EDE30}" type="presOf" srcId="{80E5E9DF-95FB-48E6-BD6C-ADC19D57C0A3}" destId="{624C66D0-AA35-4C2D-8400-996503DFD2AE}" srcOrd="0" destOrd="0" presId="urn:microsoft.com/office/officeart/2005/8/layout/chevron1"/>
+    <dgm:cxn modelId="{96339347-5951-44C3-B592-C95E3C7D8247}" type="presOf" srcId="{2A76A016-75FB-4EB8-A025-6ACD7A3F5B7D}" destId="{2DFC64A5-769C-4372-9615-1FA4B1491470}" srcOrd="0" destOrd="0" presId="urn:microsoft.com/office/officeart/2005/8/layout/chevron1"/>
     <dgm:cxn modelId="{DAC9D7F0-396E-4DEE-9465-684C88AA5D85}" srcId="{2A76A016-75FB-4EB8-A025-6ACD7A3F5B7D}" destId="{80E5E9DF-95FB-48E6-BD6C-ADC19D57C0A3}" srcOrd="2" destOrd="0" parTransId="{710E6872-57CB-42B7-A54D-88A4118DC8A3}" sibTransId="{B49B5B59-8BFC-448F-B2EE-53202542A6CE}"/>
+    <dgm:cxn modelId="{9E624DCC-56FE-4DA6-A8DB-22A0406852EA}" type="presOf" srcId="{0259D84A-4796-4366-BA60-D7065EA96C71}" destId="{DF757741-D2C4-47CD-B81F-0494B81FB4EA}" srcOrd="0" destOrd="0" presId="urn:microsoft.com/office/officeart/2005/8/layout/chevron1"/>
     <dgm:cxn modelId="{ACC5D66D-A940-4C16-83F0-C87E584FFD2B}" srcId="{2A76A016-75FB-4EB8-A025-6ACD7A3F5B7D}" destId="{141F5721-50D1-4463-BE0E-D2740313485D}" srcOrd="4" destOrd="0" parTransId="{76CAB4C6-3908-47F3-A9B5-64E31B886BE6}" sibTransId="{3A7DF44F-3F8C-406B-AB9C-2F17AC583398}"/>
-    <dgm:cxn modelId="{BD7F69B5-7A8D-48C7-981A-986D1B35FBA7}" type="presOf" srcId="{141F5721-50D1-4463-BE0E-D2740313485D}" destId="{1137F16A-3FBD-40A3-8437-7FEA55E131EF}" srcOrd="0" destOrd="0" presId="urn:microsoft.com/office/officeart/2005/8/layout/chevron1"/>
-    <dgm:cxn modelId="{993F88C9-7152-4939-BDED-0B82451B021E}" type="presParOf" srcId="{2DFC64A5-769C-4372-9615-1FA4B1491470}" destId="{1F6056EB-C534-4970-B58E-AD722CC6900E}" srcOrd="0" destOrd="0" presId="urn:microsoft.com/office/officeart/2005/8/layout/chevron1"/>
-    <dgm:cxn modelId="{468DEF26-31CB-49EE-BF0A-699E28B94173}" type="presParOf" srcId="{2DFC64A5-769C-4372-9615-1FA4B1491470}" destId="{C077A35C-7EC3-45E8-86F1-4EB37DB15503}" srcOrd="1" destOrd="0" presId="urn:microsoft.com/office/officeart/2005/8/layout/chevron1"/>
-    <dgm:cxn modelId="{6DC7589C-BBB5-4761-807C-AC5D466B230E}" type="presParOf" srcId="{2DFC64A5-769C-4372-9615-1FA4B1491470}" destId="{1AA5F17D-B47A-4297-B5BB-8C6B99E6C5DA}" srcOrd="2" destOrd="0" presId="urn:microsoft.com/office/officeart/2005/8/layout/chevron1"/>
-    <dgm:cxn modelId="{2C77ED6B-9047-4825-A339-B45FB5CE484B}" type="presParOf" srcId="{2DFC64A5-769C-4372-9615-1FA4B1491470}" destId="{4AB4D21E-58BB-49F4-9B51-BB842C62FFF9}" srcOrd="3" destOrd="0" presId="urn:microsoft.com/office/officeart/2005/8/layout/chevron1"/>
-    <dgm:cxn modelId="{FE5B9A9F-86AB-4AE4-BB24-B2787369EE09}" type="presParOf" srcId="{2DFC64A5-769C-4372-9615-1FA4B1491470}" destId="{624C66D0-AA35-4C2D-8400-996503DFD2AE}" srcOrd="4" destOrd="0" presId="urn:microsoft.com/office/officeart/2005/8/layout/chevron1"/>
-    <dgm:cxn modelId="{750EFFA1-FDF9-4576-9487-8146EA8D1303}" type="presParOf" srcId="{2DFC64A5-769C-4372-9615-1FA4B1491470}" destId="{C839562D-C2F0-4F43-A440-F8EB257A5ED3}" srcOrd="5" destOrd="0" presId="urn:microsoft.com/office/officeart/2005/8/layout/chevron1"/>
-    <dgm:cxn modelId="{7AA25973-72F6-4279-A1AC-79D52D36B910}" type="presParOf" srcId="{2DFC64A5-769C-4372-9615-1FA4B1491470}" destId="{DF757741-D2C4-47CD-B81F-0494B81FB4EA}" srcOrd="6" destOrd="0" presId="urn:microsoft.com/office/officeart/2005/8/layout/chevron1"/>
-    <dgm:cxn modelId="{9973997F-083F-4DC5-A37C-4D2376CBD63C}" type="presParOf" srcId="{2DFC64A5-769C-4372-9615-1FA4B1491470}" destId="{C0385E65-BED5-46A7-8BCB-7BE0B13B97D8}" srcOrd="7" destOrd="0" presId="urn:microsoft.com/office/officeart/2005/8/layout/chevron1"/>
-    <dgm:cxn modelId="{AFD8F044-DC6B-42A3-B3D1-16623A63ECBA}" type="presParOf" srcId="{2DFC64A5-769C-4372-9615-1FA4B1491470}" destId="{1137F16A-3FBD-40A3-8437-7FEA55E131EF}" srcOrd="8" destOrd="0" presId="urn:microsoft.com/office/officeart/2005/8/layout/chevron1"/>
+    <dgm:cxn modelId="{8DD0E81F-CF21-48F4-9B37-0414D8574BF8}" type="presParOf" srcId="{2DFC64A5-769C-4372-9615-1FA4B1491470}" destId="{1F6056EB-C534-4970-B58E-AD722CC6900E}" srcOrd="0" destOrd="0" presId="urn:microsoft.com/office/officeart/2005/8/layout/chevron1"/>
+    <dgm:cxn modelId="{9AF95DF8-9CC3-4626-83C4-9C5752E379B4}" type="presParOf" srcId="{2DFC64A5-769C-4372-9615-1FA4B1491470}" destId="{C077A35C-7EC3-45E8-86F1-4EB37DB15503}" srcOrd="1" destOrd="0" presId="urn:microsoft.com/office/officeart/2005/8/layout/chevron1"/>
+    <dgm:cxn modelId="{94B71D36-FA3E-47D9-BD3C-78752DEC85C0}" type="presParOf" srcId="{2DFC64A5-769C-4372-9615-1FA4B1491470}" destId="{1AA5F17D-B47A-4297-B5BB-8C6B99E6C5DA}" srcOrd="2" destOrd="0" presId="urn:microsoft.com/office/officeart/2005/8/layout/chevron1"/>
+    <dgm:cxn modelId="{23BAFBE7-93C2-4456-BE40-B7EA5E955EAE}" type="presParOf" srcId="{2DFC64A5-769C-4372-9615-1FA4B1491470}" destId="{4AB4D21E-58BB-49F4-9B51-BB842C62FFF9}" srcOrd="3" destOrd="0" presId="urn:microsoft.com/office/officeart/2005/8/layout/chevron1"/>
+    <dgm:cxn modelId="{BC0C3C26-81E1-46B6-826E-6EEA5C3CCA81}" type="presParOf" srcId="{2DFC64A5-769C-4372-9615-1FA4B1491470}" destId="{624C66D0-AA35-4C2D-8400-996503DFD2AE}" srcOrd="4" destOrd="0" presId="urn:microsoft.com/office/officeart/2005/8/layout/chevron1"/>
+    <dgm:cxn modelId="{97CBD34C-B137-4328-89B9-7A79D2818F02}" type="presParOf" srcId="{2DFC64A5-769C-4372-9615-1FA4B1491470}" destId="{C839562D-C2F0-4F43-A440-F8EB257A5ED3}" srcOrd="5" destOrd="0" presId="urn:microsoft.com/office/officeart/2005/8/layout/chevron1"/>
+    <dgm:cxn modelId="{D78F8B42-716C-461E-B1C1-9F427D2D5E1F}" type="presParOf" srcId="{2DFC64A5-769C-4372-9615-1FA4B1491470}" destId="{DF757741-D2C4-47CD-B81F-0494B81FB4EA}" srcOrd="6" destOrd="0" presId="urn:microsoft.com/office/officeart/2005/8/layout/chevron1"/>
+    <dgm:cxn modelId="{877FFD4A-4BE6-4ACC-8889-BEBF3049D928}" type="presParOf" srcId="{2DFC64A5-769C-4372-9615-1FA4B1491470}" destId="{C0385E65-BED5-46A7-8BCB-7BE0B13B97D8}" srcOrd="7" destOrd="0" presId="urn:microsoft.com/office/officeart/2005/8/layout/chevron1"/>
+    <dgm:cxn modelId="{4800DF00-5F9E-4A12-8D49-E4CB428BE133}" type="presParOf" srcId="{2DFC64A5-769C-4372-9615-1FA4B1491470}" destId="{1137F16A-3FBD-40A3-8437-7FEA55E131EF}" srcOrd="8" destOrd="0" presId="urn:microsoft.com/office/officeart/2005/8/layout/chevron1"/>
   </dgm:cxnLst>
   <dgm:bg/>
   <dgm:whole>
@@ -14910,7 +14914,7 @@
           <a:avLst/>
         </a:prstGeom>
         <a:solidFill>
-          <a:srgbClr val="FF0000"/>
+          <a:schemeClr val="accent1"/>
         </a:solidFill>
         <a:ln w="15875" cap="rnd" cmpd="sng" algn="ctr">
           <a:solidFill>
@@ -14982,12 +14986,7 @@
           <a:avLst/>
         </a:prstGeom>
         <a:solidFill>
-          <a:schemeClr val="accent1">
-            <a:hueOff val="0"/>
-            <a:satOff val="0"/>
-            <a:lumOff val="0"/>
-            <a:alphaOff val="0"/>
-          </a:schemeClr>
+          <a:srgbClr val="FF0000"/>
         </a:solidFill>
         <a:ln w="15875" cap="rnd" cmpd="sng" algn="ctr">
           <a:solidFill>
@@ -15134,381 +15133,6 @@
       <dsp:cNvGrpSpPr/>
     </dsp:nvGrpSpPr>
     <dsp:grpSpPr/>
-    <dsp:sp modelId="{1F6056EB-C534-4970-B58E-AD722CC6900E}">
-      <dsp:nvSpPr>
-        <dsp:cNvPr id="0" name=""/>
-        <dsp:cNvSpPr/>
-      </dsp:nvSpPr>
-      <dsp:spPr>
-        <a:xfrm>
-          <a:off x="2853" y="0"/>
-          <a:ext cx="2539325" cy="290820"/>
-        </a:xfrm>
-        <a:prstGeom prst="chevron">
-          <a:avLst/>
-        </a:prstGeom>
-        <a:solidFill>
-          <a:schemeClr val="accent1"/>
-        </a:solidFill>
-        <a:ln w="15875" cap="rnd" cmpd="sng" algn="ctr">
-          <a:solidFill>
-            <a:schemeClr val="lt1">
-              <a:hueOff val="0"/>
-              <a:satOff val="0"/>
-              <a:lumOff val="0"/>
-              <a:alphaOff val="0"/>
-            </a:schemeClr>
-          </a:solidFill>
-          <a:prstDash val="solid"/>
-        </a:ln>
-        <a:effectLst/>
-      </dsp:spPr>
-      <dsp:style>
-        <a:lnRef idx="2">
-          <a:scrgbClr r="0" g="0" b="0"/>
-        </a:lnRef>
-        <a:fillRef idx="1">
-          <a:scrgbClr r="0" g="0" b="0"/>
-        </a:fillRef>
-        <a:effectRef idx="0">
-          <a:scrgbClr r="0" g="0" b="0"/>
-        </a:effectRef>
-        <a:fontRef idx="minor">
-          <a:schemeClr val="lt1"/>
-        </a:fontRef>
-      </dsp:style>
-      <dsp:txBody>
-        <a:bodyPr spcFirstLastPara="0" vert="horz" wrap="square" lIns="68009" tIns="22670" rIns="22670" bIns="22670" numCol="1" spcCol="1270" anchor="ctr" anchorCtr="0">
-          <a:noAutofit/>
-        </a:bodyPr>
-        <a:lstStyle/>
-        <a:p>
-          <a:pPr lvl="0" algn="ctr" defTabSz="755650">
-            <a:lnSpc>
-              <a:spcPct val="90000"/>
-            </a:lnSpc>
-            <a:spcBef>
-              <a:spcPct val="0"/>
-            </a:spcBef>
-            <a:spcAft>
-              <a:spcPct val="35000"/>
-            </a:spcAft>
-          </a:pPr>
-          <a:r>
-            <a:rPr lang="fr-FR" sz="1700" kern="1200" dirty="0" smtClean="0"/>
-            <a:t>Introduction</a:t>
-          </a:r>
-          <a:endParaRPr lang="fr-FR" sz="1700" kern="1200" dirty="0"/>
-        </a:p>
-      </dsp:txBody>
-      <dsp:txXfrm>
-        <a:off x="148263" y="0"/>
-        <a:ext cx="2248505" cy="290820"/>
-      </dsp:txXfrm>
-    </dsp:sp>
-    <dsp:sp modelId="{1AA5F17D-B47A-4297-B5BB-8C6B99E6C5DA}">
-      <dsp:nvSpPr>
-        <dsp:cNvPr id="0" name=""/>
-        <dsp:cNvSpPr/>
-      </dsp:nvSpPr>
-      <dsp:spPr>
-        <a:xfrm>
-          <a:off x="2264472" y="0"/>
-          <a:ext cx="2539325" cy="290820"/>
-        </a:xfrm>
-        <a:prstGeom prst="chevron">
-          <a:avLst/>
-        </a:prstGeom>
-        <a:solidFill>
-          <a:schemeClr val="accent1">
-            <a:hueOff val="0"/>
-            <a:satOff val="0"/>
-            <a:lumOff val="0"/>
-            <a:alphaOff val="0"/>
-          </a:schemeClr>
-        </a:solidFill>
-        <a:ln w="15875" cap="rnd" cmpd="sng" algn="ctr">
-          <a:solidFill>
-            <a:schemeClr val="lt1">
-              <a:hueOff val="0"/>
-              <a:satOff val="0"/>
-              <a:lumOff val="0"/>
-              <a:alphaOff val="0"/>
-            </a:schemeClr>
-          </a:solidFill>
-          <a:prstDash val="solid"/>
-        </a:ln>
-        <a:effectLst/>
-      </dsp:spPr>
-      <dsp:style>
-        <a:lnRef idx="2">
-          <a:scrgbClr r="0" g="0" b="0"/>
-        </a:lnRef>
-        <a:fillRef idx="1">
-          <a:scrgbClr r="0" g="0" b="0"/>
-        </a:fillRef>
-        <a:effectRef idx="0">
-          <a:scrgbClr r="0" g="0" b="0"/>
-        </a:effectRef>
-        <a:fontRef idx="minor">
-          <a:schemeClr val="lt1"/>
-        </a:fontRef>
-      </dsp:style>
-      <dsp:txBody>
-        <a:bodyPr spcFirstLastPara="0" vert="horz" wrap="square" lIns="68009" tIns="22670" rIns="22670" bIns="22670" numCol="1" spcCol="1270" anchor="ctr" anchorCtr="0">
-          <a:noAutofit/>
-        </a:bodyPr>
-        <a:lstStyle/>
-        <a:p>
-          <a:pPr lvl="0" algn="ctr" defTabSz="755650">
-            <a:lnSpc>
-              <a:spcPct val="90000"/>
-            </a:lnSpc>
-            <a:spcBef>
-              <a:spcPct val="0"/>
-            </a:spcBef>
-            <a:spcAft>
-              <a:spcPct val="35000"/>
-            </a:spcAft>
-          </a:pPr>
-          <a:r>
-            <a:rPr lang="fr-FR" sz="1700" kern="1200" dirty="0" smtClean="0"/>
-            <a:t>Analyse et prévision</a:t>
-          </a:r>
-          <a:endParaRPr lang="fr-FR" sz="1700" kern="1200" dirty="0"/>
-        </a:p>
-      </dsp:txBody>
-      <dsp:txXfrm>
-        <a:off x="2409882" y="0"/>
-        <a:ext cx="2248505" cy="290820"/>
-      </dsp:txXfrm>
-    </dsp:sp>
-    <dsp:sp modelId="{624C66D0-AA35-4C2D-8400-996503DFD2AE}">
-      <dsp:nvSpPr>
-        <dsp:cNvPr id="0" name=""/>
-        <dsp:cNvSpPr/>
-      </dsp:nvSpPr>
-      <dsp:spPr>
-        <a:xfrm>
-          <a:off x="4573638" y="0"/>
-          <a:ext cx="2539325" cy="290820"/>
-        </a:xfrm>
-        <a:prstGeom prst="chevron">
-          <a:avLst/>
-        </a:prstGeom>
-        <a:solidFill>
-          <a:srgbClr val="FF0000"/>
-        </a:solidFill>
-        <a:ln w="15875" cap="rnd" cmpd="sng" algn="ctr">
-          <a:solidFill>
-            <a:schemeClr val="lt1">
-              <a:hueOff val="0"/>
-              <a:satOff val="0"/>
-              <a:lumOff val="0"/>
-              <a:alphaOff val="0"/>
-            </a:schemeClr>
-          </a:solidFill>
-          <a:prstDash val="solid"/>
-        </a:ln>
-        <a:effectLst/>
-      </dsp:spPr>
-      <dsp:style>
-        <a:lnRef idx="2">
-          <a:scrgbClr r="0" g="0" b="0"/>
-        </a:lnRef>
-        <a:fillRef idx="1">
-          <a:scrgbClr r="0" g="0" b="0"/>
-        </a:fillRef>
-        <a:effectRef idx="0">
-          <a:scrgbClr r="0" g="0" b="0"/>
-        </a:effectRef>
-        <a:fontRef idx="minor">
-          <a:schemeClr val="lt1"/>
-        </a:fontRef>
-      </dsp:style>
-      <dsp:txBody>
-        <a:bodyPr spcFirstLastPara="0" vert="horz" wrap="square" lIns="68009" tIns="22670" rIns="22670" bIns="22670" numCol="1" spcCol="1270" anchor="ctr" anchorCtr="0">
-          <a:noAutofit/>
-        </a:bodyPr>
-        <a:lstStyle/>
-        <a:p>
-          <a:pPr lvl="0" algn="ctr" defTabSz="755650">
-            <a:lnSpc>
-              <a:spcPct val="90000"/>
-            </a:lnSpc>
-            <a:spcBef>
-              <a:spcPct val="0"/>
-            </a:spcBef>
-            <a:spcAft>
-              <a:spcPct val="35000"/>
-            </a:spcAft>
-          </a:pPr>
-          <a:r>
-            <a:rPr lang="fr-FR" sz="1700" kern="1200" dirty="0" smtClean="0"/>
-            <a:t>Solutions techniques</a:t>
-          </a:r>
-          <a:endParaRPr lang="fr-FR" sz="1700" kern="1200" dirty="0"/>
-        </a:p>
-      </dsp:txBody>
-      <dsp:txXfrm>
-        <a:off x="4719048" y="0"/>
-        <a:ext cx="2248505" cy="290820"/>
-      </dsp:txXfrm>
-    </dsp:sp>
-    <dsp:sp modelId="{DF757741-D2C4-47CD-B81F-0494B81FB4EA}">
-      <dsp:nvSpPr>
-        <dsp:cNvPr id="0" name=""/>
-        <dsp:cNvSpPr/>
-      </dsp:nvSpPr>
-      <dsp:spPr>
-        <a:xfrm>
-          <a:off x="6859031" y="0"/>
-          <a:ext cx="2539325" cy="290820"/>
-        </a:xfrm>
-        <a:prstGeom prst="chevron">
-          <a:avLst/>
-        </a:prstGeom>
-        <a:solidFill>
-          <a:schemeClr val="accent1">
-            <a:hueOff val="0"/>
-            <a:satOff val="0"/>
-            <a:lumOff val="0"/>
-            <a:alphaOff val="0"/>
-          </a:schemeClr>
-        </a:solidFill>
-        <a:ln w="15875" cap="rnd" cmpd="sng" algn="ctr">
-          <a:solidFill>
-            <a:schemeClr val="lt1">
-              <a:hueOff val="0"/>
-              <a:satOff val="0"/>
-              <a:lumOff val="0"/>
-              <a:alphaOff val="0"/>
-            </a:schemeClr>
-          </a:solidFill>
-          <a:prstDash val="solid"/>
-        </a:ln>
-        <a:effectLst/>
-      </dsp:spPr>
-      <dsp:style>
-        <a:lnRef idx="2">
-          <a:scrgbClr r="0" g="0" b="0"/>
-        </a:lnRef>
-        <a:fillRef idx="1">
-          <a:scrgbClr r="0" g="0" b="0"/>
-        </a:fillRef>
-        <a:effectRef idx="0">
-          <a:scrgbClr r="0" g="0" b="0"/>
-        </a:effectRef>
-        <a:fontRef idx="minor">
-          <a:schemeClr val="lt1"/>
-        </a:fontRef>
-      </dsp:style>
-      <dsp:txBody>
-        <a:bodyPr spcFirstLastPara="0" vert="horz" wrap="square" lIns="68009" tIns="22670" rIns="22670" bIns="22670" numCol="1" spcCol="1270" anchor="ctr" anchorCtr="0">
-          <a:noAutofit/>
-        </a:bodyPr>
-        <a:lstStyle/>
-        <a:p>
-          <a:pPr lvl="0" algn="ctr" defTabSz="755650">
-            <a:lnSpc>
-              <a:spcPct val="90000"/>
-            </a:lnSpc>
-            <a:spcBef>
-              <a:spcPct val="0"/>
-            </a:spcBef>
-            <a:spcAft>
-              <a:spcPct val="35000"/>
-            </a:spcAft>
-          </a:pPr>
-          <a:r>
-            <a:rPr lang="fr-FR" sz="1700" kern="1200" dirty="0" smtClean="0"/>
-            <a:t>Bilan</a:t>
-          </a:r>
-          <a:endParaRPr lang="fr-FR" sz="1700" kern="1200" dirty="0"/>
-        </a:p>
-      </dsp:txBody>
-      <dsp:txXfrm>
-        <a:off x="7004441" y="0"/>
-        <a:ext cx="2248505" cy="290820"/>
-      </dsp:txXfrm>
-    </dsp:sp>
-    <dsp:sp modelId="{1137F16A-3FBD-40A3-8437-7FEA55E131EF}">
-      <dsp:nvSpPr>
-        <dsp:cNvPr id="0" name=""/>
-        <dsp:cNvSpPr/>
-      </dsp:nvSpPr>
-      <dsp:spPr>
-        <a:xfrm>
-          <a:off x="9147276" y="0"/>
-          <a:ext cx="2539325" cy="290820"/>
-        </a:xfrm>
-        <a:prstGeom prst="chevron">
-          <a:avLst/>
-        </a:prstGeom>
-        <a:solidFill>
-          <a:schemeClr val="accent1">
-            <a:hueOff val="0"/>
-            <a:satOff val="0"/>
-            <a:lumOff val="0"/>
-            <a:alphaOff val="0"/>
-          </a:schemeClr>
-        </a:solidFill>
-        <a:ln w="15875" cap="rnd" cmpd="sng" algn="ctr">
-          <a:solidFill>
-            <a:schemeClr val="lt1">
-              <a:hueOff val="0"/>
-              <a:satOff val="0"/>
-              <a:lumOff val="0"/>
-              <a:alphaOff val="0"/>
-            </a:schemeClr>
-          </a:solidFill>
-          <a:prstDash val="solid"/>
-        </a:ln>
-        <a:effectLst/>
-      </dsp:spPr>
-      <dsp:style>
-        <a:lnRef idx="2">
-          <a:scrgbClr r="0" g="0" b="0"/>
-        </a:lnRef>
-        <a:fillRef idx="1">
-          <a:scrgbClr r="0" g="0" b="0"/>
-        </a:fillRef>
-        <a:effectRef idx="0">
-          <a:scrgbClr r="0" g="0" b="0"/>
-        </a:effectRef>
-        <a:fontRef idx="minor">
-          <a:schemeClr val="lt1"/>
-        </a:fontRef>
-      </dsp:style>
-      <dsp:txBody>
-        <a:bodyPr spcFirstLastPara="0" vert="horz" wrap="square" lIns="68009" tIns="22670" rIns="22670" bIns="22670" numCol="1" spcCol="1270" anchor="ctr" anchorCtr="0">
-          <a:noAutofit/>
-        </a:bodyPr>
-        <a:lstStyle/>
-        <a:p>
-          <a:pPr lvl="0" algn="ctr" defTabSz="755650">
-            <a:lnSpc>
-              <a:spcPct val="90000"/>
-            </a:lnSpc>
-            <a:spcBef>
-              <a:spcPct val="0"/>
-            </a:spcBef>
-            <a:spcAft>
-              <a:spcPct val="35000"/>
-            </a:spcAft>
-          </a:pPr>
-          <a:r>
-            <a:rPr lang="fr-FR" sz="1700" kern="1200" dirty="0" smtClean="0"/>
-            <a:t>Conclusion</a:t>
-          </a:r>
-          <a:endParaRPr lang="fr-FR" sz="1700" kern="1200" dirty="0"/>
-        </a:p>
-      </dsp:txBody>
-      <dsp:txXfrm>
-        <a:off x="9292686" y="0"/>
-        <a:ext cx="2248505" cy="290820"/>
-      </dsp:txXfrm>
-    </dsp:sp>
   </dsp:spTree>
 </dsp:drawing>
 </file>
@@ -15521,381 +15145,6 @@
       <dsp:cNvGrpSpPr/>
     </dsp:nvGrpSpPr>
     <dsp:grpSpPr/>
-    <dsp:sp modelId="{1F6056EB-C534-4970-B58E-AD722CC6900E}">
-      <dsp:nvSpPr>
-        <dsp:cNvPr id="0" name=""/>
-        <dsp:cNvSpPr/>
-      </dsp:nvSpPr>
-      <dsp:spPr>
-        <a:xfrm>
-          <a:off x="2853" y="0"/>
-          <a:ext cx="2539325" cy="290820"/>
-        </a:xfrm>
-        <a:prstGeom prst="chevron">
-          <a:avLst/>
-        </a:prstGeom>
-        <a:solidFill>
-          <a:schemeClr val="accent1"/>
-        </a:solidFill>
-        <a:ln w="15875" cap="rnd" cmpd="sng" algn="ctr">
-          <a:solidFill>
-            <a:schemeClr val="lt1">
-              <a:hueOff val="0"/>
-              <a:satOff val="0"/>
-              <a:lumOff val="0"/>
-              <a:alphaOff val="0"/>
-            </a:schemeClr>
-          </a:solidFill>
-          <a:prstDash val="solid"/>
-        </a:ln>
-        <a:effectLst/>
-      </dsp:spPr>
-      <dsp:style>
-        <a:lnRef idx="2">
-          <a:scrgbClr r="0" g="0" b="0"/>
-        </a:lnRef>
-        <a:fillRef idx="1">
-          <a:scrgbClr r="0" g="0" b="0"/>
-        </a:fillRef>
-        <a:effectRef idx="0">
-          <a:scrgbClr r="0" g="0" b="0"/>
-        </a:effectRef>
-        <a:fontRef idx="minor">
-          <a:schemeClr val="lt1"/>
-        </a:fontRef>
-      </dsp:style>
-      <dsp:txBody>
-        <a:bodyPr spcFirstLastPara="0" vert="horz" wrap="square" lIns="68009" tIns="22670" rIns="22670" bIns="22670" numCol="1" spcCol="1270" anchor="ctr" anchorCtr="0">
-          <a:noAutofit/>
-        </a:bodyPr>
-        <a:lstStyle/>
-        <a:p>
-          <a:pPr lvl="0" algn="ctr" defTabSz="755650">
-            <a:lnSpc>
-              <a:spcPct val="90000"/>
-            </a:lnSpc>
-            <a:spcBef>
-              <a:spcPct val="0"/>
-            </a:spcBef>
-            <a:spcAft>
-              <a:spcPct val="35000"/>
-            </a:spcAft>
-          </a:pPr>
-          <a:r>
-            <a:rPr lang="fr-FR" sz="1700" kern="1200" dirty="0" smtClean="0"/>
-            <a:t>Introduction</a:t>
-          </a:r>
-          <a:endParaRPr lang="fr-FR" sz="1700" kern="1200" dirty="0"/>
-        </a:p>
-      </dsp:txBody>
-      <dsp:txXfrm>
-        <a:off x="148263" y="0"/>
-        <a:ext cx="2248505" cy="290820"/>
-      </dsp:txXfrm>
-    </dsp:sp>
-    <dsp:sp modelId="{1AA5F17D-B47A-4297-B5BB-8C6B99E6C5DA}">
-      <dsp:nvSpPr>
-        <dsp:cNvPr id="0" name=""/>
-        <dsp:cNvSpPr/>
-      </dsp:nvSpPr>
-      <dsp:spPr>
-        <a:xfrm>
-          <a:off x="2264472" y="0"/>
-          <a:ext cx="2539325" cy="290820"/>
-        </a:xfrm>
-        <a:prstGeom prst="chevron">
-          <a:avLst/>
-        </a:prstGeom>
-        <a:solidFill>
-          <a:schemeClr val="accent1">
-            <a:hueOff val="0"/>
-            <a:satOff val="0"/>
-            <a:lumOff val="0"/>
-            <a:alphaOff val="0"/>
-          </a:schemeClr>
-        </a:solidFill>
-        <a:ln w="15875" cap="rnd" cmpd="sng" algn="ctr">
-          <a:solidFill>
-            <a:schemeClr val="lt1">
-              <a:hueOff val="0"/>
-              <a:satOff val="0"/>
-              <a:lumOff val="0"/>
-              <a:alphaOff val="0"/>
-            </a:schemeClr>
-          </a:solidFill>
-          <a:prstDash val="solid"/>
-        </a:ln>
-        <a:effectLst/>
-      </dsp:spPr>
-      <dsp:style>
-        <a:lnRef idx="2">
-          <a:scrgbClr r="0" g="0" b="0"/>
-        </a:lnRef>
-        <a:fillRef idx="1">
-          <a:scrgbClr r="0" g="0" b="0"/>
-        </a:fillRef>
-        <a:effectRef idx="0">
-          <a:scrgbClr r="0" g="0" b="0"/>
-        </a:effectRef>
-        <a:fontRef idx="minor">
-          <a:schemeClr val="lt1"/>
-        </a:fontRef>
-      </dsp:style>
-      <dsp:txBody>
-        <a:bodyPr spcFirstLastPara="0" vert="horz" wrap="square" lIns="68009" tIns="22670" rIns="22670" bIns="22670" numCol="1" spcCol="1270" anchor="ctr" anchorCtr="0">
-          <a:noAutofit/>
-        </a:bodyPr>
-        <a:lstStyle/>
-        <a:p>
-          <a:pPr lvl="0" algn="ctr" defTabSz="755650">
-            <a:lnSpc>
-              <a:spcPct val="90000"/>
-            </a:lnSpc>
-            <a:spcBef>
-              <a:spcPct val="0"/>
-            </a:spcBef>
-            <a:spcAft>
-              <a:spcPct val="35000"/>
-            </a:spcAft>
-          </a:pPr>
-          <a:r>
-            <a:rPr lang="fr-FR" sz="1700" kern="1200" dirty="0" smtClean="0"/>
-            <a:t>Analyse et prévision</a:t>
-          </a:r>
-          <a:endParaRPr lang="fr-FR" sz="1700" kern="1200" dirty="0"/>
-        </a:p>
-      </dsp:txBody>
-      <dsp:txXfrm>
-        <a:off x="2409882" y="0"/>
-        <a:ext cx="2248505" cy="290820"/>
-      </dsp:txXfrm>
-    </dsp:sp>
-    <dsp:sp modelId="{624C66D0-AA35-4C2D-8400-996503DFD2AE}">
-      <dsp:nvSpPr>
-        <dsp:cNvPr id="0" name=""/>
-        <dsp:cNvSpPr/>
-      </dsp:nvSpPr>
-      <dsp:spPr>
-        <a:xfrm>
-          <a:off x="4573638" y="0"/>
-          <a:ext cx="2539325" cy="290820"/>
-        </a:xfrm>
-        <a:prstGeom prst="chevron">
-          <a:avLst/>
-        </a:prstGeom>
-        <a:solidFill>
-          <a:srgbClr val="FF0000"/>
-        </a:solidFill>
-        <a:ln w="15875" cap="rnd" cmpd="sng" algn="ctr">
-          <a:solidFill>
-            <a:schemeClr val="lt1">
-              <a:hueOff val="0"/>
-              <a:satOff val="0"/>
-              <a:lumOff val="0"/>
-              <a:alphaOff val="0"/>
-            </a:schemeClr>
-          </a:solidFill>
-          <a:prstDash val="solid"/>
-        </a:ln>
-        <a:effectLst/>
-      </dsp:spPr>
-      <dsp:style>
-        <a:lnRef idx="2">
-          <a:scrgbClr r="0" g="0" b="0"/>
-        </a:lnRef>
-        <a:fillRef idx="1">
-          <a:scrgbClr r="0" g="0" b="0"/>
-        </a:fillRef>
-        <a:effectRef idx="0">
-          <a:scrgbClr r="0" g="0" b="0"/>
-        </a:effectRef>
-        <a:fontRef idx="minor">
-          <a:schemeClr val="lt1"/>
-        </a:fontRef>
-      </dsp:style>
-      <dsp:txBody>
-        <a:bodyPr spcFirstLastPara="0" vert="horz" wrap="square" lIns="68009" tIns="22670" rIns="22670" bIns="22670" numCol="1" spcCol="1270" anchor="ctr" anchorCtr="0">
-          <a:noAutofit/>
-        </a:bodyPr>
-        <a:lstStyle/>
-        <a:p>
-          <a:pPr lvl="0" algn="ctr" defTabSz="755650">
-            <a:lnSpc>
-              <a:spcPct val="90000"/>
-            </a:lnSpc>
-            <a:spcBef>
-              <a:spcPct val="0"/>
-            </a:spcBef>
-            <a:spcAft>
-              <a:spcPct val="35000"/>
-            </a:spcAft>
-          </a:pPr>
-          <a:r>
-            <a:rPr lang="fr-FR" sz="1700" kern="1200" dirty="0" smtClean="0"/>
-            <a:t>Solutions techniques</a:t>
-          </a:r>
-          <a:endParaRPr lang="fr-FR" sz="1700" kern="1200" dirty="0"/>
-        </a:p>
-      </dsp:txBody>
-      <dsp:txXfrm>
-        <a:off x="4719048" y="0"/>
-        <a:ext cx="2248505" cy="290820"/>
-      </dsp:txXfrm>
-    </dsp:sp>
-    <dsp:sp modelId="{DF757741-D2C4-47CD-B81F-0494B81FB4EA}">
-      <dsp:nvSpPr>
-        <dsp:cNvPr id="0" name=""/>
-        <dsp:cNvSpPr/>
-      </dsp:nvSpPr>
-      <dsp:spPr>
-        <a:xfrm>
-          <a:off x="6859031" y="0"/>
-          <a:ext cx="2539325" cy="290820"/>
-        </a:xfrm>
-        <a:prstGeom prst="chevron">
-          <a:avLst/>
-        </a:prstGeom>
-        <a:solidFill>
-          <a:schemeClr val="accent1">
-            <a:hueOff val="0"/>
-            <a:satOff val="0"/>
-            <a:lumOff val="0"/>
-            <a:alphaOff val="0"/>
-          </a:schemeClr>
-        </a:solidFill>
-        <a:ln w="15875" cap="rnd" cmpd="sng" algn="ctr">
-          <a:solidFill>
-            <a:schemeClr val="lt1">
-              <a:hueOff val="0"/>
-              <a:satOff val="0"/>
-              <a:lumOff val="0"/>
-              <a:alphaOff val="0"/>
-            </a:schemeClr>
-          </a:solidFill>
-          <a:prstDash val="solid"/>
-        </a:ln>
-        <a:effectLst/>
-      </dsp:spPr>
-      <dsp:style>
-        <a:lnRef idx="2">
-          <a:scrgbClr r="0" g="0" b="0"/>
-        </a:lnRef>
-        <a:fillRef idx="1">
-          <a:scrgbClr r="0" g="0" b="0"/>
-        </a:fillRef>
-        <a:effectRef idx="0">
-          <a:scrgbClr r="0" g="0" b="0"/>
-        </a:effectRef>
-        <a:fontRef idx="minor">
-          <a:schemeClr val="lt1"/>
-        </a:fontRef>
-      </dsp:style>
-      <dsp:txBody>
-        <a:bodyPr spcFirstLastPara="0" vert="horz" wrap="square" lIns="68009" tIns="22670" rIns="22670" bIns="22670" numCol="1" spcCol="1270" anchor="ctr" anchorCtr="0">
-          <a:noAutofit/>
-        </a:bodyPr>
-        <a:lstStyle/>
-        <a:p>
-          <a:pPr lvl="0" algn="ctr" defTabSz="755650">
-            <a:lnSpc>
-              <a:spcPct val="90000"/>
-            </a:lnSpc>
-            <a:spcBef>
-              <a:spcPct val="0"/>
-            </a:spcBef>
-            <a:spcAft>
-              <a:spcPct val="35000"/>
-            </a:spcAft>
-          </a:pPr>
-          <a:r>
-            <a:rPr lang="fr-FR" sz="1700" kern="1200" dirty="0" smtClean="0"/>
-            <a:t>Bilan</a:t>
-          </a:r>
-          <a:endParaRPr lang="fr-FR" sz="1700" kern="1200" dirty="0"/>
-        </a:p>
-      </dsp:txBody>
-      <dsp:txXfrm>
-        <a:off x="7004441" y="0"/>
-        <a:ext cx="2248505" cy="290820"/>
-      </dsp:txXfrm>
-    </dsp:sp>
-    <dsp:sp modelId="{1137F16A-3FBD-40A3-8437-7FEA55E131EF}">
-      <dsp:nvSpPr>
-        <dsp:cNvPr id="0" name=""/>
-        <dsp:cNvSpPr/>
-      </dsp:nvSpPr>
-      <dsp:spPr>
-        <a:xfrm>
-          <a:off x="9147276" y="0"/>
-          <a:ext cx="2539325" cy="290820"/>
-        </a:xfrm>
-        <a:prstGeom prst="chevron">
-          <a:avLst/>
-        </a:prstGeom>
-        <a:solidFill>
-          <a:schemeClr val="accent1">
-            <a:hueOff val="0"/>
-            <a:satOff val="0"/>
-            <a:lumOff val="0"/>
-            <a:alphaOff val="0"/>
-          </a:schemeClr>
-        </a:solidFill>
-        <a:ln w="15875" cap="rnd" cmpd="sng" algn="ctr">
-          <a:solidFill>
-            <a:schemeClr val="lt1">
-              <a:hueOff val="0"/>
-              <a:satOff val="0"/>
-              <a:lumOff val="0"/>
-              <a:alphaOff val="0"/>
-            </a:schemeClr>
-          </a:solidFill>
-          <a:prstDash val="solid"/>
-        </a:ln>
-        <a:effectLst/>
-      </dsp:spPr>
-      <dsp:style>
-        <a:lnRef idx="2">
-          <a:scrgbClr r="0" g="0" b="0"/>
-        </a:lnRef>
-        <a:fillRef idx="1">
-          <a:scrgbClr r="0" g="0" b="0"/>
-        </a:fillRef>
-        <a:effectRef idx="0">
-          <a:scrgbClr r="0" g="0" b="0"/>
-        </a:effectRef>
-        <a:fontRef idx="minor">
-          <a:schemeClr val="lt1"/>
-        </a:fontRef>
-      </dsp:style>
-      <dsp:txBody>
-        <a:bodyPr spcFirstLastPara="0" vert="horz" wrap="square" lIns="68009" tIns="22670" rIns="22670" bIns="22670" numCol="1" spcCol="1270" anchor="ctr" anchorCtr="0">
-          <a:noAutofit/>
-        </a:bodyPr>
-        <a:lstStyle/>
-        <a:p>
-          <a:pPr lvl="0" algn="ctr" defTabSz="755650">
-            <a:lnSpc>
-              <a:spcPct val="90000"/>
-            </a:lnSpc>
-            <a:spcBef>
-              <a:spcPct val="0"/>
-            </a:spcBef>
-            <a:spcAft>
-              <a:spcPct val="35000"/>
-            </a:spcAft>
-          </a:pPr>
-          <a:r>
-            <a:rPr lang="fr-FR" sz="1700" kern="1200" dirty="0" smtClean="0"/>
-            <a:t>Conclusion</a:t>
-          </a:r>
-          <a:endParaRPr lang="fr-FR" sz="1700" kern="1200" dirty="0"/>
-        </a:p>
-      </dsp:txBody>
-      <dsp:txXfrm>
-        <a:off x="9292686" y="0"/>
-        <a:ext cx="2248505" cy="290820"/>
-      </dsp:txXfrm>
-    </dsp:sp>
   </dsp:spTree>
 </dsp:drawing>
 </file>
@@ -15908,381 +15157,6 @@
       <dsp:cNvGrpSpPr/>
     </dsp:nvGrpSpPr>
     <dsp:grpSpPr/>
-    <dsp:sp modelId="{1F6056EB-C534-4970-B58E-AD722CC6900E}">
-      <dsp:nvSpPr>
-        <dsp:cNvPr id="0" name=""/>
-        <dsp:cNvSpPr/>
-      </dsp:nvSpPr>
-      <dsp:spPr>
-        <a:xfrm>
-          <a:off x="2853" y="0"/>
-          <a:ext cx="2539325" cy="290820"/>
-        </a:xfrm>
-        <a:prstGeom prst="chevron">
-          <a:avLst/>
-        </a:prstGeom>
-        <a:solidFill>
-          <a:schemeClr val="accent1"/>
-        </a:solidFill>
-        <a:ln w="15875" cap="rnd" cmpd="sng" algn="ctr">
-          <a:solidFill>
-            <a:schemeClr val="lt1">
-              <a:hueOff val="0"/>
-              <a:satOff val="0"/>
-              <a:lumOff val="0"/>
-              <a:alphaOff val="0"/>
-            </a:schemeClr>
-          </a:solidFill>
-          <a:prstDash val="solid"/>
-        </a:ln>
-        <a:effectLst/>
-      </dsp:spPr>
-      <dsp:style>
-        <a:lnRef idx="2">
-          <a:scrgbClr r="0" g="0" b="0"/>
-        </a:lnRef>
-        <a:fillRef idx="1">
-          <a:scrgbClr r="0" g="0" b="0"/>
-        </a:fillRef>
-        <a:effectRef idx="0">
-          <a:scrgbClr r="0" g="0" b="0"/>
-        </a:effectRef>
-        <a:fontRef idx="minor">
-          <a:schemeClr val="lt1"/>
-        </a:fontRef>
-      </dsp:style>
-      <dsp:txBody>
-        <a:bodyPr spcFirstLastPara="0" vert="horz" wrap="square" lIns="68009" tIns="22670" rIns="22670" bIns="22670" numCol="1" spcCol="1270" anchor="ctr" anchorCtr="0">
-          <a:noAutofit/>
-        </a:bodyPr>
-        <a:lstStyle/>
-        <a:p>
-          <a:pPr lvl="0" algn="ctr" defTabSz="755650">
-            <a:lnSpc>
-              <a:spcPct val="90000"/>
-            </a:lnSpc>
-            <a:spcBef>
-              <a:spcPct val="0"/>
-            </a:spcBef>
-            <a:spcAft>
-              <a:spcPct val="35000"/>
-            </a:spcAft>
-          </a:pPr>
-          <a:r>
-            <a:rPr lang="fr-FR" sz="1700" kern="1200" dirty="0" smtClean="0"/>
-            <a:t>Introduction</a:t>
-          </a:r>
-          <a:endParaRPr lang="fr-FR" sz="1700" kern="1200" dirty="0"/>
-        </a:p>
-      </dsp:txBody>
-      <dsp:txXfrm>
-        <a:off x="148263" y="0"/>
-        <a:ext cx="2248505" cy="290820"/>
-      </dsp:txXfrm>
-    </dsp:sp>
-    <dsp:sp modelId="{1AA5F17D-B47A-4297-B5BB-8C6B99E6C5DA}">
-      <dsp:nvSpPr>
-        <dsp:cNvPr id="0" name=""/>
-        <dsp:cNvSpPr/>
-      </dsp:nvSpPr>
-      <dsp:spPr>
-        <a:xfrm>
-          <a:off x="2264472" y="0"/>
-          <a:ext cx="2539325" cy="290820"/>
-        </a:xfrm>
-        <a:prstGeom prst="chevron">
-          <a:avLst/>
-        </a:prstGeom>
-        <a:solidFill>
-          <a:schemeClr val="accent1">
-            <a:hueOff val="0"/>
-            <a:satOff val="0"/>
-            <a:lumOff val="0"/>
-            <a:alphaOff val="0"/>
-          </a:schemeClr>
-        </a:solidFill>
-        <a:ln w="15875" cap="rnd" cmpd="sng" algn="ctr">
-          <a:solidFill>
-            <a:schemeClr val="lt1">
-              <a:hueOff val="0"/>
-              <a:satOff val="0"/>
-              <a:lumOff val="0"/>
-              <a:alphaOff val="0"/>
-            </a:schemeClr>
-          </a:solidFill>
-          <a:prstDash val="solid"/>
-        </a:ln>
-        <a:effectLst/>
-      </dsp:spPr>
-      <dsp:style>
-        <a:lnRef idx="2">
-          <a:scrgbClr r="0" g="0" b="0"/>
-        </a:lnRef>
-        <a:fillRef idx="1">
-          <a:scrgbClr r="0" g="0" b="0"/>
-        </a:fillRef>
-        <a:effectRef idx="0">
-          <a:scrgbClr r="0" g="0" b="0"/>
-        </a:effectRef>
-        <a:fontRef idx="minor">
-          <a:schemeClr val="lt1"/>
-        </a:fontRef>
-      </dsp:style>
-      <dsp:txBody>
-        <a:bodyPr spcFirstLastPara="0" vert="horz" wrap="square" lIns="68009" tIns="22670" rIns="22670" bIns="22670" numCol="1" spcCol="1270" anchor="ctr" anchorCtr="0">
-          <a:noAutofit/>
-        </a:bodyPr>
-        <a:lstStyle/>
-        <a:p>
-          <a:pPr lvl="0" algn="ctr" defTabSz="755650">
-            <a:lnSpc>
-              <a:spcPct val="90000"/>
-            </a:lnSpc>
-            <a:spcBef>
-              <a:spcPct val="0"/>
-            </a:spcBef>
-            <a:spcAft>
-              <a:spcPct val="35000"/>
-            </a:spcAft>
-          </a:pPr>
-          <a:r>
-            <a:rPr lang="fr-FR" sz="1700" kern="1200" dirty="0" smtClean="0"/>
-            <a:t>Analyse et prévision</a:t>
-          </a:r>
-          <a:endParaRPr lang="fr-FR" sz="1700" kern="1200" dirty="0"/>
-        </a:p>
-      </dsp:txBody>
-      <dsp:txXfrm>
-        <a:off x="2409882" y="0"/>
-        <a:ext cx="2248505" cy="290820"/>
-      </dsp:txXfrm>
-    </dsp:sp>
-    <dsp:sp modelId="{624C66D0-AA35-4C2D-8400-996503DFD2AE}">
-      <dsp:nvSpPr>
-        <dsp:cNvPr id="0" name=""/>
-        <dsp:cNvSpPr/>
-      </dsp:nvSpPr>
-      <dsp:spPr>
-        <a:xfrm>
-          <a:off x="4573638" y="0"/>
-          <a:ext cx="2539325" cy="290820"/>
-        </a:xfrm>
-        <a:prstGeom prst="chevron">
-          <a:avLst/>
-        </a:prstGeom>
-        <a:solidFill>
-          <a:srgbClr val="FF0000"/>
-        </a:solidFill>
-        <a:ln w="15875" cap="rnd" cmpd="sng" algn="ctr">
-          <a:solidFill>
-            <a:schemeClr val="lt1">
-              <a:hueOff val="0"/>
-              <a:satOff val="0"/>
-              <a:lumOff val="0"/>
-              <a:alphaOff val="0"/>
-            </a:schemeClr>
-          </a:solidFill>
-          <a:prstDash val="solid"/>
-        </a:ln>
-        <a:effectLst/>
-      </dsp:spPr>
-      <dsp:style>
-        <a:lnRef idx="2">
-          <a:scrgbClr r="0" g="0" b="0"/>
-        </a:lnRef>
-        <a:fillRef idx="1">
-          <a:scrgbClr r="0" g="0" b="0"/>
-        </a:fillRef>
-        <a:effectRef idx="0">
-          <a:scrgbClr r="0" g="0" b="0"/>
-        </a:effectRef>
-        <a:fontRef idx="minor">
-          <a:schemeClr val="lt1"/>
-        </a:fontRef>
-      </dsp:style>
-      <dsp:txBody>
-        <a:bodyPr spcFirstLastPara="0" vert="horz" wrap="square" lIns="68009" tIns="22670" rIns="22670" bIns="22670" numCol="1" spcCol="1270" anchor="ctr" anchorCtr="0">
-          <a:noAutofit/>
-        </a:bodyPr>
-        <a:lstStyle/>
-        <a:p>
-          <a:pPr lvl="0" algn="ctr" defTabSz="755650">
-            <a:lnSpc>
-              <a:spcPct val="90000"/>
-            </a:lnSpc>
-            <a:spcBef>
-              <a:spcPct val="0"/>
-            </a:spcBef>
-            <a:spcAft>
-              <a:spcPct val="35000"/>
-            </a:spcAft>
-          </a:pPr>
-          <a:r>
-            <a:rPr lang="fr-FR" sz="1700" kern="1200" dirty="0" smtClean="0"/>
-            <a:t>Solutions techniques</a:t>
-          </a:r>
-          <a:endParaRPr lang="fr-FR" sz="1700" kern="1200" dirty="0"/>
-        </a:p>
-      </dsp:txBody>
-      <dsp:txXfrm>
-        <a:off x="4719048" y="0"/>
-        <a:ext cx="2248505" cy="290820"/>
-      </dsp:txXfrm>
-    </dsp:sp>
-    <dsp:sp modelId="{DF757741-D2C4-47CD-B81F-0494B81FB4EA}">
-      <dsp:nvSpPr>
-        <dsp:cNvPr id="0" name=""/>
-        <dsp:cNvSpPr/>
-      </dsp:nvSpPr>
-      <dsp:spPr>
-        <a:xfrm>
-          <a:off x="6859031" y="0"/>
-          <a:ext cx="2539325" cy="290820"/>
-        </a:xfrm>
-        <a:prstGeom prst="chevron">
-          <a:avLst/>
-        </a:prstGeom>
-        <a:solidFill>
-          <a:schemeClr val="accent1">
-            <a:hueOff val="0"/>
-            <a:satOff val="0"/>
-            <a:lumOff val="0"/>
-            <a:alphaOff val="0"/>
-          </a:schemeClr>
-        </a:solidFill>
-        <a:ln w="15875" cap="rnd" cmpd="sng" algn="ctr">
-          <a:solidFill>
-            <a:schemeClr val="lt1">
-              <a:hueOff val="0"/>
-              <a:satOff val="0"/>
-              <a:lumOff val="0"/>
-              <a:alphaOff val="0"/>
-            </a:schemeClr>
-          </a:solidFill>
-          <a:prstDash val="solid"/>
-        </a:ln>
-        <a:effectLst/>
-      </dsp:spPr>
-      <dsp:style>
-        <a:lnRef idx="2">
-          <a:scrgbClr r="0" g="0" b="0"/>
-        </a:lnRef>
-        <a:fillRef idx="1">
-          <a:scrgbClr r="0" g="0" b="0"/>
-        </a:fillRef>
-        <a:effectRef idx="0">
-          <a:scrgbClr r="0" g="0" b="0"/>
-        </a:effectRef>
-        <a:fontRef idx="minor">
-          <a:schemeClr val="lt1"/>
-        </a:fontRef>
-      </dsp:style>
-      <dsp:txBody>
-        <a:bodyPr spcFirstLastPara="0" vert="horz" wrap="square" lIns="68009" tIns="22670" rIns="22670" bIns="22670" numCol="1" spcCol="1270" anchor="ctr" anchorCtr="0">
-          <a:noAutofit/>
-        </a:bodyPr>
-        <a:lstStyle/>
-        <a:p>
-          <a:pPr lvl="0" algn="ctr" defTabSz="755650">
-            <a:lnSpc>
-              <a:spcPct val="90000"/>
-            </a:lnSpc>
-            <a:spcBef>
-              <a:spcPct val="0"/>
-            </a:spcBef>
-            <a:spcAft>
-              <a:spcPct val="35000"/>
-            </a:spcAft>
-          </a:pPr>
-          <a:r>
-            <a:rPr lang="fr-FR" sz="1700" kern="1200" dirty="0" smtClean="0"/>
-            <a:t>Bilan</a:t>
-          </a:r>
-          <a:endParaRPr lang="fr-FR" sz="1700" kern="1200" dirty="0"/>
-        </a:p>
-      </dsp:txBody>
-      <dsp:txXfrm>
-        <a:off x="7004441" y="0"/>
-        <a:ext cx="2248505" cy="290820"/>
-      </dsp:txXfrm>
-    </dsp:sp>
-    <dsp:sp modelId="{1137F16A-3FBD-40A3-8437-7FEA55E131EF}">
-      <dsp:nvSpPr>
-        <dsp:cNvPr id="0" name=""/>
-        <dsp:cNvSpPr/>
-      </dsp:nvSpPr>
-      <dsp:spPr>
-        <a:xfrm>
-          <a:off x="9147276" y="0"/>
-          <a:ext cx="2539325" cy="290820"/>
-        </a:xfrm>
-        <a:prstGeom prst="chevron">
-          <a:avLst/>
-        </a:prstGeom>
-        <a:solidFill>
-          <a:schemeClr val="accent1">
-            <a:hueOff val="0"/>
-            <a:satOff val="0"/>
-            <a:lumOff val="0"/>
-            <a:alphaOff val="0"/>
-          </a:schemeClr>
-        </a:solidFill>
-        <a:ln w="15875" cap="rnd" cmpd="sng" algn="ctr">
-          <a:solidFill>
-            <a:schemeClr val="lt1">
-              <a:hueOff val="0"/>
-              <a:satOff val="0"/>
-              <a:lumOff val="0"/>
-              <a:alphaOff val="0"/>
-            </a:schemeClr>
-          </a:solidFill>
-          <a:prstDash val="solid"/>
-        </a:ln>
-        <a:effectLst/>
-      </dsp:spPr>
-      <dsp:style>
-        <a:lnRef idx="2">
-          <a:scrgbClr r="0" g="0" b="0"/>
-        </a:lnRef>
-        <a:fillRef idx="1">
-          <a:scrgbClr r="0" g="0" b="0"/>
-        </a:fillRef>
-        <a:effectRef idx="0">
-          <a:scrgbClr r="0" g="0" b="0"/>
-        </a:effectRef>
-        <a:fontRef idx="minor">
-          <a:schemeClr val="lt1"/>
-        </a:fontRef>
-      </dsp:style>
-      <dsp:txBody>
-        <a:bodyPr spcFirstLastPara="0" vert="horz" wrap="square" lIns="68009" tIns="22670" rIns="22670" bIns="22670" numCol="1" spcCol="1270" anchor="ctr" anchorCtr="0">
-          <a:noAutofit/>
-        </a:bodyPr>
-        <a:lstStyle/>
-        <a:p>
-          <a:pPr lvl="0" algn="ctr" defTabSz="755650">
-            <a:lnSpc>
-              <a:spcPct val="90000"/>
-            </a:lnSpc>
-            <a:spcBef>
-              <a:spcPct val="0"/>
-            </a:spcBef>
-            <a:spcAft>
-              <a:spcPct val="35000"/>
-            </a:spcAft>
-          </a:pPr>
-          <a:r>
-            <a:rPr lang="fr-FR" sz="1700" kern="1200" dirty="0" smtClean="0"/>
-            <a:t>Conclusion</a:t>
-          </a:r>
-          <a:endParaRPr lang="fr-FR" sz="1700" kern="1200" dirty="0"/>
-        </a:p>
-      </dsp:txBody>
-      <dsp:txXfrm>
-        <a:off x="9292686" y="0"/>
-        <a:ext cx="2248505" cy="290820"/>
-      </dsp:txXfrm>
-    </dsp:sp>
   </dsp:spTree>
 </dsp:drawing>
 </file>
@@ -16295,381 +15169,6 @@
       <dsp:cNvGrpSpPr/>
     </dsp:nvGrpSpPr>
     <dsp:grpSpPr/>
-    <dsp:sp modelId="{1F6056EB-C534-4970-B58E-AD722CC6900E}">
-      <dsp:nvSpPr>
-        <dsp:cNvPr id="0" name=""/>
-        <dsp:cNvSpPr/>
-      </dsp:nvSpPr>
-      <dsp:spPr>
-        <a:xfrm>
-          <a:off x="2853" y="0"/>
-          <a:ext cx="2539325" cy="290820"/>
-        </a:xfrm>
-        <a:prstGeom prst="chevron">
-          <a:avLst/>
-        </a:prstGeom>
-        <a:solidFill>
-          <a:schemeClr val="accent1"/>
-        </a:solidFill>
-        <a:ln w="15875" cap="rnd" cmpd="sng" algn="ctr">
-          <a:solidFill>
-            <a:schemeClr val="lt1">
-              <a:hueOff val="0"/>
-              <a:satOff val="0"/>
-              <a:lumOff val="0"/>
-              <a:alphaOff val="0"/>
-            </a:schemeClr>
-          </a:solidFill>
-          <a:prstDash val="solid"/>
-        </a:ln>
-        <a:effectLst/>
-      </dsp:spPr>
-      <dsp:style>
-        <a:lnRef idx="2">
-          <a:scrgbClr r="0" g="0" b="0"/>
-        </a:lnRef>
-        <a:fillRef idx="1">
-          <a:scrgbClr r="0" g="0" b="0"/>
-        </a:fillRef>
-        <a:effectRef idx="0">
-          <a:scrgbClr r="0" g="0" b="0"/>
-        </a:effectRef>
-        <a:fontRef idx="minor">
-          <a:schemeClr val="lt1"/>
-        </a:fontRef>
-      </dsp:style>
-      <dsp:txBody>
-        <a:bodyPr spcFirstLastPara="0" vert="horz" wrap="square" lIns="68009" tIns="22670" rIns="22670" bIns="22670" numCol="1" spcCol="1270" anchor="ctr" anchorCtr="0">
-          <a:noAutofit/>
-        </a:bodyPr>
-        <a:lstStyle/>
-        <a:p>
-          <a:pPr lvl="0" algn="ctr" defTabSz="755650">
-            <a:lnSpc>
-              <a:spcPct val="90000"/>
-            </a:lnSpc>
-            <a:spcBef>
-              <a:spcPct val="0"/>
-            </a:spcBef>
-            <a:spcAft>
-              <a:spcPct val="35000"/>
-            </a:spcAft>
-          </a:pPr>
-          <a:r>
-            <a:rPr lang="fr-FR" sz="1700" kern="1200" dirty="0" smtClean="0"/>
-            <a:t>Introduction</a:t>
-          </a:r>
-          <a:endParaRPr lang="fr-FR" sz="1700" kern="1200" dirty="0"/>
-        </a:p>
-      </dsp:txBody>
-      <dsp:txXfrm>
-        <a:off x="148263" y="0"/>
-        <a:ext cx="2248505" cy="290820"/>
-      </dsp:txXfrm>
-    </dsp:sp>
-    <dsp:sp modelId="{1AA5F17D-B47A-4297-B5BB-8C6B99E6C5DA}">
-      <dsp:nvSpPr>
-        <dsp:cNvPr id="0" name=""/>
-        <dsp:cNvSpPr/>
-      </dsp:nvSpPr>
-      <dsp:spPr>
-        <a:xfrm>
-          <a:off x="2264472" y="0"/>
-          <a:ext cx="2539325" cy="290820"/>
-        </a:xfrm>
-        <a:prstGeom prst="chevron">
-          <a:avLst/>
-        </a:prstGeom>
-        <a:solidFill>
-          <a:schemeClr val="accent1">
-            <a:hueOff val="0"/>
-            <a:satOff val="0"/>
-            <a:lumOff val="0"/>
-            <a:alphaOff val="0"/>
-          </a:schemeClr>
-        </a:solidFill>
-        <a:ln w="15875" cap="rnd" cmpd="sng" algn="ctr">
-          <a:solidFill>
-            <a:schemeClr val="lt1">
-              <a:hueOff val="0"/>
-              <a:satOff val="0"/>
-              <a:lumOff val="0"/>
-              <a:alphaOff val="0"/>
-            </a:schemeClr>
-          </a:solidFill>
-          <a:prstDash val="solid"/>
-        </a:ln>
-        <a:effectLst/>
-      </dsp:spPr>
-      <dsp:style>
-        <a:lnRef idx="2">
-          <a:scrgbClr r="0" g="0" b="0"/>
-        </a:lnRef>
-        <a:fillRef idx="1">
-          <a:scrgbClr r="0" g="0" b="0"/>
-        </a:fillRef>
-        <a:effectRef idx="0">
-          <a:scrgbClr r="0" g="0" b="0"/>
-        </a:effectRef>
-        <a:fontRef idx="minor">
-          <a:schemeClr val="lt1"/>
-        </a:fontRef>
-      </dsp:style>
-      <dsp:txBody>
-        <a:bodyPr spcFirstLastPara="0" vert="horz" wrap="square" lIns="68009" tIns="22670" rIns="22670" bIns="22670" numCol="1" spcCol="1270" anchor="ctr" anchorCtr="0">
-          <a:noAutofit/>
-        </a:bodyPr>
-        <a:lstStyle/>
-        <a:p>
-          <a:pPr lvl="0" algn="ctr" defTabSz="755650">
-            <a:lnSpc>
-              <a:spcPct val="90000"/>
-            </a:lnSpc>
-            <a:spcBef>
-              <a:spcPct val="0"/>
-            </a:spcBef>
-            <a:spcAft>
-              <a:spcPct val="35000"/>
-            </a:spcAft>
-          </a:pPr>
-          <a:r>
-            <a:rPr lang="fr-FR" sz="1700" kern="1200" dirty="0" smtClean="0"/>
-            <a:t>Analyse et prévision</a:t>
-          </a:r>
-          <a:endParaRPr lang="fr-FR" sz="1700" kern="1200" dirty="0"/>
-        </a:p>
-      </dsp:txBody>
-      <dsp:txXfrm>
-        <a:off x="2409882" y="0"/>
-        <a:ext cx="2248505" cy="290820"/>
-      </dsp:txXfrm>
-    </dsp:sp>
-    <dsp:sp modelId="{624C66D0-AA35-4C2D-8400-996503DFD2AE}">
-      <dsp:nvSpPr>
-        <dsp:cNvPr id="0" name=""/>
-        <dsp:cNvSpPr/>
-      </dsp:nvSpPr>
-      <dsp:spPr>
-        <a:xfrm>
-          <a:off x="4573638" y="0"/>
-          <a:ext cx="2539325" cy="290820"/>
-        </a:xfrm>
-        <a:prstGeom prst="chevron">
-          <a:avLst/>
-        </a:prstGeom>
-        <a:solidFill>
-          <a:srgbClr val="FF0000"/>
-        </a:solidFill>
-        <a:ln w="15875" cap="rnd" cmpd="sng" algn="ctr">
-          <a:solidFill>
-            <a:schemeClr val="lt1">
-              <a:hueOff val="0"/>
-              <a:satOff val="0"/>
-              <a:lumOff val="0"/>
-              <a:alphaOff val="0"/>
-            </a:schemeClr>
-          </a:solidFill>
-          <a:prstDash val="solid"/>
-        </a:ln>
-        <a:effectLst/>
-      </dsp:spPr>
-      <dsp:style>
-        <a:lnRef idx="2">
-          <a:scrgbClr r="0" g="0" b="0"/>
-        </a:lnRef>
-        <a:fillRef idx="1">
-          <a:scrgbClr r="0" g="0" b="0"/>
-        </a:fillRef>
-        <a:effectRef idx="0">
-          <a:scrgbClr r="0" g="0" b="0"/>
-        </a:effectRef>
-        <a:fontRef idx="minor">
-          <a:schemeClr val="lt1"/>
-        </a:fontRef>
-      </dsp:style>
-      <dsp:txBody>
-        <a:bodyPr spcFirstLastPara="0" vert="horz" wrap="square" lIns="68009" tIns="22670" rIns="22670" bIns="22670" numCol="1" spcCol="1270" anchor="ctr" anchorCtr="0">
-          <a:noAutofit/>
-        </a:bodyPr>
-        <a:lstStyle/>
-        <a:p>
-          <a:pPr lvl="0" algn="ctr" defTabSz="755650">
-            <a:lnSpc>
-              <a:spcPct val="90000"/>
-            </a:lnSpc>
-            <a:spcBef>
-              <a:spcPct val="0"/>
-            </a:spcBef>
-            <a:spcAft>
-              <a:spcPct val="35000"/>
-            </a:spcAft>
-          </a:pPr>
-          <a:r>
-            <a:rPr lang="fr-FR" sz="1700" kern="1200" dirty="0" smtClean="0"/>
-            <a:t>Solutions techniques</a:t>
-          </a:r>
-          <a:endParaRPr lang="fr-FR" sz="1700" kern="1200" dirty="0"/>
-        </a:p>
-      </dsp:txBody>
-      <dsp:txXfrm>
-        <a:off x="4719048" y="0"/>
-        <a:ext cx="2248505" cy="290820"/>
-      </dsp:txXfrm>
-    </dsp:sp>
-    <dsp:sp modelId="{DF757741-D2C4-47CD-B81F-0494B81FB4EA}">
-      <dsp:nvSpPr>
-        <dsp:cNvPr id="0" name=""/>
-        <dsp:cNvSpPr/>
-      </dsp:nvSpPr>
-      <dsp:spPr>
-        <a:xfrm>
-          <a:off x="6859031" y="0"/>
-          <a:ext cx="2539325" cy="290820"/>
-        </a:xfrm>
-        <a:prstGeom prst="chevron">
-          <a:avLst/>
-        </a:prstGeom>
-        <a:solidFill>
-          <a:schemeClr val="accent1">
-            <a:hueOff val="0"/>
-            <a:satOff val="0"/>
-            <a:lumOff val="0"/>
-            <a:alphaOff val="0"/>
-          </a:schemeClr>
-        </a:solidFill>
-        <a:ln w="15875" cap="rnd" cmpd="sng" algn="ctr">
-          <a:solidFill>
-            <a:schemeClr val="lt1">
-              <a:hueOff val="0"/>
-              <a:satOff val="0"/>
-              <a:lumOff val="0"/>
-              <a:alphaOff val="0"/>
-            </a:schemeClr>
-          </a:solidFill>
-          <a:prstDash val="solid"/>
-        </a:ln>
-        <a:effectLst/>
-      </dsp:spPr>
-      <dsp:style>
-        <a:lnRef idx="2">
-          <a:scrgbClr r="0" g="0" b="0"/>
-        </a:lnRef>
-        <a:fillRef idx="1">
-          <a:scrgbClr r="0" g="0" b="0"/>
-        </a:fillRef>
-        <a:effectRef idx="0">
-          <a:scrgbClr r="0" g="0" b="0"/>
-        </a:effectRef>
-        <a:fontRef idx="minor">
-          <a:schemeClr val="lt1"/>
-        </a:fontRef>
-      </dsp:style>
-      <dsp:txBody>
-        <a:bodyPr spcFirstLastPara="0" vert="horz" wrap="square" lIns="68009" tIns="22670" rIns="22670" bIns="22670" numCol="1" spcCol="1270" anchor="ctr" anchorCtr="0">
-          <a:noAutofit/>
-        </a:bodyPr>
-        <a:lstStyle/>
-        <a:p>
-          <a:pPr lvl="0" algn="ctr" defTabSz="755650">
-            <a:lnSpc>
-              <a:spcPct val="90000"/>
-            </a:lnSpc>
-            <a:spcBef>
-              <a:spcPct val="0"/>
-            </a:spcBef>
-            <a:spcAft>
-              <a:spcPct val="35000"/>
-            </a:spcAft>
-          </a:pPr>
-          <a:r>
-            <a:rPr lang="fr-FR" sz="1700" kern="1200" dirty="0" smtClean="0"/>
-            <a:t>Bilan</a:t>
-          </a:r>
-          <a:endParaRPr lang="fr-FR" sz="1700" kern="1200" dirty="0"/>
-        </a:p>
-      </dsp:txBody>
-      <dsp:txXfrm>
-        <a:off x="7004441" y="0"/>
-        <a:ext cx="2248505" cy="290820"/>
-      </dsp:txXfrm>
-    </dsp:sp>
-    <dsp:sp modelId="{1137F16A-3FBD-40A3-8437-7FEA55E131EF}">
-      <dsp:nvSpPr>
-        <dsp:cNvPr id="0" name=""/>
-        <dsp:cNvSpPr/>
-      </dsp:nvSpPr>
-      <dsp:spPr>
-        <a:xfrm>
-          <a:off x="9147276" y="0"/>
-          <a:ext cx="2539325" cy="290820"/>
-        </a:xfrm>
-        <a:prstGeom prst="chevron">
-          <a:avLst/>
-        </a:prstGeom>
-        <a:solidFill>
-          <a:schemeClr val="accent1">
-            <a:hueOff val="0"/>
-            <a:satOff val="0"/>
-            <a:lumOff val="0"/>
-            <a:alphaOff val="0"/>
-          </a:schemeClr>
-        </a:solidFill>
-        <a:ln w="15875" cap="rnd" cmpd="sng" algn="ctr">
-          <a:solidFill>
-            <a:schemeClr val="lt1">
-              <a:hueOff val="0"/>
-              <a:satOff val="0"/>
-              <a:lumOff val="0"/>
-              <a:alphaOff val="0"/>
-            </a:schemeClr>
-          </a:solidFill>
-          <a:prstDash val="solid"/>
-        </a:ln>
-        <a:effectLst/>
-      </dsp:spPr>
-      <dsp:style>
-        <a:lnRef idx="2">
-          <a:scrgbClr r="0" g="0" b="0"/>
-        </a:lnRef>
-        <a:fillRef idx="1">
-          <a:scrgbClr r="0" g="0" b="0"/>
-        </a:fillRef>
-        <a:effectRef idx="0">
-          <a:scrgbClr r="0" g="0" b="0"/>
-        </a:effectRef>
-        <a:fontRef idx="minor">
-          <a:schemeClr val="lt1"/>
-        </a:fontRef>
-      </dsp:style>
-      <dsp:txBody>
-        <a:bodyPr spcFirstLastPara="0" vert="horz" wrap="square" lIns="68009" tIns="22670" rIns="22670" bIns="22670" numCol="1" spcCol="1270" anchor="ctr" anchorCtr="0">
-          <a:noAutofit/>
-        </a:bodyPr>
-        <a:lstStyle/>
-        <a:p>
-          <a:pPr lvl="0" algn="ctr" defTabSz="755650">
-            <a:lnSpc>
-              <a:spcPct val="90000"/>
-            </a:lnSpc>
-            <a:spcBef>
-              <a:spcPct val="0"/>
-            </a:spcBef>
-            <a:spcAft>
-              <a:spcPct val="35000"/>
-            </a:spcAft>
-          </a:pPr>
-          <a:r>
-            <a:rPr lang="fr-FR" sz="1700" kern="1200" dirty="0" smtClean="0"/>
-            <a:t>Conclusion</a:t>
-          </a:r>
-          <a:endParaRPr lang="fr-FR" sz="1700" kern="1200" dirty="0"/>
-        </a:p>
-      </dsp:txBody>
-      <dsp:txXfrm>
-        <a:off x="9292686" y="0"/>
-        <a:ext cx="2248505" cy="290820"/>
-      </dsp:txXfrm>
-    </dsp:sp>
   </dsp:spTree>
 </dsp:drawing>
 </file>
@@ -16682,381 +15181,6 @@
       <dsp:cNvGrpSpPr/>
     </dsp:nvGrpSpPr>
     <dsp:grpSpPr/>
-    <dsp:sp modelId="{1F6056EB-C534-4970-B58E-AD722CC6900E}">
-      <dsp:nvSpPr>
-        <dsp:cNvPr id="0" name=""/>
-        <dsp:cNvSpPr/>
-      </dsp:nvSpPr>
-      <dsp:spPr>
-        <a:xfrm>
-          <a:off x="2853" y="0"/>
-          <a:ext cx="2539325" cy="290820"/>
-        </a:xfrm>
-        <a:prstGeom prst="chevron">
-          <a:avLst/>
-        </a:prstGeom>
-        <a:solidFill>
-          <a:schemeClr val="accent1"/>
-        </a:solidFill>
-        <a:ln w="15875" cap="rnd" cmpd="sng" algn="ctr">
-          <a:solidFill>
-            <a:schemeClr val="lt1">
-              <a:hueOff val="0"/>
-              <a:satOff val="0"/>
-              <a:lumOff val="0"/>
-              <a:alphaOff val="0"/>
-            </a:schemeClr>
-          </a:solidFill>
-          <a:prstDash val="solid"/>
-        </a:ln>
-        <a:effectLst/>
-      </dsp:spPr>
-      <dsp:style>
-        <a:lnRef idx="2">
-          <a:scrgbClr r="0" g="0" b="0"/>
-        </a:lnRef>
-        <a:fillRef idx="1">
-          <a:scrgbClr r="0" g="0" b="0"/>
-        </a:fillRef>
-        <a:effectRef idx="0">
-          <a:scrgbClr r="0" g="0" b="0"/>
-        </a:effectRef>
-        <a:fontRef idx="minor">
-          <a:schemeClr val="lt1"/>
-        </a:fontRef>
-      </dsp:style>
-      <dsp:txBody>
-        <a:bodyPr spcFirstLastPara="0" vert="horz" wrap="square" lIns="68009" tIns="22670" rIns="22670" bIns="22670" numCol="1" spcCol="1270" anchor="ctr" anchorCtr="0">
-          <a:noAutofit/>
-        </a:bodyPr>
-        <a:lstStyle/>
-        <a:p>
-          <a:pPr lvl="0" algn="ctr" defTabSz="755650">
-            <a:lnSpc>
-              <a:spcPct val="90000"/>
-            </a:lnSpc>
-            <a:spcBef>
-              <a:spcPct val="0"/>
-            </a:spcBef>
-            <a:spcAft>
-              <a:spcPct val="35000"/>
-            </a:spcAft>
-          </a:pPr>
-          <a:r>
-            <a:rPr lang="fr-FR" sz="1700" kern="1200" dirty="0" smtClean="0"/>
-            <a:t>Introduction</a:t>
-          </a:r>
-          <a:endParaRPr lang="fr-FR" sz="1700" kern="1200" dirty="0"/>
-        </a:p>
-      </dsp:txBody>
-      <dsp:txXfrm>
-        <a:off x="148263" y="0"/>
-        <a:ext cx="2248505" cy="290820"/>
-      </dsp:txXfrm>
-    </dsp:sp>
-    <dsp:sp modelId="{1AA5F17D-B47A-4297-B5BB-8C6B99E6C5DA}">
-      <dsp:nvSpPr>
-        <dsp:cNvPr id="0" name=""/>
-        <dsp:cNvSpPr/>
-      </dsp:nvSpPr>
-      <dsp:spPr>
-        <a:xfrm>
-          <a:off x="2264472" y="0"/>
-          <a:ext cx="2539325" cy="290820"/>
-        </a:xfrm>
-        <a:prstGeom prst="chevron">
-          <a:avLst/>
-        </a:prstGeom>
-        <a:solidFill>
-          <a:schemeClr val="accent1">
-            <a:hueOff val="0"/>
-            <a:satOff val="0"/>
-            <a:lumOff val="0"/>
-            <a:alphaOff val="0"/>
-          </a:schemeClr>
-        </a:solidFill>
-        <a:ln w="15875" cap="rnd" cmpd="sng" algn="ctr">
-          <a:solidFill>
-            <a:schemeClr val="lt1">
-              <a:hueOff val="0"/>
-              <a:satOff val="0"/>
-              <a:lumOff val="0"/>
-              <a:alphaOff val="0"/>
-            </a:schemeClr>
-          </a:solidFill>
-          <a:prstDash val="solid"/>
-        </a:ln>
-        <a:effectLst/>
-      </dsp:spPr>
-      <dsp:style>
-        <a:lnRef idx="2">
-          <a:scrgbClr r="0" g="0" b="0"/>
-        </a:lnRef>
-        <a:fillRef idx="1">
-          <a:scrgbClr r="0" g="0" b="0"/>
-        </a:fillRef>
-        <a:effectRef idx="0">
-          <a:scrgbClr r="0" g="0" b="0"/>
-        </a:effectRef>
-        <a:fontRef idx="minor">
-          <a:schemeClr val="lt1"/>
-        </a:fontRef>
-      </dsp:style>
-      <dsp:txBody>
-        <a:bodyPr spcFirstLastPara="0" vert="horz" wrap="square" lIns="68009" tIns="22670" rIns="22670" bIns="22670" numCol="1" spcCol="1270" anchor="ctr" anchorCtr="0">
-          <a:noAutofit/>
-        </a:bodyPr>
-        <a:lstStyle/>
-        <a:p>
-          <a:pPr lvl="0" algn="ctr" defTabSz="755650">
-            <a:lnSpc>
-              <a:spcPct val="90000"/>
-            </a:lnSpc>
-            <a:spcBef>
-              <a:spcPct val="0"/>
-            </a:spcBef>
-            <a:spcAft>
-              <a:spcPct val="35000"/>
-            </a:spcAft>
-          </a:pPr>
-          <a:r>
-            <a:rPr lang="fr-FR" sz="1700" kern="1200" dirty="0" smtClean="0"/>
-            <a:t>Analyse et prévision</a:t>
-          </a:r>
-          <a:endParaRPr lang="fr-FR" sz="1700" kern="1200" dirty="0"/>
-        </a:p>
-      </dsp:txBody>
-      <dsp:txXfrm>
-        <a:off x="2409882" y="0"/>
-        <a:ext cx="2248505" cy="290820"/>
-      </dsp:txXfrm>
-    </dsp:sp>
-    <dsp:sp modelId="{624C66D0-AA35-4C2D-8400-996503DFD2AE}">
-      <dsp:nvSpPr>
-        <dsp:cNvPr id="0" name=""/>
-        <dsp:cNvSpPr/>
-      </dsp:nvSpPr>
-      <dsp:spPr>
-        <a:xfrm>
-          <a:off x="4573638" y="0"/>
-          <a:ext cx="2539325" cy="290820"/>
-        </a:xfrm>
-        <a:prstGeom prst="chevron">
-          <a:avLst/>
-        </a:prstGeom>
-        <a:solidFill>
-          <a:srgbClr val="FF0000"/>
-        </a:solidFill>
-        <a:ln w="15875" cap="rnd" cmpd="sng" algn="ctr">
-          <a:solidFill>
-            <a:schemeClr val="lt1">
-              <a:hueOff val="0"/>
-              <a:satOff val="0"/>
-              <a:lumOff val="0"/>
-              <a:alphaOff val="0"/>
-            </a:schemeClr>
-          </a:solidFill>
-          <a:prstDash val="solid"/>
-        </a:ln>
-        <a:effectLst/>
-      </dsp:spPr>
-      <dsp:style>
-        <a:lnRef idx="2">
-          <a:scrgbClr r="0" g="0" b="0"/>
-        </a:lnRef>
-        <a:fillRef idx="1">
-          <a:scrgbClr r="0" g="0" b="0"/>
-        </a:fillRef>
-        <a:effectRef idx="0">
-          <a:scrgbClr r="0" g="0" b="0"/>
-        </a:effectRef>
-        <a:fontRef idx="minor">
-          <a:schemeClr val="lt1"/>
-        </a:fontRef>
-      </dsp:style>
-      <dsp:txBody>
-        <a:bodyPr spcFirstLastPara="0" vert="horz" wrap="square" lIns="68009" tIns="22670" rIns="22670" bIns="22670" numCol="1" spcCol="1270" anchor="ctr" anchorCtr="0">
-          <a:noAutofit/>
-        </a:bodyPr>
-        <a:lstStyle/>
-        <a:p>
-          <a:pPr lvl="0" algn="ctr" defTabSz="755650">
-            <a:lnSpc>
-              <a:spcPct val="90000"/>
-            </a:lnSpc>
-            <a:spcBef>
-              <a:spcPct val="0"/>
-            </a:spcBef>
-            <a:spcAft>
-              <a:spcPct val="35000"/>
-            </a:spcAft>
-          </a:pPr>
-          <a:r>
-            <a:rPr lang="fr-FR" sz="1700" kern="1200" dirty="0" smtClean="0"/>
-            <a:t>Solutions techniques</a:t>
-          </a:r>
-          <a:endParaRPr lang="fr-FR" sz="1700" kern="1200" dirty="0"/>
-        </a:p>
-      </dsp:txBody>
-      <dsp:txXfrm>
-        <a:off x="4719048" y="0"/>
-        <a:ext cx="2248505" cy="290820"/>
-      </dsp:txXfrm>
-    </dsp:sp>
-    <dsp:sp modelId="{DF757741-D2C4-47CD-B81F-0494B81FB4EA}">
-      <dsp:nvSpPr>
-        <dsp:cNvPr id="0" name=""/>
-        <dsp:cNvSpPr/>
-      </dsp:nvSpPr>
-      <dsp:spPr>
-        <a:xfrm>
-          <a:off x="6859031" y="0"/>
-          <a:ext cx="2539325" cy="290820"/>
-        </a:xfrm>
-        <a:prstGeom prst="chevron">
-          <a:avLst/>
-        </a:prstGeom>
-        <a:solidFill>
-          <a:schemeClr val="accent1">
-            <a:hueOff val="0"/>
-            <a:satOff val="0"/>
-            <a:lumOff val="0"/>
-            <a:alphaOff val="0"/>
-          </a:schemeClr>
-        </a:solidFill>
-        <a:ln w="15875" cap="rnd" cmpd="sng" algn="ctr">
-          <a:solidFill>
-            <a:schemeClr val="lt1">
-              <a:hueOff val="0"/>
-              <a:satOff val="0"/>
-              <a:lumOff val="0"/>
-              <a:alphaOff val="0"/>
-            </a:schemeClr>
-          </a:solidFill>
-          <a:prstDash val="solid"/>
-        </a:ln>
-        <a:effectLst/>
-      </dsp:spPr>
-      <dsp:style>
-        <a:lnRef idx="2">
-          <a:scrgbClr r="0" g="0" b="0"/>
-        </a:lnRef>
-        <a:fillRef idx="1">
-          <a:scrgbClr r="0" g="0" b="0"/>
-        </a:fillRef>
-        <a:effectRef idx="0">
-          <a:scrgbClr r="0" g="0" b="0"/>
-        </a:effectRef>
-        <a:fontRef idx="minor">
-          <a:schemeClr val="lt1"/>
-        </a:fontRef>
-      </dsp:style>
-      <dsp:txBody>
-        <a:bodyPr spcFirstLastPara="0" vert="horz" wrap="square" lIns="68009" tIns="22670" rIns="22670" bIns="22670" numCol="1" spcCol="1270" anchor="ctr" anchorCtr="0">
-          <a:noAutofit/>
-        </a:bodyPr>
-        <a:lstStyle/>
-        <a:p>
-          <a:pPr lvl="0" algn="ctr" defTabSz="755650">
-            <a:lnSpc>
-              <a:spcPct val="90000"/>
-            </a:lnSpc>
-            <a:spcBef>
-              <a:spcPct val="0"/>
-            </a:spcBef>
-            <a:spcAft>
-              <a:spcPct val="35000"/>
-            </a:spcAft>
-          </a:pPr>
-          <a:r>
-            <a:rPr lang="fr-FR" sz="1700" kern="1200" dirty="0" smtClean="0"/>
-            <a:t>Bilan</a:t>
-          </a:r>
-          <a:endParaRPr lang="fr-FR" sz="1700" kern="1200" dirty="0"/>
-        </a:p>
-      </dsp:txBody>
-      <dsp:txXfrm>
-        <a:off x="7004441" y="0"/>
-        <a:ext cx="2248505" cy="290820"/>
-      </dsp:txXfrm>
-    </dsp:sp>
-    <dsp:sp modelId="{1137F16A-3FBD-40A3-8437-7FEA55E131EF}">
-      <dsp:nvSpPr>
-        <dsp:cNvPr id="0" name=""/>
-        <dsp:cNvSpPr/>
-      </dsp:nvSpPr>
-      <dsp:spPr>
-        <a:xfrm>
-          <a:off x="9147276" y="0"/>
-          <a:ext cx="2539325" cy="290820"/>
-        </a:xfrm>
-        <a:prstGeom prst="chevron">
-          <a:avLst/>
-        </a:prstGeom>
-        <a:solidFill>
-          <a:schemeClr val="accent1">
-            <a:hueOff val="0"/>
-            <a:satOff val="0"/>
-            <a:lumOff val="0"/>
-            <a:alphaOff val="0"/>
-          </a:schemeClr>
-        </a:solidFill>
-        <a:ln w="15875" cap="rnd" cmpd="sng" algn="ctr">
-          <a:solidFill>
-            <a:schemeClr val="lt1">
-              <a:hueOff val="0"/>
-              <a:satOff val="0"/>
-              <a:lumOff val="0"/>
-              <a:alphaOff val="0"/>
-            </a:schemeClr>
-          </a:solidFill>
-          <a:prstDash val="solid"/>
-        </a:ln>
-        <a:effectLst/>
-      </dsp:spPr>
-      <dsp:style>
-        <a:lnRef idx="2">
-          <a:scrgbClr r="0" g="0" b="0"/>
-        </a:lnRef>
-        <a:fillRef idx="1">
-          <a:scrgbClr r="0" g="0" b="0"/>
-        </a:fillRef>
-        <a:effectRef idx="0">
-          <a:scrgbClr r="0" g="0" b="0"/>
-        </a:effectRef>
-        <a:fontRef idx="minor">
-          <a:schemeClr val="lt1"/>
-        </a:fontRef>
-      </dsp:style>
-      <dsp:txBody>
-        <a:bodyPr spcFirstLastPara="0" vert="horz" wrap="square" lIns="68009" tIns="22670" rIns="22670" bIns="22670" numCol="1" spcCol="1270" anchor="ctr" anchorCtr="0">
-          <a:noAutofit/>
-        </a:bodyPr>
-        <a:lstStyle/>
-        <a:p>
-          <a:pPr lvl="0" algn="ctr" defTabSz="755650">
-            <a:lnSpc>
-              <a:spcPct val="90000"/>
-            </a:lnSpc>
-            <a:spcBef>
-              <a:spcPct val="0"/>
-            </a:spcBef>
-            <a:spcAft>
-              <a:spcPct val="35000"/>
-            </a:spcAft>
-          </a:pPr>
-          <a:r>
-            <a:rPr lang="fr-FR" sz="1700" kern="1200" dirty="0" smtClean="0"/>
-            <a:t>Conclusion</a:t>
-          </a:r>
-          <a:endParaRPr lang="fr-FR" sz="1700" kern="1200" dirty="0"/>
-        </a:p>
-      </dsp:txBody>
-      <dsp:txXfrm>
-        <a:off x="9292686" y="0"/>
-        <a:ext cx="2248505" cy="290820"/>
-      </dsp:txXfrm>
-    </dsp:sp>
   </dsp:spTree>
 </dsp:drawing>
 </file>
@@ -17843,381 +15967,6 @@
       <dsp:cNvGrpSpPr/>
     </dsp:nvGrpSpPr>
     <dsp:grpSpPr/>
-    <dsp:sp modelId="{1F6056EB-C534-4970-B58E-AD722CC6900E}">
-      <dsp:nvSpPr>
-        <dsp:cNvPr id="0" name=""/>
-        <dsp:cNvSpPr/>
-      </dsp:nvSpPr>
-      <dsp:spPr>
-        <a:xfrm>
-          <a:off x="2853" y="0"/>
-          <a:ext cx="2539325" cy="290820"/>
-        </a:xfrm>
-        <a:prstGeom prst="chevron">
-          <a:avLst/>
-        </a:prstGeom>
-        <a:solidFill>
-          <a:schemeClr val="accent1"/>
-        </a:solidFill>
-        <a:ln w="15875" cap="rnd" cmpd="sng" algn="ctr">
-          <a:solidFill>
-            <a:schemeClr val="lt1">
-              <a:hueOff val="0"/>
-              <a:satOff val="0"/>
-              <a:lumOff val="0"/>
-              <a:alphaOff val="0"/>
-            </a:schemeClr>
-          </a:solidFill>
-          <a:prstDash val="solid"/>
-        </a:ln>
-        <a:effectLst/>
-      </dsp:spPr>
-      <dsp:style>
-        <a:lnRef idx="2">
-          <a:scrgbClr r="0" g="0" b="0"/>
-        </a:lnRef>
-        <a:fillRef idx="1">
-          <a:scrgbClr r="0" g="0" b="0"/>
-        </a:fillRef>
-        <a:effectRef idx="0">
-          <a:scrgbClr r="0" g="0" b="0"/>
-        </a:effectRef>
-        <a:fontRef idx="minor">
-          <a:schemeClr val="lt1"/>
-        </a:fontRef>
-      </dsp:style>
-      <dsp:txBody>
-        <a:bodyPr spcFirstLastPara="0" vert="horz" wrap="square" lIns="68009" tIns="22670" rIns="22670" bIns="22670" numCol="1" spcCol="1270" anchor="ctr" anchorCtr="0">
-          <a:noAutofit/>
-        </a:bodyPr>
-        <a:lstStyle/>
-        <a:p>
-          <a:pPr lvl="0" algn="ctr" defTabSz="755650">
-            <a:lnSpc>
-              <a:spcPct val="90000"/>
-            </a:lnSpc>
-            <a:spcBef>
-              <a:spcPct val="0"/>
-            </a:spcBef>
-            <a:spcAft>
-              <a:spcPct val="35000"/>
-            </a:spcAft>
-          </a:pPr>
-          <a:r>
-            <a:rPr lang="fr-FR" sz="1700" kern="1200" dirty="0" smtClean="0"/>
-            <a:t>Introduction</a:t>
-          </a:r>
-          <a:endParaRPr lang="fr-FR" sz="1700" kern="1200" dirty="0"/>
-        </a:p>
-      </dsp:txBody>
-      <dsp:txXfrm>
-        <a:off x="148263" y="0"/>
-        <a:ext cx="2248505" cy="290820"/>
-      </dsp:txXfrm>
-    </dsp:sp>
-    <dsp:sp modelId="{1AA5F17D-B47A-4297-B5BB-8C6B99E6C5DA}">
-      <dsp:nvSpPr>
-        <dsp:cNvPr id="0" name=""/>
-        <dsp:cNvSpPr/>
-      </dsp:nvSpPr>
-      <dsp:spPr>
-        <a:xfrm>
-          <a:off x="2264472" y="0"/>
-          <a:ext cx="2539325" cy="290820"/>
-        </a:xfrm>
-        <a:prstGeom prst="chevron">
-          <a:avLst/>
-        </a:prstGeom>
-        <a:solidFill>
-          <a:schemeClr val="accent1">
-            <a:hueOff val="0"/>
-            <a:satOff val="0"/>
-            <a:lumOff val="0"/>
-            <a:alphaOff val="0"/>
-          </a:schemeClr>
-        </a:solidFill>
-        <a:ln w="15875" cap="rnd" cmpd="sng" algn="ctr">
-          <a:solidFill>
-            <a:schemeClr val="lt1">
-              <a:hueOff val="0"/>
-              <a:satOff val="0"/>
-              <a:lumOff val="0"/>
-              <a:alphaOff val="0"/>
-            </a:schemeClr>
-          </a:solidFill>
-          <a:prstDash val="solid"/>
-        </a:ln>
-        <a:effectLst/>
-      </dsp:spPr>
-      <dsp:style>
-        <a:lnRef idx="2">
-          <a:scrgbClr r="0" g="0" b="0"/>
-        </a:lnRef>
-        <a:fillRef idx="1">
-          <a:scrgbClr r="0" g="0" b="0"/>
-        </a:fillRef>
-        <a:effectRef idx="0">
-          <a:scrgbClr r="0" g="0" b="0"/>
-        </a:effectRef>
-        <a:fontRef idx="minor">
-          <a:schemeClr val="lt1"/>
-        </a:fontRef>
-      </dsp:style>
-      <dsp:txBody>
-        <a:bodyPr spcFirstLastPara="0" vert="horz" wrap="square" lIns="68009" tIns="22670" rIns="22670" bIns="22670" numCol="1" spcCol="1270" anchor="ctr" anchorCtr="0">
-          <a:noAutofit/>
-        </a:bodyPr>
-        <a:lstStyle/>
-        <a:p>
-          <a:pPr lvl="0" algn="ctr" defTabSz="755650">
-            <a:lnSpc>
-              <a:spcPct val="90000"/>
-            </a:lnSpc>
-            <a:spcBef>
-              <a:spcPct val="0"/>
-            </a:spcBef>
-            <a:spcAft>
-              <a:spcPct val="35000"/>
-            </a:spcAft>
-          </a:pPr>
-          <a:r>
-            <a:rPr lang="fr-FR" sz="1700" kern="1200" dirty="0" smtClean="0"/>
-            <a:t>Analyse et prévision</a:t>
-          </a:r>
-          <a:endParaRPr lang="fr-FR" sz="1700" kern="1200" dirty="0"/>
-        </a:p>
-      </dsp:txBody>
-      <dsp:txXfrm>
-        <a:off x="2409882" y="0"/>
-        <a:ext cx="2248505" cy="290820"/>
-      </dsp:txXfrm>
-    </dsp:sp>
-    <dsp:sp modelId="{624C66D0-AA35-4C2D-8400-996503DFD2AE}">
-      <dsp:nvSpPr>
-        <dsp:cNvPr id="0" name=""/>
-        <dsp:cNvSpPr/>
-      </dsp:nvSpPr>
-      <dsp:spPr>
-        <a:xfrm>
-          <a:off x="4573638" y="0"/>
-          <a:ext cx="2539325" cy="290820"/>
-        </a:xfrm>
-        <a:prstGeom prst="chevron">
-          <a:avLst/>
-        </a:prstGeom>
-        <a:solidFill>
-          <a:srgbClr val="FF0000"/>
-        </a:solidFill>
-        <a:ln w="15875" cap="rnd" cmpd="sng" algn="ctr">
-          <a:solidFill>
-            <a:schemeClr val="lt1">
-              <a:hueOff val="0"/>
-              <a:satOff val="0"/>
-              <a:lumOff val="0"/>
-              <a:alphaOff val="0"/>
-            </a:schemeClr>
-          </a:solidFill>
-          <a:prstDash val="solid"/>
-        </a:ln>
-        <a:effectLst/>
-      </dsp:spPr>
-      <dsp:style>
-        <a:lnRef idx="2">
-          <a:scrgbClr r="0" g="0" b="0"/>
-        </a:lnRef>
-        <a:fillRef idx="1">
-          <a:scrgbClr r="0" g="0" b="0"/>
-        </a:fillRef>
-        <a:effectRef idx="0">
-          <a:scrgbClr r="0" g="0" b="0"/>
-        </a:effectRef>
-        <a:fontRef idx="minor">
-          <a:schemeClr val="lt1"/>
-        </a:fontRef>
-      </dsp:style>
-      <dsp:txBody>
-        <a:bodyPr spcFirstLastPara="0" vert="horz" wrap="square" lIns="68009" tIns="22670" rIns="22670" bIns="22670" numCol="1" spcCol="1270" anchor="ctr" anchorCtr="0">
-          <a:noAutofit/>
-        </a:bodyPr>
-        <a:lstStyle/>
-        <a:p>
-          <a:pPr lvl="0" algn="ctr" defTabSz="755650">
-            <a:lnSpc>
-              <a:spcPct val="90000"/>
-            </a:lnSpc>
-            <a:spcBef>
-              <a:spcPct val="0"/>
-            </a:spcBef>
-            <a:spcAft>
-              <a:spcPct val="35000"/>
-            </a:spcAft>
-          </a:pPr>
-          <a:r>
-            <a:rPr lang="fr-FR" sz="1700" kern="1200" dirty="0" smtClean="0"/>
-            <a:t>Solutions techniques</a:t>
-          </a:r>
-          <a:endParaRPr lang="fr-FR" sz="1700" kern="1200" dirty="0"/>
-        </a:p>
-      </dsp:txBody>
-      <dsp:txXfrm>
-        <a:off x="4719048" y="0"/>
-        <a:ext cx="2248505" cy="290820"/>
-      </dsp:txXfrm>
-    </dsp:sp>
-    <dsp:sp modelId="{DF757741-D2C4-47CD-B81F-0494B81FB4EA}">
-      <dsp:nvSpPr>
-        <dsp:cNvPr id="0" name=""/>
-        <dsp:cNvSpPr/>
-      </dsp:nvSpPr>
-      <dsp:spPr>
-        <a:xfrm>
-          <a:off x="6859031" y="0"/>
-          <a:ext cx="2539325" cy="290820"/>
-        </a:xfrm>
-        <a:prstGeom prst="chevron">
-          <a:avLst/>
-        </a:prstGeom>
-        <a:solidFill>
-          <a:schemeClr val="accent1">
-            <a:hueOff val="0"/>
-            <a:satOff val="0"/>
-            <a:lumOff val="0"/>
-            <a:alphaOff val="0"/>
-          </a:schemeClr>
-        </a:solidFill>
-        <a:ln w="15875" cap="rnd" cmpd="sng" algn="ctr">
-          <a:solidFill>
-            <a:schemeClr val="lt1">
-              <a:hueOff val="0"/>
-              <a:satOff val="0"/>
-              <a:lumOff val="0"/>
-              <a:alphaOff val="0"/>
-            </a:schemeClr>
-          </a:solidFill>
-          <a:prstDash val="solid"/>
-        </a:ln>
-        <a:effectLst/>
-      </dsp:spPr>
-      <dsp:style>
-        <a:lnRef idx="2">
-          <a:scrgbClr r="0" g="0" b="0"/>
-        </a:lnRef>
-        <a:fillRef idx="1">
-          <a:scrgbClr r="0" g="0" b="0"/>
-        </a:fillRef>
-        <a:effectRef idx="0">
-          <a:scrgbClr r="0" g="0" b="0"/>
-        </a:effectRef>
-        <a:fontRef idx="minor">
-          <a:schemeClr val="lt1"/>
-        </a:fontRef>
-      </dsp:style>
-      <dsp:txBody>
-        <a:bodyPr spcFirstLastPara="0" vert="horz" wrap="square" lIns="68009" tIns="22670" rIns="22670" bIns="22670" numCol="1" spcCol="1270" anchor="ctr" anchorCtr="0">
-          <a:noAutofit/>
-        </a:bodyPr>
-        <a:lstStyle/>
-        <a:p>
-          <a:pPr lvl="0" algn="ctr" defTabSz="755650">
-            <a:lnSpc>
-              <a:spcPct val="90000"/>
-            </a:lnSpc>
-            <a:spcBef>
-              <a:spcPct val="0"/>
-            </a:spcBef>
-            <a:spcAft>
-              <a:spcPct val="35000"/>
-            </a:spcAft>
-          </a:pPr>
-          <a:r>
-            <a:rPr lang="fr-FR" sz="1700" kern="1200" dirty="0" smtClean="0"/>
-            <a:t>Bilan</a:t>
-          </a:r>
-          <a:endParaRPr lang="fr-FR" sz="1700" kern="1200" dirty="0"/>
-        </a:p>
-      </dsp:txBody>
-      <dsp:txXfrm>
-        <a:off x="7004441" y="0"/>
-        <a:ext cx="2248505" cy="290820"/>
-      </dsp:txXfrm>
-    </dsp:sp>
-    <dsp:sp modelId="{1137F16A-3FBD-40A3-8437-7FEA55E131EF}">
-      <dsp:nvSpPr>
-        <dsp:cNvPr id="0" name=""/>
-        <dsp:cNvSpPr/>
-      </dsp:nvSpPr>
-      <dsp:spPr>
-        <a:xfrm>
-          <a:off x="9147276" y="0"/>
-          <a:ext cx="2539325" cy="290820"/>
-        </a:xfrm>
-        <a:prstGeom prst="chevron">
-          <a:avLst/>
-        </a:prstGeom>
-        <a:solidFill>
-          <a:schemeClr val="accent1">
-            <a:hueOff val="0"/>
-            <a:satOff val="0"/>
-            <a:lumOff val="0"/>
-            <a:alphaOff val="0"/>
-          </a:schemeClr>
-        </a:solidFill>
-        <a:ln w="15875" cap="rnd" cmpd="sng" algn="ctr">
-          <a:solidFill>
-            <a:schemeClr val="lt1">
-              <a:hueOff val="0"/>
-              <a:satOff val="0"/>
-              <a:lumOff val="0"/>
-              <a:alphaOff val="0"/>
-            </a:schemeClr>
-          </a:solidFill>
-          <a:prstDash val="solid"/>
-        </a:ln>
-        <a:effectLst/>
-      </dsp:spPr>
-      <dsp:style>
-        <a:lnRef idx="2">
-          <a:scrgbClr r="0" g="0" b="0"/>
-        </a:lnRef>
-        <a:fillRef idx="1">
-          <a:scrgbClr r="0" g="0" b="0"/>
-        </a:fillRef>
-        <a:effectRef idx="0">
-          <a:scrgbClr r="0" g="0" b="0"/>
-        </a:effectRef>
-        <a:fontRef idx="minor">
-          <a:schemeClr val="lt1"/>
-        </a:fontRef>
-      </dsp:style>
-      <dsp:txBody>
-        <a:bodyPr spcFirstLastPara="0" vert="horz" wrap="square" lIns="68009" tIns="22670" rIns="22670" bIns="22670" numCol="1" spcCol="1270" anchor="ctr" anchorCtr="0">
-          <a:noAutofit/>
-        </a:bodyPr>
-        <a:lstStyle/>
-        <a:p>
-          <a:pPr lvl="0" algn="ctr" defTabSz="755650">
-            <a:lnSpc>
-              <a:spcPct val="90000"/>
-            </a:lnSpc>
-            <a:spcBef>
-              <a:spcPct val="0"/>
-            </a:spcBef>
-            <a:spcAft>
-              <a:spcPct val="35000"/>
-            </a:spcAft>
-          </a:pPr>
-          <a:r>
-            <a:rPr lang="fr-FR" sz="1700" kern="1200" dirty="0" smtClean="0"/>
-            <a:t>Conclusion</a:t>
-          </a:r>
-          <a:endParaRPr lang="fr-FR" sz="1700" kern="1200" dirty="0"/>
-        </a:p>
-      </dsp:txBody>
-      <dsp:txXfrm>
-        <a:off x="9292686" y="0"/>
-        <a:ext cx="2248505" cy="290820"/>
-      </dsp:txXfrm>
-    </dsp:sp>
   </dsp:spTree>
 </dsp:drawing>
 </file>
@@ -18242,381 +15991,6 @@
       <dsp:cNvGrpSpPr/>
     </dsp:nvGrpSpPr>
     <dsp:grpSpPr/>
-    <dsp:sp modelId="{1F6056EB-C534-4970-B58E-AD722CC6900E}">
-      <dsp:nvSpPr>
-        <dsp:cNvPr id="0" name=""/>
-        <dsp:cNvSpPr/>
-      </dsp:nvSpPr>
-      <dsp:spPr>
-        <a:xfrm>
-          <a:off x="2853" y="0"/>
-          <a:ext cx="2539325" cy="290820"/>
-        </a:xfrm>
-        <a:prstGeom prst="chevron">
-          <a:avLst/>
-        </a:prstGeom>
-        <a:solidFill>
-          <a:schemeClr val="accent1"/>
-        </a:solidFill>
-        <a:ln w="15875" cap="rnd" cmpd="sng" algn="ctr">
-          <a:solidFill>
-            <a:schemeClr val="lt1">
-              <a:hueOff val="0"/>
-              <a:satOff val="0"/>
-              <a:lumOff val="0"/>
-              <a:alphaOff val="0"/>
-            </a:schemeClr>
-          </a:solidFill>
-          <a:prstDash val="solid"/>
-        </a:ln>
-        <a:effectLst/>
-      </dsp:spPr>
-      <dsp:style>
-        <a:lnRef idx="2">
-          <a:scrgbClr r="0" g="0" b="0"/>
-        </a:lnRef>
-        <a:fillRef idx="1">
-          <a:scrgbClr r="0" g="0" b="0"/>
-        </a:fillRef>
-        <a:effectRef idx="0">
-          <a:scrgbClr r="0" g="0" b="0"/>
-        </a:effectRef>
-        <a:fontRef idx="minor">
-          <a:schemeClr val="lt1"/>
-        </a:fontRef>
-      </dsp:style>
-      <dsp:txBody>
-        <a:bodyPr spcFirstLastPara="0" vert="horz" wrap="square" lIns="68009" tIns="22670" rIns="22670" bIns="22670" numCol="1" spcCol="1270" anchor="ctr" anchorCtr="0">
-          <a:noAutofit/>
-        </a:bodyPr>
-        <a:lstStyle/>
-        <a:p>
-          <a:pPr lvl="0" algn="ctr" defTabSz="755650">
-            <a:lnSpc>
-              <a:spcPct val="90000"/>
-            </a:lnSpc>
-            <a:spcBef>
-              <a:spcPct val="0"/>
-            </a:spcBef>
-            <a:spcAft>
-              <a:spcPct val="35000"/>
-            </a:spcAft>
-          </a:pPr>
-          <a:r>
-            <a:rPr lang="fr-FR" sz="1700" kern="1200" dirty="0" smtClean="0"/>
-            <a:t>Introduction</a:t>
-          </a:r>
-          <a:endParaRPr lang="fr-FR" sz="1700" kern="1200" dirty="0"/>
-        </a:p>
-      </dsp:txBody>
-      <dsp:txXfrm>
-        <a:off x="148263" y="0"/>
-        <a:ext cx="2248505" cy="290820"/>
-      </dsp:txXfrm>
-    </dsp:sp>
-    <dsp:sp modelId="{1AA5F17D-B47A-4297-B5BB-8C6B99E6C5DA}">
-      <dsp:nvSpPr>
-        <dsp:cNvPr id="0" name=""/>
-        <dsp:cNvSpPr/>
-      </dsp:nvSpPr>
-      <dsp:spPr>
-        <a:xfrm>
-          <a:off x="2264472" y="0"/>
-          <a:ext cx="2539325" cy="290820"/>
-        </a:xfrm>
-        <a:prstGeom prst="chevron">
-          <a:avLst/>
-        </a:prstGeom>
-        <a:solidFill>
-          <a:schemeClr val="accent1">
-            <a:hueOff val="0"/>
-            <a:satOff val="0"/>
-            <a:lumOff val="0"/>
-            <a:alphaOff val="0"/>
-          </a:schemeClr>
-        </a:solidFill>
-        <a:ln w="15875" cap="rnd" cmpd="sng" algn="ctr">
-          <a:solidFill>
-            <a:schemeClr val="lt1">
-              <a:hueOff val="0"/>
-              <a:satOff val="0"/>
-              <a:lumOff val="0"/>
-              <a:alphaOff val="0"/>
-            </a:schemeClr>
-          </a:solidFill>
-          <a:prstDash val="solid"/>
-        </a:ln>
-        <a:effectLst/>
-      </dsp:spPr>
-      <dsp:style>
-        <a:lnRef idx="2">
-          <a:scrgbClr r="0" g="0" b="0"/>
-        </a:lnRef>
-        <a:fillRef idx="1">
-          <a:scrgbClr r="0" g="0" b="0"/>
-        </a:fillRef>
-        <a:effectRef idx="0">
-          <a:scrgbClr r="0" g="0" b="0"/>
-        </a:effectRef>
-        <a:fontRef idx="minor">
-          <a:schemeClr val="lt1"/>
-        </a:fontRef>
-      </dsp:style>
-      <dsp:txBody>
-        <a:bodyPr spcFirstLastPara="0" vert="horz" wrap="square" lIns="68009" tIns="22670" rIns="22670" bIns="22670" numCol="1" spcCol="1270" anchor="ctr" anchorCtr="0">
-          <a:noAutofit/>
-        </a:bodyPr>
-        <a:lstStyle/>
-        <a:p>
-          <a:pPr lvl="0" algn="ctr" defTabSz="755650">
-            <a:lnSpc>
-              <a:spcPct val="90000"/>
-            </a:lnSpc>
-            <a:spcBef>
-              <a:spcPct val="0"/>
-            </a:spcBef>
-            <a:spcAft>
-              <a:spcPct val="35000"/>
-            </a:spcAft>
-          </a:pPr>
-          <a:r>
-            <a:rPr lang="fr-FR" sz="1700" kern="1200" dirty="0" smtClean="0"/>
-            <a:t>Analyse et prévision</a:t>
-          </a:r>
-          <a:endParaRPr lang="fr-FR" sz="1700" kern="1200" dirty="0"/>
-        </a:p>
-      </dsp:txBody>
-      <dsp:txXfrm>
-        <a:off x="2409882" y="0"/>
-        <a:ext cx="2248505" cy="290820"/>
-      </dsp:txXfrm>
-    </dsp:sp>
-    <dsp:sp modelId="{624C66D0-AA35-4C2D-8400-996503DFD2AE}">
-      <dsp:nvSpPr>
-        <dsp:cNvPr id="0" name=""/>
-        <dsp:cNvSpPr/>
-      </dsp:nvSpPr>
-      <dsp:spPr>
-        <a:xfrm>
-          <a:off x="4573638" y="0"/>
-          <a:ext cx="2539325" cy="290820"/>
-        </a:xfrm>
-        <a:prstGeom prst="chevron">
-          <a:avLst/>
-        </a:prstGeom>
-        <a:solidFill>
-          <a:srgbClr val="FF0000"/>
-        </a:solidFill>
-        <a:ln w="15875" cap="rnd" cmpd="sng" algn="ctr">
-          <a:solidFill>
-            <a:schemeClr val="lt1">
-              <a:hueOff val="0"/>
-              <a:satOff val="0"/>
-              <a:lumOff val="0"/>
-              <a:alphaOff val="0"/>
-            </a:schemeClr>
-          </a:solidFill>
-          <a:prstDash val="solid"/>
-        </a:ln>
-        <a:effectLst/>
-      </dsp:spPr>
-      <dsp:style>
-        <a:lnRef idx="2">
-          <a:scrgbClr r="0" g="0" b="0"/>
-        </a:lnRef>
-        <a:fillRef idx="1">
-          <a:scrgbClr r="0" g="0" b="0"/>
-        </a:fillRef>
-        <a:effectRef idx="0">
-          <a:scrgbClr r="0" g="0" b="0"/>
-        </a:effectRef>
-        <a:fontRef idx="minor">
-          <a:schemeClr val="lt1"/>
-        </a:fontRef>
-      </dsp:style>
-      <dsp:txBody>
-        <a:bodyPr spcFirstLastPara="0" vert="horz" wrap="square" lIns="68009" tIns="22670" rIns="22670" bIns="22670" numCol="1" spcCol="1270" anchor="ctr" anchorCtr="0">
-          <a:noAutofit/>
-        </a:bodyPr>
-        <a:lstStyle/>
-        <a:p>
-          <a:pPr lvl="0" algn="ctr" defTabSz="755650">
-            <a:lnSpc>
-              <a:spcPct val="90000"/>
-            </a:lnSpc>
-            <a:spcBef>
-              <a:spcPct val="0"/>
-            </a:spcBef>
-            <a:spcAft>
-              <a:spcPct val="35000"/>
-            </a:spcAft>
-          </a:pPr>
-          <a:r>
-            <a:rPr lang="fr-FR" sz="1700" kern="1200" dirty="0" smtClean="0"/>
-            <a:t>Solutions techniques</a:t>
-          </a:r>
-          <a:endParaRPr lang="fr-FR" sz="1700" kern="1200" dirty="0"/>
-        </a:p>
-      </dsp:txBody>
-      <dsp:txXfrm>
-        <a:off x="4719048" y="0"/>
-        <a:ext cx="2248505" cy="290820"/>
-      </dsp:txXfrm>
-    </dsp:sp>
-    <dsp:sp modelId="{DF757741-D2C4-47CD-B81F-0494B81FB4EA}">
-      <dsp:nvSpPr>
-        <dsp:cNvPr id="0" name=""/>
-        <dsp:cNvSpPr/>
-      </dsp:nvSpPr>
-      <dsp:spPr>
-        <a:xfrm>
-          <a:off x="6859031" y="0"/>
-          <a:ext cx="2539325" cy="290820"/>
-        </a:xfrm>
-        <a:prstGeom prst="chevron">
-          <a:avLst/>
-        </a:prstGeom>
-        <a:solidFill>
-          <a:schemeClr val="accent1">
-            <a:hueOff val="0"/>
-            <a:satOff val="0"/>
-            <a:lumOff val="0"/>
-            <a:alphaOff val="0"/>
-          </a:schemeClr>
-        </a:solidFill>
-        <a:ln w="15875" cap="rnd" cmpd="sng" algn="ctr">
-          <a:solidFill>
-            <a:schemeClr val="lt1">
-              <a:hueOff val="0"/>
-              <a:satOff val="0"/>
-              <a:lumOff val="0"/>
-              <a:alphaOff val="0"/>
-            </a:schemeClr>
-          </a:solidFill>
-          <a:prstDash val="solid"/>
-        </a:ln>
-        <a:effectLst/>
-      </dsp:spPr>
-      <dsp:style>
-        <a:lnRef idx="2">
-          <a:scrgbClr r="0" g="0" b="0"/>
-        </a:lnRef>
-        <a:fillRef idx="1">
-          <a:scrgbClr r="0" g="0" b="0"/>
-        </a:fillRef>
-        <a:effectRef idx="0">
-          <a:scrgbClr r="0" g="0" b="0"/>
-        </a:effectRef>
-        <a:fontRef idx="minor">
-          <a:schemeClr val="lt1"/>
-        </a:fontRef>
-      </dsp:style>
-      <dsp:txBody>
-        <a:bodyPr spcFirstLastPara="0" vert="horz" wrap="square" lIns="68009" tIns="22670" rIns="22670" bIns="22670" numCol="1" spcCol="1270" anchor="ctr" anchorCtr="0">
-          <a:noAutofit/>
-        </a:bodyPr>
-        <a:lstStyle/>
-        <a:p>
-          <a:pPr lvl="0" algn="ctr" defTabSz="755650">
-            <a:lnSpc>
-              <a:spcPct val="90000"/>
-            </a:lnSpc>
-            <a:spcBef>
-              <a:spcPct val="0"/>
-            </a:spcBef>
-            <a:spcAft>
-              <a:spcPct val="35000"/>
-            </a:spcAft>
-          </a:pPr>
-          <a:r>
-            <a:rPr lang="fr-FR" sz="1700" kern="1200" dirty="0" smtClean="0"/>
-            <a:t>Bilan</a:t>
-          </a:r>
-          <a:endParaRPr lang="fr-FR" sz="1700" kern="1200" dirty="0"/>
-        </a:p>
-      </dsp:txBody>
-      <dsp:txXfrm>
-        <a:off x="7004441" y="0"/>
-        <a:ext cx="2248505" cy="290820"/>
-      </dsp:txXfrm>
-    </dsp:sp>
-    <dsp:sp modelId="{1137F16A-3FBD-40A3-8437-7FEA55E131EF}">
-      <dsp:nvSpPr>
-        <dsp:cNvPr id="0" name=""/>
-        <dsp:cNvSpPr/>
-      </dsp:nvSpPr>
-      <dsp:spPr>
-        <a:xfrm>
-          <a:off x="9147276" y="0"/>
-          <a:ext cx="2539325" cy="290820"/>
-        </a:xfrm>
-        <a:prstGeom prst="chevron">
-          <a:avLst/>
-        </a:prstGeom>
-        <a:solidFill>
-          <a:schemeClr val="accent1">
-            <a:hueOff val="0"/>
-            <a:satOff val="0"/>
-            <a:lumOff val="0"/>
-            <a:alphaOff val="0"/>
-          </a:schemeClr>
-        </a:solidFill>
-        <a:ln w="15875" cap="rnd" cmpd="sng" algn="ctr">
-          <a:solidFill>
-            <a:schemeClr val="lt1">
-              <a:hueOff val="0"/>
-              <a:satOff val="0"/>
-              <a:lumOff val="0"/>
-              <a:alphaOff val="0"/>
-            </a:schemeClr>
-          </a:solidFill>
-          <a:prstDash val="solid"/>
-        </a:ln>
-        <a:effectLst/>
-      </dsp:spPr>
-      <dsp:style>
-        <a:lnRef idx="2">
-          <a:scrgbClr r="0" g="0" b="0"/>
-        </a:lnRef>
-        <a:fillRef idx="1">
-          <a:scrgbClr r="0" g="0" b="0"/>
-        </a:fillRef>
-        <a:effectRef idx="0">
-          <a:scrgbClr r="0" g="0" b="0"/>
-        </a:effectRef>
-        <a:fontRef idx="minor">
-          <a:schemeClr val="lt1"/>
-        </a:fontRef>
-      </dsp:style>
-      <dsp:txBody>
-        <a:bodyPr spcFirstLastPara="0" vert="horz" wrap="square" lIns="68009" tIns="22670" rIns="22670" bIns="22670" numCol="1" spcCol="1270" anchor="ctr" anchorCtr="0">
-          <a:noAutofit/>
-        </a:bodyPr>
-        <a:lstStyle/>
-        <a:p>
-          <a:pPr lvl="0" algn="ctr" defTabSz="755650">
-            <a:lnSpc>
-              <a:spcPct val="90000"/>
-            </a:lnSpc>
-            <a:spcBef>
-              <a:spcPct val="0"/>
-            </a:spcBef>
-            <a:spcAft>
-              <a:spcPct val="35000"/>
-            </a:spcAft>
-          </a:pPr>
-          <a:r>
-            <a:rPr lang="fr-FR" sz="1700" kern="1200" dirty="0" smtClean="0"/>
-            <a:t>Conclusion</a:t>
-          </a:r>
-          <a:endParaRPr lang="fr-FR" sz="1700" kern="1200" dirty="0"/>
-        </a:p>
-      </dsp:txBody>
-      <dsp:txXfrm>
-        <a:off x="9292686" y="0"/>
-        <a:ext cx="2248505" cy="290820"/>
-      </dsp:txXfrm>
-    </dsp:sp>
   </dsp:spTree>
 </dsp:drawing>
 </file>
@@ -18641,381 +16015,6 @@
       <dsp:cNvGrpSpPr/>
     </dsp:nvGrpSpPr>
     <dsp:grpSpPr/>
-    <dsp:sp modelId="{1F6056EB-C534-4970-B58E-AD722CC6900E}">
-      <dsp:nvSpPr>
-        <dsp:cNvPr id="0" name=""/>
-        <dsp:cNvSpPr/>
-      </dsp:nvSpPr>
-      <dsp:spPr>
-        <a:xfrm>
-          <a:off x="2853" y="0"/>
-          <a:ext cx="2539325" cy="290820"/>
-        </a:xfrm>
-        <a:prstGeom prst="chevron">
-          <a:avLst/>
-        </a:prstGeom>
-        <a:solidFill>
-          <a:schemeClr val="accent1"/>
-        </a:solidFill>
-        <a:ln w="15875" cap="rnd" cmpd="sng" algn="ctr">
-          <a:solidFill>
-            <a:schemeClr val="lt1">
-              <a:hueOff val="0"/>
-              <a:satOff val="0"/>
-              <a:lumOff val="0"/>
-              <a:alphaOff val="0"/>
-            </a:schemeClr>
-          </a:solidFill>
-          <a:prstDash val="solid"/>
-        </a:ln>
-        <a:effectLst/>
-      </dsp:spPr>
-      <dsp:style>
-        <a:lnRef idx="2">
-          <a:scrgbClr r="0" g="0" b="0"/>
-        </a:lnRef>
-        <a:fillRef idx="1">
-          <a:scrgbClr r="0" g="0" b="0"/>
-        </a:fillRef>
-        <a:effectRef idx="0">
-          <a:scrgbClr r="0" g="0" b="0"/>
-        </a:effectRef>
-        <a:fontRef idx="minor">
-          <a:schemeClr val="lt1"/>
-        </a:fontRef>
-      </dsp:style>
-      <dsp:txBody>
-        <a:bodyPr spcFirstLastPara="0" vert="horz" wrap="square" lIns="68009" tIns="22670" rIns="22670" bIns="22670" numCol="1" spcCol="1270" anchor="ctr" anchorCtr="0">
-          <a:noAutofit/>
-        </a:bodyPr>
-        <a:lstStyle/>
-        <a:p>
-          <a:pPr lvl="0" algn="ctr" defTabSz="755650">
-            <a:lnSpc>
-              <a:spcPct val="90000"/>
-            </a:lnSpc>
-            <a:spcBef>
-              <a:spcPct val="0"/>
-            </a:spcBef>
-            <a:spcAft>
-              <a:spcPct val="35000"/>
-            </a:spcAft>
-          </a:pPr>
-          <a:r>
-            <a:rPr lang="fr-FR" sz="1700" kern="1200" dirty="0" smtClean="0"/>
-            <a:t>Introduction</a:t>
-          </a:r>
-          <a:endParaRPr lang="fr-FR" sz="1700" kern="1200" dirty="0"/>
-        </a:p>
-      </dsp:txBody>
-      <dsp:txXfrm>
-        <a:off x="148263" y="0"/>
-        <a:ext cx="2248505" cy="290820"/>
-      </dsp:txXfrm>
-    </dsp:sp>
-    <dsp:sp modelId="{1AA5F17D-B47A-4297-B5BB-8C6B99E6C5DA}">
-      <dsp:nvSpPr>
-        <dsp:cNvPr id="0" name=""/>
-        <dsp:cNvSpPr/>
-      </dsp:nvSpPr>
-      <dsp:spPr>
-        <a:xfrm>
-          <a:off x="2264472" y="0"/>
-          <a:ext cx="2539325" cy="290820"/>
-        </a:xfrm>
-        <a:prstGeom prst="chevron">
-          <a:avLst/>
-        </a:prstGeom>
-        <a:solidFill>
-          <a:schemeClr val="accent1">
-            <a:hueOff val="0"/>
-            <a:satOff val="0"/>
-            <a:lumOff val="0"/>
-            <a:alphaOff val="0"/>
-          </a:schemeClr>
-        </a:solidFill>
-        <a:ln w="15875" cap="rnd" cmpd="sng" algn="ctr">
-          <a:solidFill>
-            <a:schemeClr val="lt1">
-              <a:hueOff val="0"/>
-              <a:satOff val="0"/>
-              <a:lumOff val="0"/>
-              <a:alphaOff val="0"/>
-            </a:schemeClr>
-          </a:solidFill>
-          <a:prstDash val="solid"/>
-        </a:ln>
-        <a:effectLst/>
-      </dsp:spPr>
-      <dsp:style>
-        <a:lnRef idx="2">
-          <a:scrgbClr r="0" g="0" b="0"/>
-        </a:lnRef>
-        <a:fillRef idx="1">
-          <a:scrgbClr r="0" g="0" b="0"/>
-        </a:fillRef>
-        <a:effectRef idx="0">
-          <a:scrgbClr r="0" g="0" b="0"/>
-        </a:effectRef>
-        <a:fontRef idx="minor">
-          <a:schemeClr val="lt1"/>
-        </a:fontRef>
-      </dsp:style>
-      <dsp:txBody>
-        <a:bodyPr spcFirstLastPara="0" vert="horz" wrap="square" lIns="68009" tIns="22670" rIns="22670" bIns="22670" numCol="1" spcCol="1270" anchor="ctr" anchorCtr="0">
-          <a:noAutofit/>
-        </a:bodyPr>
-        <a:lstStyle/>
-        <a:p>
-          <a:pPr lvl="0" algn="ctr" defTabSz="755650">
-            <a:lnSpc>
-              <a:spcPct val="90000"/>
-            </a:lnSpc>
-            <a:spcBef>
-              <a:spcPct val="0"/>
-            </a:spcBef>
-            <a:spcAft>
-              <a:spcPct val="35000"/>
-            </a:spcAft>
-          </a:pPr>
-          <a:r>
-            <a:rPr lang="fr-FR" sz="1700" kern="1200" dirty="0" smtClean="0"/>
-            <a:t>Analyse et prévision</a:t>
-          </a:r>
-          <a:endParaRPr lang="fr-FR" sz="1700" kern="1200" dirty="0"/>
-        </a:p>
-      </dsp:txBody>
-      <dsp:txXfrm>
-        <a:off x="2409882" y="0"/>
-        <a:ext cx="2248505" cy="290820"/>
-      </dsp:txXfrm>
-    </dsp:sp>
-    <dsp:sp modelId="{624C66D0-AA35-4C2D-8400-996503DFD2AE}">
-      <dsp:nvSpPr>
-        <dsp:cNvPr id="0" name=""/>
-        <dsp:cNvSpPr/>
-      </dsp:nvSpPr>
-      <dsp:spPr>
-        <a:xfrm>
-          <a:off x="4573638" y="0"/>
-          <a:ext cx="2539325" cy="290820"/>
-        </a:xfrm>
-        <a:prstGeom prst="chevron">
-          <a:avLst/>
-        </a:prstGeom>
-        <a:solidFill>
-          <a:srgbClr val="FF0000"/>
-        </a:solidFill>
-        <a:ln w="15875" cap="rnd" cmpd="sng" algn="ctr">
-          <a:solidFill>
-            <a:schemeClr val="lt1">
-              <a:hueOff val="0"/>
-              <a:satOff val="0"/>
-              <a:lumOff val="0"/>
-              <a:alphaOff val="0"/>
-            </a:schemeClr>
-          </a:solidFill>
-          <a:prstDash val="solid"/>
-        </a:ln>
-        <a:effectLst/>
-      </dsp:spPr>
-      <dsp:style>
-        <a:lnRef idx="2">
-          <a:scrgbClr r="0" g="0" b="0"/>
-        </a:lnRef>
-        <a:fillRef idx="1">
-          <a:scrgbClr r="0" g="0" b="0"/>
-        </a:fillRef>
-        <a:effectRef idx="0">
-          <a:scrgbClr r="0" g="0" b="0"/>
-        </a:effectRef>
-        <a:fontRef idx="minor">
-          <a:schemeClr val="lt1"/>
-        </a:fontRef>
-      </dsp:style>
-      <dsp:txBody>
-        <a:bodyPr spcFirstLastPara="0" vert="horz" wrap="square" lIns="68009" tIns="22670" rIns="22670" bIns="22670" numCol="1" spcCol="1270" anchor="ctr" anchorCtr="0">
-          <a:noAutofit/>
-        </a:bodyPr>
-        <a:lstStyle/>
-        <a:p>
-          <a:pPr lvl="0" algn="ctr" defTabSz="755650">
-            <a:lnSpc>
-              <a:spcPct val="90000"/>
-            </a:lnSpc>
-            <a:spcBef>
-              <a:spcPct val="0"/>
-            </a:spcBef>
-            <a:spcAft>
-              <a:spcPct val="35000"/>
-            </a:spcAft>
-          </a:pPr>
-          <a:r>
-            <a:rPr lang="fr-FR" sz="1700" kern="1200" dirty="0" smtClean="0"/>
-            <a:t>Solutions techniques</a:t>
-          </a:r>
-          <a:endParaRPr lang="fr-FR" sz="1700" kern="1200" dirty="0"/>
-        </a:p>
-      </dsp:txBody>
-      <dsp:txXfrm>
-        <a:off x="4719048" y="0"/>
-        <a:ext cx="2248505" cy="290820"/>
-      </dsp:txXfrm>
-    </dsp:sp>
-    <dsp:sp modelId="{DF757741-D2C4-47CD-B81F-0494B81FB4EA}">
-      <dsp:nvSpPr>
-        <dsp:cNvPr id="0" name=""/>
-        <dsp:cNvSpPr/>
-      </dsp:nvSpPr>
-      <dsp:spPr>
-        <a:xfrm>
-          <a:off x="6859031" y="0"/>
-          <a:ext cx="2539325" cy="290820"/>
-        </a:xfrm>
-        <a:prstGeom prst="chevron">
-          <a:avLst/>
-        </a:prstGeom>
-        <a:solidFill>
-          <a:schemeClr val="accent1">
-            <a:hueOff val="0"/>
-            <a:satOff val="0"/>
-            <a:lumOff val="0"/>
-            <a:alphaOff val="0"/>
-          </a:schemeClr>
-        </a:solidFill>
-        <a:ln w="15875" cap="rnd" cmpd="sng" algn="ctr">
-          <a:solidFill>
-            <a:schemeClr val="lt1">
-              <a:hueOff val="0"/>
-              <a:satOff val="0"/>
-              <a:lumOff val="0"/>
-              <a:alphaOff val="0"/>
-            </a:schemeClr>
-          </a:solidFill>
-          <a:prstDash val="solid"/>
-        </a:ln>
-        <a:effectLst/>
-      </dsp:spPr>
-      <dsp:style>
-        <a:lnRef idx="2">
-          <a:scrgbClr r="0" g="0" b="0"/>
-        </a:lnRef>
-        <a:fillRef idx="1">
-          <a:scrgbClr r="0" g="0" b="0"/>
-        </a:fillRef>
-        <a:effectRef idx="0">
-          <a:scrgbClr r="0" g="0" b="0"/>
-        </a:effectRef>
-        <a:fontRef idx="minor">
-          <a:schemeClr val="lt1"/>
-        </a:fontRef>
-      </dsp:style>
-      <dsp:txBody>
-        <a:bodyPr spcFirstLastPara="0" vert="horz" wrap="square" lIns="68009" tIns="22670" rIns="22670" bIns="22670" numCol="1" spcCol="1270" anchor="ctr" anchorCtr="0">
-          <a:noAutofit/>
-        </a:bodyPr>
-        <a:lstStyle/>
-        <a:p>
-          <a:pPr lvl="0" algn="ctr" defTabSz="755650">
-            <a:lnSpc>
-              <a:spcPct val="90000"/>
-            </a:lnSpc>
-            <a:spcBef>
-              <a:spcPct val="0"/>
-            </a:spcBef>
-            <a:spcAft>
-              <a:spcPct val="35000"/>
-            </a:spcAft>
-          </a:pPr>
-          <a:r>
-            <a:rPr lang="fr-FR" sz="1700" kern="1200" dirty="0" smtClean="0"/>
-            <a:t>Bilan</a:t>
-          </a:r>
-          <a:endParaRPr lang="fr-FR" sz="1700" kern="1200" dirty="0"/>
-        </a:p>
-      </dsp:txBody>
-      <dsp:txXfrm>
-        <a:off x="7004441" y="0"/>
-        <a:ext cx="2248505" cy="290820"/>
-      </dsp:txXfrm>
-    </dsp:sp>
-    <dsp:sp modelId="{1137F16A-3FBD-40A3-8437-7FEA55E131EF}">
-      <dsp:nvSpPr>
-        <dsp:cNvPr id="0" name=""/>
-        <dsp:cNvSpPr/>
-      </dsp:nvSpPr>
-      <dsp:spPr>
-        <a:xfrm>
-          <a:off x="9147276" y="0"/>
-          <a:ext cx="2539325" cy="290820"/>
-        </a:xfrm>
-        <a:prstGeom prst="chevron">
-          <a:avLst/>
-        </a:prstGeom>
-        <a:solidFill>
-          <a:schemeClr val="accent1">
-            <a:hueOff val="0"/>
-            <a:satOff val="0"/>
-            <a:lumOff val="0"/>
-            <a:alphaOff val="0"/>
-          </a:schemeClr>
-        </a:solidFill>
-        <a:ln w="15875" cap="rnd" cmpd="sng" algn="ctr">
-          <a:solidFill>
-            <a:schemeClr val="lt1">
-              <a:hueOff val="0"/>
-              <a:satOff val="0"/>
-              <a:lumOff val="0"/>
-              <a:alphaOff val="0"/>
-            </a:schemeClr>
-          </a:solidFill>
-          <a:prstDash val="solid"/>
-        </a:ln>
-        <a:effectLst/>
-      </dsp:spPr>
-      <dsp:style>
-        <a:lnRef idx="2">
-          <a:scrgbClr r="0" g="0" b="0"/>
-        </a:lnRef>
-        <a:fillRef idx="1">
-          <a:scrgbClr r="0" g="0" b="0"/>
-        </a:fillRef>
-        <a:effectRef idx="0">
-          <a:scrgbClr r="0" g="0" b="0"/>
-        </a:effectRef>
-        <a:fontRef idx="minor">
-          <a:schemeClr val="lt1"/>
-        </a:fontRef>
-      </dsp:style>
-      <dsp:txBody>
-        <a:bodyPr spcFirstLastPara="0" vert="horz" wrap="square" lIns="68009" tIns="22670" rIns="22670" bIns="22670" numCol="1" spcCol="1270" anchor="ctr" anchorCtr="0">
-          <a:noAutofit/>
-        </a:bodyPr>
-        <a:lstStyle/>
-        <a:p>
-          <a:pPr lvl="0" algn="ctr" defTabSz="755650">
-            <a:lnSpc>
-              <a:spcPct val="90000"/>
-            </a:lnSpc>
-            <a:spcBef>
-              <a:spcPct val="0"/>
-            </a:spcBef>
-            <a:spcAft>
-              <a:spcPct val="35000"/>
-            </a:spcAft>
-          </a:pPr>
-          <a:r>
-            <a:rPr lang="fr-FR" sz="1700" kern="1200" dirty="0" smtClean="0"/>
-            <a:t>Conclusion</a:t>
-          </a:r>
-          <a:endParaRPr lang="fr-FR" sz="1700" kern="1200" dirty="0"/>
-        </a:p>
-      </dsp:txBody>
-      <dsp:txXfrm>
-        <a:off x="9292686" y="0"/>
-        <a:ext cx="2248505" cy="290820"/>
-      </dsp:txXfrm>
-    </dsp:sp>
   </dsp:spTree>
 </dsp:drawing>
 </file>
@@ -19028,227 +16027,6 @@
       <dsp:cNvGrpSpPr/>
     </dsp:nvGrpSpPr>
     <dsp:grpSpPr/>
-    <dsp:sp modelId="{1F6056EB-C534-4970-B58E-AD722CC6900E}">
-      <dsp:nvSpPr>
-        <dsp:cNvPr id="0" name=""/>
-        <dsp:cNvSpPr/>
-      </dsp:nvSpPr>
-      <dsp:spPr>
-        <a:xfrm>
-          <a:off x="1673" y="0"/>
-          <a:ext cx="2039194" cy="410198"/>
-        </a:xfrm>
-        <a:prstGeom prst="chevron">
-          <a:avLst/>
-        </a:prstGeom>
-        <a:solidFill>
-          <a:schemeClr val="accent1"/>
-        </a:solidFill>
-        <a:ln w="15875" cap="rnd" cmpd="sng" algn="ctr">
-          <a:solidFill>
-            <a:schemeClr val="lt1">
-              <a:hueOff val="0"/>
-              <a:satOff val="0"/>
-              <a:lumOff val="0"/>
-              <a:alphaOff val="0"/>
-            </a:schemeClr>
-          </a:solidFill>
-          <a:prstDash val="solid"/>
-        </a:ln>
-        <a:effectLst/>
-      </dsp:spPr>
-      <dsp:style>
-        <a:lnRef idx="2">
-          <a:scrgbClr r="0" g="0" b="0"/>
-        </a:lnRef>
-        <a:fillRef idx="1">
-          <a:scrgbClr r="0" g="0" b="0"/>
-        </a:fillRef>
-        <a:effectRef idx="0">
-          <a:scrgbClr r="0" g="0" b="0"/>
-        </a:effectRef>
-        <a:fontRef idx="minor">
-          <a:schemeClr val="lt1"/>
-        </a:fontRef>
-      </dsp:style>
-      <dsp:txBody>
-        <a:bodyPr spcFirstLastPara="0" vert="horz" wrap="square" lIns="80010" tIns="26670" rIns="26670" bIns="26670" numCol="1" spcCol="1270" anchor="ctr" anchorCtr="0">
-          <a:noAutofit/>
-        </a:bodyPr>
-        <a:lstStyle/>
-        <a:p>
-          <a:pPr lvl="0" algn="ctr" defTabSz="889000">
-            <a:lnSpc>
-              <a:spcPct val="90000"/>
-            </a:lnSpc>
-            <a:spcBef>
-              <a:spcPct val="0"/>
-            </a:spcBef>
-            <a:spcAft>
-              <a:spcPct val="35000"/>
-            </a:spcAft>
-          </a:pPr>
-          <a:r>
-            <a:rPr lang="fr-FR" sz="2000" kern="1200" dirty="0" smtClean="0"/>
-            <a:t>Introduction</a:t>
-          </a:r>
-          <a:endParaRPr lang="fr-FR" sz="2000" kern="1200" dirty="0"/>
-        </a:p>
-      </dsp:txBody>
-      <dsp:txXfrm>
-        <a:off x="206772" y="0"/>
-        <a:ext cx="1628996" cy="410198"/>
-      </dsp:txXfrm>
-    </dsp:sp>
-    <dsp:sp modelId="{1AA5F17D-B47A-4297-B5BB-8C6B99E6C5DA}">
-      <dsp:nvSpPr>
-        <dsp:cNvPr id="0" name=""/>
-        <dsp:cNvSpPr/>
-      </dsp:nvSpPr>
-      <dsp:spPr>
-        <a:xfrm>
-          <a:off x="1836948" y="0"/>
-          <a:ext cx="2039194" cy="410198"/>
-        </a:xfrm>
-        <a:prstGeom prst="chevron">
-          <a:avLst/>
-        </a:prstGeom>
-        <a:solidFill>
-          <a:srgbClr val="FF0000"/>
-        </a:solidFill>
-        <a:ln w="15875" cap="rnd" cmpd="sng" algn="ctr">
-          <a:solidFill>
-            <a:schemeClr val="lt1">
-              <a:hueOff val="0"/>
-              <a:satOff val="0"/>
-              <a:lumOff val="0"/>
-              <a:alphaOff val="0"/>
-            </a:schemeClr>
-          </a:solidFill>
-          <a:prstDash val="solid"/>
-        </a:ln>
-        <a:effectLst/>
-      </dsp:spPr>
-      <dsp:style>
-        <a:lnRef idx="2">
-          <a:scrgbClr r="0" g="0" b="0"/>
-        </a:lnRef>
-        <a:fillRef idx="1">
-          <a:scrgbClr r="0" g="0" b="0"/>
-        </a:fillRef>
-        <a:effectRef idx="0">
-          <a:scrgbClr r="0" g="0" b="0"/>
-        </a:effectRef>
-        <a:fontRef idx="minor">
-          <a:schemeClr val="lt1"/>
-        </a:fontRef>
-      </dsp:style>
-      <dsp:txBody>
-        <a:bodyPr spcFirstLastPara="0" vert="horz" wrap="square" lIns="80010" tIns="26670" rIns="26670" bIns="26670" numCol="1" spcCol="1270" anchor="ctr" anchorCtr="0">
-          <a:noAutofit/>
-        </a:bodyPr>
-        <a:lstStyle/>
-        <a:p>
-          <a:pPr lvl="0" algn="ctr" defTabSz="889000">
-            <a:lnSpc>
-              <a:spcPct val="90000"/>
-            </a:lnSpc>
-            <a:spcBef>
-              <a:spcPct val="0"/>
-            </a:spcBef>
-            <a:spcAft>
-              <a:spcPct val="35000"/>
-            </a:spcAft>
-          </a:pPr>
-          <a:r>
-            <a:rPr lang="fr-FR" sz="2000" kern="1200" dirty="0" smtClean="0"/>
-            <a:t>Technique</a:t>
-          </a:r>
-          <a:endParaRPr lang="fr-FR" sz="2000" kern="1200" dirty="0"/>
-        </a:p>
-      </dsp:txBody>
-      <dsp:txXfrm>
-        <a:off x="2042047" y="0"/>
-        <a:ext cx="1628996" cy="410198"/>
-      </dsp:txXfrm>
-    </dsp:sp>
-    <dsp:sp modelId="{DF757741-D2C4-47CD-B81F-0494B81FB4EA}">
-      <dsp:nvSpPr>
-        <dsp:cNvPr id="0" name=""/>
-        <dsp:cNvSpPr/>
-      </dsp:nvSpPr>
-      <dsp:spPr>
-        <a:xfrm>
-          <a:off x="3672223" y="0"/>
-          <a:ext cx="2039194" cy="410198"/>
-        </a:xfrm>
-        <a:prstGeom prst="chevron">
-          <a:avLst/>
-        </a:prstGeom>
-        <a:solidFill>
-          <a:schemeClr val="accent1">
-            <a:hueOff val="0"/>
-            <a:satOff val="0"/>
-            <a:lumOff val="0"/>
-            <a:alphaOff val="0"/>
-          </a:schemeClr>
-        </a:solidFill>
-        <a:ln w="15875" cap="rnd" cmpd="sng" algn="ctr">
-          <a:solidFill>
-            <a:schemeClr val="lt1">
-              <a:hueOff val="0"/>
-              <a:satOff val="0"/>
-              <a:lumOff val="0"/>
-              <a:alphaOff val="0"/>
-            </a:schemeClr>
-          </a:solidFill>
-          <a:prstDash val="solid"/>
-        </a:ln>
-        <a:effectLst/>
-      </dsp:spPr>
-      <dsp:style>
-        <a:lnRef idx="2">
-          <a:scrgbClr r="0" g="0" b="0"/>
-        </a:lnRef>
-        <a:fillRef idx="1">
-          <a:scrgbClr r="0" g="0" b="0"/>
-        </a:fillRef>
-        <a:effectRef idx="0">
-          <a:scrgbClr r="0" g="0" b="0"/>
-        </a:effectRef>
-        <a:fontRef idx="minor">
-          <a:schemeClr val="lt1"/>
-        </a:fontRef>
-      </dsp:style>
-      <dsp:txBody>
-        <a:bodyPr spcFirstLastPara="0" vert="horz" wrap="square" lIns="80010" tIns="26670" rIns="26670" bIns="26670" numCol="1" spcCol="1270" anchor="ctr" anchorCtr="0">
-          <a:noAutofit/>
-        </a:bodyPr>
-        <a:lstStyle/>
-        <a:p>
-          <a:pPr lvl="0" algn="ctr" defTabSz="889000">
-            <a:lnSpc>
-              <a:spcPct val="90000"/>
-            </a:lnSpc>
-            <a:spcBef>
-              <a:spcPct val="0"/>
-            </a:spcBef>
-            <a:spcAft>
-              <a:spcPct val="35000"/>
-            </a:spcAft>
-          </a:pPr>
-          <a:r>
-            <a:rPr lang="fr-FR" sz="2000" kern="1200" dirty="0" smtClean="0"/>
-            <a:t>Bilan</a:t>
-          </a:r>
-          <a:endParaRPr lang="fr-FR" sz="2000" kern="1200" dirty="0"/>
-        </a:p>
-      </dsp:txBody>
-      <dsp:txXfrm>
-        <a:off x="3877322" y="0"/>
-        <a:ext cx="1628996" cy="410198"/>
-      </dsp:txXfrm>
-    </dsp:sp>
   </dsp:spTree>
 </dsp:drawing>
 </file>
@@ -37773,7 +34551,7 @@
           <a:p>
             <a:fld id="{E0D73947-CED3-4729-B2B6-FDB8EDD0C21A}" type="datetimeFigureOut">
               <a:rPr lang="fr-FR" smtClean="0"/>
-              <a:t>08/12/2016</a:t>
+              <a:t>05/01/2017</a:t>
             </a:fld>
             <a:endParaRPr lang="fr-FR"/>
           </a:p>
@@ -38313,7 +35091,7 @@
           <a:p>
             <a:fld id="{3A213F58-3852-424B-87CB-96F4F4F602A9}" type="datetime1">
               <a:rPr lang="en-US" smtClean="0"/>
-              <a:t>12/8/2016</a:t>
+              <a:t>1/5/2017</a:t>
             </a:fld>
             <a:endParaRPr lang="en-US" dirty="0"/>
           </a:p>
@@ -38663,7 +35441,7 @@
           <a:p>
             <a:fld id="{D854F0A2-9B86-4E90-8D17-A2CCAF6E5B82}" type="datetime1">
               <a:rPr lang="en-US" smtClean="0"/>
-              <a:t>12/8/2016</a:t>
+              <a:t>1/5/2017</a:t>
             </a:fld>
             <a:endParaRPr lang="en-US" dirty="0"/>
           </a:p>
@@ -39076,7 +35854,7 @@
           <a:p>
             <a:fld id="{3179B0B1-CD9F-4A33-8B69-EAB316917FB3}" type="datetime1">
               <a:rPr lang="en-US" smtClean="0"/>
-              <a:t>12/8/2016</a:t>
+              <a:t>1/5/2017</a:t>
             </a:fld>
             <a:endParaRPr lang="en-US" dirty="0"/>
           </a:p>
@@ -39424,7 +36202,7 @@
           <a:p>
             <a:fld id="{3C075D83-5862-4F0A-93A8-64B2D2B61333}" type="datetime1">
               <a:rPr lang="en-US" smtClean="0"/>
-              <a:t>12/8/2016</a:t>
+              <a:t>1/5/2017</a:t>
             </a:fld>
             <a:endParaRPr lang="en-US" dirty="0"/>
           </a:p>
@@ -39756,7 +36534,7 @@
           <a:p>
             <a:fld id="{80006A4A-A824-45F6-BE04-CC3CA8D3BAC2}" type="datetime1">
               <a:rPr lang="en-US" smtClean="0"/>
-              <a:t>12/8/2016</a:t>
+              <a:t>1/5/2017</a:t>
             </a:fld>
             <a:endParaRPr lang="en-US" dirty="0"/>
           </a:p>
@@ -40164,7 +36942,7 @@
           <a:p>
             <a:fld id="{4DA49DD5-57D1-4866-877D-584A5FB34A46}" type="datetime1">
               <a:rPr lang="en-US" smtClean="0"/>
-              <a:t>12/8/2016</a:t>
+              <a:t>1/5/2017</a:t>
             </a:fld>
             <a:endParaRPr lang="en-US" dirty="0"/>
           </a:p>
@@ -40433,7 +37211,7 @@
           <a:p>
             <a:fld id="{CBA5E7C4-4275-43EF-B081-1606F9BA2641}" type="datetime1">
               <a:rPr lang="en-US" smtClean="0"/>
-              <a:t>12/8/2016</a:t>
+              <a:t>1/5/2017</a:t>
             </a:fld>
             <a:endParaRPr lang="en-US" dirty="0"/>
           </a:p>
@@ -40707,7 +37485,7 @@
           <a:p>
             <a:fld id="{61378696-F5F8-430F-BE84-D434C4D4EB8B}" type="datetime1">
               <a:rPr lang="en-US" smtClean="0"/>
-              <a:t>12/8/2016</a:t>
+              <a:t>1/5/2017</a:t>
             </a:fld>
             <a:endParaRPr lang="en-US" dirty="0"/>
           </a:p>
@@ -40981,7 +37759,7 @@
           <a:p>
             <a:fld id="{02C9A2DD-E91A-4022-91F7-282972AA0488}" type="datetime1">
               <a:rPr lang="en-US" smtClean="0"/>
-              <a:t>12/8/2016</a:t>
+              <a:t>1/5/2017</a:t>
             </a:fld>
             <a:endParaRPr lang="en-US" dirty="0"/>
           </a:p>
@@ -41322,7 +38100,7 @@
           <a:p>
             <a:fld id="{517EA931-7F90-456B-85C9-ACE2028EF430}" type="datetime1">
               <a:rPr lang="en-US" smtClean="0"/>
-              <a:t>12/8/2016</a:t>
+              <a:t>1/5/2017</a:t>
             </a:fld>
             <a:endParaRPr lang="en-US" dirty="0"/>
           </a:p>
@@ -41657,7 +38435,7 @@
           <a:p>
             <a:fld id="{B81340F5-93AD-4489-ACED-BEE9CDC5CC2B}" type="datetime1">
               <a:rPr lang="en-US" smtClean="0"/>
-              <a:t>12/8/2016</a:t>
+              <a:t>1/5/2017</a:t>
             </a:fld>
             <a:endParaRPr lang="en-US" dirty="0"/>
           </a:p>
@@ -42126,7 +38904,7 @@
           <a:p>
             <a:fld id="{AC7D3ADB-10F5-43FD-9A85-3BA2A79F8BD1}" type="datetime1">
               <a:rPr lang="en-US" smtClean="0"/>
-              <a:t>12/8/2016</a:t>
+              <a:t>1/5/2017</a:t>
             </a:fld>
             <a:endParaRPr lang="en-US" dirty="0"/>
           </a:p>
@@ -42343,7 +39121,7 @@
           <a:p>
             <a:fld id="{C6ED64C4-8600-416B-9E37-65C3D1772161}" type="datetime1">
               <a:rPr lang="en-US" smtClean="0"/>
-              <a:t>12/8/2016</a:t>
+              <a:t>1/5/2017</a:t>
             </a:fld>
             <a:endParaRPr lang="en-US" dirty="0"/>
           </a:p>
@@ -42532,7 +39310,7 @@
           <a:p>
             <a:fld id="{190285A4-5E48-4659-8557-EEBD26586683}" type="datetime1">
               <a:rPr lang="en-US" smtClean="0"/>
-              <a:t>12/8/2016</a:t>
+              <a:t>1/5/2017</a:t>
             </a:fld>
             <a:endParaRPr lang="en-US" dirty="0"/>
           </a:p>
@@ -42877,7 +39655,7 @@
           <a:p>
             <a:fld id="{FB0ED0D8-1B03-40A2-BA20-A3DF9DC1E44D}" type="datetime1">
               <a:rPr lang="en-US" smtClean="0"/>
-              <a:t>12/8/2016</a:t>
+              <a:t>1/5/2017</a:t>
             </a:fld>
             <a:endParaRPr lang="en-US" dirty="0"/>
           </a:p>
@@ -43234,7 +40012,7 @@
           <a:p>
             <a:fld id="{8DF2AF96-B1FB-4BD6-9E4E-8A5E503A90DB}" type="datetime1">
               <a:rPr lang="en-US" smtClean="0"/>
-              <a:t>12/8/2016</a:t>
+              <a:t>1/5/2017</a:t>
             </a:fld>
             <a:endParaRPr lang="en-US" dirty="0"/>
           </a:p>
@@ -45363,7 +42141,7 @@
           <a:p>
             <a:fld id="{56AD9686-7EB0-4ADF-B47E-D8E49D123469}" type="datetime1">
               <a:rPr lang="en-US" smtClean="0"/>
-              <a:t>12/8/2016</a:t>
+              <a:t>1/5/2017</a:t>
             </a:fld>
             <a:endParaRPr lang="en-US" dirty="0"/>
           </a:p>
@@ -46736,33 +43514,31 @@
       </p:grpSpPr>
       <p:pic>
         <p:nvPicPr>
-          <p:cNvPr id="6" name="Picture 7"/>
+          <p:cNvPr id="10" name="Image 9"/>
           <p:cNvPicPr>
-            <a:picLocks/>
+            <a:picLocks noChangeAspect="1"/>
           </p:cNvPicPr>
           <p:nvPr/>
         </p:nvPicPr>
         <p:blipFill rotWithShape="1">
-          <a:blip r:embed="rId2"/>
-          <a:srcRect l="36592" t="4139" r="10148" b="56675"/>
+          <a:blip r:embed="rId2">
+            <a:extLst>
+              <a:ext uri="{28A0092B-C50C-407E-A947-70E740481C1C}">
+                <a14:useLocalDpi xmlns:a14="http://schemas.microsoft.com/office/drawing/2010/main" val="0"/>
+              </a:ext>
+            </a:extLst>
+          </a:blip>
+          <a:srcRect l="39862" r="10448"/>
           <a:stretch/>
         </p:blipFill>
-        <p:spPr bwMode="auto">
+        <p:spPr>
           <a:xfrm rot="16200000">
-            <a:off x="3939655" y="-358879"/>
-            <a:ext cx="5537588" cy="7657030"/>
+            <a:off x="4131649" y="-1879022"/>
+            <a:ext cx="4234981" cy="11688560"/>
           </a:xfrm>
           <a:prstGeom prst="rect">
             <a:avLst/>
           </a:prstGeom>
-          <a:ln>
-            <a:noFill/>
-          </a:ln>
-          <a:extLst>
-            <a:ext uri="{53640926-AAD7-44D8-BBD7-CCE9431645EC}">
-              <a14:shadowObscured xmlns:a14="http://schemas.microsoft.com/office/drawing/2010/main"/>
-            </a:ext>
-          </a:extLst>
         </p:spPr>
       </p:pic>
       <p:sp>
@@ -46773,8 +43549,8 @@
         </p:nvSpPr>
         <p:spPr>
           <a:xfrm>
-            <a:off x="3982340" y="1198367"/>
-            <a:ext cx="1495514" cy="783364"/>
+            <a:off x="1490870" y="3246589"/>
+            <a:ext cx="947546" cy="509024"/>
           </a:xfrm>
           <a:prstGeom prst="ellipse">
             <a:avLst/>
@@ -46818,9 +43594,9 @@
           <p:nvPr/>
         </p:nvSpPr>
         <p:spPr>
-          <a:xfrm rot="18230574">
-            <a:off x="5728573" y="-113842"/>
-            <a:ext cx="3279963" cy="5826067"/>
+          <a:xfrm rot="18533455">
+            <a:off x="2050959" y="2578806"/>
+            <a:ext cx="2686972" cy="3639647"/>
           </a:xfrm>
           <a:prstGeom prst="arc">
             <a:avLst/>
@@ -46862,7 +43638,7 @@
         </p:nvSpPr>
         <p:spPr>
           <a:xfrm rot="7424051">
-            <a:off x="8196800" y="1340328"/>
+            <a:off x="4171453" y="3281861"/>
             <a:ext cx="155124" cy="198977"/>
           </a:xfrm>
           <a:prstGeom prst="triangle">
@@ -46922,7 +43698,7 @@
             </a:fld>
             <a:r>
               <a:rPr lang="en-US" dirty="0" smtClean="0"/>
-              <a:t>/13</a:t>
+              <a:t>/8</a:t>
             </a:r>
             <a:endParaRPr lang="en-US" dirty="0"/>
           </a:p>
@@ -46933,11 +43709,7 @@
           <p:cNvPr id="12" name="Diagramme 11"/>
           <p:cNvGraphicFramePr/>
           <p:nvPr>
-            <p:extLst>
-              <p:ext uri="{D42A27DB-BD31-4B8C-83A1-F6EECF244321}">
-                <p14:modId xmlns:p14="http://schemas.microsoft.com/office/powerpoint/2010/main" val="3541124189"/>
-              </p:ext>
-            </p:extLst>
+            <p:extLst/>
           </p:nvPr>
         </p:nvGraphicFramePr>
         <p:xfrm>
@@ -46950,10 +43722,169 @@
           </a:graphicData>
         </a:graphic>
       </p:graphicFrame>
+      <p:sp>
+        <p:nvSpPr>
+          <p:cNvPr id="13" name="Ellipse 12"/>
+          <p:cNvSpPr/>
+          <p:nvPr/>
+        </p:nvSpPr>
+        <p:spPr>
+          <a:xfrm>
+            <a:off x="4476272" y="3261597"/>
+            <a:ext cx="947546" cy="509024"/>
+          </a:xfrm>
+          <a:prstGeom prst="ellipse">
+            <a:avLst/>
+          </a:prstGeom>
+          <a:noFill/>
+          <a:ln w="38100">
+            <a:solidFill>
+              <a:srgbClr val="FF0000"/>
+            </a:solidFill>
+          </a:ln>
+        </p:spPr>
+        <p:style>
+          <a:lnRef idx="2">
+            <a:schemeClr val="accent1">
+              <a:shade val="50000"/>
+            </a:schemeClr>
+          </a:lnRef>
+          <a:fillRef idx="1">
+            <a:schemeClr val="accent1"/>
+          </a:fillRef>
+          <a:effectRef idx="0">
+            <a:schemeClr val="accent1"/>
+          </a:effectRef>
+          <a:fontRef idx="minor">
+            <a:schemeClr val="lt1"/>
+          </a:fontRef>
+        </p:style>
+        <p:txBody>
+          <a:bodyPr rtlCol="0" anchor="ctr"/>
+          <a:lstStyle/>
+          <a:p>
+            <a:pPr algn="ctr"/>
+            <a:endParaRPr lang="fr-FR"/>
+          </a:p>
+        </p:txBody>
+      </p:sp>
+      <p:sp>
+        <p:nvSpPr>
+          <p:cNvPr id="14" name="Arc 13"/>
+          <p:cNvSpPr/>
+          <p:nvPr/>
+        </p:nvSpPr>
+        <p:spPr>
+          <a:xfrm rot="7697379">
+            <a:off x="2555505" y="1496029"/>
+            <a:ext cx="2030817" cy="2785244"/>
+          </a:xfrm>
+          <a:prstGeom prst="arc">
+            <a:avLst/>
+          </a:prstGeom>
+          <a:ln w="38100">
+            <a:solidFill>
+              <a:srgbClr val="FF0000"/>
+            </a:solidFill>
+          </a:ln>
+        </p:spPr>
+        <p:style>
+          <a:lnRef idx="1">
+            <a:schemeClr val="accent1"/>
+          </a:lnRef>
+          <a:fillRef idx="0">
+            <a:schemeClr val="accent1"/>
+          </a:fillRef>
+          <a:effectRef idx="0">
+            <a:schemeClr val="accent1"/>
+          </a:effectRef>
+          <a:fontRef idx="minor">
+            <a:schemeClr val="tx1"/>
+          </a:fontRef>
+        </p:style>
+        <p:txBody>
+          <a:bodyPr rtlCol="0" anchor="ctr"/>
+          <a:lstStyle/>
+          <a:p>
+            <a:pPr algn="ctr"/>
+            <a:endParaRPr lang="fr-FR"/>
+          </a:p>
+        </p:txBody>
+      </p:sp>
+      <p:sp>
+        <p:nvSpPr>
+          <p:cNvPr id="15" name="Triangle isocèle 14"/>
+          <p:cNvSpPr/>
+          <p:nvPr/>
+        </p:nvSpPr>
+        <p:spPr>
+          <a:xfrm rot="18853098">
+            <a:off x="2874920" y="3579924"/>
+            <a:ext cx="155124" cy="198977"/>
+          </a:xfrm>
+          <a:prstGeom prst="triangle">
+            <a:avLst/>
+          </a:prstGeom>
+          <a:solidFill>
+            <a:srgbClr val="FF0000"/>
+          </a:solidFill>
+          <a:ln>
+            <a:noFill/>
+          </a:ln>
+        </p:spPr>
+        <p:style>
+          <a:lnRef idx="2">
+            <a:schemeClr val="accent1">
+              <a:shade val="50000"/>
+            </a:schemeClr>
+          </a:lnRef>
+          <a:fillRef idx="1">
+            <a:schemeClr val="accent1"/>
+          </a:fillRef>
+          <a:effectRef idx="0">
+            <a:schemeClr val="accent1"/>
+          </a:effectRef>
+          <a:fontRef idx="minor">
+            <a:schemeClr val="lt1"/>
+          </a:fontRef>
+        </p:style>
+        <p:txBody>
+          <a:bodyPr rtlCol="0" anchor="ctr"/>
+          <a:lstStyle/>
+          <a:p>
+            <a:pPr algn="ctr"/>
+            <a:endParaRPr lang="fr-FR"/>
+          </a:p>
+        </p:txBody>
+      </p:sp>
+      <p:sp>
+        <p:nvSpPr>
+          <p:cNvPr id="16" name="Titre 1"/>
+          <p:cNvSpPr>
+            <a:spLocks noGrp="1"/>
+          </p:cNvSpPr>
+          <p:nvPr>
+            <p:ph type="title"/>
+          </p:nvPr>
+        </p:nvSpPr>
+        <p:spPr>
+          <a:xfrm>
+            <a:off x="2155900" y="689327"/>
+            <a:ext cx="8911687" cy="1280890"/>
+          </a:xfrm>
+        </p:spPr>
+        <p:txBody>
+          <a:bodyPr/>
+          <a:lstStyle/>
+          <a:p>
+            <a:endParaRPr lang="fr-FR" dirty="0"/>
+          </a:p>
+        </p:txBody>
+      </p:sp>
     </p:spTree>
     <p:extLst>
       <p:ext uri="{BB962C8B-B14F-4D97-AF65-F5344CB8AC3E}">
-        <p14:creationId xmlns:p14="http://schemas.microsoft.com/office/powerpoint/2010/main" val="767100888"/>
+        <p14:creationId xmlns:p14="http://schemas.microsoft.com/office/powerpoint/2010/main" val="2136395296"/>
       </p:ext>
     </p:extLst>
   </p:cSld>
@@ -46975,9 +43906,286 @@
   <p:timing>
     <p:tnLst>
       <p:par>
-        <p:cTn id="1" dur="indefinite" restart="never" nodeType="tmRoot"/>
+        <p:cTn id="1" dur="indefinite" restart="never" nodeType="tmRoot">
+          <p:childTnLst>
+            <p:seq concurrent="1" nextAc="seek">
+              <p:cTn id="2" dur="indefinite" nodeType="mainSeq">
+                <p:childTnLst>
+                  <p:par>
+                    <p:cTn id="3" fill="hold">
+                      <p:stCondLst>
+                        <p:cond delay="indefinite"/>
+                      </p:stCondLst>
+                      <p:childTnLst>
+                        <p:par>
+                          <p:cTn id="4" fill="hold">
+                            <p:stCondLst>
+                              <p:cond delay="0"/>
+                            </p:stCondLst>
+                            <p:childTnLst>
+                              <p:par>
+                                <p:cTn id="5" presetID="10" presetClass="entr" presetSubtype="0" fill="hold" grpId="0" nodeType="clickEffect">
+                                  <p:stCondLst>
+                                    <p:cond delay="0"/>
+                                  </p:stCondLst>
+                                  <p:childTnLst>
+                                    <p:set>
+                                      <p:cBhvr>
+                                        <p:cTn id="6" dur="1" fill="hold">
+                                          <p:stCondLst>
+                                            <p:cond delay="0"/>
+                                          </p:stCondLst>
+                                        </p:cTn>
+                                        <p:tgtEl>
+                                          <p:spTgt spid="8"/>
+                                        </p:tgtEl>
+                                        <p:attrNameLst>
+                                          <p:attrName>style.visibility</p:attrName>
+                                        </p:attrNameLst>
+                                      </p:cBhvr>
+                                      <p:to>
+                                        <p:strVal val="visible"/>
+                                      </p:to>
+                                    </p:set>
+                                    <p:animEffect transition="in" filter="fade">
+                                      <p:cBhvr>
+                                        <p:cTn id="7" dur="500"/>
+                                        <p:tgtEl>
+                                          <p:spTgt spid="8"/>
+                                        </p:tgtEl>
+                                      </p:cBhvr>
+                                    </p:animEffect>
+                                  </p:childTnLst>
+                                </p:cTn>
+                              </p:par>
+                              <p:par>
+                                <p:cTn id="8" presetID="10" presetClass="entr" presetSubtype="0" fill="hold" grpId="0" nodeType="withEffect">
+                                  <p:stCondLst>
+                                    <p:cond delay="0"/>
+                                  </p:stCondLst>
+                                  <p:childTnLst>
+                                    <p:set>
+                                      <p:cBhvr>
+                                        <p:cTn id="9" dur="1" fill="hold">
+                                          <p:stCondLst>
+                                            <p:cond delay="0"/>
+                                          </p:stCondLst>
+                                        </p:cTn>
+                                        <p:tgtEl>
+                                          <p:spTgt spid="9"/>
+                                        </p:tgtEl>
+                                        <p:attrNameLst>
+                                          <p:attrName>style.visibility</p:attrName>
+                                        </p:attrNameLst>
+                                      </p:cBhvr>
+                                      <p:to>
+                                        <p:strVal val="visible"/>
+                                      </p:to>
+                                    </p:set>
+                                    <p:animEffect transition="in" filter="fade">
+                                      <p:cBhvr>
+                                        <p:cTn id="10" dur="500"/>
+                                        <p:tgtEl>
+                                          <p:spTgt spid="9"/>
+                                        </p:tgtEl>
+                                      </p:cBhvr>
+                                    </p:animEffect>
+                                  </p:childTnLst>
+                                </p:cTn>
+                              </p:par>
+                              <p:par>
+                                <p:cTn id="11" presetID="10" presetClass="entr" presetSubtype="0" fill="hold" grpId="0" nodeType="withEffect">
+                                  <p:stCondLst>
+                                    <p:cond delay="0"/>
+                                  </p:stCondLst>
+                                  <p:childTnLst>
+                                    <p:set>
+                                      <p:cBhvr>
+                                        <p:cTn id="12" dur="1" fill="hold">
+                                          <p:stCondLst>
+                                            <p:cond delay="0"/>
+                                          </p:stCondLst>
+                                        </p:cTn>
+                                        <p:tgtEl>
+                                          <p:spTgt spid="11"/>
+                                        </p:tgtEl>
+                                        <p:attrNameLst>
+                                          <p:attrName>style.visibility</p:attrName>
+                                        </p:attrNameLst>
+                                      </p:cBhvr>
+                                      <p:to>
+                                        <p:strVal val="visible"/>
+                                      </p:to>
+                                    </p:set>
+                                    <p:animEffect transition="in" filter="fade">
+                                      <p:cBhvr>
+                                        <p:cTn id="13" dur="500"/>
+                                        <p:tgtEl>
+                                          <p:spTgt spid="11"/>
+                                        </p:tgtEl>
+                                      </p:cBhvr>
+                                    </p:animEffect>
+                                  </p:childTnLst>
+                                </p:cTn>
+                              </p:par>
+                            </p:childTnLst>
+                          </p:cTn>
+                        </p:par>
+                      </p:childTnLst>
+                    </p:cTn>
+                  </p:par>
+                  <p:par>
+                    <p:cTn id="14" fill="hold">
+                      <p:stCondLst>
+                        <p:cond delay="indefinite"/>
+                      </p:stCondLst>
+                      <p:childTnLst>
+                        <p:par>
+                          <p:cTn id="15" fill="hold">
+                            <p:stCondLst>
+                              <p:cond delay="0"/>
+                            </p:stCondLst>
+                            <p:childTnLst>
+                              <p:par>
+                                <p:cTn id="16" presetID="10" presetClass="entr" presetSubtype="0" fill="hold" grpId="0" nodeType="clickEffect">
+                                  <p:stCondLst>
+                                    <p:cond delay="0"/>
+                                  </p:stCondLst>
+                                  <p:childTnLst>
+                                    <p:set>
+                                      <p:cBhvr>
+                                        <p:cTn id="17" dur="1" fill="hold">
+                                          <p:stCondLst>
+                                            <p:cond delay="0"/>
+                                          </p:stCondLst>
+                                        </p:cTn>
+                                        <p:tgtEl>
+                                          <p:spTgt spid="15"/>
+                                        </p:tgtEl>
+                                        <p:attrNameLst>
+                                          <p:attrName>style.visibility</p:attrName>
+                                        </p:attrNameLst>
+                                      </p:cBhvr>
+                                      <p:to>
+                                        <p:strVal val="visible"/>
+                                      </p:to>
+                                    </p:set>
+                                    <p:animEffect transition="in" filter="fade">
+                                      <p:cBhvr>
+                                        <p:cTn id="18" dur="500"/>
+                                        <p:tgtEl>
+                                          <p:spTgt spid="15"/>
+                                        </p:tgtEl>
+                                      </p:cBhvr>
+                                    </p:animEffect>
+                                  </p:childTnLst>
+                                </p:cTn>
+                              </p:par>
+                              <p:par>
+                                <p:cTn id="19" presetID="10" presetClass="entr" presetSubtype="0" fill="hold" grpId="0" nodeType="withEffect">
+                                  <p:stCondLst>
+                                    <p:cond delay="0"/>
+                                  </p:stCondLst>
+                                  <p:childTnLst>
+                                    <p:set>
+                                      <p:cBhvr>
+                                        <p:cTn id="20" dur="1" fill="hold">
+                                          <p:stCondLst>
+                                            <p:cond delay="0"/>
+                                          </p:stCondLst>
+                                        </p:cTn>
+                                        <p:tgtEl>
+                                          <p:spTgt spid="14"/>
+                                        </p:tgtEl>
+                                        <p:attrNameLst>
+                                          <p:attrName>style.visibility</p:attrName>
+                                        </p:attrNameLst>
+                                      </p:cBhvr>
+                                      <p:to>
+                                        <p:strVal val="visible"/>
+                                      </p:to>
+                                    </p:set>
+                                    <p:animEffect transition="in" filter="fade">
+                                      <p:cBhvr>
+                                        <p:cTn id="21" dur="500"/>
+                                        <p:tgtEl>
+                                          <p:spTgt spid="14"/>
+                                        </p:tgtEl>
+                                      </p:cBhvr>
+                                    </p:animEffect>
+                                  </p:childTnLst>
+                                </p:cTn>
+                              </p:par>
+                              <p:par>
+                                <p:cTn id="22" presetID="10" presetClass="entr" presetSubtype="0" fill="hold" grpId="0" nodeType="withEffect">
+                                  <p:stCondLst>
+                                    <p:cond delay="0"/>
+                                  </p:stCondLst>
+                                  <p:childTnLst>
+                                    <p:set>
+                                      <p:cBhvr>
+                                        <p:cTn id="23" dur="1" fill="hold">
+                                          <p:stCondLst>
+                                            <p:cond delay="0"/>
+                                          </p:stCondLst>
+                                        </p:cTn>
+                                        <p:tgtEl>
+                                          <p:spTgt spid="13"/>
+                                        </p:tgtEl>
+                                        <p:attrNameLst>
+                                          <p:attrName>style.visibility</p:attrName>
+                                        </p:attrNameLst>
+                                      </p:cBhvr>
+                                      <p:to>
+                                        <p:strVal val="visible"/>
+                                      </p:to>
+                                    </p:set>
+                                    <p:animEffect transition="in" filter="fade">
+                                      <p:cBhvr>
+                                        <p:cTn id="24" dur="500"/>
+                                        <p:tgtEl>
+                                          <p:spTgt spid="13"/>
+                                        </p:tgtEl>
+                                      </p:cBhvr>
+                                    </p:animEffect>
+                                  </p:childTnLst>
+                                </p:cTn>
+                              </p:par>
+                            </p:childTnLst>
+                          </p:cTn>
+                        </p:par>
+                      </p:childTnLst>
+                    </p:cTn>
+                  </p:par>
+                </p:childTnLst>
+              </p:cTn>
+              <p:prevCondLst>
+                <p:cond evt="onPrev" delay="0">
+                  <p:tgtEl>
+                    <p:sldTgt/>
+                  </p:tgtEl>
+                </p:cond>
+              </p:prevCondLst>
+              <p:nextCondLst>
+                <p:cond evt="onNext" delay="0">
+                  <p:tgtEl>
+                    <p:sldTgt/>
+                  </p:tgtEl>
+                </p:cond>
+              </p:nextCondLst>
+            </p:seq>
+          </p:childTnLst>
+        </p:cTn>
       </p:par>
     </p:tnLst>
+    <p:bldLst>
+      <p:bldP spid="8" grpId="0" animBg="1"/>
+      <p:bldP spid="9" grpId="0" animBg="1"/>
+      <p:bldP spid="11" grpId="0" animBg="1"/>
+      <p:bldP spid="13" grpId="0" animBg="1"/>
+      <p:bldP spid="14" grpId="0" animBg="1"/>
+      <p:bldP spid="15" grpId="0" animBg="1"/>
+    </p:bldLst>
   </p:timing>
 </p:sld>
 </file>
